--- a/lectures3/Pythonlearn-13-WebServices.pptx
+++ b/lectures3/Pythonlearn-13-WebServices.pptx
@@ -619,8 +619,8 @@
         </p:nvSpPr>
         <p:spPr>
           <a:xfrm>
-            <a:off x="1143225" y="685800"/>
-            <a:ext cx="4572225" cy="3429000"/>
+            <a:off x="381000" y="685800"/>
+            <a:ext cx="6096000" cy="3429000"/>
           </a:xfrm>
           <a:custGeom>
             <a:avLst/>
@@ -729,8 +729,8 @@
         </p:nvSpPr>
         <p:spPr>
           <a:xfrm>
-            <a:off x="1143225" y="685800"/>
-            <a:ext cx="4572225" cy="3429000"/>
+            <a:off x="381000" y="685800"/>
+            <a:ext cx="6096000" cy="3429000"/>
           </a:xfrm>
           <a:custGeom>
             <a:avLst/>
@@ -839,8 +839,8 @@
         </p:nvSpPr>
         <p:spPr>
           <a:xfrm>
-            <a:off x="1143225" y="685800"/>
-            <a:ext cx="4572225" cy="3429000"/>
+            <a:off x="381000" y="685800"/>
+            <a:ext cx="6096000" cy="3429000"/>
           </a:xfrm>
           <a:custGeom>
             <a:avLst/>
@@ -949,8 +949,8 @@
         </p:nvSpPr>
         <p:spPr>
           <a:xfrm>
-            <a:off x="1143225" y="685800"/>
-            <a:ext cx="4572225" cy="3429000"/>
+            <a:off x="381000" y="685800"/>
+            <a:ext cx="6096000" cy="3429000"/>
           </a:xfrm>
           <a:custGeom>
             <a:avLst/>
@@ -1059,8 +1059,8 @@
         </p:nvSpPr>
         <p:spPr>
           <a:xfrm>
-            <a:off x="1143225" y="685800"/>
-            <a:ext cx="4572225" cy="3429000"/>
+            <a:off x="381000" y="685800"/>
+            <a:ext cx="6096000" cy="3429000"/>
           </a:xfrm>
           <a:custGeom>
             <a:avLst/>
@@ -1169,8 +1169,8 @@
         </p:nvSpPr>
         <p:spPr>
           <a:xfrm>
-            <a:off x="1143225" y="685800"/>
-            <a:ext cx="4572225" cy="3429000"/>
+            <a:off x="381000" y="685800"/>
+            <a:ext cx="6096000" cy="3429000"/>
           </a:xfrm>
           <a:custGeom>
             <a:avLst/>
@@ -1279,8 +1279,8 @@
         </p:nvSpPr>
         <p:spPr>
           <a:xfrm>
-            <a:off x="1143225" y="685800"/>
-            <a:ext cx="4572225" cy="3429000"/>
+            <a:off x="381000" y="685800"/>
+            <a:ext cx="6096000" cy="3429000"/>
           </a:xfrm>
           <a:custGeom>
             <a:avLst/>
@@ -1389,8 +1389,8 @@
         </p:nvSpPr>
         <p:spPr>
           <a:xfrm>
-            <a:off x="1143225" y="685800"/>
-            <a:ext cx="4572225" cy="3429000"/>
+            <a:off x="381000" y="685800"/>
+            <a:ext cx="6096000" cy="3429000"/>
           </a:xfrm>
           <a:custGeom>
             <a:avLst/>
@@ -1499,8 +1499,8 @@
         </p:nvSpPr>
         <p:spPr>
           <a:xfrm>
-            <a:off x="1143225" y="685800"/>
-            <a:ext cx="4572225" cy="3429000"/>
+            <a:off x="381000" y="685800"/>
+            <a:ext cx="6096000" cy="3429000"/>
           </a:xfrm>
           <a:custGeom>
             <a:avLst/>
@@ -1609,8 +1609,8 @@
         </p:nvSpPr>
         <p:spPr>
           <a:xfrm>
-            <a:off x="1143225" y="685800"/>
-            <a:ext cx="4572225" cy="3429000"/>
+            <a:off x="381000" y="685800"/>
+            <a:ext cx="6096000" cy="3429000"/>
           </a:xfrm>
           <a:custGeom>
             <a:avLst/>
@@ -1719,8 +1719,8 @@
         </p:nvSpPr>
         <p:spPr>
           <a:xfrm>
-            <a:off x="1143225" y="685800"/>
-            <a:ext cx="4572225" cy="3429000"/>
+            <a:off x="381000" y="685800"/>
+            <a:ext cx="6096000" cy="3429000"/>
           </a:xfrm>
           <a:custGeom>
             <a:avLst/>
@@ -1829,8 +1829,8 @@
         </p:nvSpPr>
         <p:spPr>
           <a:xfrm>
-            <a:off x="1143225" y="685800"/>
-            <a:ext cx="4572225" cy="3429000"/>
+            <a:off x="381000" y="685800"/>
+            <a:ext cx="6096000" cy="3429000"/>
           </a:xfrm>
           <a:custGeom>
             <a:avLst/>
@@ -1939,8 +1939,8 @@
         </p:nvSpPr>
         <p:spPr>
           <a:xfrm>
-            <a:off x="1143225" y="685800"/>
-            <a:ext cx="4572225" cy="3429000"/>
+            <a:off x="381000" y="685800"/>
+            <a:ext cx="6096000" cy="3429000"/>
           </a:xfrm>
           <a:custGeom>
             <a:avLst/>
@@ -2049,8 +2049,8 @@
         </p:nvSpPr>
         <p:spPr>
           <a:xfrm>
-            <a:off x="1143225" y="685800"/>
-            <a:ext cx="4572225" cy="3429000"/>
+            <a:off x="381000" y="685800"/>
+            <a:ext cx="6096000" cy="3429000"/>
           </a:xfrm>
           <a:custGeom>
             <a:avLst/>
@@ -2159,8 +2159,8 @@
         </p:nvSpPr>
         <p:spPr>
           <a:xfrm>
-            <a:off x="1143225" y="685800"/>
-            <a:ext cx="4572225" cy="3429000"/>
+            <a:off x="381000" y="685800"/>
+            <a:ext cx="6096000" cy="3429000"/>
           </a:xfrm>
           <a:custGeom>
             <a:avLst/>
@@ -2269,8 +2269,8 @@
         </p:nvSpPr>
         <p:spPr>
           <a:xfrm>
-            <a:off x="1143225" y="685800"/>
-            <a:ext cx="4572225" cy="3429000"/>
+            <a:off x="381000" y="685800"/>
+            <a:ext cx="6096000" cy="3429000"/>
           </a:xfrm>
           <a:custGeom>
             <a:avLst/>
@@ -2379,8 +2379,8 @@
         </p:nvSpPr>
         <p:spPr>
           <a:xfrm>
-            <a:off x="1143225" y="685800"/>
-            <a:ext cx="4572225" cy="3429000"/>
+            <a:off x="381000" y="685800"/>
+            <a:ext cx="6096000" cy="3429000"/>
           </a:xfrm>
           <a:custGeom>
             <a:avLst/>
@@ -2489,8 +2489,8 @@
         </p:nvSpPr>
         <p:spPr>
           <a:xfrm>
-            <a:off x="1143225" y="685800"/>
-            <a:ext cx="4572225" cy="3429000"/>
+            <a:off x="381000" y="685800"/>
+            <a:ext cx="6096000" cy="3429000"/>
           </a:xfrm>
           <a:custGeom>
             <a:avLst/>
@@ -2709,8 +2709,8 @@
         </p:nvSpPr>
         <p:spPr>
           <a:xfrm>
-            <a:off x="1143225" y="685800"/>
-            <a:ext cx="4572225" cy="3429000"/>
+            <a:off x="381000" y="685800"/>
+            <a:ext cx="6096000" cy="3429000"/>
           </a:xfrm>
           <a:custGeom>
             <a:avLst/>
@@ -3039,8 +3039,8 @@
         </p:nvSpPr>
         <p:spPr>
           <a:xfrm>
-            <a:off x="1143225" y="685800"/>
-            <a:ext cx="4572225" cy="3429000"/>
+            <a:off x="381000" y="685800"/>
+            <a:ext cx="6096000" cy="3429000"/>
           </a:xfrm>
           <a:custGeom>
             <a:avLst/>
@@ -3149,8 +3149,8 @@
         </p:nvSpPr>
         <p:spPr>
           <a:xfrm>
-            <a:off x="1143225" y="685800"/>
-            <a:ext cx="4572225" cy="3429000"/>
+            <a:off x="381000" y="685800"/>
+            <a:ext cx="6096000" cy="3429000"/>
           </a:xfrm>
           <a:custGeom>
             <a:avLst/>
@@ -3259,8 +3259,8 @@
         </p:nvSpPr>
         <p:spPr>
           <a:xfrm>
-            <a:off x="1143225" y="685800"/>
-            <a:ext cx="4572225" cy="3429000"/>
+            <a:off x="381000" y="685800"/>
+            <a:ext cx="6096000" cy="3429000"/>
           </a:xfrm>
           <a:custGeom>
             <a:avLst/>
@@ -3589,8 +3589,8 @@
         </p:nvSpPr>
         <p:spPr>
           <a:xfrm>
-            <a:off x="1143225" y="685800"/>
-            <a:ext cx="4572225" cy="3429000"/>
+            <a:off x="381000" y="685800"/>
+            <a:ext cx="6096000" cy="3429000"/>
           </a:xfrm>
           <a:custGeom>
             <a:avLst/>
@@ -3699,8 +3699,8 @@
         </p:nvSpPr>
         <p:spPr>
           <a:xfrm>
-            <a:off x="1143225" y="685800"/>
-            <a:ext cx="4572225" cy="3429000"/>
+            <a:off x="381000" y="685800"/>
+            <a:ext cx="6096000" cy="3429000"/>
           </a:xfrm>
           <a:custGeom>
             <a:avLst/>
@@ -3809,8 +3809,8 @@
         </p:nvSpPr>
         <p:spPr>
           <a:xfrm>
-            <a:off x="1143225" y="685800"/>
-            <a:ext cx="4572225" cy="3429000"/>
+            <a:off x="381000" y="685800"/>
+            <a:ext cx="6096000" cy="3429000"/>
           </a:xfrm>
           <a:custGeom>
             <a:avLst/>
@@ -3919,8 +3919,8 @@
         </p:nvSpPr>
         <p:spPr>
           <a:xfrm>
-            <a:off x="1143225" y="685800"/>
-            <a:ext cx="4572225" cy="3429000"/>
+            <a:off x="381000" y="685800"/>
+            <a:ext cx="6096000" cy="3429000"/>
           </a:xfrm>
           <a:custGeom>
             <a:avLst/>
@@ -4029,8 +4029,8 @@
         </p:nvSpPr>
         <p:spPr>
           <a:xfrm>
-            <a:off x="1143225" y="685800"/>
-            <a:ext cx="4572225" cy="3429000"/>
+            <a:off x="381000" y="685800"/>
+            <a:ext cx="6096000" cy="3429000"/>
           </a:xfrm>
           <a:custGeom>
             <a:avLst/>
@@ -4139,8 +4139,8 @@
         </p:nvSpPr>
         <p:spPr>
           <a:xfrm>
-            <a:off x="1143225" y="685800"/>
-            <a:ext cx="4572225" cy="3429000"/>
+            <a:off x="381000" y="685800"/>
+            <a:ext cx="6096000" cy="3429000"/>
           </a:xfrm>
           <a:custGeom>
             <a:avLst/>
@@ -4249,8 +4249,8 @@
         </p:nvSpPr>
         <p:spPr>
           <a:xfrm>
-            <a:off x="1143225" y="685800"/>
-            <a:ext cx="4572225" cy="3429000"/>
+            <a:off x="381000" y="685800"/>
+            <a:ext cx="6096000" cy="3429000"/>
           </a:xfrm>
           <a:custGeom>
             <a:avLst/>
@@ -4359,8 +4359,8 @@
         </p:nvSpPr>
         <p:spPr>
           <a:xfrm>
-            <a:off x="1143225" y="685800"/>
-            <a:ext cx="4572225" cy="3429000"/>
+            <a:off x="381000" y="685800"/>
+            <a:ext cx="6096000" cy="3429000"/>
           </a:xfrm>
           <a:custGeom>
             <a:avLst/>
@@ -4469,8 +4469,8 @@
         </p:nvSpPr>
         <p:spPr>
           <a:xfrm>
-            <a:off x="1143225" y="685800"/>
-            <a:ext cx="4572225" cy="3429000"/>
+            <a:off x="381000" y="685800"/>
+            <a:ext cx="6096000" cy="3429000"/>
           </a:xfrm>
           <a:custGeom>
             <a:avLst/>
@@ -4579,8 +4579,8 @@
         </p:nvSpPr>
         <p:spPr>
           <a:xfrm>
-            <a:off x="1143225" y="685800"/>
-            <a:ext cx="4572225" cy="3429000"/>
+            <a:off x="381000" y="685800"/>
+            <a:ext cx="6096000" cy="3429000"/>
           </a:xfrm>
           <a:custGeom>
             <a:avLst/>
@@ -4689,8 +4689,8 @@
         </p:nvSpPr>
         <p:spPr>
           <a:xfrm>
-            <a:off x="1143225" y="685800"/>
-            <a:ext cx="4572225" cy="3429000"/>
+            <a:off x="381000" y="685800"/>
+            <a:ext cx="6096000" cy="3429000"/>
           </a:xfrm>
           <a:custGeom>
             <a:avLst/>
@@ -4799,8 +4799,8 @@
         </p:nvSpPr>
         <p:spPr>
           <a:xfrm>
-            <a:off x="1143225" y="685800"/>
-            <a:ext cx="4572225" cy="3429000"/>
+            <a:off x="381000" y="685800"/>
+            <a:ext cx="6096000" cy="3429000"/>
           </a:xfrm>
           <a:custGeom>
             <a:avLst/>
@@ -4909,8 +4909,8 @@
         </p:nvSpPr>
         <p:spPr>
           <a:xfrm>
-            <a:off x="1143225" y="685800"/>
-            <a:ext cx="4572225" cy="3429000"/>
+            <a:off x="381000" y="685800"/>
+            <a:ext cx="6096000" cy="3429000"/>
           </a:xfrm>
           <a:custGeom>
             <a:avLst/>
@@ -5459,8 +5459,8 @@
         </p:nvSpPr>
         <p:spPr>
           <a:xfrm>
-            <a:off x="1143225" y="685800"/>
-            <a:ext cx="4572225" cy="3429000"/>
+            <a:off x="381000" y="685800"/>
+            <a:ext cx="6096000" cy="3429000"/>
           </a:xfrm>
           <a:custGeom>
             <a:avLst/>
@@ -6229,8 +6229,8 @@
         </p:nvSpPr>
         <p:spPr>
           <a:xfrm>
-            <a:off x="1143225" y="685800"/>
-            <a:ext cx="4572225" cy="3429000"/>
+            <a:off x="381000" y="685800"/>
+            <a:ext cx="6096000" cy="3429000"/>
           </a:xfrm>
           <a:custGeom>
             <a:avLst/>
@@ -6449,8 +6449,8 @@
         </p:nvSpPr>
         <p:spPr>
           <a:xfrm>
-            <a:off x="1143225" y="685800"/>
-            <a:ext cx="4572225" cy="3429000"/>
+            <a:off x="381000" y="685800"/>
+            <a:ext cx="6096000" cy="3429000"/>
           </a:xfrm>
           <a:custGeom>
             <a:avLst/>
@@ -6559,8 +6559,8 @@
         </p:nvSpPr>
         <p:spPr>
           <a:xfrm>
-            <a:off x="1143225" y="685800"/>
-            <a:ext cx="4572225" cy="3429000"/>
+            <a:off x="381000" y="685800"/>
+            <a:ext cx="6096000" cy="3429000"/>
           </a:xfrm>
           <a:custGeom>
             <a:avLst/>
@@ -6669,8 +6669,8 @@
         </p:nvSpPr>
         <p:spPr>
           <a:xfrm>
-            <a:off x="1143225" y="685800"/>
-            <a:ext cx="4572225" cy="3429000"/>
+            <a:off x="381000" y="685800"/>
+            <a:ext cx="6096000" cy="3429000"/>
           </a:xfrm>
           <a:custGeom>
             <a:avLst/>
@@ -6779,8 +6779,8 @@
         </p:nvSpPr>
         <p:spPr>
           <a:xfrm>
-            <a:off x="1143225" y="685800"/>
-            <a:ext cx="4572225" cy="3429000"/>
+            <a:off x="381000" y="685800"/>
+            <a:ext cx="6096000" cy="3429000"/>
           </a:xfrm>
           <a:custGeom>
             <a:avLst/>
@@ -25000,13 +25000,13 @@
               <a:buNone/>
             </a:pPr>
             <a:r>
-              <a:rPr lang="en-US" sz="7600" b="1" i="0" u="none" strike="noStrike" cap="none">
+              <a:rPr lang="en-US" sz="7600" u="none" strike="noStrike" cap="none">
                 <a:solidFill>
                   <a:srgbClr val="FFD966"/>
                 </a:solidFill>
-                <a:latin typeface="Cabin"/>
-                <a:ea typeface="Cabin"/>
-                <a:cs typeface="Cabin"/>
+                <a:latin typeface="Arial" charset="0"/>
+                <a:ea typeface="Arial" charset="0"/>
+                <a:cs typeface="Arial" charset="0"/>
                 <a:sym typeface="Cabin"/>
               </a:rPr>
               <a:t>Using Web Services</a:t>
@@ -25061,13 +25061,13 @@
               <a:buNone/>
             </a:pPr>
             <a:r>
-              <a:rPr lang="en-US" sz="4800" b="0" i="0" u="none" strike="noStrike" cap="none">
+              <a:rPr lang="en-US" sz="4800" u="none" strike="noStrike" cap="none">
                 <a:solidFill>
                   <a:schemeClr val="lt1"/>
                 </a:solidFill>
-                <a:latin typeface="Cabin"/>
-                <a:ea typeface="Cabin"/>
-                <a:cs typeface="Cabin"/>
+                <a:latin typeface="Arial" charset="0"/>
+                <a:ea typeface="Arial" charset="0"/>
+                <a:cs typeface="Arial" charset="0"/>
                 <a:sym typeface="Cabin"/>
               </a:rPr>
               <a:t>Chapter 13</a:t>
@@ -25118,13 +25118,13 @@
               <a:buNone/>
             </a:pPr>
             <a:r>
-              <a:rPr lang="en-US" sz="3200" b="0" i="0" u="none" strike="noStrike" cap="none">
+              <a:rPr lang="en-US" sz="3200" u="none" strike="noStrike" cap="none">
                 <a:solidFill>
                   <a:srgbClr val="FFFF00"/>
                 </a:solidFill>
-                <a:latin typeface="Cabin"/>
-                <a:ea typeface="Cabin"/>
-                <a:cs typeface="Cabin"/>
+                <a:latin typeface="Arial" charset="0"/>
+                <a:ea typeface="Arial" charset="0"/>
+                <a:cs typeface="Arial" charset="0"/>
                 <a:sym typeface="Cabin"/>
               </a:rPr>
               <a:t>Python for Informatics: Exploring Information</a:t>
@@ -25149,13 +25149,13 @@
               <a:buNone/>
             </a:pPr>
             <a:r>
-              <a:rPr lang="en-US" sz="3200" b="0" i="0" u="none" strike="noStrike" cap="none">
+              <a:rPr lang="en-US" sz="3200" u="none" strike="noStrike" cap="none">
                 <a:solidFill>
                   <a:srgbClr val="FFFF00"/>
                 </a:solidFill>
-                <a:latin typeface="Cabin"/>
-                <a:ea typeface="Cabin"/>
-                <a:cs typeface="Cabin"/>
+                <a:latin typeface="Arial" charset="0"/>
+                <a:ea typeface="Arial" charset="0"/>
+                <a:cs typeface="Arial" charset="0"/>
                 <a:sym typeface="Cabin"/>
               </a:rPr>
               <a:t>www.</a:t>
@@ -25165,21 +25165,21 @@
                 <a:solidFill>
                   <a:srgbClr val="FFFF00"/>
                 </a:solidFill>
-                <a:latin typeface="Cabin"/>
-                <a:ea typeface="Cabin"/>
-                <a:cs typeface="Cabin"/>
+                <a:latin typeface="Arial" charset="0"/>
+                <a:ea typeface="Arial" charset="0"/>
+                <a:cs typeface="Arial" charset="0"/>
                 <a:sym typeface="Cabin"/>
               </a:rPr>
               <a:t>pythonlearn</a:t>
             </a:r>
             <a:r>
-              <a:rPr lang="en-US" sz="3200" b="0" i="0" u="none" strike="noStrike" cap="none">
+              <a:rPr lang="en-US" sz="3200" u="none" strike="noStrike" cap="none">
                 <a:solidFill>
                   <a:srgbClr val="FFFF00"/>
                 </a:solidFill>
-                <a:latin typeface="Cabin"/>
-                <a:ea typeface="Cabin"/>
-                <a:cs typeface="Cabin"/>
+                <a:latin typeface="Arial" charset="0"/>
+                <a:ea typeface="Arial" charset="0"/>
+                <a:cs typeface="Arial" charset="0"/>
                 <a:sym typeface="Cabin"/>
               </a:rPr>
               <a:t>.com</a:t>
@@ -25313,13 +25313,13 @@
               <a:buNone/>
             </a:pPr>
             <a:r>
-              <a:rPr lang="en-US" sz="7600" b="1" i="0" u="none" strike="noStrike" cap="none">
+              <a:rPr lang="en-US" sz="7600" u="none" strike="noStrike" cap="none">
                 <a:solidFill>
                   <a:srgbClr val="F1C232"/>
                 </a:solidFill>
-                <a:latin typeface="Cabin"/>
-                <a:ea typeface="Cabin"/>
-                <a:cs typeface="Cabin"/>
+                <a:latin typeface="Arial" charset="0"/>
+                <a:ea typeface="Arial" charset="0"/>
+                <a:cs typeface="Arial" charset="0"/>
                 <a:sym typeface="Cabin"/>
               </a:rPr>
               <a:t>White Space</a:t>
@@ -25370,13 +25370,13 @@
               <a:buNone/>
             </a:pPr>
             <a:r>
-              <a:rPr lang="en-US" sz="4400" b="0" i="0" u="none" strike="noStrike" cap="none">
+              <a:rPr lang="en-US" sz="4400" u="none" strike="noStrike" cap="none">
                 <a:solidFill>
                   <a:srgbClr val="00FF00"/>
                 </a:solidFill>
-                <a:latin typeface="Cabin"/>
-                <a:ea typeface="Cabin"/>
-                <a:cs typeface="Cabin"/>
+                <a:latin typeface="Arial" charset="0"/>
+                <a:ea typeface="Arial" charset="0"/>
+                <a:cs typeface="Arial" charset="0"/>
                 <a:sym typeface="Cabin"/>
               </a:rPr>
               <a:t>&lt;person&gt;</a:t>
@@ -25401,13 +25401,13 @@
               <a:buNone/>
             </a:pPr>
             <a:r>
-              <a:rPr lang="en-US" sz="4400" b="0" i="0" u="none" strike="noStrike" cap="none">
+              <a:rPr lang="en-US" sz="4400" u="none" strike="noStrike" cap="none">
                 <a:solidFill>
                   <a:srgbClr val="00FF00"/>
                 </a:solidFill>
-                <a:latin typeface="Cabin"/>
-                <a:ea typeface="Cabin"/>
-                <a:cs typeface="Cabin"/>
+                <a:latin typeface="Arial" charset="0"/>
+                <a:ea typeface="Arial" charset="0"/>
+                <a:cs typeface="Arial" charset="0"/>
                 <a:sym typeface="Cabin"/>
               </a:rPr>
               <a:t>  &lt;name&gt;Chuck&lt;/name&gt;</a:t>
@@ -25432,13 +25432,13 @@
               <a:buNone/>
             </a:pPr>
             <a:r>
-              <a:rPr lang="en-US" sz="4400" b="0" i="0" u="none" strike="noStrike" cap="none">
+              <a:rPr lang="en-US" sz="4400" u="none" strike="noStrike" cap="none">
                 <a:solidFill>
                   <a:srgbClr val="00FF00"/>
                 </a:solidFill>
-                <a:latin typeface="Cabin"/>
-                <a:ea typeface="Cabin"/>
-                <a:cs typeface="Cabin"/>
+                <a:latin typeface="Arial" charset="0"/>
+                <a:ea typeface="Arial" charset="0"/>
+                <a:cs typeface="Arial" charset="0"/>
                 <a:sym typeface="Cabin"/>
               </a:rPr>
               <a:t>  &lt;phone type=</a:t>
@@ -25452,13 +25452,13 @@
               <a:t>"</a:t>
             </a:r>
             <a:r>
-              <a:rPr lang="en-US" sz="4400" b="0" i="0" u="none" strike="noStrike" cap="none">
+              <a:rPr lang="en-US" sz="4400" u="none" strike="noStrike" cap="none">
                 <a:solidFill>
                   <a:srgbClr val="00FF00"/>
                 </a:solidFill>
-                <a:latin typeface="Cabin"/>
-                <a:ea typeface="Cabin"/>
-                <a:cs typeface="Cabin"/>
+                <a:latin typeface="Arial" charset="0"/>
+                <a:ea typeface="Arial" charset="0"/>
+                <a:cs typeface="Arial" charset="0"/>
                 <a:sym typeface="Cabin"/>
               </a:rPr>
               <a:t>intl</a:t>
@@ -25472,13 +25472,13 @@
               <a:t>"</a:t>
             </a:r>
             <a:r>
-              <a:rPr lang="en-US" sz="4400" b="0" i="0" u="none" strike="noStrike" cap="none">
+              <a:rPr lang="en-US" sz="4400" u="none" strike="noStrike" cap="none">
                 <a:solidFill>
                   <a:srgbClr val="00FF00"/>
                 </a:solidFill>
-                <a:latin typeface="Cabin"/>
-                <a:ea typeface="Cabin"/>
-                <a:cs typeface="Cabin"/>
+                <a:latin typeface="Arial" charset="0"/>
+                <a:ea typeface="Arial" charset="0"/>
+                <a:cs typeface="Arial" charset="0"/>
                 <a:sym typeface="Cabin"/>
               </a:rPr>
               <a:t>&gt;</a:t>
@@ -25503,13 +25503,13 @@
               <a:buNone/>
             </a:pPr>
             <a:r>
-              <a:rPr lang="en-US" sz="4400" b="0" i="0" u="none" strike="noStrike" cap="none">
+              <a:rPr lang="en-US" sz="4400" u="none" strike="noStrike" cap="none">
                 <a:solidFill>
                   <a:srgbClr val="00FF00"/>
                 </a:solidFill>
-                <a:latin typeface="Cabin"/>
-                <a:ea typeface="Cabin"/>
-                <a:cs typeface="Cabin"/>
+                <a:latin typeface="Arial" charset="0"/>
+                <a:ea typeface="Arial" charset="0"/>
+                <a:cs typeface="Arial" charset="0"/>
                 <a:sym typeface="Cabin"/>
               </a:rPr>
               <a:t>     +1 734 303 4456</a:t>
@@ -25534,13 +25534,13 @@
               <a:buNone/>
             </a:pPr>
             <a:r>
-              <a:rPr lang="en-US" sz="4400" b="0" i="0" u="none" strike="noStrike" cap="none">
+              <a:rPr lang="en-US" sz="4400" u="none" strike="noStrike" cap="none">
                 <a:solidFill>
                   <a:srgbClr val="00FF00"/>
                 </a:solidFill>
-                <a:latin typeface="Cabin"/>
-                <a:ea typeface="Cabin"/>
-                <a:cs typeface="Cabin"/>
+                <a:latin typeface="Arial" charset="0"/>
+                <a:ea typeface="Arial" charset="0"/>
+                <a:cs typeface="Arial" charset="0"/>
                 <a:sym typeface="Cabin"/>
               </a:rPr>
               <a:t>   &lt;/phone&gt;</a:t>
@@ -25565,13 +25565,13 @@
               <a:buNone/>
             </a:pPr>
             <a:r>
-              <a:rPr lang="en-US" sz="4400" b="0" i="0" u="none" strike="noStrike" cap="none">
+              <a:rPr lang="en-US" sz="4400" u="none" strike="noStrike" cap="none">
                 <a:solidFill>
                   <a:srgbClr val="00FF00"/>
                 </a:solidFill>
-                <a:latin typeface="Cabin"/>
-                <a:ea typeface="Cabin"/>
-                <a:cs typeface="Cabin"/>
+                <a:latin typeface="Arial" charset="0"/>
+                <a:ea typeface="Arial" charset="0"/>
+                <a:cs typeface="Arial" charset="0"/>
                 <a:sym typeface="Cabin"/>
               </a:rPr>
               <a:t>   &lt;email hide=</a:t>
@@ -25585,13 +25585,13 @@
               <a:t>"</a:t>
             </a:r>
             <a:r>
-              <a:rPr lang="en-US" sz="4400" b="0" i="0" u="none" strike="noStrike" cap="none">
+              <a:rPr lang="en-US" sz="4400" u="none" strike="noStrike" cap="none">
                 <a:solidFill>
                   <a:srgbClr val="00FF00"/>
                 </a:solidFill>
-                <a:latin typeface="Cabin"/>
-                <a:ea typeface="Cabin"/>
-                <a:cs typeface="Cabin"/>
+                <a:latin typeface="Arial" charset="0"/>
+                <a:ea typeface="Arial" charset="0"/>
+                <a:cs typeface="Arial" charset="0"/>
                 <a:sym typeface="Cabin"/>
               </a:rPr>
               <a:t>yes</a:t>
@@ -25605,13 +25605,13 @@
               <a:t>"</a:t>
             </a:r>
             <a:r>
-              <a:rPr lang="en-US" sz="4400" b="0" i="0" u="none" strike="noStrike" cap="none">
+              <a:rPr lang="en-US" sz="4400" u="none" strike="noStrike" cap="none">
                 <a:solidFill>
                   <a:srgbClr val="00FF00"/>
                 </a:solidFill>
-                <a:latin typeface="Cabin"/>
-                <a:ea typeface="Cabin"/>
-                <a:cs typeface="Cabin"/>
+                <a:latin typeface="Arial" charset="0"/>
+                <a:ea typeface="Arial" charset="0"/>
+                <a:cs typeface="Arial" charset="0"/>
                 <a:sym typeface="Cabin"/>
               </a:rPr>
               <a:t> /&gt;</a:t>
@@ -25636,13 +25636,13 @@
               <a:buNone/>
             </a:pPr>
             <a:r>
-              <a:rPr lang="en-US" sz="4400" b="0" i="0" u="none" strike="noStrike" cap="none">
+              <a:rPr lang="en-US" sz="4400" u="none" strike="noStrike" cap="none">
                 <a:solidFill>
                   <a:srgbClr val="00FF00"/>
                 </a:solidFill>
-                <a:latin typeface="Cabin"/>
-                <a:ea typeface="Cabin"/>
-                <a:cs typeface="Cabin"/>
+                <a:latin typeface="Arial" charset="0"/>
+                <a:ea typeface="Arial" charset="0"/>
+                <a:cs typeface="Arial" charset="0"/>
                 <a:sym typeface="Cabin"/>
               </a:rPr>
               <a:t>&lt;/person&gt;</a:t>
@@ -25693,13 +25693,13 @@
               <a:buNone/>
             </a:pPr>
             <a:r>
-              <a:rPr lang="en-US" sz="4400" b="0" i="0" u="none" strike="noStrike" cap="none">
+              <a:rPr lang="en-US" sz="4400" u="none" strike="noStrike" cap="none">
                 <a:solidFill>
                   <a:srgbClr val="FFFF00"/>
                 </a:solidFill>
-                <a:latin typeface="Cabin"/>
-                <a:ea typeface="Cabin"/>
-                <a:cs typeface="Cabin"/>
+                <a:latin typeface="Arial" charset="0"/>
+                <a:ea typeface="Arial" charset="0"/>
+                <a:cs typeface="Arial" charset="0"/>
                 <a:sym typeface="Cabin"/>
               </a:rPr>
               <a:t>&lt;person&gt;</a:t>
@@ -25724,13 +25724,13 @@
               <a:buNone/>
             </a:pPr>
             <a:r>
-              <a:rPr lang="en-US" sz="4400" b="0" i="0" u="none" strike="noStrike" cap="none">
+              <a:rPr lang="en-US" sz="4400" u="none" strike="noStrike" cap="none">
                 <a:solidFill>
                   <a:srgbClr val="FFFF00"/>
                 </a:solidFill>
-                <a:latin typeface="Cabin"/>
-                <a:ea typeface="Cabin"/>
-                <a:cs typeface="Cabin"/>
+                <a:latin typeface="Arial" charset="0"/>
+                <a:ea typeface="Arial" charset="0"/>
+                <a:cs typeface="Arial" charset="0"/>
                 <a:sym typeface="Cabin"/>
               </a:rPr>
               <a:t>  &lt;name&gt;Chuck&lt;/name&gt;</a:t>
@@ -25755,13 +25755,13 @@
               <a:buNone/>
             </a:pPr>
             <a:r>
-              <a:rPr lang="en-US" sz="4400" b="0" i="0" u="none" strike="noStrike" cap="none">
+              <a:rPr lang="en-US" sz="4400" u="none" strike="noStrike" cap="none">
                 <a:solidFill>
                   <a:srgbClr val="FFFF00"/>
                 </a:solidFill>
-                <a:latin typeface="Cabin"/>
-                <a:ea typeface="Cabin"/>
-                <a:cs typeface="Cabin"/>
+                <a:latin typeface="Arial" charset="0"/>
+                <a:ea typeface="Arial" charset="0"/>
+                <a:cs typeface="Arial" charset="0"/>
                 <a:sym typeface="Cabin"/>
               </a:rPr>
               <a:t>  &lt;phone type=</a:t>
@@ -25775,13 +25775,13 @@
               <a:t>"</a:t>
             </a:r>
             <a:r>
-              <a:rPr lang="en-US" sz="4400" b="0" i="0" u="none" strike="noStrike" cap="none">
+              <a:rPr lang="en-US" sz="4400" u="none" strike="noStrike" cap="none">
                 <a:solidFill>
                   <a:srgbClr val="FFFF00"/>
                 </a:solidFill>
-                <a:latin typeface="Cabin"/>
-                <a:ea typeface="Cabin"/>
-                <a:cs typeface="Cabin"/>
+                <a:latin typeface="Arial" charset="0"/>
+                <a:ea typeface="Arial" charset="0"/>
+                <a:cs typeface="Arial" charset="0"/>
                 <a:sym typeface="Cabin"/>
               </a:rPr>
               <a:t>intl</a:t>
@@ -25795,13 +25795,13 @@
               <a:t>"</a:t>
             </a:r>
             <a:r>
-              <a:rPr lang="en-US" sz="4400" b="0" i="0" u="none" strike="noStrike" cap="none">
+              <a:rPr lang="en-US" sz="4400" u="none" strike="noStrike" cap="none">
                 <a:solidFill>
                   <a:srgbClr val="FFFF00"/>
                 </a:solidFill>
-                <a:latin typeface="Cabin"/>
-                <a:ea typeface="Cabin"/>
-                <a:cs typeface="Cabin"/>
+                <a:latin typeface="Arial" charset="0"/>
+                <a:ea typeface="Arial" charset="0"/>
+                <a:cs typeface="Arial" charset="0"/>
                 <a:sym typeface="Cabin"/>
               </a:rPr>
               <a:t>&gt;+1 734 303 4456&lt;/phone&gt;</a:t>
@@ -25826,13 +25826,13 @@
               <a:buNone/>
             </a:pPr>
             <a:r>
-              <a:rPr lang="en-US" sz="4400" b="0" i="0" u="none" strike="noStrike" cap="none">
+              <a:rPr lang="en-US" sz="4400" u="none" strike="noStrike" cap="none">
                 <a:solidFill>
                   <a:srgbClr val="FFFF00"/>
                 </a:solidFill>
-                <a:latin typeface="Cabin"/>
-                <a:ea typeface="Cabin"/>
-                <a:cs typeface="Cabin"/>
+                <a:latin typeface="Arial" charset="0"/>
+                <a:ea typeface="Arial" charset="0"/>
+                <a:cs typeface="Arial" charset="0"/>
                 <a:sym typeface="Cabin"/>
               </a:rPr>
               <a:t>   &lt;email hide=</a:t>
@@ -25846,13 +25846,13 @@
               <a:t>"</a:t>
             </a:r>
             <a:r>
-              <a:rPr lang="en-US" sz="4400" b="0" i="0" u="none" strike="noStrike" cap="none">
+              <a:rPr lang="en-US" sz="4400" u="none" strike="noStrike" cap="none">
                 <a:solidFill>
                   <a:srgbClr val="FFFF00"/>
                 </a:solidFill>
-                <a:latin typeface="Cabin"/>
-                <a:ea typeface="Cabin"/>
-                <a:cs typeface="Cabin"/>
+                <a:latin typeface="Arial" charset="0"/>
+                <a:ea typeface="Arial" charset="0"/>
+                <a:cs typeface="Arial" charset="0"/>
                 <a:sym typeface="Cabin"/>
               </a:rPr>
               <a:t>yes</a:t>
@@ -25866,13 +25866,13 @@
               <a:t>"</a:t>
             </a:r>
             <a:r>
-              <a:rPr lang="en-US" sz="4400" b="0" i="0" u="none" strike="noStrike" cap="none">
+              <a:rPr lang="en-US" sz="4400" u="none" strike="noStrike" cap="none">
                 <a:solidFill>
                   <a:srgbClr val="FFFF00"/>
                 </a:solidFill>
-                <a:latin typeface="Cabin"/>
-                <a:ea typeface="Cabin"/>
-                <a:cs typeface="Cabin"/>
+                <a:latin typeface="Arial" charset="0"/>
+                <a:ea typeface="Arial" charset="0"/>
+                <a:cs typeface="Arial" charset="0"/>
                 <a:sym typeface="Cabin"/>
               </a:rPr>
               <a:t> /&gt;</a:t>
@@ -25897,13 +25897,13 @@
               <a:buNone/>
             </a:pPr>
             <a:r>
-              <a:rPr lang="en-US" sz="4400" b="0" i="0" u="none" strike="noStrike" cap="none">
+              <a:rPr lang="en-US" sz="4400" u="none" strike="noStrike" cap="none">
                 <a:solidFill>
                   <a:srgbClr val="FFFF00"/>
                 </a:solidFill>
-                <a:latin typeface="Cabin"/>
-                <a:ea typeface="Cabin"/>
-                <a:cs typeface="Cabin"/>
+                <a:latin typeface="Arial" charset="0"/>
+                <a:ea typeface="Arial" charset="0"/>
+                <a:cs typeface="Arial" charset="0"/>
                 <a:sym typeface="Cabin"/>
               </a:rPr>
               <a:t>&lt;/person&gt;</a:t>
@@ -25954,13 +25954,13 @@
               <a:buNone/>
             </a:pPr>
             <a:r>
-              <a:rPr lang="en-US" sz="3600" b="0" i="0" u="none" strike="noStrike" cap="none">
+              <a:rPr lang="en-US" sz="3600" u="none" strike="noStrike" cap="none">
                 <a:solidFill>
                   <a:schemeClr val="lt1"/>
                 </a:solidFill>
-                <a:latin typeface="Cabin"/>
-                <a:ea typeface="Cabin"/>
-                <a:cs typeface="Cabin"/>
+                <a:latin typeface="Arial" charset="0"/>
+                <a:ea typeface="Arial" charset="0"/>
+                <a:cs typeface="Arial" charset="0"/>
                 <a:sym typeface="Cabin"/>
               </a:rPr>
               <a:t>Line ends do not matter.  White space is generally discarded on text elements.  We indent only to be readable.</a:t>
@@ -26040,13 +26040,13 @@
               <a:buNone/>
             </a:pPr>
             <a:r>
-              <a:rPr lang="en-US" sz="7600" b="1" i="0" u="none" strike="noStrike" cap="none">
+              <a:rPr lang="en-US" sz="7600" u="none" strike="noStrike" cap="none">
                 <a:solidFill>
                   <a:srgbClr val="FFD966"/>
                 </a:solidFill>
-                <a:latin typeface="Cabin"/>
-                <a:ea typeface="Cabin"/>
-                <a:cs typeface="Cabin"/>
+                <a:latin typeface="Arial" charset="0"/>
+                <a:ea typeface="Arial" charset="0"/>
+                <a:cs typeface="Arial" charset="0"/>
                 <a:sym typeface="Cabin"/>
               </a:rPr>
               <a:t>Some XML...</a:t>
@@ -26097,13 +26097,13 @@
               <a:buNone/>
             </a:pPr>
             <a:r>
-              <a:rPr lang="en-US" sz="3000" b="0" i="0" u="sng" strike="noStrike" cap="none">
+              <a:rPr lang="en-US" sz="3000" u="sng" strike="noStrike" cap="none">
                 <a:solidFill>
                   <a:srgbClr val="FFFF00"/>
                 </a:solidFill>
-                <a:latin typeface="Cabin"/>
-                <a:ea typeface="Cabin"/>
-                <a:cs typeface="Cabin"/>
+                <a:latin typeface="Arial" charset="0"/>
+                <a:ea typeface="Arial" charset="0"/>
+                <a:cs typeface="Arial" charset="0"/>
                 <a:sym typeface="Cabin"/>
                 <a:hlinkClick r:id="rId3"/>
               </a:rPr>
@@ -26211,13 +26211,13 @@
               <a:buNone/>
             </a:pPr>
             <a:r>
-              <a:rPr lang="en-US" sz="7600" b="1" i="0" u="none" strike="noStrike" cap="none">
+              <a:rPr lang="en-US" sz="7600" u="none" strike="noStrike" cap="none">
                 <a:solidFill>
                   <a:srgbClr val="FFD966"/>
                 </a:solidFill>
-                <a:latin typeface="Cabin"/>
-                <a:ea typeface="Cabin"/>
-                <a:cs typeface="Cabin"/>
+                <a:latin typeface="Arial" charset="0"/>
+                <a:ea typeface="Arial" charset="0"/>
+                <a:cs typeface="Arial" charset="0"/>
                 <a:sym typeface="Cabin"/>
               </a:rPr>
               <a:t>XML Terminology</a:t>
@@ -26268,25 +26268,25 @@
               <a:buFont typeface="Cabin"/>
             </a:pPr>
             <a:r>
-              <a:rPr lang="en-US" sz="3600" b="0" i="0" u="none" strike="noStrike" cap="none">
+              <a:rPr lang="en-US" sz="3600" u="none" strike="noStrike" cap="none">
                 <a:solidFill>
                   <a:srgbClr val="00FF00"/>
                 </a:solidFill>
-                <a:latin typeface="Cabin"/>
-                <a:ea typeface="Cabin"/>
-                <a:cs typeface="Cabin"/>
+                <a:latin typeface="Arial" charset="0"/>
+                <a:ea typeface="Arial" charset="0"/>
+                <a:cs typeface="Arial" charset="0"/>
                 <a:sym typeface="Cabin"/>
               </a:rPr>
               <a:t>Tags</a:t>
             </a:r>
             <a:r>
-              <a:rPr lang="en-US" sz="3600" b="0" i="0" u="none" strike="noStrike" cap="none">
+              <a:rPr lang="en-US" sz="3600" u="none" strike="noStrike" cap="none">
                 <a:solidFill>
                   <a:schemeClr val="lt1"/>
                 </a:solidFill>
-                <a:latin typeface="Cabin"/>
-                <a:ea typeface="Cabin"/>
-                <a:cs typeface="Cabin"/>
+                <a:latin typeface="Arial" charset="0"/>
+                <a:ea typeface="Arial" charset="0"/>
+                <a:cs typeface="Arial" charset="0"/>
                 <a:sym typeface="Cabin"/>
               </a:rPr>
               <a:t> indicate the beginning and ending of elements</a:t>
@@ -26307,25 +26307,25 @@
               <a:buFont typeface="Cabin"/>
             </a:pPr>
             <a:r>
-              <a:rPr lang="en-US" sz="3600" b="0" i="0" u="none" strike="noStrike" cap="none">
+              <a:rPr lang="en-US" sz="3600" u="none" strike="noStrike" cap="none">
                 <a:solidFill>
                   <a:srgbClr val="FF00FF"/>
                 </a:solidFill>
-                <a:latin typeface="Cabin"/>
-                <a:ea typeface="Cabin"/>
-                <a:cs typeface="Cabin"/>
+                <a:latin typeface="Arial" charset="0"/>
+                <a:ea typeface="Arial" charset="0"/>
+                <a:cs typeface="Arial" charset="0"/>
                 <a:sym typeface="Cabin"/>
               </a:rPr>
               <a:t>Attributes</a:t>
             </a:r>
             <a:r>
-              <a:rPr lang="en-US" sz="3600" b="0" i="0" u="none" strike="noStrike" cap="none">
+              <a:rPr lang="en-US" sz="3600" u="none" strike="noStrike" cap="none">
                 <a:solidFill>
                   <a:schemeClr val="lt1"/>
                 </a:solidFill>
-                <a:latin typeface="Cabin"/>
-                <a:ea typeface="Cabin"/>
-                <a:cs typeface="Cabin"/>
+                <a:latin typeface="Arial" charset="0"/>
+                <a:ea typeface="Arial" charset="0"/>
+                <a:cs typeface="Arial" charset="0"/>
                 <a:sym typeface="Cabin"/>
               </a:rPr>
               <a:t> - Keyword/value pairs on the opening tag of XML</a:t>
@@ -26346,25 +26346,25 @@
               <a:buFont typeface="Cabin"/>
             </a:pPr>
             <a:r>
-              <a:rPr lang="en-US" sz="3600" b="0" i="0" u="none" strike="noStrike" cap="none">
+              <a:rPr lang="en-US" sz="3600" u="none" strike="noStrike" cap="none">
                 <a:solidFill>
                   <a:srgbClr val="FF7F00"/>
                 </a:solidFill>
-                <a:latin typeface="Cabin"/>
-                <a:ea typeface="Cabin"/>
-                <a:cs typeface="Cabin"/>
+                <a:latin typeface="Arial" charset="0"/>
+                <a:ea typeface="Arial" charset="0"/>
+                <a:cs typeface="Arial" charset="0"/>
                 <a:sym typeface="Cabin"/>
               </a:rPr>
               <a:t>Serialize / De-Serialize</a:t>
             </a:r>
             <a:r>
-              <a:rPr lang="en-US" sz="3600" b="0" i="0" u="none" strike="noStrike" cap="none">
+              <a:rPr lang="en-US" sz="3600" u="none" strike="noStrike" cap="none">
                 <a:solidFill>
                   <a:schemeClr val="lt1"/>
                 </a:solidFill>
-                <a:latin typeface="Cabin"/>
-                <a:ea typeface="Cabin"/>
-                <a:cs typeface="Cabin"/>
+                <a:latin typeface="Arial" charset="0"/>
+                <a:ea typeface="Arial" charset="0"/>
+                <a:cs typeface="Arial" charset="0"/>
                 <a:sym typeface="Cabin"/>
               </a:rPr>
               <a:t> - Convert data in one program into a common format that can be stored and/or transmitted between systems in a programming language</a:t>
@@ -26374,21 +26374,21 @@
                 <a:solidFill>
                   <a:schemeClr val="lt1"/>
                 </a:solidFill>
-                <a:latin typeface="Cabin"/>
-                <a:ea typeface="Cabin"/>
-                <a:cs typeface="Cabin"/>
+                <a:latin typeface="Arial" charset="0"/>
+                <a:ea typeface="Arial" charset="0"/>
+                <a:cs typeface="Arial" charset="0"/>
                 <a:sym typeface="Cabin"/>
               </a:rPr>
               <a:t>-</a:t>
             </a:r>
             <a:r>
-              <a:rPr lang="en-US" sz="3600" b="0" i="0" u="none" strike="noStrike" cap="none">
+              <a:rPr lang="en-US" sz="3600" u="none" strike="noStrike" cap="none">
                 <a:solidFill>
                   <a:schemeClr val="lt1"/>
                 </a:solidFill>
-                <a:latin typeface="Cabin"/>
-                <a:ea typeface="Cabin"/>
-                <a:cs typeface="Cabin"/>
+                <a:latin typeface="Arial" charset="0"/>
+                <a:ea typeface="Arial" charset="0"/>
+                <a:cs typeface="Arial" charset="0"/>
                 <a:sym typeface="Cabin"/>
               </a:rPr>
               <a:t>independent manner</a:t>
@@ -26439,13 +26439,13 @@
               <a:buNone/>
             </a:pPr>
             <a:r>
-              <a:rPr lang="en-US" sz="3000" b="0" i="0" u="sng" strike="noStrike" cap="none">
+              <a:rPr lang="en-US" sz="3000" u="sng" strike="noStrike" cap="none">
                 <a:solidFill>
                   <a:srgbClr val="FFFF00"/>
                 </a:solidFill>
-                <a:latin typeface="Cabin"/>
-                <a:ea typeface="Cabin"/>
-                <a:cs typeface="Cabin"/>
+                <a:latin typeface="Arial" charset="0"/>
+                <a:ea typeface="Arial" charset="0"/>
+                <a:cs typeface="Arial" charset="0"/>
                 <a:sym typeface="Cabin"/>
                 <a:hlinkClick r:id="rId3"/>
               </a:rPr>
@@ -26526,13 +26526,13 @@
               <a:buNone/>
             </a:pPr>
             <a:r>
-              <a:rPr lang="en-US" sz="7600" b="1" i="0" u="none" strike="noStrike" cap="none">
+              <a:rPr lang="en-US" sz="7600" u="none" strike="noStrike" cap="none">
                 <a:solidFill>
                   <a:srgbClr val="FFD966"/>
                 </a:solidFill>
-                <a:latin typeface="Cabin"/>
-                <a:ea typeface="Cabin"/>
-                <a:cs typeface="Cabin"/>
+                <a:latin typeface="Arial" charset="0"/>
+                <a:ea typeface="Arial" charset="0"/>
+                <a:cs typeface="Arial" charset="0"/>
                 <a:sym typeface="Cabin"/>
               </a:rPr>
               <a:t>XML as a Tree</a:t>
@@ -26583,13 +26583,13 @@
               <a:buNone/>
             </a:pPr>
             <a:r>
-              <a:rPr lang="en-US" sz="3600" b="0" i="0" u="none" strike="noStrike" cap="none">
+              <a:rPr lang="en-US" sz="3600" u="none" strike="noStrike" cap="none">
                 <a:solidFill>
                   <a:srgbClr val="FF7F00"/>
                 </a:solidFill>
-                <a:latin typeface="Cabin"/>
-                <a:ea typeface="Cabin"/>
-                <a:cs typeface="Cabin"/>
+                <a:latin typeface="Arial" charset="0"/>
+                <a:ea typeface="Arial" charset="0"/>
+                <a:cs typeface="Arial" charset="0"/>
                 <a:sym typeface="Cabin"/>
               </a:rPr>
               <a:t>&lt;a&gt;</a:t>
@@ -26614,37 +26614,37 @@
               <a:buNone/>
             </a:pPr>
             <a:r>
-              <a:rPr lang="en-US" sz="3600" b="0" i="0" u="none" strike="noStrike" cap="none">
+              <a:rPr lang="en-US" sz="3600" u="none" strike="noStrike" cap="none">
                 <a:solidFill>
                   <a:srgbClr val="FF7F00"/>
                 </a:solidFill>
-                <a:latin typeface="Cabin"/>
-                <a:ea typeface="Cabin"/>
-                <a:cs typeface="Cabin"/>
+                <a:latin typeface="Arial" charset="0"/>
+                <a:ea typeface="Arial" charset="0"/>
+                <a:cs typeface="Arial" charset="0"/>
                 <a:sym typeface="Cabin"/>
               </a:rPr>
               <a:t>  &lt;b&gt;</a:t>
             </a:r>
             <a:r>
-              <a:rPr lang="en-US" sz="3600" b="0" i="0" u="none" strike="noStrike" cap="none">
+              <a:rPr lang="en-US" sz="3600" u="none" strike="noStrike" cap="none">
                 <a:solidFill>
                   <a:srgbClr val="FF00FF"/>
                 </a:solidFill>
-                <a:latin typeface="Cabin"/>
-                <a:ea typeface="Cabin"/>
-                <a:cs typeface="Cabin"/>
+                <a:latin typeface="Arial" charset="0"/>
+                <a:ea typeface="Arial" charset="0"/>
+                <a:cs typeface="Arial" charset="0"/>
                 <a:sym typeface="Cabin"/>
               </a:rPr>
               <a:t>X</a:t>
             </a:r>
             <a:r>
-              <a:rPr lang="en-US" sz="3600" b="0" i="0" u="none" strike="noStrike" cap="none">
+              <a:rPr lang="en-US" sz="3600" u="none" strike="noStrike" cap="none">
                 <a:solidFill>
                   <a:srgbClr val="FF7F00"/>
                 </a:solidFill>
-                <a:latin typeface="Cabin"/>
-                <a:ea typeface="Cabin"/>
-                <a:cs typeface="Cabin"/>
+                <a:latin typeface="Arial" charset="0"/>
+                <a:ea typeface="Arial" charset="0"/>
+                <a:cs typeface="Arial" charset="0"/>
                 <a:sym typeface="Cabin"/>
               </a:rPr>
               <a:t>&lt;/b&gt;</a:t>
@@ -26669,13 +26669,13 @@
               <a:buNone/>
             </a:pPr>
             <a:r>
-              <a:rPr lang="en-US" sz="3600" b="0" i="0" u="none" strike="noStrike" cap="none">
+              <a:rPr lang="en-US" sz="3600" u="none" strike="noStrike" cap="none">
                 <a:solidFill>
                   <a:srgbClr val="FF7F00"/>
                 </a:solidFill>
-                <a:latin typeface="Cabin"/>
-                <a:ea typeface="Cabin"/>
-                <a:cs typeface="Cabin"/>
+                <a:latin typeface="Arial" charset="0"/>
+                <a:ea typeface="Arial" charset="0"/>
+                <a:cs typeface="Arial" charset="0"/>
                 <a:sym typeface="Cabin"/>
               </a:rPr>
               <a:t>    &lt;c&gt;</a:t>
@@ -26700,37 +26700,37 @@
               <a:buNone/>
             </a:pPr>
             <a:r>
-              <a:rPr lang="en-US" sz="3600" b="0" i="0" u="none" strike="noStrike" cap="none">
+              <a:rPr lang="en-US" sz="3600" u="none" strike="noStrike" cap="none">
                 <a:solidFill>
                   <a:srgbClr val="FF7F00"/>
                 </a:solidFill>
-                <a:latin typeface="Cabin"/>
-                <a:ea typeface="Cabin"/>
-                <a:cs typeface="Cabin"/>
+                <a:latin typeface="Arial" charset="0"/>
+                <a:ea typeface="Arial" charset="0"/>
+                <a:cs typeface="Arial" charset="0"/>
                 <a:sym typeface="Cabin"/>
               </a:rPr>
               <a:t>      &lt;d&gt;</a:t>
             </a:r>
             <a:r>
-              <a:rPr lang="en-US" sz="3600" b="0" i="0" u="none" strike="noStrike" cap="none">
+              <a:rPr lang="en-US" sz="3600" u="none" strike="noStrike" cap="none">
                 <a:solidFill>
                   <a:srgbClr val="FF00FF"/>
                 </a:solidFill>
-                <a:latin typeface="Cabin"/>
-                <a:ea typeface="Cabin"/>
-                <a:cs typeface="Cabin"/>
+                <a:latin typeface="Arial" charset="0"/>
+                <a:ea typeface="Arial" charset="0"/>
+                <a:cs typeface="Arial" charset="0"/>
                 <a:sym typeface="Cabin"/>
               </a:rPr>
               <a:t>Y</a:t>
             </a:r>
             <a:r>
-              <a:rPr lang="en-US" sz="3600" b="0" i="0" u="none" strike="noStrike" cap="none">
+              <a:rPr lang="en-US" sz="3600" u="none" strike="noStrike" cap="none">
                 <a:solidFill>
                   <a:srgbClr val="FF7F00"/>
                 </a:solidFill>
-                <a:latin typeface="Cabin"/>
-                <a:ea typeface="Cabin"/>
-                <a:cs typeface="Cabin"/>
+                <a:latin typeface="Arial" charset="0"/>
+                <a:ea typeface="Arial" charset="0"/>
+                <a:cs typeface="Arial" charset="0"/>
                 <a:sym typeface="Cabin"/>
               </a:rPr>
               <a:t>&lt;/d&gt;</a:t>
@@ -26755,37 +26755,37 @@
               <a:buNone/>
             </a:pPr>
             <a:r>
-              <a:rPr lang="en-US" sz="3600" b="0" i="0" u="none" strike="noStrike" cap="none">
+              <a:rPr lang="en-US" sz="3600" u="none" strike="noStrike" cap="none">
                 <a:solidFill>
                   <a:srgbClr val="FF7F00"/>
                 </a:solidFill>
-                <a:latin typeface="Cabin"/>
-                <a:ea typeface="Cabin"/>
-                <a:cs typeface="Cabin"/>
+                <a:latin typeface="Arial" charset="0"/>
+                <a:ea typeface="Arial" charset="0"/>
+                <a:cs typeface="Arial" charset="0"/>
                 <a:sym typeface="Cabin"/>
               </a:rPr>
               <a:t>      &lt;e&gt;</a:t>
             </a:r>
             <a:r>
-              <a:rPr lang="en-US" sz="3600" b="0" i="0" u="none" strike="noStrike" cap="none">
+              <a:rPr lang="en-US" sz="3600" u="none" strike="noStrike" cap="none">
                 <a:solidFill>
                   <a:srgbClr val="FF00FF"/>
                 </a:solidFill>
-                <a:latin typeface="Cabin"/>
-                <a:ea typeface="Cabin"/>
-                <a:cs typeface="Cabin"/>
+                <a:latin typeface="Arial" charset="0"/>
+                <a:ea typeface="Arial" charset="0"/>
+                <a:cs typeface="Arial" charset="0"/>
                 <a:sym typeface="Cabin"/>
               </a:rPr>
               <a:t>Z</a:t>
             </a:r>
             <a:r>
-              <a:rPr lang="en-US" sz="3600" b="0" i="0" u="none" strike="noStrike" cap="none">
+              <a:rPr lang="en-US" sz="3600" u="none" strike="noStrike" cap="none">
                 <a:solidFill>
                   <a:srgbClr val="FF7F00"/>
                 </a:solidFill>
-                <a:latin typeface="Cabin"/>
-                <a:ea typeface="Cabin"/>
-                <a:cs typeface="Cabin"/>
+                <a:latin typeface="Arial" charset="0"/>
+                <a:ea typeface="Arial" charset="0"/>
+                <a:cs typeface="Arial" charset="0"/>
                 <a:sym typeface="Cabin"/>
               </a:rPr>
               <a:t>&lt;/e&gt;</a:t>
@@ -26810,13 +26810,13 @@
               <a:buNone/>
             </a:pPr>
             <a:r>
-              <a:rPr lang="en-US" sz="3600" b="0" i="0" u="none" strike="noStrike" cap="none">
+              <a:rPr lang="en-US" sz="3600" u="none" strike="noStrike" cap="none">
                 <a:solidFill>
                   <a:srgbClr val="FF7F00"/>
                 </a:solidFill>
-                <a:latin typeface="Cabin"/>
-                <a:ea typeface="Cabin"/>
-                <a:cs typeface="Cabin"/>
+                <a:latin typeface="Arial" charset="0"/>
+                <a:ea typeface="Arial" charset="0"/>
+                <a:cs typeface="Arial" charset="0"/>
                 <a:sym typeface="Cabin"/>
               </a:rPr>
               <a:t>    &lt;/c&gt;</a:t>
@@ -26841,13 +26841,13 @@
               <a:buNone/>
             </a:pPr>
             <a:r>
-              <a:rPr lang="en-US" sz="3600" b="0" i="0" u="none" strike="noStrike" cap="none">
+              <a:rPr lang="en-US" sz="3600" u="none" strike="noStrike" cap="none">
                 <a:solidFill>
                   <a:srgbClr val="FF7F00"/>
                 </a:solidFill>
-                <a:latin typeface="Cabin"/>
-                <a:ea typeface="Cabin"/>
-                <a:cs typeface="Cabin"/>
+                <a:latin typeface="Arial" charset="0"/>
+                <a:ea typeface="Arial" charset="0"/>
+                <a:cs typeface="Arial" charset="0"/>
                 <a:sym typeface="Cabin"/>
               </a:rPr>
               <a:t>&lt;/a&gt;</a:t>
@@ -26992,13 +26992,13 @@
                 <a:buNone/>
               </a:pPr>
               <a:r>
-                <a:rPr lang="en-US" sz="4900" b="0" i="0" u="none" strike="noStrike" cap="none">
+                <a:rPr lang="en-US" sz="4900" u="none" strike="noStrike" cap="none">
                   <a:solidFill>
                     <a:schemeClr val="lt1"/>
                   </a:solidFill>
-                  <a:latin typeface="Cabin"/>
-                  <a:ea typeface="Cabin"/>
-                  <a:cs typeface="Cabin"/>
+                  <a:latin typeface="Arial" charset="0"/>
+                  <a:ea typeface="Arial" charset="0"/>
+                  <a:cs typeface="Arial" charset="0"/>
                   <a:sym typeface="Cabin"/>
                 </a:rPr>
                 <a:t>a</a:t>
@@ -27051,13 +27051,13 @@
                 <a:buNone/>
               </a:pPr>
               <a:r>
-                <a:rPr lang="en-US" sz="4600" b="0" i="0" u="none" strike="noStrike" cap="none">
+                <a:rPr lang="en-US" sz="4600" u="none" strike="noStrike" cap="none">
                   <a:solidFill>
                     <a:schemeClr val="lt1"/>
                   </a:solidFill>
-                  <a:latin typeface="Cabin"/>
-                  <a:ea typeface="Cabin"/>
-                  <a:cs typeface="Cabin"/>
+                  <a:latin typeface="Arial" charset="0"/>
+                  <a:ea typeface="Arial" charset="0"/>
+                  <a:cs typeface="Arial" charset="0"/>
                   <a:sym typeface="Cabin"/>
                 </a:rPr>
                 <a:t>b</a:t>
@@ -27110,13 +27110,13 @@
                 <a:buNone/>
               </a:pPr>
               <a:r>
-                <a:rPr lang="en-US" sz="4600" b="0" i="0" u="none" strike="noStrike" cap="none">
+                <a:rPr lang="en-US" sz="4600" u="none" strike="noStrike" cap="none">
                   <a:solidFill>
                     <a:schemeClr val="lt1"/>
                   </a:solidFill>
-                  <a:latin typeface="Cabin"/>
-                  <a:ea typeface="Cabin"/>
-                  <a:cs typeface="Cabin"/>
+                  <a:latin typeface="Arial" charset="0"/>
+                  <a:ea typeface="Arial" charset="0"/>
+                  <a:cs typeface="Arial" charset="0"/>
                   <a:sym typeface="Cabin"/>
                 </a:rPr>
                 <a:t>c</a:t>
@@ -27169,13 +27169,13 @@
                 <a:buNone/>
               </a:pPr>
               <a:r>
-                <a:rPr lang="en-US" sz="4400" b="0" i="0" u="none" strike="noStrike" cap="none">
+                <a:rPr lang="en-US" sz="4400" u="none" strike="noStrike" cap="none">
                   <a:solidFill>
                     <a:schemeClr val="lt1"/>
                   </a:solidFill>
-                  <a:latin typeface="Cabin"/>
-                  <a:ea typeface="Cabin"/>
-                  <a:cs typeface="Cabin"/>
+                  <a:latin typeface="Arial" charset="0"/>
+                  <a:ea typeface="Arial" charset="0"/>
+                  <a:cs typeface="Arial" charset="0"/>
                   <a:sym typeface="Cabin"/>
                 </a:rPr>
                 <a:t>X</a:t>
@@ -27228,13 +27228,13 @@
                 <a:buNone/>
               </a:pPr>
               <a:r>
-                <a:rPr lang="en-US" sz="4600" b="0" i="0" u="none" strike="noStrike" cap="none">
+                <a:rPr lang="en-US" sz="4600" u="none" strike="noStrike" cap="none">
                   <a:solidFill>
                     <a:schemeClr val="lt1"/>
                   </a:solidFill>
-                  <a:latin typeface="Cabin"/>
-                  <a:ea typeface="Cabin"/>
-                  <a:cs typeface="Cabin"/>
+                  <a:latin typeface="Arial" charset="0"/>
+                  <a:ea typeface="Arial" charset="0"/>
+                  <a:cs typeface="Arial" charset="0"/>
                   <a:sym typeface="Cabin"/>
                 </a:rPr>
                 <a:t>d</a:t>
@@ -27287,13 +27287,13 @@
                 <a:buNone/>
               </a:pPr>
               <a:r>
-                <a:rPr lang="en-US" sz="4600" b="0" i="0" u="none" strike="noStrike" cap="none">
+                <a:rPr lang="en-US" sz="4600" u="none" strike="noStrike" cap="none">
                   <a:solidFill>
                     <a:schemeClr val="lt1"/>
                   </a:solidFill>
-                  <a:latin typeface="Cabin"/>
-                  <a:ea typeface="Cabin"/>
-                  <a:cs typeface="Cabin"/>
+                  <a:latin typeface="Arial" charset="0"/>
+                  <a:ea typeface="Arial" charset="0"/>
+                  <a:cs typeface="Arial" charset="0"/>
                   <a:sym typeface="Cabin"/>
                 </a:rPr>
                 <a:t>e</a:t>
@@ -27346,13 +27346,13 @@
                 <a:buNone/>
               </a:pPr>
               <a:r>
-                <a:rPr lang="en-US" sz="4400" b="0" i="0" u="none" strike="noStrike" cap="none">
+                <a:rPr lang="en-US" sz="4400" u="none" strike="noStrike" cap="none">
                   <a:solidFill>
                     <a:schemeClr val="lt1"/>
                   </a:solidFill>
-                  <a:latin typeface="Cabin"/>
-                  <a:ea typeface="Cabin"/>
-                  <a:cs typeface="Cabin"/>
+                  <a:latin typeface="Arial" charset="0"/>
+                  <a:ea typeface="Arial" charset="0"/>
+                  <a:cs typeface="Arial" charset="0"/>
                   <a:sym typeface="Cabin"/>
                 </a:rPr>
                 <a:t>Y</a:t>
@@ -27405,13 +27405,13 @@
                 <a:buNone/>
               </a:pPr>
               <a:r>
-                <a:rPr lang="en-US" sz="4400" b="0" i="0" u="none" strike="noStrike" cap="none">
+                <a:rPr lang="en-US" sz="4400" u="none" strike="noStrike" cap="none">
                   <a:solidFill>
                     <a:schemeClr val="lt1"/>
                   </a:solidFill>
-                  <a:latin typeface="Cabin"/>
-                  <a:ea typeface="Cabin"/>
-                  <a:cs typeface="Cabin"/>
+                  <a:latin typeface="Arial" charset="0"/>
+                  <a:ea typeface="Arial" charset="0"/>
+                  <a:cs typeface="Arial" charset="0"/>
                   <a:sym typeface="Cabin"/>
                 </a:rPr>
                 <a:t>Z</a:t>
@@ -27567,13 +27567,13 @@
               <a:buNone/>
             </a:pPr>
             <a:r>
-              <a:rPr lang="en-US" sz="3600" b="0" i="0" u="none" strike="noStrike" cap="none">
+              <a:rPr lang="en-US" sz="3600" u="none" strike="noStrike" cap="none">
                 <a:solidFill>
                   <a:srgbClr val="FF7F00"/>
                 </a:solidFill>
-                <a:latin typeface="Cabin"/>
-                <a:ea typeface="Cabin"/>
-                <a:cs typeface="Cabin"/>
+                <a:latin typeface="Arial" charset="0"/>
+                <a:ea typeface="Arial" charset="0"/>
+                <a:cs typeface="Arial" charset="0"/>
                 <a:sym typeface="Cabin"/>
               </a:rPr>
               <a:t>Elements</a:t>
@@ -27624,13 +27624,13 @@
               <a:buNone/>
             </a:pPr>
             <a:r>
-              <a:rPr lang="en-US" sz="3600" b="0" i="0" u="none" strike="noStrike" cap="none">
+              <a:rPr lang="en-US" sz="3600" u="none" strike="noStrike" cap="none">
                 <a:solidFill>
                   <a:srgbClr val="FF00FF"/>
                 </a:solidFill>
-                <a:latin typeface="Cabin"/>
-                <a:ea typeface="Cabin"/>
-                <a:cs typeface="Cabin"/>
+                <a:latin typeface="Arial" charset="0"/>
+                <a:ea typeface="Arial" charset="0"/>
+                <a:cs typeface="Arial" charset="0"/>
                 <a:sym typeface="Cabin"/>
               </a:rPr>
               <a:t>Text</a:t>
@@ -27710,13 +27710,13 @@
               <a:buNone/>
             </a:pPr>
             <a:r>
-              <a:rPr lang="en-US" sz="7600" b="1" i="0" u="none" strike="noStrike" cap="none">
+              <a:rPr lang="en-US" sz="7600" u="none" strike="noStrike" cap="none">
                 <a:solidFill>
                   <a:srgbClr val="FFD966"/>
                 </a:solidFill>
-                <a:latin typeface="Cabin"/>
-                <a:ea typeface="Cabin"/>
-                <a:cs typeface="Cabin"/>
+                <a:latin typeface="Arial" charset="0"/>
+                <a:ea typeface="Arial" charset="0"/>
+                <a:cs typeface="Arial" charset="0"/>
                 <a:sym typeface="Cabin"/>
               </a:rPr>
               <a:t>XML Text and Attributes</a:t>
@@ -27767,13 +27767,13 @@
               <a:buNone/>
             </a:pPr>
             <a:r>
-              <a:rPr lang="en-US" sz="3600" b="0" i="0" u="none" strike="noStrike" cap="none">
+              <a:rPr lang="en-US" sz="3600" u="none" strike="noStrike" cap="none">
                 <a:solidFill>
                   <a:srgbClr val="FF7F00"/>
                 </a:solidFill>
-                <a:latin typeface="Cabin"/>
-                <a:ea typeface="Cabin"/>
-                <a:cs typeface="Cabin"/>
+                <a:latin typeface="Arial" charset="0"/>
+                <a:ea typeface="Arial" charset="0"/>
+                <a:cs typeface="Arial" charset="0"/>
                 <a:sym typeface="Cabin"/>
               </a:rPr>
               <a:t>&lt;a&gt; 	</a:t>
@@ -27798,25 +27798,25 @@
               <a:buNone/>
             </a:pPr>
             <a:r>
-              <a:rPr lang="en-US" sz="3600" b="0" i="0" u="none" strike="noStrike" cap="none">
+              <a:rPr lang="en-US" sz="3600" u="none" strike="noStrike" cap="none">
                 <a:solidFill>
                   <a:srgbClr val="FF7F00"/>
                 </a:solidFill>
-                <a:latin typeface="Cabin"/>
-                <a:ea typeface="Cabin"/>
-                <a:cs typeface="Cabin"/>
+                <a:latin typeface="Arial" charset="0"/>
+                <a:ea typeface="Arial" charset="0"/>
+                <a:cs typeface="Arial" charset="0"/>
                 <a:sym typeface="Cabin"/>
               </a:rPr>
               <a:t>  &lt;b </a:t>
             </a:r>
             <a:r>
-              <a:rPr lang="en-US" sz="3600" b="0" i="0" u="none" strike="noStrike" cap="none">
+              <a:rPr lang="en-US" sz="3600" u="none" strike="noStrike" cap="none">
                 <a:solidFill>
                   <a:srgbClr val="00FF00"/>
                 </a:solidFill>
-                <a:latin typeface="Cabin"/>
-                <a:ea typeface="Cabin"/>
-                <a:cs typeface="Cabin"/>
+                <a:latin typeface="Arial" charset="0"/>
+                <a:ea typeface="Arial" charset="0"/>
+                <a:cs typeface="Arial" charset="0"/>
                 <a:sym typeface="Cabin"/>
               </a:rPr>
               <a:t>w=</a:t>
@@ -27830,13 +27830,13 @@
               <a:t>"</a:t>
             </a:r>
             <a:r>
-              <a:rPr lang="en-US" sz="3600" b="0" i="0" u="none" strike="noStrike" cap="none">
+              <a:rPr lang="en-US" sz="3600" u="none" strike="noStrike" cap="none">
                 <a:solidFill>
                   <a:srgbClr val="00FF00"/>
                 </a:solidFill>
-                <a:latin typeface="Cabin"/>
-                <a:ea typeface="Cabin"/>
-                <a:cs typeface="Cabin"/>
+                <a:latin typeface="Arial" charset="0"/>
+                <a:ea typeface="Arial" charset="0"/>
+                <a:cs typeface="Arial" charset="0"/>
                 <a:sym typeface="Cabin"/>
               </a:rPr>
               <a:t>5</a:t>
@@ -27850,37 +27850,37 @@
               <a:t>"</a:t>
             </a:r>
             <a:r>
-              <a:rPr lang="en-US" sz="3600" b="0" i="0" u="none" strike="noStrike" cap="none">
+              <a:rPr lang="en-US" sz="3600" u="none" strike="noStrike" cap="none">
                 <a:solidFill>
                   <a:srgbClr val="FF7F00"/>
                 </a:solidFill>
-                <a:latin typeface="Cabin"/>
-                <a:ea typeface="Cabin"/>
-                <a:cs typeface="Cabin"/>
+                <a:latin typeface="Arial" charset="0"/>
+                <a:ea typeface="Arial" charset="0"/>
+                <a:cs typeface="Arial" charset="0"/>
                 <a:sym typeface="Cabin"/>
               </a:rPr>
               <a:t>&gt;</a:t>
             </a:r>
             <a:r>
-              <a:rPr lang="en-US" sz="3600" b="0" i="0" u="none" strike="noStrike" cap="none">
+              <a:rPr lang="en-US" sz="3600" u="none" strike="noStrike" cap="none">
                 <a:solidFill>
                   <a:srgbClr val="FF00FF"/>
                 </a:solidFill>
-                <a:latin typeface="Cabin"/>
-                <a:ea typeface="Cabin"/>
-                <a:cs typeface="Cabin"/>
+                <a:latin typeface="Arial" charset="0"/>
+                <a:ea typeface="Arial" charset="0"/>
+                <a:cs typeface="Arial" charset="0"/>
                 <a:sym typeface="Cabin"/>
               </a:rPr>
               <a:t>X</a:t>
             </a:r>
             <a:r>
-              <a:rPr lang="en-US" sz="3600" b="0" i="0" u="none" strike="noStrike" cap="none">
+              <a:rPr lang="en-US" sz="3600" u="none" strike="noStrike" cap="none">
                 <a:solidFill>
                   <a:srgbClr val="FF7F00"/>
                 </a:solidFill>
-                <a:latin typeface="Cabin"/>
-                <a:ea typeface="Cabin"/>
-                <a:cs typeface="Cabin"/>
+                <a:latin typeface="Arial" charset="0"/>
+                <a:ea typeface="Arial" charset="0"/>
+                <a:cs typeface="Arial" charset="0"/>
                 <a:sym typeface="Cabin"/>
               </a:rPr>
               <a:t>&lt;/b&gt;  </a:t>
@@ -27905,13 +27905,13 @@
               <a:buNone/>
             </a:pPr>
             <a:r>
-              <a:rPr lang="en-US" sz="3600" b="0" i="0" u="none" strike="noStrike" cap="none">
+              <a:rPr lang="en-US" sz="3600" u="none" strike="noStrike" cap="none">
                 <a:solidFill>
                   <a:srgbClr val="FF7F00"/>
                 </a:solidFill>
-                <a:latin typeface="Cabin"/>
-                <a:ea typeface="Cabin"/>
-                <a:cs typeface="Cabin"/>
+                <a:latin typeface="Arial" charset="0"/>
+                <a:ea typeface="Arial" charset="0"/>
+                <a:cs typeface="Arial" charset="0"/>
                 <a:sym typeface="Cabin"/>
               </a:rPr>
               <a:t>  &lt;c&gt; 	    </a:t>
@@ -27936,37 +27936,37 @@
               <a:buNone/>
             </a:pPr>
             <a:r>
-              <a:rPr lang="en-US" sz="3600" b="0" i="0" u="none" strike="noStrike" cap="none">
+              <a:rPr lang="en-US" sz="3600" u="none" strike="noStrike" cap="none">
                 <a:solidFill>
                   <a:srgbClr val="FF7F00"/>
                 </a:solidFill>
-                <a:latin typeface="Cabin"/>
-                <a:ea typeface="Cabin"/>
-                <a:cs typeface="Cabin"/>
+                <a:latin typeface="Arial" charset="0"/>
+                <a:ea typeface="Arial" charset="0"/>
+                <a:cs typeface="Arial" charset="0"/>
                 <a:sym typeface="Cabin"/>
               </a:rPr>
               <a:t>    &lt;d&gt;</a:t>
             </a:r>
             <a:r>
-              <a:rPr lang="en-US" sz="3600" b="0" i="0" u="none" strike="noStrike" cap="none">
+              <a:rPr lang="en-US" sz="3600" u="none" strike="noStrike" cap="none">
                 <a:solidFill>
                   <a:srgbClr val="FF00FF"/>
                 </a:solidFill>
-                <a:latin typeface="Cabin"/>
-                <a:ea typeface="Cabin"/>
-                <a:cs typeface="Cabin"/>
+                <a:latin typeface="Arial" charset="0"/>
+                <a:ea typeface="Arial" charset="0"/>
+                <a:cs typeface="Arial" charset="0"/>
                 <a:sym typeface="Cabin"/>
               </a:rPr>
               <a:t>Y</a:t>
             </a:r>
             <a:r>
-              <a:rPr lang="en-US" sz="3600" b="0" i="0" u="none" strike="noStrike" cap="none">
+              <a:rPr lang="en-US" sz="3600" u="none" strike="noStrike" cap="none">
                 <a:solidFill>
                   <a:srgbClr val="FF7F00"/>
                 </a:solidFill>
-                <a:latin typeface="Cabin"/>
-                <a:ea typeface="Cabin"/>
-                <a:cs typeface="Cabin"/>
+                <a:latin typeface="Arial" charset="0"/>
+                <a:ea typeface="Arial" charset="0"/>
+                <a:cs typeface="Arial" charset="0"/>
                 <a:sym typeface="Cabin"/>
               </a:rPr>
               <a:t>&lt;/d&gt;</a:t>
@@ -27991,37 +27991,37 @@
               <a:buNone/>
             </a:pPr>
             <a:r>
-              <a:rPr lang="en-US" sz="3600" b="0" i="0" u="none" strike="noStrike" cap="none">
+              <a:rPr lang="en-US" sz="3600" u="none" strike="noStrike" cap="none">
                 <a:solidFill>
                   <a:srgbClr val="FF7F00"/>
                 </a:solidFill>
-                <a:latin typeface="Cabin"/>
-                <a:ea typeface="Cabin"/>
-                <a:cs typeface="Cabin"/>
+                <a:latin typeface="Arial" charset="0"/>
+                <a:ea typeface="Arial" charset="0"/>
+                <a:cs typeface="Arial" charset="0"/>
                 <a:sym typeface="Cabin"/>
               </a:rPr>
               <a:t>    &lt;e&gt;</a:t>
             </a:r>
             <a:r>
-              <a:rPr lang="en-US" sz="3600" b="0" i="0" u="none" strike="noStrike" cap="none">
+              <a:rPr lang="en-US" sz="3600" u="none" strike="noStrike" cap="none">
                 <a:solidFill>
                   <a:srgbClr val="FF00FF"/>
                 </a:solidFill>
-                <a:latin typeface="Cabin"/>
-                <a:ea typeface="Cabin"/>
-                <a:cs typeface="Cabin"/>
+                <a:latin typeface="Arial" charset="0"/>
+                <a:ea typeface="Arial" charset="0"/>
+                <a:cs typeface="Arial" charset="0"/>
                 <a:sym typeface="Cabin"/>
               </a:rPr>
               <a:t>Z</a:t>
             </a:r>
             <a:r>
-              <a:rPr lang="en-US" sz="3600" b="0" i="0" u="none" strike="noStrike" cap="none">
+              <a:rPr lang="en-US" sz="3600" u="none" strike="noStrike" cap="none">
                 <a:solidFill>
                   <a:srgbClr val="FF7F00"/>
                 </a:solidFill>
-                <a:latin typeface="Cabin"/>
-                <a:ea typeface="Cabin"/>
-                <a:cs typeface="Cabin"/>
+                <a:latin typeface="Arial" charset="0"/>
+                <a:ea typeface="Arial" charset="0"/>
+                <a:cs typeface="Arial" charset="0"/>
                 <a:sym typeface="Cabin"/>
               </a:rPr>
               <a:t>&lt;/e&gt;	</a:t>
@@ -28046,13 +28046,13 @@
               <a:buNone/>
             </a:pPr>
             <a:r>
-              <a:rPr lang="en-US" sz="3600" b="0" i="0" u="none" strike="noStrike" cap="none">
+              <a:rPr lang="en-US" sz="3600" u="none" strike="noStrike" cap="none">
                 <a:solidFill>
                   <a:srgbClr val="FF7F00"/>
                 </a:solidFill>
-                <a:latin typeface="Cabin"/>
-                <a:ea typeface="Cabin"/>
-                <a:cs typeface="Cabin"/>
+                <a:latin typeface="Arial" charset="0"/>
+                <a:ea typeface="Arial" charset="0"/>
+                <a:cs typeface="Arial" charset="0"/>
                 <a:sym typeface="Cabin"/>
               </a:rPr>
               <a:t>  &lt;/c&gt;</a:t>
@@ -28077,13 +28077,13 @@
               <a:buNone/>
             </a:pPr>
             <a:r>
-              <a:rPr lang="en-US" sz="3600" b="0" i="0" u="none" strike="noStrike" cap="none">
+              <a:rPr lang="en-US" sz="3600" u="none" strike="noStrike" cap="none">
                 <a:solidFill>
                   <a:srgbClr val="FF7F00"/>
                 </a:solidFill>
-                <a:latin typeface="Cabin"/>
-                <a:ea typeface="Cabin"/>
-                <a:cs typeface="Cabin"/>
+                <a:latin typeface="Arial" charset="0"/>
+                <a:ea typeface="Arial" charset="0"/>
+                <a:cs typeface="Arial" charset="0"/>
                 <a:sym typeface="Cabin"/>
               </a:rPr>
               <a:t>&lt;/a&gt;</a:t>
@@ -28214,13 +28214,13 @@
               <a:buNone/>
             </a:pPr>
             <a:r>
-              <a:rPr lang="en-US" sz="4900" b="0" i="0" u="none" strike="noStrike" cap="none">
+              <a:rPr lang="en-US" sz="4900" u="none" strike="noStrike" cap="none">
                 <a:solidFill>
                   <a:schemeClr val="lt1"/>
                 </a:solidFill>
-                <a:latin typeface="Cabin"/>
-                <a:ea typeface="Cabin"/>
-                <a:cs typeface="Cabin"/>
+                <a:latin typeface="Arial" charset="0"/>
+                <a:ea typeface="Arial" charset="0"/>
+                <a:cs typeface="Arial" charset="0"/>
                 <a:sym typeface="Cabin"/>
               </a:rPr>
               <a:t>a</a:t>
@@ -28273,13 +28273,13 @@
               <a:buNone/>
             </a:pPr>
             <a:r>
-              <a:rPr lang="en-US" sz="4600" b="0" i="0" u="none" strike="noStrike" cap="none">
+              <a:rPr lang="en-US" sz="4600" u="none" strike="noStrike" cap="none">
                 <a:solidFill>
                   <a:schemeClr val="lt1"/>
                 </a:solidFill>
-                <a:latin typeface="Cabin"/>
-                <a:ea typeface="Cabin"/>
-                <a:cs typeface="Cabin"/>
+                <a:latin typeface="Arial" charset="0"/>
+                <a:ea typeface="Arial" charset="0"/>
+                <a:cs typeface="Arial" charset="0"/>
                 <a:sym typeface="Cabin"/>
               </a:rPr>
               <a:t>b</a:t>
@@ -28332,13 +28332,13 @@
               <a:buNone/>
             </a:pPr>
             <a:r>
-              <a:rPr lang="en-US" sz="4600" b="0" i="0" u="none" strike="noStrike" cap="none">
+              <a:rPr lang="en-US" sz="4600" u="none" strike="noStrike" cap="none">
                 <a:solidFill>
                   <a:schemeClr val="lt1"/>
                 </a:solidFill>
-                <a:latin typeface="Cabin"/>
-                <a:ea typeface="Cabin"/>
-                <a:cs typeface="Cabin"/>
+                <a:latin typeface="Arial" charset="0"/>
+                <a:ea typeface="Arial" charset="0"/>
+                <a:cs typeface="Arial" charset="0"/>
                 <a:sym typeface="Cabin"/>
               </a:rPr>
               <a:t>c</a:t>
@@ -28391,13 +28391,13 @@
               <a:buNone/>
             </a:pPr>
             <a:r>
-              <a:rPr lang="en-US" sz="4400" b="0" i="0" u="none" strike="noStrike" cap="none">
+              <a:rPr lang="en-US" sz="4400" u="none" strike="noStrike" cap="none">
                 <a:solidFill>
                   <a:schemeClr val="lt1"/>
                 </a:solidFill>
-                <a:latin typeface="Cabin"/>
-                <a:ea typeface="Cabin"/>
-                <a:cs typeface="Cabin"/>
+                <a:latin typeface="Arial" charset="0"/>
+                <a:ea typeface="Arial" charset="0"/>
+                <a:cs typeface="Arial" charset="0"/>
                 <a:sym typeface="Cabin"/>
               </a:rPr>
               <a:t>X</a:t>
@@ -28450,13 +28450,13 @@
               <a:buNone/>
             </a:pPr>
             <a:r>
-              <a:rPr lang="en-US" sz="4600" b="0" i="0" u="none" strike="noStrike" cap="none">
+              <a:rPr lang="en-US" sz="4600" u="none" strike="noStrike" cap="none">
                 <a:solidFill>
                   <a:schemeClr val="lt1"/>
                 </a:solidFill>
-                <a:latin typeface="Cabin"/>
-                <a:ea typeface="Cabin"/>
-                <a:cs typeface="Cabin"/>
+                <a:latin typeface="Arial" charset="0"/>
+                <a:ea typeface="Arial" charset="0"/>
+                <a:cs typeface="Arial" charset="0"/>
                 <a:sym typeface="Cabin"/>
               </a:rPr>
               <a:t>d</a:t>
@@ -28509,13 +28509,13 @@
               <a:buNone/>
             </a:pPr>
             <a:r>
-              <a:rPr lang="en-US" sz="4600" b="0" i="0" u="none" strike="noStrike" cap="none">
+              <a:rPr lang="en-US" sz="4600" u="none" strike="noStrike" cap="none">
                 <a:solidFill>
                   <a:schemeClr val="lt1"/>
                 </a:solidFill>
-                <a:latin typeface="Cabin"/>
-                <a:ea typeface="Cabin"/>
-                <a:cs typeface="Cabin"/>
+                <a:latin typeface="Arial" charset="0"/>
+                <a:ea typeface="Arial" charset="0"/>
+                <a:cs typeface="Arial" charset="0"/>
                 <a:sym typeface="Cabin"/>
               </a:rPr>
               <a:t>e</a:t>
@@ -28568,13 +28568,13 @@
               <a:buNone/>
             </a:pPr>
             <a:r>
-              <a:rPr lang="en-US" sz="4400" b="0" i="0" u="none" strike="noStrike" cap="none">
+              <a:rPr lang="en-US" sz="4400" u="none" strike="noStrike" cap="none">
                 <a:solidFill>
                   <a:schemeClr val="lt1"/>
                 </a:solidFill>
-                <a:latin typeface="Cabin"/>
-                <a:ea typeface="Cabin"/>
-                <a:cs typeface="Cabin"/>
+                <a:latin typeface="Arial" charset="0"/>
+                <a:ea typeface="Arial" charset="0"/>
+                <a:cs typeface="Arial" charset="0"/>
                 <a:sym typeface="Cabin"/>
               </a:rPr>
               <a:t>Y</a:t>
@@ -28627,13 +28627,13 @@
               <a:buNone/>
             </a:pPr>
             <a:r>
-              <a:rPr lang="en-US" sz="4400" b="0" i="0" u="none" strike="noStrike" cap="none">
+              <a:rPr lang="en-US" sz="4400" u="none" strike="noStrike" cap="none">
                 <a:solidFill>
                   <a:schemeClr val="lt1"/>
                 </a:solidFill>
-                <a:latin typeface="Cabin"/>
-                <a:ea typeface="Cabin"/>
-                <a:cs typeface="Cabin"/>
+                <a:latin typeface="Arial" charset="0"/>
+                <a:ea typeface="Arial" charset="0"/>
+                <a:cs typeface="Arial" charset="0"/>
                 <a:sym typeface="Cabin"/>
               </a:rPr>
               <a:t>Z</a:t>
@@ -28816,13 +28816,13 @@
               <a:buNone/>
             </a:pPr>
             <a:r>
-              <a:rPr lang="en-US" sz="4400" b="0" i="0" u="none" strike="noStrike" cap="none">
+              <a:rPr lang="en-US" sz="4400" u="none" strike="noStrike" cap="none">
                 <a:solidFill>
                   <a:schemeClr val="lt1"/>
                 </a:solidFill>
-                <a:latin typeface="Cabin"/>
-                <a:ea typeface="Cabin"/>
-                <a:cs typeface="Cabin"/>
+                <a:latin typeface="Arial" charset="0"/>
+                <a:ea typeface="Arial" charset="0"/>
+                <a:cs typeface="Arial" charset="0"/>
                 <a:sym typeface="Cabin"/>
               </a:rPr>
               <a:t>5</a:t>
@@ -28873,13 +28873,13 @@
               <a:buNone/>
             </a:pPr>
             <a:r>
-              <a:rPr lang="en-US" sz="3600" b="0" i="0" u="none" strike="noStrike" cap="none">
+              <a:rPr lang="en-US" sz="3600" u="none" strike="noStrike" cap="none">
                 <a:solidFill>
                   <a:srgbClr val="00FF00"/>
                 </a:solidFill>
-                <a:latin typeface="Cabin"/>
-                <a:ea typeface="Cabin"/>
-                <a:cs typeface="Cabin"/>
+                <a:latin typeface="Arial" charset="0"/>
+                <a:ea typeface="Arial" charset="0"/>
+                <a:cs typeface="Arial" charset="0"/>
                 <a:sym typeface="Cabin"/>
               </a:rPr>
               <a:t>w</a:t>
@@ -28904,13 +28904,13 @@
               <a:buNone/>
             </a:pPr>
             <a:r>
-              <a:rPr lang="en-US" sz="3600" b="0" i="0" u="none" strike="noStrike" cap="none">
+              <a:rPr lang="en-US" sz="3600" u="none" strike="noStrike" cap="none">
                 <a:solidFill>
                   <a:srgbClr val="00FF00"/>
                 </a:solidFill>
-                <a:latin typeface="Cabin"/>
-                <a:ea typeface="Cabin"/>
-                <a:cs typeface="Cabin"/>
+                <a:latin typeface="Arial" charset="0"/>
+                <a:ea typeface="Arial" charset="0"/>
+                <a:cs typeface="Arial" charset="0"/>
                 <a:sym typeface="Cabin"/>
               </a:rPr>
               <a:t>attrib</a:t>
@@ -28961,13 +28961,13 @@
               <a:buNone/>
             </a:pPr>
             <a:r>
-              <a:rPr lang="en-US" sz="3600" b="0" i="0" u="none" strike="noStrike" cap="none">
+              <a:rPr lang="en-US" sz="3600" u="none" strike="noStrike" cap="none">
                 <a:solidFill>
                   <a:srgbClr val="FF00FF"/>
                 </a:solidFill>
-                <a:latin typeface="Cabin"/>
-                <a:ea typeface="Cabin"/>
-                <a:cs typeface="Cabin"/>
+                <a:latin typeface="Arial" charset="0"/>
+                <a:ea typeface="Arial" charset="0"/>
+                <a:cs typeface="Arial" charset="0"/>
                 <a:sym typeface="Cabin"/>
               </a:rPr>
               <a:t>text</a:t>
@@ -28992,13 +28992,13 @@
               <a:buNone/>
             </a:pPr>
             <a:r>
-              <a:rPr lang="en-US" sz="3600" b="0" i="0" u="none" strike="noStrike" cap="none">
+              <a:rPr lang="en-US" sz="3600" u="none" strike="noStrike" cap="none">
                 <a:solidFill>
                   <a:srgbClr val="FF00FF"/>
                 </a:solidFill>
-                <a:latin typeface="Cabin"/>
-                <a:ea typeface="Cabin"/>
-                <a:cs typeface="Cabin"/>
+                <a:latin typeface="Arial" charset="0"/>
+                <a:ea typeface="Arial" charset="0"/>
+                <a:cs typeface="Arial" charset="0"/>
                 <a:sym typeface="Cabin"/>
               </a:rPr>
               <a:t>node</a:t>
@@ -29049,13 +29049,13 @@
               <a:buNone/>
             </a:pPr>
             <a:r>
-              <a:rPr lang="en-US" sz="3600" b="0" i="0" u="none" strike="noStrike" cap="none">
+              <a:rPr lang="en-US" sz="3600" u="none" strike="noStrike" cap="none">
                 <a:solidFill>
                   <a:srgbClr val="FF7F00"/>
                 </a:solidFill>
-                <a:latin typeface="Cabin"/>
-                <a:ea typeface="Cabin"/>
-                <a:cs typeface="Cabin"/>
+                <a:latin typeface="Arial" charset="0"/>
+                <a:ea typeface="Arial" charset="0"/>
+                <a:cs typeface="Arial" charset="0"/>
                 <a:sym typeface="Cabin"/>
               </a:rPr>
               <a:t>Elements</a:t>
@@ -29106,13 +29106,13 @@
               <a:buNone/>
             </a:pPr>
             <a:r>
-              <a:rPr lang="en-US" sz="3600" b="0" i="0" u="none" strike="noStrike" cap="none">
+              <a:rPr lang="en-US" sz="3600" u="none" strike="noStrike" cap="none">
                 <a:solidFill>
                   <a:srgbClr val="FF00FF"/>
                 </a:solidFill>
-                <a:latin typeface="Cabin"/>
-                <a:ea typeface="Cabin"/>
-                <a:cs typeface="Cabin"/>
+                <a:latin typeface="Arial" charset="0"/>
+                <a:ea typeface="Arial" charset="0"/>
+                <a:cs typeface="Arial" charset="0"/>
                 <a:sym typeface="Cabin"/>
               </a:rPr>
               <a:t>Text</a:t>
@@ -29192,13 +29192,13 @@
               <a:buNone/>
             </a:pPr>
             <a:r>
-              <a:rPr lang="en-US" sz="7600" b="1" i="0" u="none" strike="noStrike" cap="none">
+              <a:rPr lang="en-US" sz="7600" u="none" strike="noStrike" cap="none">
                 <a:solidFill>
                   <a:srgbClr val="FFD966"/>
                 </a:solidFill>
-                <a:latin typeface="Cabin"/>
-                <a:ea typeface="Cabin"/>
-                <a:cs typeface="Cabin"/>
+                <a:latin typeface="Arial" charset="0"/>
+                <a:ea typeface="Arial" charset="0"/>
+                <a:cs typeface="Arial" charset="0"/>
                 <a:sym typeface="Cabin"/>
               </a:rPr>
               <a:t>XML as Paths</a:t>
@@ -29249,13 +29249,13 @@
               <a:buNone/>
             </a:pPr>
             <a:r>
-              <a:rPr lang="en-US" sz="3600" b="0" i="0" u="none" strike="noStrike" cap="none">
+              <a:rPr lang="en-US" sz="3600" u="none" strike="noStrike" cap="none">
                 <a:solidFill>
                   <a:srgbClr val="FF7F00"/>
                 </a:solidFill>
-                <a:latin typeface="Cabin"/>
-                <a:ea typeface="Cabin"/>
-                <a:cs typeface="Cabin"/>
+                <a:latin typeface="Arial" charset="0"/>
+                <a:ea typeface="Arial" charset="0"/>
+                <a:cs typeface="Arial" charset="0"/>
                 <a:sym typeface="Cabin"/>
               </a:rPr>
               <a:t>&lt;a&gt;</a:t>
@@ -29280,37 +29280,37 @@
               <a:buNone/>
             </a:pPr>
             <a:r>
-              <a:rPr lang="en-US" sz="3600" b="0" i="0" u="none" strike="noStrike" cap="none">
+              <a:rPr lang="en-US" sz="3600" u="none" strike="noStrike" cap="none">
                 <a:solidFill>
                   <a:srgbClr val="FF7F00"/>
                 </a:solidFill>
-                <a:latin typeface="Cabin"/>
-                <a:ea typeface="Cabin"/>
-                <a:cs typeface="Cabin"/>
+                <a:latin typeface="Arial" charset="0"/>
+                <a:ea typeface="Arial" charset="0"/>
+                <a:cs typeface="Arial" charset="0"/>
                 <a:sym typeface="Cabin"/>
               </a:rPr>
               <a:t>  &lt;b&gt;</a:t>
             </a:r>
             <a:r>
-              <a:rPr lang="en-US" sz="3600" b="0" i="0" u="none" strike="noStrike" cap="none">
+              <a:rPr lang="en-US" sz="3600" u="none" strike="noStrike" cap="none">
                 <a:solidFill>
                   <a:srgbClr val="FF00FF"/>
                 </a:solidFill>
-                <a:latin typeface="Cabin"/>
-                <a:ea typeface="Cabin"/>
-                <a:cs typeface="Cabin"/>
+                <a:latin typeface="Arial" charset="0"/>
+                <a:ea typeface="Arial" charset="0"/>
+                <a:cs typeface="Arial" charset="0"/>
                 <a:sym typeface="Cabin"/>
               </a:rPr>
               <a:t>X</a:t>
             </a:r>
             <a:r>
-              <a:rPr lang="en-US" sz="3600" b="0" i="0" u="none" strike="noStrike" cap="none">
+              <a:rPr lang="en-US" sz="3600" u="none" strike="noStrike" cap="none">
                 <a:solidFill>
                   <a:srgbClr val="FF7F00"/>
                 </a:solidFill>
-                <a:latin typeface="Cabin"/>
-                <a:ea typeface="Cabin"/>
-                <a:cs typeface="Cabin"/>
+                <a:latin typeface="Arial" charset="0"/>
+                <a:ea typeface="Arial" charset="0"/>
+                <a:cs typeface="Arial" charset="0"/>
                 <a:sym typeface="Cabin"/>
               </a:rPr>
               <a:t>&lt;/b&gt;</a:t>
@@ -29335,13 +29335,13 @@
               <a:buNone/>
             </a:pPr>
             <a:r>
-              <a:rPr lang="en-US" sz="3600" b="0" i="0" u="none" strike="noStrike" cap="none">
+              <a:rPr lang="en-US" sz="3600" u="none" strike="noStrike" cap="none">
                 <a:solidFill>
                   <a:srgbClr val="FF7F00"/>
                 </a:solidFill>
-                <a:latin typeface="Cabin"/>
-                <a:ea typeface="Cabin"/>
-                <a:cs typeface="Cabin"/>
+                <a:latin typeface="Arial" charset="0"/>
+                <a:ea typeface="Arial" charset="0"/>
+                <a:cs typeface="Arial" charset="0"/>
                 <a:sym typeface="Cabin"/>
               </a:rPr>
               <a:t>  &lt;c&gt;</a:t>
@@ -29366,37 +29366,37 @@
               <a:buNone/>
             </a:pPr>
             <a:r>
-              <a:rPr lang="en-US" sz="3600" b="0" i="0" u="none" strike="noStrike" cap="none">
+              <a:rPr lang="en-US" sz="3600" u="none" strike="noStrike" cap="none">
                 <a:solidFill>
                   <a:srgbClr val="FF7F00"/>
                 </a:solidFill>
-                <a:latin typeface="Cabin"/>
-                <a:ea typeface="Cabin"/>
-                <a:cs typeface="Cabin"/>
+                <a:latin typeface="Arial" charset="0"/>
+                <a:ea typeface="Arial" charset="0"/>
+                <a:cs typeface="Arial" charset="0"/>
                 <a:sym typeface="Cabin"/>
               </a:rPr>
               <a:t>    &lt;d&gt;</a:t>
             </a:r>
             <a:r>
-              <a:rPr lang="en-US" sz="3600" b="0" i="0" u="none" strike="noStrike" cap="none">
+              <a:rPr lang="en-US" sz="3600" u="none" strike="noStrike" cap="none">
                 <a:solidFill>
                   <a:srgbClr val="FF00FF"/>
                 </a:solidFill>
-                <a:latin typeface="Cabin"/>
-                <a:ea typeface="Cabin"/>
-                <a:cs typeface="Cabin"/>
+                <a:latin typeface="Arial" charset="0"/>
+                <a:ea typeface="Arial" charset="0"/>
+                <a:cs typeface="Arial" charset="0"/>
                 <a:sym typeface="Cabin"/>
               </a:rPr>
               <a:t>Y</a:t>
             </a:r>
             <a:r>
-              <a:rPr lang="en-US" sz="3600" b="0" i="0" u="none" strike="noStrike" cap="none">
+              <a:rPr lang="en-US" sz="3600" u="none" strike="noStrike" cap="none">
                 <a:solidFill>
                   <a:srgbClr val="FF7F00"/>
                 </a:solidFill>
-                <a:latin typeface="Cabin"/>
-                <a:ea typeface="Cabin"/>
-                <a:cs typeface="Cabin"/>
+                <a:latin typeface="Arial" charset="0"/>
+                <a:ea typeface="Arial" charset="0"/>
+                <a:cs typeface="Arial" charset="0"/>
                 <a:sym typeface="Cabin"/>
               </a:rPr>
               <a:t>&lt;/d&gt;</a:t>
@@ -29421,37 +29421,37 @@
               <a:buNone/>
             </a:pPr>
             <a:r>
-              <a:rPr lang="en-US" sz="3600" b="0" i="0" u="none" strike="noStrike" cap="none">
+              <a:rPr lang="en-US" sz="3600" u="none" strike="noStrike" cap="none">
                 <a:solidFill>
                   <a:srgbClr val="FF7F00"/>
                 </a:solidFill>
-                <a:latin typeface="Cabin"/>
-                <a:ea typeface="Cabin"/>
-                <a:cs typeface="Cabin"/>
+                <a:latin typeface="Arial" charset="0"/>
+                <a:ea typeface="Arial" charset="0"/>
+                <a:cs typeface="Arial" charset="0"/>
                 <a:sym typeface="Cabin"/>
               </a:rPr>
               <a:t>    &lt;e&gt;</a:t>
             </a:r>
             <a:r>
-              <a:rPr lang="en-US" sz="3600" b="0" i="0" u="none" strike="noStrike" cap="none">
+              <a:rPr lang="en-US" sz="3600" u="none" strike="noStrike" cap="none">
                 <a:solidFill>
                   <a:srgbClr val="FF00FF"/>
                 </a:solidFill>
-                <a:latin typeface="Cabin"/>
-                <a:ea typeface="Cabin"/>
-                <a:cs typeface="Cabin"/>
+                <a:latin typeface="Arial" charset="0"/>
+                <a:ea typeface="Arial" charset="0"/>
+                <a:cs typeface="Arial" charset="0"/>
                 <a:sym typeface="Cabin"/>
               </a:rPr>
               <a:t>Z</a:t>
             </a:r>
             <a:r>
-              <a:rPr lang="en-US" sz="3600" b="0" i="0" u="none" strike="noStrike" cap="none">
+              <a:rPr lang="en-US" sz="3600" u="none" strike="noStrike" cap="none">
                 <a:solidFill>
                   <a:srgbClr val="FF7F00"/>
                 </a:solidFill>
-                <a:latin typeface="Cabin"/>
-                <a:ea typeface="Cabin"/>
-                <a:cs typeface="Cabin"/>
+                <a:latin typeface="Arial" charset="0"/>
+                <a:ea typeface="Arial" charset="0"/>
+                <a:cs typeface="Arial" charset="0"/>
                 <a:sym typeface="Cabin"/>
               </a:rPr>
               <a:t>&lt;/e&gt;</a:t>
@@ -29476,13 +29476,13 @@
               <a:buNone/>
             </a:pPr>
             <a:r>
-              <a:rPr lang="en-US" sz="3600" b="0" i="0" u="none" strike="noStrike" cap="none">
+              <a:rPr lang="en-US" sz="3600" u="none" strike="noStrike" cap="none">
                 <a:solidFill>
                   <a:srgbClr val="FF7F00"/>
                 </a:solidFill>
-                <a:latin typeface="Cabin"/>
-                <a:ea typeface="Cabin"/>
-                <a:cs typeface="Cabin"/>
+                <a:latin typeface="Arial" charset="0"/>
+                <a:ea typeface="Arial" charset="0"/>
+                <a:cs typeface="Arial" charset="0"/>
                 <a:sym typeface="Cabin"/>
               </a:rPr>
               <a:t>  &lt;/c&gt;</a:t>
@@ -29507,13 +29507,13 @@
               <a:buNone/>
             </a:pPr>
             <a:r>
-              <a:rPr lang="en-US" sz="3600" b="0" i="0" u="none" strike="noStrike" cap="none">
+              <a:rPr lang="en-US" sz="3600" u="none" strike="noStrike" cap="none">
                 <a:solidFill>
                   <a:srgbClr val="FF7F00"/>
                 </a:solidFill>
-                <a:latin typeface="Cabin"/>
-                <a:ea typeface="Cabin"/>
-                <a:cs typeface="Cabin"/>
+                <a:latin typeface="Arial" charset="0"/>
+                <a:ea typeface="Arial" charset="0"/>
+                <a:cs typeface="Arial" charset="0"/>
                 <a:sym typeface="Cabin"/>
               </a:rPr>
               <a:t>&lt;/a&gt;  </a:t>
@@ -29658,13 +29658,13 @@
                 <a:buNone/>
               </a:pPr>
               <a:r>
-                <a:rPr lang="en-US" sz="4900" b="0" i="0" u="none" strike="noStrike" cap="none">
+                <a:rPr lang="en-US" sz="4900" u="none" strike="noStrike" cap="none">
                   <a:solidFill>
                     <a:schemeClr val="lt1"/>
                   </a:solidFill>
-                  <a:latin typeface="Cabin"/>
-                  <a:ea typeface="Cabin"/>
-                  <a:cs typeface="Cabin"/>
+                  <a:latin typeface="Arial" charset="0"/>
+                  <a:ea typeface="Arial" charset="0"/>
+                  <a:cs typeface="Arial" charset="0"/>
                   <a:sym typeface="Cabin"/>
                 </a:rPr>
                 <a:t>a</a:t>
@@ -29717,13 +29717,13 @@
                 <a:buNone/>
               </a:pPr>
               <a:r>
-                <a:rPr lang="en-US" sz="4600" b="0" i="0" u="none" strike="noStrike" cap="none">
+                <a:rPr lang="en-US" sz="4600" u="none" strike="noStrike" cap="none">
                   <a:solidFill>
                     <a:schemeClr val="lt1"/>
                   </a:solidFill>
-                  <a:latin typeface="Cabin"/>
-                  <a:ea typeface="Cabin"/>
-                  <a:cs typeface="Cabin"/>
+                  <a:latin typeface="Arial" charset="0"/>
+                  <a:ea typeface="Arial" charset="0"/>
+                  <a:cs typeface="Arial" charset="0"/>
                   <a:sym typeface="Cabin"/>
                 </a:rPr>
                 <a:t>b</a:t>
@@ -29776,13 +29776,13 @@
                 <a:buNone/>
               </a:pPr>
               <a:r>
-                <a:rPr lang="en-US" sz="4600" b="0" i="0" u="none" strike="noStrike" cap="none">
+                <a:rPr lang="en-US" sz="4600" u="none" strike="noStrike" cap="none">
                   <a:solidFill>
                     <a:schemeClr val="lt1"/>
                   </a:solidFill>
-                  <a:latin typeface="Cabin"/>
-                  <a:ea typeface="Cabin"/>
-                  <a:cs typeface="Cabin"/>
+                  <a:latin typeface="Arial" charset="0"/>
+                  <a:ea typeface="Arial" charset="0"/>
+                  <a:cs typeface="Arial" charset="0"/>
                   <a:sym typeface="Cabin"/>
                 </a:rPr>
                 <a:t>c</a:t>
@@ -29835,13 +29835,13 @@
                 <a:buNone/>
               </a:pPr>
               <a:r>
-                <a:rPr lang="en-US" sz="4400" b="0" i="0" u="none" strike="noStrike" cap="none">
+                <a:rPr lang="en-US" sz="4400" u="none" strike="noStrike" cap="none">
                   <a:solidFill>
                     <a:schemeClr val="lt1"/>
                   </a:solidFill>
-                  <a:latin typeface="Cabin"/>
-                  <a:ea typeface="Cabin"/>
-                  <a:cs typeface="Cabin"/>
+                  <a:latin typeface="Arial" charset="0"/>
+                  <a:ea typeface="Arial" charset="0"/>
+                  <a:cs typeface="Arial" charset="0"/>
                   <a:sym typeface="Cabin"/>
                 </a:rPr>
                 <a:t>X</a:t>
@@ -29894,13 +29894,13 @@
                 <a:buNone/>
               </a:pPr>
               <a:r>
-                <a:rPr lang="en-US" sz="4600" b="0" i="0" u="none" strike="noStrike" cap="none">
+                <a:rPr lang="en-US" sz="4600" u="none" strike="noStrike" cap="none">
                   <a:solidFill>
                     <a:schemeClr val="lt1"/>
                   </a:solidFill>
-                  <a:latin typeface="Cabin"/>
-                  <a:ea typeface="Cabin"/>
-                  <a:cs typeface="Cabin"/>
+                  <a:latin typeface="Arial" charset="0"/>
+                  <a:ea typeface="Arial" charset="0"/>
+                  <a:cs typeface="Arial" charset="0"/>
                   <a:sym typeface="Cabin"/>
                 </a:rPr>
                 <a:t>d</a:t>
@@ -29953,13 +29953,13 @@
                 <a:buNone/>
               </a:pPr>
               <a:r>
-                <a:rPr lang="en-US" sz="4600" b="0" i="0" u="none" strike="noStrike" cap="none">
+                <a:rPr lang="en-US" sz="4600" u="none" strike="noStrike" cap="none">
                   <a:solidFill>
                     <a:schemeClr val="lt1"/>
                   </a:solidFill>
-                  <a:latin typeface="Cabin"/>
-                  <a:ea typeface="Cabin"/>
-                  <a:cs typeface="Cabin"/>
+                  <a:latin typeface="Arial" charset="0"/>
+                  <a:ea typeface="Arial" charset="0"/>
+                  <a:cs typeface="Arial" charset="0"/>
                   <a:sym typeface="Cabin"/>
                 </a:rPr>
                 <a:t>e</a:t>
@@ -30012,13 +30012,13 @@
                 <a:buNone/>
               </a:pPr>
               <a:r>
-                <a:rPr lang="en-US" sz="4400" b="0" i="0" u="none" strike="noStrike" cap="none">
+                <a:rPr lang="en-US" sz="4400" u="none" strike="noStrike" cap="none">
                   <a:solidFill>
                     <a:schemeClr val="lt1"/>
                   </a:solidFill>
-                  <a:latin typeface="Cabin"/>
-                  <a:ea typeface="Cabin"/>
-                  <a:cs typeface="Cabin"/>
+                  <a:latin typeface="Arial" charset="0"/>
+                  <a:ea typeface="Arial" charset="0"/>
+                  <a:cs typeface="Arial" charset="0"/>
                   <a:sym typeface="Cabin"/>
                 </a:rPr>
                 <a:t>Y</a:t>
@@ -30071,13 +30071,13 @@
                 <a:buNone/>
               </a:pPr>
               <a:r>
-                <a:rPr lang="en-US" sz="4400" b="0" i="0" u="none" strike="noStrike" cap="none">
+                <a:rPr lang="en-US" sz="4400" u="none" strike="noStrike" cap="none">
                   <a:solidFill>
                     <a:schemeClr val="lt1"/>
                   </a:solidFill>
-                  <a:latin typeface="Cabin"/>
-                  <a:ea typeface="Cabin"/>
-                  <a:cs typeface="Cabin"/>
+                  <a:latin typeface="Arial" charset="0"/>
+                  <a:ea typeface="Arial" charset="0"/>
+                  <a:cs typeface="Arial" charset="0"/>
                   <a:sym typeface="Cabin"/>
                 </a:rPr>
                 <a:t>Z</a:t>
@@ -30233,37 +30233,37 @@
               <a:buNone/>
             </a:pPr>
             <a:r>
-              <a:rPr lang="en-US" sz="5500" b="0" i="0" u="none" strike="noStrike" cap="none">
+              <a:rPr lang="en-US" sz="5500" u="none" strike="noStrike" cap="none">
                 <a:solidFill>
                   <a:srgbClr val="FF7F00"/>
                 </a:solidFill>
-                <a:latin typeface="Cabin"/>
-                <a:ea typeface="Cabin"/>
-                <a:cs typeface="Cabin"/>
+                <a:latin typeface="Arial" charset="0"/>
+                <a:ea typeface="Arial" charset="0"/>
+                <a:cs typeface="Arial" charset="0"/>
                 <a:sym typeface="Cabin"/>
               </a:rPr>
               <a:t>/a/b </a:t>
             </a:r>
             <a:r>
-              <a:rPr lang="en-US" sz="5500" b="0" i="0" u="none" strike="noStrike" cap="none">
+              <a:rPr lang="en-US" sz="5500" u="none" strike="noStrike" cap="none">
                 <a:solidFill>
                   <a:schemeClr val="lt1"/>
                 </a:solidFill>
-                <a:latin typeface="Cabin"/>
-                <a:ea typeface="Cabin"/>
-                <a:cs typeface="Cabin"/>
+                <a:latin typeface="Arial" charset="0"/>
+                <a:ea typeface="Arial" charset="0"/>
+                <a:cs typeface="Arial" charset="0"/>
                 <a:sym typeface="Cabin"/>
               </a:rPr>
               <a:t>       </a:t>
             </a:r>
             <a:r>
-              <a:rPr lang="en-US" sz="5500" b="0" i="0" u="none" strike="noStrike" cap="none">
+              <a:rPr lang="en-US" sz="5500" u="none" strike="noStrike" cap="none">
                 <a:solidFill>
                   <a:srgbClr val="FF00FF"/>
                 </a:solidFill>
-                <a:latin typeface="Cabin"/>
-                <a:ea typeface="Cabin"/>
-                <a:cs typeface="Cabin"/>
+                <a:latin typeface="Arial" charset="0"/>
+                <a:ea typeface="Arial" charset="0"/>
+                <a:cs typeface="Arial" charset="0"/>
                 <a:sym typeface="Cabin"/>
               </a:rPr>
               <a:t>X</a:t>
@@ -30288,37 +30288,37 @@
               <a:buNone/>
             </a:pPr>
             <a:r>
-              <a:rPr lang="en-US" sz="5500" b="0" i="0" u="none" strike="noStrike" cap="none">
+              <a:rPr lang="en-US" sz="5500" u="none" strike="noStrike" cap="none">
                 <a:solidFill>
                   <a:srgbClr val="FF7F00"/>
                 </a:solidFill>
-                <a:latin typeface="Cabin"/>
-                <a:ea typeface="Cabin"/>
-                <a:cs typeface="Cabin"/>
+                <a:latin typeface="Arial" charset="0"/>
+                <a:ea typeface="Arial" charset="0"/>
+                <a:cs typeface="Arial" charset="0"/>
                 <a:sym typeface="Cabin"/>
               </a:rPr>
               <a:t>/a/c/d </a:t>
             </a:r>
             <a:r>
-              <a:rPr lang="en-US" sz="5500" b="0" i="0" u="none" strike="noStrike" cap="none">
+              <a:rPr lang="en-US" sz="5500" u="none" strike="noStrike" cap="none">
                 <a:solidFill>
                   <a:schemeClr val="lt1"/>
                 </a:solidFill>
-                <a:latin typeface="Cabin"/>
-                <a:ea typeface="Cabin"/>
-                <a:cs typeface="Cabin"/>
+                <a:latin typeface="Arial" charset="0"/>
+                <a:ea typeface="Arial" charset="0"/>
+                <a:cs typeface="Arial" charset="0"/>
                 <a:sym typeface="Cabin"/>
               </a:rPr>
               <a:t>    </a:t>
             </a:r>
             <a:r>
-              <a:rPr lang="en-US" sz="5500" b="0" i="0" u="none" strike="noStrike" cap="none">
+              <a:rPr lang="en-US" sz="5500" u="none" strike="noStrike" cap="none">
                 <a:solidFill>
                   <a:srgbClr val="FF00FF"/>
                 </a:solidFill>
-                <a:latin typeface="Cabin"/>
-                <a:ea typeface="Cabin"/>
-                <a:cs typeface="Cabin"/>
+                <a:latin typeface="Arial" charset="0"/>
+                <a:ea typeface="Arial" charset="0"/>
+                <a:cs typeface="Arial" charset="0"/>
                 <a:sym typeface="Cabin"/>
               </a:rPr>
               <a:t>Y</a:t>
@@ -30343,37 +30343,37 @@
               <a:buNone/>
             </a:pPr>
             <a:r>
-              <a:rPr lang="en-US" sz="5500" b="0" i="0" u="none" strike="noStrike" cap="none">
+              <a:rPr lang="en-US" sz="5500" u="none" strike="noStrike" cap="none">
                 <a:solidFill>
                   <a:srgbClr val="FF7F00"/>
                 </a:solidFill>
-                <a:latin typeface="Cabin"/>
-                <a:ea typeface="Cabin"/>
-                <a:cs typeface="Cabin"/>
+                <a:latin typeface="Arial" charset="0"/>
+                <a:ea typeface="Arial" charset="0"/>
+                <a:cs typeface="Arial" charset="0"/>
                 <a:sym typeface="Cabin"/>
               </a:rPr>
               <a:t>/a/c/e </a:t>
             </a:r>
             <a:r>
-              <a:rPr lang="en-US" sz="5500" b="0" i="0" u="none" strike="noStrike" cap="none">
+              <a:rPr lang="en-US" sz="5500" u="none" strike="noStrike" cap="none">
                 <a:solidFill>
                   <a:schemeClr val="lt1"/>
                 </a:solidFill>
-                <a:latin typeface="Cabin"/>
-                <a:ea typeface="Cabin"/>
-                <a:cs typeface="Cabin"/>
+                <a:latin typeface="Arial" charset="0"/>
+                <a:ea typeface="Arial" charset="0"/>
+                <a:cs typeface="Arial" charset="0"/>
                 <a:sym typeface="Cabin"/>
               </a:rPr>
               <a:t>   </a:t>
             </a:r>
             <a:r>
-              <a:rPr lang="en-US" sz="5500" b="0" i="0" u="none" strike="noStrike" cap="none">
+              <a:rPr lang="en-US" sz="5500" u="none" strike="noStrike" cap="none">
                 <a:solidFill>
                   <a:srgbClr val="FF00FF"/>
                 </a:solidFill>
-                <a:latin typeface="Cabin"/>
-                <a:ea typeface="Cabin"/>
-                <a:cs typeface="Cabin"/>
+                <a:latin typeface="Arial" charset="0"/>
+                <a:ea typeface="Arial" charset="0"/>
+                <a:cs typeface="Arial" charset="0"/>
                 <a:sym typeface="Cabin"/>
               </a:rPr>
               <a:t> Z</a:t>
@@ -30475,13 +30475,13 @@
               <a:buNone/>
             </a:pPr>
             <a:r>
-              <a:rPr lang="en-US" sz="3600" b="0" i="0" u="none" strike="noStrike" cap="none">
+              <a:rPr lang="en-US" sz="3600" u="none" strike="noStrike" cap="none">
                 <a:solidFill>
                   <a:srgbClr val="FF7F00"/>
                 </a:solidFill>
-                <a:latin typeface="Cabin"/>
-                <a:ea typeface="Cabin"/>
-                <a:cs typeface="Cabin"/>
+                <a:latin typeface="Arial" charset="0"/>
+                <a:ea typeface="Arial" charset="0"/>
+                <a:cs typeface="Arial" charset="0"/>
                 <a:sym typeface="Cabin"/>
               </a:rPr>
               <a:t>Elements</a:t>
@@ -30532,13 +30532,13 @@
               <a:buNone/>
             </a:pPr>
             <a:r>
-              <a:rPr lang="en-US" sz="3600" b="0" i="0" u="none" strike="noStrike" cap="none">
+              <a:rPr lang="en-US" sz="3600" u="none" strike="noStrike" cap="none">
                 <a:solidFill>
                   <a:srgbClr val="FF00FF"/>
                 </a:solidFill>
-                <a:latin typeface="Cabin"/>
-                <a:ea typeface="Cabin"/>
-                <a:cs typeface="Cabin"/>
+                <a:latin typeface="Arial" charset="0"/>
+                <a:ea typeface="Arial" charset="0"/>
+                <a:cs typeface="Arial" charset="0"/>
                 <a:sym typeface="Cabin"/>
               </a:rPr>
               <a:t>Text</a:t>
@@ -30618,13 +30618,13 @@
               <a:buNone/>
             </a:pPr>
             <a:r>
-              <a:rPr lang="en-US" sz="7600" b="1" i="0" u="none" strike="noStrike" cap="none">
+              <a:rPr lang="en-US" sz="7600" u="none" strike="noStrike" cap="none">
                 <a:solidFill>
                   <a:srgbClr val="FFD966"/>
                 </a:solidFill>
-                <a:latin typeface="Cabin"/>
-                <a:ea typeface="Cabin"/>
-                <a:cs typeface="Cabin"/>
+                <a:latin typeface="Arial" charset="0"/>
+                <a:ea typeface="Arial" charset="0"/>
+                <a:cs typeface="Arial" charset="0"/>
                 <a:sym typeface="Cabin"/>
               </a:rPr>
               <a:t>XML Schema</a:t>
@@ -30679,13 +30679,13 @@
               <a:buNone/>
             </a:pPr>
             <a:r>
-              <a:rPr lang="en-US" sz="3200" b="0" i="0" u="none" strike="noStrike" cap="none">
+              <a:rPr lang="en-US" sz="3200" u="none" strike="noStrike" cap="none">
                 <a:solidFill>
                   <a:schemeClr val="lt1"/>
                 </a:solidFill>
-                <a:latin typeface="Cabin"/>
-                <a:ea typeface="Cabin"/>
-                <a:cs typeface="Cabin"/>
+                <a:latin typeface="Arial" charset="0"/>
+                <a:ea typeface="Arial" charset="0"/>
+                <a:cs typeface="Arial" charset="0"/>
                 <a:sym typeface="Cabin"/>
               </a:rPr>
               <a:t>Describing a </a:t>
@@ -30703,13 +30703,13 @@
               <a:t>“</a:t>
             </a:r>
             <a:r>
-              <a:rPr lang="en-US" sz="3400" b="0" i="0" u="none" strike="noStrike" cap="none">
+              <a:rPr lang="en-US" sz="3400" u="none" strike="noStrike" cap="none">
                 <a:solidFill>
                   <a:srgbClr val="FFFF00"/>
                 </a:solidFill>
-                <a:latin typeface="Cabin"/>
-                <a:ea typeface="Cabin"/>
-                <a:cs typeface="Cabin"/>
+                <a:latin typeface="Arial" charset="0"/>
+                <a:ea typeface="Arial" charset="0"/>
+                <a:cs typeface="Arial" charset="0"/>
                 <a:sym typeface="Cabin"/>
               </a:rPr>
               <a:t>contract</a:t>
@@ -30727,13 +30727,13 @@
               <a:t>”</a:t>
             </a:r>
             <a:r>
-              <a:rPr lang="en-US" sz="3200" b="0" i="0" u="none" strike="noStrike" cap="none">
+              <a:rPr lang="en-US" sz="3200" u="none" strike="noStrike" cap="none">
                 <a:solidFill>
                   <a:schemeClr val="lt1"/>
                 </a:solidFill>
-                <a:latin typeface="Cabin"/>
-                <a:ea typeface="Cabin"/>
-                <a:cs typeface="Cabin"/>
+                <a:latin typeface="Arial" charset="0"/>
+                <a:ea typeface="Arial" charset="0"/>
+                <a:cs typeface="Arial" charset="0"/>
                 <a:sym typeface="Cabin"/>
               </a:rPr>
               <a:t> as to what is acceptable XML.</a:t>
@@ -30784,13 +30784,13 @@
               <a:buNone/>
             </a:pPr>
             <a:r>
-              <a:rPr lang="en-US" sz="3000" b="0" i="0" u="sng" strike="noStrike" cap="none">
+              <a:rPr lang="en-US" sz="3000" u="sng" strike="noStrike" cap="none">
                 <a:solidFill>
                   <a:srgbClr val="FFFF00"/>
                 </a:solidFill>
-                <a:latin typeface="Cabin"/>
-                <a:ea typeface="Cabin"/>
-                <a:cs typeface="Cabin"/>
+                <a:latin typeface="Arial" charset="0"/>
+                <a:ea typeface="Arial" charset="0"/>
+                <a:cs typeface="Arial" charset="0"/>
                 <a:sym typeface="Cabin"/>
                 <a:hlinkClick r:id="rId3"/>
               </a:rPr>
@@ -30842,13 +30842,13 @@
               <a:buNone/>
             </a:pPr>
             <a:r>
-              <a:rPr lang="en-US" sz="3000" b="0" i="0" u="sng" strike="noStrike" cap="none">
+              <a:rPr lang="en-US" sz="3000" u="sng" strike="noStrike" cap="none">
                 <a:solidFill>
                   <a:srgbClr val="FFFF00"/>
                 </a:solidFill>
-                <a:latin typeface="Cabin"/>
-                <a:ea typeface="Cabin"/>
-                <a:cs typeface="Cabin"/>
+                <a:latin typeface="Arial" charset="0"/>
+                <a:ea typeface="Arial" charset="0"/>
+                <a:cs typeface="Arial" charset="0"/>
                 <a:sym typeface="Cabin"/>
                 <a:hlinkClick r:id="rId4"/>
               </a:rPr>
@@ -30929,13 +30929,13 @@
               <a:buNone/>
             </a:pPr>
             <a:r>
-              <a:rPr lang="en-US" sz="7600" b="1" i="0" u="none" strike="noStrike" cap="none">
+              <a:rPr lang="en-US" sz="7600" u="none" strike="noStrike" cap="none">
                 <a:solidFill>
                   <a:srgbClr val="FFD966"/>
                 </a:solidFill>
-                <a:latin typeface="Cabin"/>
-                <a:ea typeface="Cabin"/>
-                <a:cs typeface="Cabin"/>
+                <a:latin typeface="Arial" charset="0"/>
+                <a:ea typeface="Arial" charset="0"/>
+                <a:cs typeface="Arial" charset="0"/>
                 <a:sym typeface="Cabin"/>
               </a:rPr>
               <a:t>XML Schema</a:t>
@@ -30986,62 +30986,62 @@
               <a:buFont typeface="Cabin"/>
             </a:pPr>
             <a:r>
-              <a:rPr lang="en-US" sz="3600" b="0" i="0" u="none" strike="noStrike" cap="none">
+              <a:rPr lang="en-US" sz="3600" u="none" strike="noStrike" cap="none">
                 <a:solidFill>
                   <a:schemeClr val="lt1"/>
                 </a:solidFill>
-                <a:latin typeface="Cabin"/>
-                <a:ea typeface="Cabin"/>
-                <a:cs typeface="Cabin"/>
+                <a:latin typeface="Arial" charset="0"/>
+                <a:ea typeface="Arial" charset="0"/>
+                <a:cs typeface="Arial" charset="0"/>
                 <a:sym typeface="Cabin"/>
               </a:rPr>
               <a:t>Description of the </a:t>
             </a:r>
             <a:r>
-              <a:rPr lang="en-US" sz="3600" b="0" i="0" u="none" strike="noStrike" cap="none">
+              <a:rPr lang="en-US" sz="3600" u="none" strike="noStrike" cap="none">
                 <a:solidFill>
                   <a:srgbClr val="FFFF00"/>
                 </a:solidFill>
-                <a:latin typeface="Cabin"/>
-                <a:ea typeface="Cabin"/>
-                <a:cs typeface="Cabin"/>
+                <a:latin typeface="Arial" charset="0"/>
+                <a:ea typeface="Arial" charset="0"/>
+                <a:cs typeface="Arial" charset="0"/>
                 <a:sym typeface="Cabin"/>
               </a:rPr>
               <a:t>legal format </a:t>
             </a:r>
             <a:r>
-              <a:rPr lang="en-US" sz="3600" b="0" i="0" u="none" strike="noStrike" cap="none">
+              <a:rPr lang="en-US" sz="3600" u="none" strike="noStrike" cap="none">
                 <a:solidFill>
                   <a:schemeClr val="lt1"/>
                 </a:solidFill>
-                <a:latin typeface="Cabin"/>
-                <a:ea typeface="Cabin"/>
-                <a:cs typeface="Cabin"/>
+                <a:latin typeface="Arial" charset="0"/>
+                <a:ea typeface="Arial" charset="0"/>
+                <a:cs typeface="Arial" charset="0"/>
                 <a:sym typeface="Cabin"/>
               </a:rPr>
               <a:t>of an </a:t>
             </a:r>
             <a:r>
-              <a:rPr lang="en-US" sz="3600" b="0" i="0" u="sng" strike="noStrike" cap="none">
+              <a:rPr lang="en-US" sz="3600" u="sng" strike="noStrike" cap="none">
                 <a:solidFill>
                   <a:srgbClr val="FFFF00"/>
                 </a:solidFill>
-                <a:latin typeface="Cabin"/>
-                <a:ea typeface="Cabin"/>
-                <a:cs typeface="Cabin"/>
+                <a:latin typeface="Arial" charset="0"/>
+                <a:ea typeface="Arial" charset="0"/>
+                <a:cs typeface="Arial" charset="0"/>
                 <a:sym typeface="Cabin"/>
                 <a:hlinkClick r:id="rId3"/>
               </a:rPr>
               <a:t>XML</a:t>
             </a:r>
             <a:r>
-              <a:rPr lang="en-US" sz="3600" b="0" i="0" u="none" strike="noStrike" cap="none">
+              <a:rPr lang="en-US" sz="3600" u="none" strike="noStrike" cap="none">
                 <a:solidFill>
                   <a:schemeClr val="lt1"/>
                 </a:solidFill>
-                <a:latin typeface="Cabin"/>
-                <a:ea typeface="Cabin"/>
-                <a:cs typeface="Cabin"/>
+                <a:latin typeface="Arial" charset="0"/>
+                <a:ea typeface="Arial" charset="0"/>
+                <a:cs typeface="Arial" charset="0"/>
                 <a:sym typeface="Cabin"/>
               </a:rPr>
               <a:t> document</a:t>
@@ -31062,13 +31062,13 @@
               <a:buFont typeface="Cabin"/>
             </a:pPr>
             <a:r>
-              <a:rPr lang="en-US" sz="3600" b="0" i="0" u="none" strike="noStrike" cap="none">
+              <a:rPr lang="en-US" sz="3600" u="none" strike="noStrike" cap="none">
                 <a:solidFill>
                   <a:schemeClr val="lt1"/>
                 </a:solidFill>
-                <a:latin typeface="Cabin"/>
-                <a:ea typeface="Cabin"/>
-                <a:cs typeface="Cabin"/>
+                <a:latin typeface="Arial" charset="0"/>
+                <a:ea typeface="Arial" charset="0"/>
+                <a:cs typeface="Arial" charset="0"/>
                 <a:sym typeface="Cabin"/>
               </a:rPr>
               <a:t>Expressed in terms of constraints on the structure and content of documents</a:t>
@@ -31088,13 +31088,13 @@
               <a:buSzPct val="100000"/>
             </a:pPr>
             <a:r>
-              <a:rPr lang="en-US" sz="3600" b="0" i="0" u="none" strike="noStrike" cap="none">
+              <a:rPr lang="en-US" sz="3600" u="none" strike="noStrike" cap="none">
                 <a:solidFill>
                   <a:schemeClr val="lt1"/>
                 </a:solidFill>
-                <a:latin typeface="Cabin"/>
-                <a:ea typeface="Cabin"/>
-                <a:cs typeface="Cabin"/>
+                <a:latin typeface="Arial" charset="0"/>
+                <a:ea typeface="Arial" charset="0"/>
+                <a:cs typeface="Arial" charset="0"/>
                 <a:sym typeface="Cabin"/>
               </a:rPr>
               <a:t>Often used to specify a </a:t>
@@ -31112,13 +31112,13 @@
               <a:t>“</a:t>
             </a:r>
             <a:r>
-              <a:rPr lang="en-US" sz="3600" b="0" i="0" u="none" strike="noStrike" cap="none">
+              <a:rPr lang="en-US" sz="3600" u="none" strike="noStrike" cap="none">
                 <a:solidFill>
                   <a:srgbClr val="FFFF00"/>
                 </a:solidFill>
-                <a:latin typeface="Cabin"/>
-                <a:ea typeface="Cabin"/>
-                <a:cs typeface="Cabin"/>
+                <a:latin typeface="Arial" charset="0"/>
+                <a:ea typeface="Arial" charset="0"/>
+                <a:cs typeface="Arial" charset="0"/>
                 <a:sym typeface="Cabin"/>
               </a:rPr>
               <a:t>contract</a:t>
@@ -31136,13 +31136,13 @@
               <a:t>”</a:t>
             </a:r>
             <a:r>
-              <a:rPr lang="en-US" sz="3600" b="0" i="0" u="none" strike="noStrike" cap="none">
+              <a:rPr lang="en-US" sz="3600" u="none" strike="noStrike" cap="none">
                 <a:solidFill>
                   <a:schemeClr val="lt1"/>
                 </a:solidFill>
-                <a:latin typeface="Cabin"/>
-                <a:ea typeface="Cabin"/>
-                <a:cs typeface="Cabin"/>
+                <a:latin typeface="Arial" charset="0"/>
+                <a:ea typeface="Arial" charset="0"/>
+                <a:cs typeface="Arial" charset="0"/>
                 <a:sym typeface="Cabin"/>
               </a:rPr>
               <a:t> between systems - </a:t>
@@ -31160,13 +31160,13 @@
               <a:t>“</a:t>
             </a:r>
             <a:r>
-              <a:rPr lang="en-US" sz="3600" b="0" i="0" u="none" strike="noStrike" cap="none">
+              <a:rPr lang="en-US" sz="3600" u="none" strike="noStrike" cap="none">
                 <a:solidFill>
                   <a:schemeClr val="lt1"/>
                 </a:solidFill>
-                <a:latin typeface="Cabin"/>
-                <a:ea typeface="Cabin"/>
-                <a:cs typeface="Cabin"/>
+                <a:latin typeface="Arial" charset="0"/>
+                <a:ea typeface="Arial" charset="0"/>
+                <a:cs typeface="Arial" charset="0"/>
                 <a:sym typeface="Cabin"/>
               </a:rPr>
               <a:t>My system will only accept XML that conforms to this particular Schema.</a:t>
@@ -31198,13 +31198,13 @@
               <a:buSzPct val="100000"/>
             </a:pPr>
             <a:r>
-              <a:rPr lang="en-US" sz="3600" b="0" i="0" u="none" strike="noStrike" cap="none">
+              <a:rPr lang="en-US" sz="3600" u="none" strike="noStrike" cap="none">
                 <a:solidFill>
                   <a:schemeClr val="lt1"/>
                 </a:solidFill>
-                <a:latin typeface="Cabin"/>
-                <a:ea typeface="Cabin"/>
-                <a:cs typeface="Cabin"/>
+                <a:latin typeface="Arial" charset="0"/>
+                <a:ea typeface="Arial" charset="0"/>
+                <a:cs typeface="Arial" charset="0"/>
                 <a:sym typeface="Cabin"/>
               </a:rPr>
               <a:t>If a particular piece of XML meets the specification of the Schema - it is said to </a:t>
@@ -31222,13 +31222,13 @@
               <a:t>“</a:t>
             </a:r>
             <a:r>
-              <a:rPr lang="en-US" sz="3600" b="0" i="0" u="none" strike="noStrike" cap="none">
+              <a:rPr lang="en-US" sz="3600" u="none" strike="noStrike" cap="none">
                 <a:solidFill>
                   <a:srgbClr val="FFFF00"/>
                 </a:solidFill>
-                <a:latin typeface="Cabin"/>
-                <a:ea typeface="Cabin"/>
-                <a:cs typeface="Cabin"/>
+                <a:latin typeface="Arial" charset="0"/>
+                <a:ea typeface="Arial" charset="0"/>
+                <a:cs typeface="Arial" charset="0"/>
                 <a:sym typeface="Cabin"/>
               </a:rPr>
               <a:t>validate</a:t>
@@ -31291,13 +31291,13 @@
               <a:buNone/>
             </a:pPr>
             <a:r>
-              <a:rPr lang="en-US" sz="3000" b="0" i="0" u="sng" strike="noStrike" cap="none">
+              <a:rPr lang="en-US" sz="3000" u="sng" strike="noStrike" cap="none">
                 <a:solidFill>
                   <a:srgbClr val="FFFF00"/>
                 </a:solidFill>
-                <a:latin typeface="Cabin"/>
-                <a:ea typeface="Cabin"/>
-                <a:cs typeface="Cabin"/>
+                <a:latin typeface="Arial" charset="0"/>
+                <a:ea typeface="Arial" charset="0"/>
+                <a:cs typeface="Arial" charset="0"/>
                 <a:sym typeface="Cabin"/>
                 <a:hlinkClick r:id="rId4"/>
               </a:rPr>
@@ -31370,13 +31370,13 @@
               </a:spcAft>
               <a:buNone/>
             </a:pPr>
-            <a:endParaRPr sz="7600" b="0" i="0" u="none" strike="noStrike" cap="none">
+            <a:endParaRPr sz="7600" u="none" strike="noStrike" cap="none">
               <a:solidFill>
                 <a:schemeClr val="lt1"/>
               </a:solidFill>
-              <a:latin typeface="Cabin"/>
-              <a:ea typeface="Cabin"/>
-              <a:cs typeface="Cabin"/>
+              <a:latin typeface="Arial" charset="0"/>
+              <a:ea typeface="Arial" charset="0"/>
+              <a:cs typeface="Arial" charset="0"/>
               <a:sym typeface="Cabin"/>
             </a:endParaRPr>
           </a:p>
@@ -31399,13 +31399,13 @@
               <a:buNone/>
             </a:pPr>
             <a:r>
-              <a:rPr lang="en-US" sz="7600" b="0" i="0" u="none" strike="noStrike" cap="none">
+              <a:rPr lang="en-US" sz="7600" u="none" strike="noStrike" cap="none">
                 <a:solidFill>
                   <a:schemeClr val="lt1"/>
                 </a:solidFill>
-                <a:latin typeface="Cabin"/>
-                <a:ea typeface="Cabin"/>
-                <a:cs typeface="Cabin"/>
+                <a:latin typeface="Arial" charset="0"/>
+                <a:ea typeface="Arial" charset="0"/>
+                <a:cs typeface="Arial" charset="0"/>
                 <a:sym typeface="Cabin"/>
               </a:rPr>
               <a:t>Validator</a:t>
@@ -31456,13 +31456,13 @@
               <a:buNone/>
             </a:pPr>
             <a:r>
-              <a:rPr lang="en-US" sz="5600" b="0" i="0" u="none" strike="noStrike" cap="none">
+              <a:rPr lang="en-US" sz="5600" u="none" strike="noStrike" cap="none">
                 <a:solidFill>
                   <a:srgbClr val="00FF00"/>
                 </a:solidFill>
-                <a:latin typeface="Cabin"/>
-                <a:ea typeface="Cabin"/>
-                <a:cs typeface="Cabin"/>
+                <a:latin typeface="Arial" charset="0"/>
+                <a:ea typeface="Arial" charset="0"/>
+                <a:cs typeface="Arial" charset="0"/>
                 <a:sym typeface="Cabin"/>
               </a:rPr>
               <a:t>XML Schema Contract</a:t>
@@ -31513,13 +31513,13 @@
               <a:buNone/>
             </a:pPr>
             <a:r>
-              <a:rPr lang="en-US" sz="5600" b="0" i="0" u="none" strike="noStrike" cap="none">
+              <a:rPr lang="en-US" sz="5600" u="none" strike="noStrike" cap="none">
                 <a:solidFill>
                   <a:srgbClr val="FFFF00"/>
                 </a:solidFill>
-                <a:latin typeface="Cabin"/>
-                <a:ea typeface="Cabin"/>
-                <a:cs typeface="Cabin"/>
+                <a:latin typeface="Arial" charset="0"/>
+                <a:ea typeface="Arial" charset="0"/>
+                <a:cs typeface="Arial" charset="0"/>
                 <a:sym typeface="Cabin"/>
               </a:rPr>
               <a:t>XML Document</a:t>
@@ -31649,13 +31649,13 @@
               <a:buNone/>
             </a:pPr>
             <a:r>
-              <a:rPr lang="en-US" sz="6200" b="0" i="0" u="none" strike="noStrike" cap="none">
+              <a:rPr lang="en-US" sz="6200" u="none" strike="noStrike" cap="none">
                 <a:solidFill>
                   <a:schemeClr val="lt1"/>
                 </a:solidFill>
-                <a:latin typeface="Cabin"/>
-                <a:ea typeface="Cabin"/>
-                <a:cs typeface="Cabin"/>
+                <a:latin typeface="Arial" charset="0"/>
+                <a:ea typeface="Arial" charset="0"/>
+                <a:cs typeface="Arial" charset="0"/>
                 <a:sym typeface="Cabin"/>
               </a:rPr>
               <a:t>XML Validation</a:t>
@@ -31727,13 +31727,13 @@
               </a:spcAft>
               <a:buNone/>
             </a:pPr>
-            <a:endParaRPr sz="7600" b="0" i="0" u="none" strike="noStrike" cap="none">
+            <a:endParaRPr sz="7600" u="none" strike="noStrike" cap="none">
               <a:solidFill>
                 <a:schemeClr val="lt1"/>
               </a:solidFill>
-              <a:latin typeface="Cabin"/>
-              <a:ea typeface="Cabin"/>
-              <a:cs typeface="Cabin"/>
+              <a:latin typeface="Arial" charset="0"/>
+              <a:ea typeface="Arial" charset="0"/>
+              <a:cs typeface="Arial" charset="0"/>
               <a:sym typeface="Cabin"/>
             </a:endParaRPr>
           </a:p>
@@ -31756,13 +31756,13 @@
               <a:buNone/>
             </a:pPr>
             <a:r>
-              <a:rPr lang="en-US" sz="7600" b="0" i="0" u="none" strike="noStrike" cap="none">
+              <a:rPr lang="en-US" sz="7600" u="none" strike="noStrike" cap="none">
                 <a:solidFill>
                   <a:schemeClr val="lt1"/>
                 </a:solidFill>
-                <a:latin typeface="Cabin"/>
-                <a:ea typeface="Cabin"/>
-                <a:cs typeface="Cabin"/>
+                <a:latin typeface="Arial" charset="0"/>
+                <a:ea typeface="Arial" charset="0"/>
+                <a:cs typeface="Arial" charset="0"/>
                 <a:sym typeface="Cabin"/>
               </a:rPr>
               <a:t>Validator</a:t>
@@ -31813,13 +31813,13 @@
               <a:buNone/>
             </a:pPr>
             <a:r>
-              <a:rPr lang="en-US" sz="3000" b="0" i="0" u="none" strike="noStrike" cap="none">
+              <a:rPr lang="en-US" sz="3000" u="none" strike="noStrike" cap="none">
                 <a:solidFill>
                   <a:srgbClr val="FFFF00"/>
                 </a:solidFill>
-                <a:latin typeface="Cabin"/>
-                <a:ea typeface="Cabin"/>
-                <a:cs typeface="Cabin"/>
+                <a:latin typeface="Arial" charset="0"/>
+                <a:ea typeface="Arial" charset="0"/>
+                <a:cs typeface="Arial" charset="0"/>
                 <a:sym typeface="Cabin"/>
               </a:rPr>
               <a:t>&lt;person&gt;</a:t>
@@ -31844,13 +31844,13 @@
               <a:buNone/>
             </a:pPr>
             <a:r>
-              <a:rPr lang="en-US" sz="3000" b="0" i="0" u="none" strike="noStrike" cap="none">
+              <a:rPr lang="en-US" sz="3000" u="none" strike="noStrike" cap="none">
                 <a:solidFill>
                   <a:srgbClr val="FFFF00"/>
                 </a:solidFill>
-                <a:latin typeface="Cabin"/>
-                <a:ea typeface="Cabin"/>
-                <a:cs typeface="Cabin"/>
+                <a:latin typeface="Arial" charset="0"/>
+                <a:ea typeface="Arial" charset="0"/>
+                <a:cs typeface="Arial" charset="0"/>
                 <a:sym typeface="Cabin"/>
               </a:rPr>
               <a:t>   &lt;lastname&gt;Severance&lt;/lastname&gt;</a:t>
@@ -31875,13 +31875,13 @@
               <a:buNone/>
             </a:pPr>
             <a:r>
-              <a:rPr lang="en-US" sz="3000" b="0" i="0" u="none" strike="noStrike" cap="none">
+              <a:rPr lang="en-US" sz="3000" u="none" strike="noStrike" cap="none">
                 <a:solidFill>
                   <a:srgbClr val="FFFF00"/>
                 </a:solidFill>
-                <a:latin typeface="Cabin"/>
-                <a:ea typeface="Cabin"/>
-                <a:cs typeface="Cabin"/>
+                <a:latin typeface="Arial" charset="0"/>
+                <a:ea typeface="Arial" charset="0"/>
+                <a:cs typeface="Arial" charset="0"/>
                 <a:sym typeface="Cabin"/>
               </a:rPr>
               <a:t>   &lt;age&gt;17&lt;/age&gt;</a:t>
@@ -31906,13 +31906,13 @@
               <a:buNone/>
             </a:pPr>
             <a:r>
-              <a:rPr lang="en-US" sz="3000" b="0" i="0" u="none" strike="noStrike" cap="none">
+              <a:rPr lang="en-US" sz="3000" u="none" strike="noStrike" cap="none">
                 <a:solidFill>
                   <a:srgbClr val="FFFF00"/>
                 </a:solidFill>
-                <a:latin typeface="Cabin"/>
-                <a:ea typeface="Cabin"/>
-                <a:cs typeface="Cabin"/>
+                <a:latin typeface="Arial" charset="0"/>
+                <a:ea typeface="Arial" charset="0"/>
+                <a:cs typeface="Arial" charset="0"/>
                 <a:sym typeface="Cabin"/>
               </a:rPr>
               <a:t>   &lt;dateborn&gt;2001-04-17&lt;/dateborn&gt;</a:t>
@@ -31937,13 +31937,13 @@
               <a:buNone/>
             </a:pPr>
             <a:r>
-              <a:rPr lang="en-US" sz="3000" b="0" i="0" u="none" strike="noStrike" cap="none">
+              <a:rPr lang="en-US" sz="3000" u="none" strike="noStrike" cap="none">
                 <a:solidFill>
                   <a:srgbClr val="FFFF00"/>
                 </a:solidFill>
-                <a:latin typeface="Cabin"/>
-                <a:ea typeface="Cabin"/>
-                <a:cs typeface="Cabin"/>
+                <a:latin typeface="Arial" charset="0"/>
+                <a:ea typeface="Arial" charset="0"/>
+                <a:cs typeface="Arial" charset="0"/>
                 <a:sym typeface="Cabin"/>
               </a:rPr>
               <a:t>&lt;/person&gt;</a:t>
@@ -31994,13 +31994,13 @@
               <a:buNone/>
             </a:pPr>
             <a:r>
-              <a:rPr lang="en-US" sz="2900" b="0" i="0" u="none" strike="noStrike" cap="none">
+              <a:rPr lang="en-US" sz="2900" u="none" strike="noStrike" cap="none">
                 <a:solidFill>
                   <a:srgbClr val="00FF00"/>
                 </a:solidFill>
-                <a:latin typeface="Cabin"/>
-                <a:ea typeface="Cabin"/>
-                <a:cs typeface="Cabin"/>
+                <a:latin typeface="Arial" charset="0"/>
+                <a:ea typeface="Arial" charset="0"/>
+                <a:cs typeface="Arial" charset="0"/>
                 <a:sym typeface="Cabin"/>
               </a:rPr>
               <a:t>&lt;xs:complexType name=</a:t>
@@ -32018,13 +32018,13 @@
               <a:t>”</a:t>
             </a:r>
             <a:r>
-              <a:rPr lang="en-US" sz="2900" b="0" i="0" u="none" strike="noStrike" cap="none">
+              <a:rPr lang="en-US" sz="2900" u="none" strike="noStrike" cap="none">
                 <a:solidFill>
                   <a:srgbClr val="00FF00"/>
                 </a:solidFill>
-                <a:latin typeface="Cabin"/>
-                <a:ea typeface="Cabin"/>
-                <a:cs typeface="Cabin"/>
+                <a:latin typeface="Arial" charset="0"/>
+                <a:ea typeface="Arial" charset="0"/>
+                <a:cs typeface="Arial" charset="0"/>
                 <a:sym typeface="Cabin"/>
               </a:rPr>
               <a:t>person</a:t>
@@ -32042,13 +32042,13 @@
               <a:t>”</a:t>
             </a:r>
             <a:r>
-              <a:rPr lang="en-US" sz="2900" b="0" i="0" u="none" strike="noStrike" cap="none">
+              <a:rPr lang="en-US" sz="2900" u="none" strike="noStrike" cap="none">
                 <a:solidFill>
                   <a:srgbClr val="00FF00"/>
                 </a:solidFill>
-                <a:latin typeface="Cabin"/>
-                <a:ea typeface="Cabin"/>
-                <a:cs typeface="Cabin"/>
+                <a:latin typeface="Arial" charset="0"/>
+                <a:ea typeface="Arial" charset="0"/>
+                <a:cs typeface="Arial" charset="0"/>
                 <a:sym typeface="Cabin"/>
               </a:rPr>
               <a:t>&gt;</a:t>
@@ -32073,13 +32073,13 @@
               <a:buNone/>
             </a:pPr>
             <a:r>
-              <a:rPr lang="en-US" sz="2900" b="0" i="0" u="none" strike="noStrike" cap="none">
+              <a:rPr lang="en-US" sz="2900" u="none" strike="noStrike" cap="none">
                 <a:solidFill>
                   <a:srgbClr val="00FF00"/>
                 </a:solidFill>
-                <a:latin typeface="Cabin"/>
-                <a:ea typeface="Cabin"/>
-                <a:cs typeface="Cabin"/>
+                <a:latin typeface="Arial" charset="0"/>
+                <a:ea typeface="Arial" charset="0"/>
+                <a:cs typeface="Arial" charset="0"/>
                 <a:sym typeface="Cabin"/>
               </a:rPr>
               <a:t>  &lt;xs:sequence&gt;</a:t>
@@ -32104,13 +32104,13 @@
               <a:buNone/>
             </a:pPr>
             <a:r>
-              <a:rPr lang="en-US" sz="2900" b="0" i="0" u="none" strike="noStrike" cap="none">
+              <a:rPr lang="en-US" sz="2900" u="none" strike="noStrike" cap="none">
                 <a:solidFill>
                   <a:srgbClr val="00FF00"/>
                 </a:solidFill>
-                <a:latin typeface="Cabin"/>
-                <a:ea typeface="Cabin"/>
-                <a:cs typeface="Cabin"/>
+                <a:latin typeface="Arial" charset="0"/>
+                <a:ea typeface="Arial" charset="0"/>
+                <a:cs typeface="Arial" charset="0"/>
                 <a:sym typeface="Cabin"/>
               </a:rPr>
               <a:t>    &lt;xs:element name="lastname" type="xs:string"/&gt;</a:t>
@@ -32135,13 +32135,13 @@
               <a:buNone/>
             </a:pPr>
             <a:r>
-              <a:rPr lang="en-US" sz="2900" b="0" i="0" u="none" strike="noStrike" cap="none">
+              <a:rPr lang="en-US" sz="2900" u="none" strike="noStrike" cap="none">
                 <a:solidFill>
                   <a:srgbClr val="00FF00"/>
                 </a:solidFill>
-                <a:latin typeface="Cabin"/>
-                <a:ea typeface="Cabin"/>
-                <a:cs typeface="Cabin"/>
+                <a:latin typeface="Arial" charset="0"/>
+                <a:ea typeface="Arial" charset="0"/>
+                <a:cs typeface="Arial" charset="0"/>
                 <a:sym typeface="Cabin"/>
               </a:rPr>
               <a:t>    &lt;xs:element name="age" type="xs:integer"/&gt;</a:t>
@@ -32166,13 +32166,13 @@
               <a:buNone/>
             </a:pPr>
             <a:r>
-              <a:rPr lang="en-US" sz="2900" b="0" i="0" u="none" strike="noStrike" cap="none">
+              <a:rPr lang="en-US" sz="2900" u="none" strike="noStrike" cap="none">
                 <a:solidFill>
                   <a:srgbClr val="00FF00"/>
                 </a:solidFill>
-                <a:latin typeface="Cabin"/>
-                <a:ea typeface="Cabin"/>
-                <a:cs typeface="Cabin"/>
+                <a:latin typeface="Arial" charset="0"/>
+                <a:ea typeface="Arial" charset="0"/>
+                <a:cs typeface="Arial" charset="0"/>
                 <a:sym typeface="Cabin"/>
               </a:rPr>
               <a:t>    &lt;xs:element name="dateborn" type="xs:date"/&gt;</a:t>
@@ -32197,13 +32197,13 @@
               <a:buNone/>
             </a:pPr>
             <a:r>
-              <a:rPr lang="en-US" sz="2900" b="0" i="0" u="none" strike="noStrike" cap="none">
+              <a:rPr lang="en-US" sz="2900" u="none" strike="noStrike" cap="none">
                 <a:solidFill>
                   <a:srgbClr val="00FF00"/>
                 </a:solidFill>
-                <a:latin typeface="Cabin"/>
-                <a:ea typeface="Cabin"/>
-                <a:cs typeface="Cabin"/>
+                <a:latin typeface="Arial" charset="0"/>
+                <a:ea typeface="Arial" charset="0"/>
+                <a:cs typeface="Arial" charset="0"/>
                 <a:sym typeface="Cabin"/>
               </a:rPr>
               <a:t>   &lt;/xs:sequence&gt;</a:t>
@@ -32228,13 +32228,13 @@
               <a:buNone/>
             </a:pPr>
             <a:r>
-              <a:rPr lang="en-US" sz="2900" b="0" i="0" u="none" strike="noStrike" cap="none">
+              <a:rPr lang="en-US" sz="2900" u="none" strike="noStrike" cap="none">
                 <a:solidFill>
                   <a:srgbClr val="00FF00"/>
                 </a:solidFill>
-                <a:latin typeface="Cabin"/>
-                <a:ea typeface="Cabin"/>
-                <a:cs typeface="Cabin"/>
+                <a:latin typeface="Arial" charset="0"/>
+                <a:ea typeface="Arial" charset="0"/>
+                <a:cs typeface="Arial" charset="0"/>
                 <a:sym typeface="Cabin"/>
               </a:rPr>
               <a:t>&lt;/xs:complexType&gt;</a:t>
@@ -32285,13 +32285,13 @@
               <a:buNone/>
             </a:pPr>
             <a:r>
-              <a:rPr lang="en-US" sz="3600" b="0" i="0" u="none" strike="noStrike" cap="none">
+              <a:rPr lang="en-US" sz="3600" u="none" strike="noStrike" cap="none">
                 <a:solidFill>
                   <a:schemeClr val="lt1"/>
                 </a:solidFill>
-                <a:latin typeface="Cabin"/>
-                <a:ea typeface="Cabin"/>
-                <a:cs typeface="Cabin"/>
+                <a:latin typeface="Arial" charset="0"/>
+                <a:ea typeface="Arial" charset="0"/>
+                <a:cs typeface="Arial" charset="0"/>
                 <a:sym typeface="Cabin"/>
               </a:rPr>
               <a:t>XML Schema Contract</a:t>
@@ -32342,13 +32342,13 @@
               <a:buNone/>
             </a:pPr>
             <a:r>
-              <a:rPr lang="en-US" sz="3600" b="0" i="0" u="none" strike="noStrike" cap="none">
+              <a:rPr lang="en-US" sz="3600" u="none" strike="noStrike" cap="none">
                 <a:solidFill>
                   <a:schemeClr val="lt1"/>
                 </a:solidFill>
-                <a:latin typeface="Cabin"/>
-                <a:ea typeface="Cabin"/>
-                <a:cs typeface="Cabin"/>
+                <a:latin typeface="Arial" charset="0"/>
+                <a:ea typeface="Arial" charset="0"/>
+                <a:cs typeface="Arial" charset="0"/>
                 <a:sym typeface="Cabin"/>
               </a:rPr>
               <a:t>XML Document</a:t>
@@ -32452,13 +32452,13 @@
               <a:buNone/>
             </a:pPr>
             <a:r>
-              <a:rPr lang="en-US" sz="6200" b="0" i="0" u="none" strike="noStrike" cap="none">
+              <a:rPr lang="en-US" sz="6200" u="none" strike="noStrike" cap="none">
                 <a:solidFill>
                   <a:schemeClr val="lt1"/>
                 </a:solidFill>
-                <a:latin typeface="Cabin"/>
-                <a:ea typeface="Cabin"/>
-                <a:cs typeface="Cabin"/>
+                <a:latin typeface="Arial" charset="0"/>
+                <a:ea typeface="Arial" charset="0"/>
+                <a:cs typeface="Arial" charset="0"/>
                 <a:sym typeface="Cabin"/>
               </a:rPr>
               <a:t>XML Validation</a:t>
@@ -32564,13 +32564,13 @@
               <a:buNone/>
             </a:pPr>
             <a:r>
-              <a:rPr lang="en-US" sz="7600" b="1" i="0" u="none" strike="noStrike" cap="none">
+              <a:rPr lang="en-US" sz="7600" u="none" strike="noStrike" cap="none">
                 <a:solidFill>
                   <a:srgbClr val="FFD966"/>
                 </a:solidFill>
-                <a:latin typeface="Cabin"/>
-                <a:ea typeface="Cabin"/>
-                <a:cs typeface="Cabin"/>
+                <a:latin typeface="Arial" charset="0"/>
+                <a:ea typeface="Arial" charset="0"/>
+                <a:cs typeface="Arial" charset="0"/>
                 <a:sym typeface="Cabin"/>
               </a:rPr>
               <a:t>Data on the Web</a:t>
@@ -32621,13 +32621,13 @@
               <a:buFont typeface="Cabin"/>
             </a:pPr>
             <a:r>
-              <a:rPr lang="en-US" sz="3600" b="0" i="0" u="none" strike="noStrike" cap="none">
+              <a:rPr lang="en-US" sz="3600" u="none" strike="noStrike" cap="none">
                 <a:solidFill>
                   <a:schemeClr val="lt1"/>
                 </a:solidFill>
-                <a:latin typeface="Cabin"/>
-                <a:ea typeface="Cabin"/>
-                <a:cs typeface="Cabin"/>
+                <a:latin typeface="Arial" charset="0"/>
+                <a:ea typeface="Arial" charset="0"/>
+                <a:cs typeface="Arial" charset="0"/>
                 <a:sym typeface="Cabin"/>
               </a:rPr>
               <a:t>With the HTTP Request/Response well understood and well supported, there was a natural move toward exchanging data between programs using these protocols</a:t>
@@ -32648,13 +32648,13 @@
               <a:buFont typeface="Cabin"/>
             </a:pPr>
             <a:r>
-              <a:rPr lang="en-US" sz="3600" b="0" i="0" u="none" strike="noStrike" cap="none">
+              <a:rPr lang="en-US" sz="3600" u="none" strike="noStrike" cap="none">
                 <a:solidFill>
                   <a:schemeClr val="lt1"/>
                 </a:solidFill>
-                <a:latin typeface="Cabin"/>
-                <a:ea typeface="Cabin"/>
-                <a:cs typeface="Cabin"/>
+                <a:latin typeface="Arial" charset="0"/>
+                <a:ea typeface="Arial" charset="0"/>
+                <a:cs typeface="Arial" charset="0"/>
                 <a:sym typeface="Cabin"/>
               </a:rPr>
               <a:t>We needed to come up with an agreed way to represent data going between applications and across networks</a:t>
@@ -32675,13 +32675,13 @@
               <a:buFont typeface="Cabin"/>
             </a:pPr>
             <a:r>
-              <a:rPr lang="en-US" sz="3600" b="0" i="0" u="none" strike="noStrike" cap="none">
+              <a:rPr lang="en-US" sz="3600" u="none" strike="noStrike" cap="none">
                 <a:solidFill>
                   <a:schemeClr val="lt1"/>
                 </a:solidFill>
-                <a:latin typeface="Cabin"/>
-                <a:ea typeface="Cabin"/>
-                <a:cs typeface="Cabin"/>
+                <a:latin typeface="Arial" charset="0"/>
+                <a:ea typeface="Arial" charset="0"/>
+                <a:cs typeface="Arial" charset="0"/>
                 <a:sym typeface="Cabin"/>
               </a:rPr>
               <a:t>There are two commonly used formats: XML and JSON</a:t>
@@ -32761,13 +32761,13 @@
               <a:buNone/>
             </a:pPr>
             <a:r>
-              <a:rPr lang="en-US" sz="7600" b="1" i="0" u="none" strike="noStrike" cap="none">
+              <a:rPr lang="en-US" sz="7600" u="none" strike="noStrike" cap="none">
                 <a:solidFill>
                   <a:srgbClr val="FFD966"/>
                 </a:solidFill>
-                <a:latin typeface="Cabin"/>
-                <a:ea typeface="Cabin"/>
-                <a:cs typeface="Cabin"/>
+                <a:latin typeface="Arial" charset="0"/>
+                <a:ea typeface="Arial" charset="0"/>
+                <a:cs typeface="Arial" charset="0"/>
                 <a:sym typeface="Cabin"/>
               </a:rPr>
               <a:t>Many XML Schema Languages</a:t>
@@ -32818,13 +32818,13 @@
               <a:buFont typeface="Cabin"/>
             </a:pPr>
             <a:r>
-              <a:rPr lang="en-US" sz="3600" b="0" i="0" u="none" strike="noStrike" cap="none">
+              <a:rPr lang="en-US" sz="3600" u="none" strike="noStrike" cap="none">
                 <a:solidFill>
                   <a:schemeClr val="lt1"/>
                 </a:solidFill>
-                <a:latin typeface="Cabin"/>
-                <a:ea typeface="Cabin"/>
-                <a:cs typeface="Cabin"/>
+                <a:latin typeface="Arial" charset="0"/>
+                <a:ea typeface="Arial" charset="0"/>
+                <a:cs typeface="Arial" charset="0"/>
                 <a:sym typeface="Cabin"/>
               </a:rPr>
               <a:t>Document Type Definition (DTD)</a:t>
@@ -32845,13 +32845,13 @@
               <a:buFont typeface="Cabin"/>
             </a:pPr>
             <a:r>
-              <a:rPr lang="en-US" sz="3600" b="0" i="0" u="none" strike="noStrike" cap="none">
+              <a:rPr lang="en-US" sz="3600" u="none" strike="noStrike" cap="none">
                 <a:solidFill>
                   <a:schemeClr val="lt1"/>
                 </a:solidFill>
-                <a:latin typeface="Cabin"/>
-                <a:ea typeface="Cabin"/>
-                <a:cs typeface="Cabin"/>
+                <a:latin typeface="Arial" charset="0"/>
+                <a:ea typeface="Arial" charset="0"/>
+                <a:cs typeface="Arial" charset="0"/>
                 <a:sym typeface="Cabin"/>
               </a:rPr>
               <a:t>http://en.wikipedia.org/wiki/Document_Type_Definition</a:t>
@@ -32872,13 +32872,13 @@
               <a:buFont typeface="Cabin"/>
             </a:pPr>
             <a:r>
-              <a:rPr lang="en-US" sz="3600" b="0" i="0" u="none" strike="noStrike" cap="none">
+              <a:rPr lang="en-US" sz="3600" u="none" strike="noStrike" cap="none">
                 <a:solidFill>
                   <a:schemeClr val="lt1"/>
                 </a:solidFill>
-                <a:latin typeface="Cabin"/>
-                <a:ea typeface="Cabin"/>
-                <a:cs typeface="Cabin"/>
+                <a:latin typeface="Arial" charset="0"/>
+                <a:ea typeface="Arial" charset="0"/>
+                <a:cs typeface="Arial" charset="0"/>
                 <a:sym typeface="Cabin"/>
               </a:rPr>
               <a:t>Standard Generalized Markup Language (ISO 8879:1986 SGML)</a:t>
@@ -32899,13 +32899,13 @@
               <a:buFont typeface="Cabin"/>
             </a:pPr>
             <a:r>
-              <a:rPr lang="en-US" sz="3600" b="0" i="0" u="none" strike="noStrike" cap="none">
+              <a:rPr lang="en-US" sz="3600" u="none" strike="noStrike" cap="none">
                 <a:solidFill>
                   <a:schemeClr val="lt1"/>
                 </a:solidFill>
-                <a:latin typeface="Cabin"/>
-                <a:ea typeface="Cabin"/>
-                <a:cs typeface="Cabin"/>
+                <a:latin typeface="Arial" charset="0"/>
+                <a:ea typeface="Arial" charset="0"/>
+                <a:cs typeface="Arial" charset="0"/>
                 <a:sym typeface="Cabin"/>
               </a:rPr>
               <a:t>http://en.wikipedia.org/wiki/SGML</a:t>
@@ -32926,13 +32926,13 @@
               <a:buFont typeface="Cabin"/>
             </a:pPr>
             <a:r>
-              <a:rPr lang="en-US" sz="3600" b="0" i="0" u="none" strike="noStrike" cap="none">
+              <a:rPr lang="en-US" sz="3600" u="none" strike="noStrike" cap="none">
                 <a:solidFill>
                   <a:srgbClr val="00FF00"/>
                 </a:solidFill>
-                <a:latin typeface="Cabin"/>
-                <a:ea typeface="Cabin"/>
-                <a:cs typeface="Cabin"/>
+                <a:latin typeface="Arial" charset="0"/>
+                <a:ea typeface="Arial" charset="0"/>
+                <a:cs typeface="Arial" charset="0"/>
                 <a:sym typeface="Cabin"/>
               </a:rPr>
               <a:t>XML Schema  from W3C - (XSD)</a:t>
@@ -32953,13 +32953,13 @@
               <a:buFont typeface="Cabin"/>
             </a:pPr>
             <a:r>
-              <a:rPr lang="en-US" sz="3600" b="0" i="0" u="none" strike="noStrike" cap="none">
+              <a:rPr lang="en-US" sz="3600" u="none" strike="noStrike" cap="none">
                 <a:solidFill>
                   <a:srgbClr val="00FF00"/>
                 </a:solidFill>
-                <a:latin typeface="Cabin"/>
-                <a:ea typeface="Cabin"/>
-                <a:cs typeface="Cabin"/>
+                <a:latin typeface="Arial" charset="0"/>
+                <a:ea typeface="Arial" charset="0"/>
+                <a:cs typeface="Arial" charset="0"/>
                 <a:sym typeface="Cabin"/>
               </a:rPr>
               <a:t>http://en.wikipedia.org/wiki/XML_Schema_(W3C)</a:t>
@@ -33061,13 +33061,13 @@
               <a:buNone/>
             </a:pPr>
             <a:r>
-              <a:rPr lang="en-US" sz="3000" b="0" i="0" u="sng" strike="noStrike" cap="none">
+              <a:rPr lang="en-US" sz="3000" u="sng" strike="noStrike" cap="none">
                 <a:solidFill>
                   <a:srgbClr val="FFFF00"/>
                 </a:solidFill>
-                <a:latin typeface="Cabin"/>
-                <a:ea typeface="Cabin"/>
-                <a:cs typeface="Cabin"/>
+                <a:latin typeface="Arial" charset="0"/>
+                <a:ea typeface="Arial" charset="0"/>
+                <a:cs typeface="Arial" charset="0"/>
                 <a:sym typeface="Cabin"/>
                 <a:hlinkClick r:id="rId4"/>
               </a:rPr>
@@ -33148,13 +33148,13 @@
               <a:buNone/>
             </a:pPr>
             <a:r>
-              <a:rPr lang="en-US" sz="7600" b="1" i="0" u="none" strike="noStrike" cap="none">
+              <a:rPr lang="en-US" sz="7600" u="none" strike="noStrike" cap="none">
                 <a:solidFill>
                   <a:srgbClr val="FFD966"/>
                 </a:solidFill>
-                <a:latin typeface="Cabin"/>
-                <a:ea typeface="Cabin"/>
-                <a:cs typeface="Cabin"/>
+                <a:latin typeface="Arial" charset="0"/>
+                <a:ea typeface="Arial" charset="0"/>
+                <a:cs typeface="Arial" charset="0"/>
                 <a:sym typeface="Cabin"/>
               </a:rPr>
               <a:t>XSD XML Schema (W3C spec)</a:t>
@@ -33205,13 +33205,13 @@
               <a:buFont typeface="Cabin"/>
             </a:pPr>
             <a:r>
-              <a:rPr lang="en-US" sz="3600" b="0" i="0" u="none" strike="noStrike" cap="none">
+              <a:rPr lang="en-US" sz="3600" u="none" strike="noStrike" cap="none">
                 <a:solidFill>
                   <a:schemeClr val="lt1"/>
                 </a:solidFill>
-                <a:latin typeface="Cabin"/>
-                <a:ea typeface="Cabin"/>
-                <a:cs typeface="Cabin"/>
+                <a:latin typeface="Arial" charset="0"/>
+                <a:ea typeface="Arial" charset="0"/>
+                <a:cs typeface="Arial" charset="0"/>
                 <a:sym typeface="Cabin"/>
               </a:rPr>
               <a:t>We will focus on the World Wide Web Consortium (W3C) version</a:t>
@@ -33231,13 +33231,13 @@
               <a:buSzPct val="100000"/>
             </a:pPr>
             <a:r>
-              <a:rPr lang="en-US" sz="3600" b="0" i="0" u="none" strike="noStrike" cap="none">
+              <a:rPr lang="en-US" sz="3600" u="none" strike="noStrike" cap="none">
                 <a:solidFill>
                   <a:schemeClr val="lt1"/>
                 </a:solidFill>
-                <a:latin typeface="Cabin"/>
-                <a:ea typeface="Cabin"/>
-                <a:cs typeface="Cabin"/>
+                <a:latin typeface="Arial" charset="0"/>
+                <a:ea typeface="Arial" charset="0"/>
+                <a:cs typeface="Arial" charset="0"/>
                 <a:sym typeface="Cabin"/>
               </a:rPr>
               <a:t>It is often called </a:t>
@@ -33255,13 +33255,13 @@
               <a:t>“</a:t>
             </a:r>
             <a:r>
-              <a:rPr lang="en-US" sz="3600" b="0" i="0" u="none" strike="noStrike" cap="none">
+              <a:rPr lang="en-US" sz="3600" u="none" strike="noStrike" cap="none">
                 <a:solidFill>
                   <a:schemeClr val="lt1"/>
                 </a:solidFill>
-                <a:latin typeface="Cabin"/>
-                <a:ea typeface="Cabin"/>
-                <a:cs typeface="Cabin"/>
+                <a:latin typeface="Arial" charset="0"/>
+                <a:ea typeface="Arial" charset="0"/>
+                <a:cs typeface="Arial" charset="0"/>
                 <a:sym typeface="Cabin"/>
               </a:rPr>
               <a:t>W3C Schema</a:t>
@@ -33279,13 +33279,13 @@
               <a:t>”</a:t>
             </a:r>
             <a:r>
-              <a:rPr lang="en-US" sz="3600" b="0" i="0" u="none" strike="noStrike" cap="none">
+              <a:rPr lang="en-US" sz="3600" u="none" strike="noStrike" cap="none">
                 <a:solidFill>
                   <a:schemeClr val="lt1"/>
                 </a:solidFill>
-                <a:latin typeface="Cabin"/>
-                <a:ea typeface="Cabin"/>
-                <a:cs typeface="Cabin"/>
+                <a:latin typeface="Arial" charset="0"/>
+                <a:ea typeface="Arial" charset="0"/>
+                <a:cs typeface="Arial" charset="0"/>
                 <a:sym typeface="Cabin"/>
               </a:rPr>
               <a:t> because </a:t>
@@ -33303,13 +33303,13 @@
               <a:t>“</a:t>
             </a:r>
             <a:r>
-              <a:rPr lang="en-US" sz="3600" b="0" i="0" u="none" strike="noStrike" cap="none">
+              <a:rPr lang="en-US" sz="3600" u="none" strike="noStrike" cap="none">
                 <a:solidFill>
                   <a:schemeClr val="lt1"/>
                 </a:solidFill>
-                <a:latin typeface="Cabin"/>
-                <a:ea typeface="Cabin"/>
-                <a:cs typeface="Cabin"/>
+                <a:latin typeface="Arial" charset="0"/>
+                <a:ea typeface="Arial" charset="0"/>
+                <a:cs typeface="Arial" charset="0"/>
                 <a:sym typeface="Cabin"/>
               </a:rPr>
               <a:t>Schema</a:t>
@@ -33327,13 +33327,13 @@
               <a:t>”</a:t>
             </a:r>
             <a:r>
-              <a:rPr lang="en-US" sz="3600" b="0" i="0" u="none" strike="noStrike" cap="none">
+              <a:rPr lang="en-US" sz="3600" u="none" strike="noStrike" cap="none">
                 <a:solidFill>
                   <a:schemeClr val="lt1"/>
                 </a:solidFill>
-                <a:latin typeface="Cabin"/>
-                <a:ea typeface="Cabin"/>
-                <a:cs typeface="Cabin"/>
+                <a:latin typeface="Arial" charset="0"/>
+                <a:ea typeface="Arial" charset="0"/>
+                <a:cs typeface="Arial" charset="0"/>
                 <a:sym typeface="Cabin"/>
               </a:rPr>
               <a:t> is considered generic</a:t>
@@ -33354,13 +33354,13 @@
               <a:buFont typeface="Cabin"/>
             </a:pPr>
             <a:r>
-              <a:rPr lang="en-US" sz="3600" b="0" i="0" u="none" strike="noStrike" cap="none">
+              <a:rPr lang="en-US" sz="3600" u="none" strike="noStrike" cap="none">
                 <a:solidFill>
                   <a:schemeClr val="lt1"/>
                 </a:solidFill>
-                <a:latin typeface="Cabin"/>
-                <a:ea typeface="Cabin"/>
-                <a:cs typeface="Cabin"/>
+                <a:latin typeface="Arial" charset="0"/>
+                <a:ea typeface="Arial" charset="0"/>
+                <a:cs typeface="Arial" charset="0"/>
                 <a:sym typeface="Cabin"/>
               </a:rPr>
               <a:t>More commonly it is called XSD because the file names end in .xsd</a:t>
@@ -33411,13 +33411,13 @@
               <a:buNone/>
             </a:pPr>
             <a:r>
-              <a:rPr lang="en-US" sz="3000" b="0" i="0" u="sng" strike="noStrike" cap="none">
+              <a:rPr lang="en-US" sz="3000" u="sng" strike="noStrike" cap="none">
                 <a:solidFill>
                   <a:srgbClr val="FFFF00"/>
                 </a:solidFill>
-                <a:latin typeface="Cabin"/>
-                <a:ea typeface="Cabin"/>
-                <a:cs typeface="Cabin"/>
+                <a:latin typeface="Arial" charset="0"/>
+                <a:ea typeface="Arial" charset="0"/>
+                <a:cs typeface="Arial" charset="0"/>
                 <a:sym typeface="Cabin"/>
                 <a:hlinkClick r:id="rId3"/>
               </a:rPr>
@@ -33469,13 +33469,13 @@
               <a:buNone/>
             </a:pPr>
             <a:r>
-              <a:rPr lang="en-US" sz="3000" b="0" i="0" u="sng" strike="noStrike" cap="none">
+              <a:rPr lang="en-US" sz="3000" u="sng" strike="noStrike" cap="none">
                 <a:solidFill>
                   <a:srgbClr val="FFFF00"/>
                 </a:solidFill>
-                <a:latin typeface="Cabin"/>
-                <a:ea typeface="Cabin"/>
-                <a:cs typeface="Cabin"/>
+                <a:latin typeface="Arial" charset="0"/>
+                <a:ea typeface="Arial" charset="0"/>
+                <a:cs typeface="Arial" charset="0"/>
                 <a:sym typeface="Cabin"/>
                 <a:hlinkClick r:id="rId4"/>
               </a:rPr>
@@ -33556,13 +33556,13 @@
               <a:buNone/>
             </a:pPr>
             <a:r>
-              <a:rPr lang="en-US" sz="7600" b="1" i="0" u="none" strike="noStrike" cap="none">
+              <a:rPr lang="en-US" sz="7600" u="none" strike="noStrike" cap="none">
                 <a:solidFill>
                   <a:srgbClr val="FFD966"/>
                 </a:solidFill>
-                <a:latin typeface="Cabin"/>
-                <a:ea typeface="Cabin"/>
-                <a:cs typeface="Cabin"/>
+                <a:latin typeface="Arial" charset="0"/>
+                <a:ea typeface="Arial" charset="0"/>
+                <a:cs typeface="Arial" charset="0"/>
                 <a:sym typeface="Cabin"/>
               </a:rPr>
               <a:t>XSD Structure</a:t>
@@ -33616,13 +33616,13 @@
               <a:buFont typeface="Cabin"/>
             </a:pPr>
             <a:r>
-              <a:rPr lang="en-US" sz="3600" b="0" i="0" u="none" strike="noStrike" cap="none">
+              <a:rPr lang="en-US" sz="3600" u="none" strike="noStrike" cap="none">
                 <a:solidFill>
                   <a:srgbClr val="FF7F00"/>
                 </a:solidFill>
-                <a:latin typeface="Cabin"/>
-                <a:ea typeface="Cabin"/>
-                <a:cs typeface="Cabin"/>
+                <a:latin typeface="Arial" charset="0"/>
+                <a:ea typeface="Arial" charset="0"/>
+                <a:cs typeface="Arial" charset="0"/>
                 <a:sym typeface="Cabin"/>
               </a:rPr>
               <a:t>xs:element</a:t>
@@ -33646,13 +33646,13 @@
               <a:buFont typeface="Cabin"/>
             </a:pPr>
             <a:r>
-              <a:rPr lang="en-US" sz="3600" b="0" i="0" u="none" strike="noStrike" cap="none">
+              <a:rPr lang="en-US" sz="3600" u="none" strike="noStrike" cap="none">
                 <a:solidFill>
                   <a:srgbClr val="00FF00"/>
                 </a:solidFill>
-                <a:latin typeface="Cabin"/>
-                <a:ea typeface="Cabin"/>
-                <a:cs typeface="Cabin"/>
+                <a:latin typeface="Arial" charset="0"/>
+                <a:ea typeface="Arial" charset="0"/>
+                <a:cs typeface="Arial" charset="0"/>
                 <a:sym typeface="Cabin"/>
               </a:rPr>
               <a:t>xs:sequence</a:t>
@@ -33676,13 +33676,13 @@
               <a:buFont typeface="Cabin"/>
             </a:pPr>
             <a:r>
-              <a:rPr lang="en-US" sz="3600" b="0" i="0" u="none" strike="noStrike" cap="none">
+              <a:rPr lang="en-US" sz="3600" u="none" strike="noStrike" cap="none">
                 <a:solidFill>
                   <a:srgbClr val="FFFF00"/>
                 </a:solidFill>
-                <a:latin typeface="Cabin"/>
-                <a:ea typeface="Cabin"/>
-                <a:cs typeface="Cabin"/>
+                <a:latin typeface="Arial" charset="0"/>
+                <a:ea typeface="Arial" charset="0"/>
+                <a:cs typeface="Arial" charset="0"/>
                 <a:sym typeface="Cabin"/>
               </a:rPr>
               <a:t>xs:complexType</a:t>
@@ -33733,13 +33733,13 @@
               <a:buNone/>
             </a:pPr>
             <a:r>
-              <a:rPr lang="en-US" sz="3000" b="0" i="0" u="none" strike="noStrike" cap="none">
+              <a:rPr lang="en-US" sz="3000" u="none" strike="noStrike" cap="none">
                 <a:solidFill>
                   <a:srgbClr val="FFFF00"/>
                 </a:solidFill>
-                <a:latin typeface="Cabin"/>
-                <a:ea typeface="Cabin"/>
-                <a:cs typeface="Cabin"/>
+                <a:latin typeface="Arial" charset="0"/>
+                <a:ea typeface="Arial" charset="0"/>
+                <a:cs typeface="Arial" charset="0"/>
                 <a:sym typeface="Cabin"/>
               </a:rPr>
               <a:t>&lt;xs:complexType name=</a:t>
@@ -33757,13 +33757,13 @@
               <a:t>”</a:t>
             </a:r>
             <a:r>
-              <a:rPr lang="en-US" sz="3000" b="0" i="0" u="none" strike="noStrike" cap="none">
+              <a:rPr lang="en-US" sz="3000" u="none" strike="noStrike" cap="none">
                 <a:solidFill>
                   <a:srgbClr val="FFFF00"/>
                 </a:solidFill>
-                <a:latin typeface="Cabin"/>
-                <a:ea typeface="Cabin"/>
-                <a:cs typeface="Cabin"/>
+                <a:latin typeface="Arial" charset="0"/>
+                <a:ea typeface="Arial" charset="0"/>
+                <a:cs typeface="Arial" charset="0"/>
                 <a:sym typeface="Cabin"/>
               </a:rPr>
               <a:t>person</a:t>
@@ -33781,13 +33781,13 @@
               <a:t>”</a:t>
             </a:r>
             <a:r>
-              <a:rPr lang="en-US" sz="3000" b="0" i="0" u="none" strike="noStrike" cap="none">
+              <a:rPr lang="en-US" sz="3000" u="none" strike="noStrike" cap="none">
                 <a:solidFill>
                   <a:srgbClr val="FFFF00"/>
                 </a:solidFill>
-                <a:latin typeface="Cabin"/>
-                <a:ea typeface="Cabin"/>
-                <a:cs typeface="Cabin"/>
+                <a:latin typeface="Arial" charset="0"/>
+                <a:ea typeface="Arial" charset="0"/>
+                <a:cs typeface="Arial" charset="0"/>
                 <a:sym typeface="Cabin"/>
               </a:rPr>
               <a:t>&gt;</a:t>
@@ -33812,13 +33812,13 @@
               <a:buNone/>
             </a:pPr>
             <a:r>
-              <a:rPr lang="en-US" sz="3000" b="0" i="0" u="none" strike="noStrike" cap="none">
+              <a:rPr lang="en-US" sz="3000" u="none" strike="noStrike" cap="none">
                 <a:solidFill>
                   <a:srgbClr val="00FF00"/>
                 </a:solidFill>
-                <a:latin typeface="Cabin"/>
-                <a:ea typeface="Cabin"/>
-                <a:cs typeface="Cabin"/>
+                <a:latin typeface="Arial" charset="0"/>
+                <a:ea typeface="Arial" charset="0"/>
+                <a:cs typeface="Arial" charset="0"/>
                 <a:sym typeface="Cabin"/>
               </a:rPr>
               <a:t>  &lt;xs:sequence&gt;</a:t>
@@ -33843,13 +33843,13 @@
               <a:buNone/>
             </a:pPr>
             <a:r>
-              <a:rPr lang="en-US" sz="3000" b="0" i="0" u="none" strike="noStrike" cap="none">
+              <a:rPr lang="en-US" sz="3000" u="none" strike="noStrike" cap="none">
                 <a:solidFill>
                   <a:srgbClr val="FF7F00"/>
                 </a:solidFill>
-                <a:latin typeface="Cabin"/>
-                <a:ea typeface="Cabin"/>
-                <a:cs typeface="Cabin"/>
+                <a:latin typeface="Arial" charset="0"/>
+                <a:ea typeface="Arial" charset="0"/>
+                <a:cs typeface="Arial" charset="0"/>
                 <a:sym typeface="Cabin"/>
               </a:rPr>
               <a:t>    &lt;xs:element name="lastname" type="xs:string"/&gt;</a:t>
@@ -33874,13 +33874,13 @@
               <a:buNone/>
             </a:pPr>
             <a:r>
-              <a:rPr lang="en-US" sz="3000" b="0" i="0" u="none" strike="noStrike" cap="none">
+              <a:rPr lang="en-US" sz="3000" u="none" strike="noStrike" cap="none">
                 <a:solidFill>
                   <a:srgbClr val="FF7F00"/>
                 </a:solidFill>
-                <a:latin typeface="Cabin"/>
-                <a:ea typeface="Cabin"/>
-                <a:cs typeface="Cabin"/>
+                <a:latin typeface="Arial" charset="0"/>
+                <a:ea typeface="Arial" charset="0"/>
+                <a:cs typeface="Arial" charset="0"/>
                 <a:sym typeface="Cabin"/>
               </a:rPr>
               <a:t>    &lt;xs:element name="age" type="xs:integer"/&gt;</a:t>
@@ -33905,13 +33905,13 @@
               <a:buNone/>
             </a:pPr>
             <a:r>
-              <a:rPr lang="en-US" sz="3000" b="0" i="0" u="none" strike="noStrike" cap="none">
+              <a:rPr lang="en-US" sz="3000" u="none" strike="noStrike" cap="none">
                 <a:solidFill>
                   <a:srgbClr val="FF7F00"/>
                 </a:solidFill>
-                <a:latin typeface="Cabin"/>
-                <a:ea typeface="Cabin"/>
-                <a:cs typeface="Cabin"/>
+                <a:latin typeface="Arial" charset="0"/>
+                <a:ea typeface="Arial" charset="0"/>
+                <a:cs typeface="Arial" charset="0"/>
                 <a:sym typeface="Cabin"/>
               </a:rPr>
               <a:t>    &lt;xs:element name="dateborn" type="xs:date"/&gt;</a:t>
@@ -33936,13 +33936,13 @@
               <a:buNone/>
             </a:pPr>
             <a:r>
-              <a:rPr lang="en-US" sz="3000" b="0" i="0" u="none" strike="noStrike" cap="none">
+              <a:rPr lang="en-US" sz="3000" u="none" strike="noStrike" cap="none">
                 <a:solidFill>
                   <a:srgbClr val="00FF00"/>
                 </a:solidFill>
-                <a:latin typeface="Cabin"/>
-                <a:ea typeface="Cabin"/>
-                <a:cs typeface="Cabin"/>
+                <a:latin typeface="Arial" charset="0"/>
+                <a:ea typeface="Arial" charset="0"/>
+                <a:cs typeface="Arial" charset="0"/>
                 <a:sym typeface="Cabin"/>
               </a:rPr>
               <a:t>  &lt;/xs:sequence&gt;</a:t>
@@ -33967,13 +33967,13 @@
               <a:buNone/>
             </a:pPr>
             <a:r>
-              <a:rPr lang="en-US" sz="3000" b="0" i="0" u="none" strike="noStrike" cap="none">
+              <a:rPr lang="en-US" sz="3000" u="none" strike="noStrike" cap="none">
                 <a:solidFill>
                   <a:srgbClr val="FFFF00"/>
                 </a:solidFill>
-                <a:latin typeface="Cabin"/>
-                <a:ea typeface="Cabin"/>
-                <a:cs typeface="Cabin"/>
+                <a:latin typeface="Arial" charset="0"/>
+                <a:ea typeface="Arial" charset="0"/>
+                <a:cs typeface="Arial" charset="0"/>
                 <a:sym typeface="Cabin"/>
               </a:rPr>
               <a:t>&lt;/xs:complexType&gt;</a:t>
@@ -34024,25 +34024,25 @@
               <a:buNone/>
             </a:pPr>
             <a:r>
-              <a:rPr lang="en-US" sz="3600" b="0" i="0" u="none" strike="noStrike" cap="none">
+              <a:rPr lang="en-US" sz="3600" u="none" strike="noStrike" cap="none">
                 <a:solidFill>
                   <a:srgbClr val="FFFF00"/>
                 </a:solidFill>
-                <a:latin typeface="Cabin"/>
-                <a:ea typeface="Cabin"/>
-                <a:cs typeface="Cabin"/>
+                <a:latin typeface="Arial" charset="0"/>
+                <a:ea typeface="Arial" charset="0"/>
+                <a:cs typeface="Arial" charset="0"/>
                 <a:sym typeface="Cabin"/>
               </a:rPr>
               <a:t>&lt;</a:t>
             </a:r>
             <a:r>
-              <a:rPr lang="en-US" sz="3000" b="0" i="0" u="none" strike="noStrike" cap="none">
+              <a:rPr lang="en-US" sz="3000" u="none" strike="noStrike" cap="none">
                 <a:solidFill>
                   <a:srgbClr val="FFFF00"/>
                 </a:solidFill>
-                <a:latin typeface="Cabin"/>
-                <a:ea typeface="Cabin"/>
-                <a:cs typeface="Cabin"/>
+                <a:latin typeface="Arial" charset="0"/>
+                <a:ea typeface="Arial" charset="0"/>
+                <a:cs typeface="Arial" charset="0"/>
                 <a:sym typeface="Cabin"/>
               </a:rPr>
               <a:t>person&gt;</a:t>
@@ -34067,13 +34067,13 @@
               <a:buNone/>
             </a:pPr>
             <a:r>
-              <a:rPr lang="en-US" sz="3000" b="0" i="0" u="none" strike="noStrike" cap="none">
+              <a:rPr lang="en-US" sz="3000" u="none" strike="noStrike" cap="none">
                 <a:solidFill>
                   <a:srgbClr val="FF7F00"/>
                 </a:solidFill>
-                <a:latin typeface="Cabin"/>
-                <a:ea typeface="Cabin"/>
-                <a:cs typeface="Cabin"/>
+                <a:latin typeface="Arial" charset="0"/>
+                <a:ea typeface="Arial" charset="0"/>
+                <a:cs typeface="Arial" charset="0"/>
                 <a:sym typeface="Cabin"/>
               </a:rPr>
               <a:t>   &lt;lastname&gt;Severance&lt;/lastname&gt;</a:t>
@@ -34098,13 +34098,13 @@
               <a:buNone/>
             </a:pPr>
             <a:r>
-              <a:rPr lang="en-US" sz="3000" b="0" i="0" u="none" strike="noStrike" cap="none">
+              <a:rPr lang="en-US" sz="3000" u="none" strike="noStrike" cap="none">
                 <a:solidFill>
                   <a:srgbClr val="FF7F00"/>
                 </a:solidFill>
-                <a:latin typeface="Cabin"/>
-                <a:ea typeface="Cabin"/>
-                <a:cs typeface="Cabin"/>
+                <a:latin typeface="Arial" charset="0"/>
+                <a:ea typeface="Arial" charset="0"/>
+                <a:cs typeface="Arial" charset="0"/>
                 <a:sym typeface="Cabin"/>
               </a:rPr>
               <a:t>   &lt;age&gt;17&lt;/age&gt;</a:t>
@@ -34129,13 +34129,13 @@
               <a:buNone/>
             </a:pPr>
             <a:r>
-              <a:rPr lang="en-US" sz="3000" b="0" i="0" u="none" strike="noStrike" cap="none">
+              <a:rPr lang="en-US" sz="3000" u="none" strike="noStrike" cap="none">
                 <a:solidFill>
                   <a:srgbClr val="FF7F00"/>
                 </a:solidFill>
-                <a:latin typeface="Cabin"/>
-                <a:ea typeface="Cabin"/>
-                <a:cs typeface="Cabin"/>
+                <a:latin typeface="Arial" charset="0"/>
+                <a:ea typeface="Arial" charset="0"/>
+                <a:cs typeface="Arial" charset="0"/>
                 <a:sym typeface="Cabin"/>
               </a:rPr>
               <a:t>   &lt;dateborn&gt;2001-04-17&lt;/dateborn&gt;</a:t>
@@ -34160,13 +34160,13 @@
               <a:buNone/>
             </a:pPr>
             <a:r>
-              <a:rPr lang="en-US" sz="3000" b="0" i="0" u="none" strike="noStrike" cap="none">
+              <a:rPr lang="en-US" sz="3000" u="none" strike="noStrike" cap="none">
                 <a:solidFill>
                   <a:srgbClr val="FFFF00"/>
                 </a:solidFill>
-                <a:latin typeface="Cabin"/>
-                <a:ea typeface="Cabin"/>
-                <a:cs typeface="Cabin"/>
+                <a:latin typeface="Arial" charset="0"/>
+                <a:ea typeface="Arial" charset="0"/>
+                <a:cs typeface="Arial" charset="0"/>
                 <a:sym typeface="Cabin"/>
               </a:rPr>
               <a:t>&lt;/person&gt;</a:t>
@@ -34246,36 +34246,36 @@
               <a:buNone/>
             </a:pPr>
             <a:r>
-              <a:rPr lang="en-US" sz="7600" b="1" i="0" u="none" strike="noStrike" cap="none">
+              <a:rPr lang="en-US" sz="7600" u="none" strike="noStrike" cap="none">
                 <a:solidFill>
                   <a:srgbClr val="FFD966"/>
                 </a:solidFill>
-                <a:latin typeface="Cabin"/>
-                <a:ea typeface="Cabin"/>
-                <a:cs typeface="Cabin"/>
+                <a:latin typeface="Arial" charset="0"/>
+                <a:ea typeface="Arial" charset="0"/>
+                <a:cs typeface="Arial" charset="0"/>
                 <a:sym typeface="Cabin"/>
               </a:rPr>
               <a:t>XSD</a:t>
             </a:r>
             <a:br>
-              <a:rPr lang="en-US" sz="7600" b="1" i="0" u="none" strike="noStrike" cap="none">
+              <a:rPr lang="en-US" sz="7600" u="none" strike="noStrike" cap="none">
                 <a:solidFill>
                   <a:srgbClr val="FFD966"/>
                 </a:solidFill>
-                <a:latin typeface="Cabin"/>
-                <a:ea typeface="Cabin"/>
-                <a:cs typeface="Cabin"/>
+                <a:latin typeface="Arial" charset="0"/>
+                <a:ea typeface="Arial" charset="0"/>
+                <a:cs typeface="Arial" charset="0"/>
                 <a:sym typeface="Cabin"/>
               </a:rPr>
             </a:br>
             <a:r>
-              <a:rPr lang="en-US" sz="7600" b="1" i="0" u="none" strike="noStrike" cap="none">
+              <a:rPr lang="en-US" sz="7600" u="none" strike="noStrike" cap="none">
                 <a:solidFill>
                   <a:srgbClr val="FFD966"/>
                 </a:solidFill>
-                <a:latin typeface="Cabin"/>
-                <a:ea typeface="Cabin"/>
-                <a:cs typeface="Cabin"/>
+                <a:latin typeface="Arial" charset="0"/>
+                <a:ea typeface="Arial" charset="0"/>
+                <a:cs typeface="Arial" charset="0"/>
                 <a:sym typeface="Cabin"/>
               </a:rPr>
               <a:t>Constraints</a:t>
@@ -34326,13 +34326,13 @@
               <a:buNone/>
             </a:pPr>
             <a:r>
-              <a:rPr lang="en-US" sz="3000" b="0" i="0" u="sng" strike="noStrike" cap="none">
+              <a:rPr lang="en-US" sz="3000" u="sng" strike="noStrike" cap="none">
                 <a:solidFill>
                   <a:srgbClr val="FFFF00"/>
                 </a:solidFill>
-                <a:latin typeface="Cabin"/>
-                <a:ea typeface="Cabin"/>
-                <a:cs typeface="Cabin"/>
+                <a:latin typeface="Arial" charset="0"/>
+                <a:ea typeface="Arial" charset="0"/>
+                <a:cs typeface="Arial" charset="0"/>
                 <a:sym typeface="Cabin"/>
                 <a:hlinkClick r:id="rId3"/>
               </a:rPr>
@@ -34384,13 +34384,13 @@
               <a:buNone/>
             </a:pPr>
             <a:r>
-              <a:rPr lang="en-US" sz="3000" b="0" i="0" u="none" strike="noStrike" cap="none">
+              <a:rPr lang="en-US" sz="3000" u="none" strike="noStrike" cap="none">
                 <a:solidFill>
                   <a:srgbClr val="00FF00"/>
                 </a:solidFill>
-                <a:latin typeface="Cabin"/>
-                <a:ea typeface="Cabin"/>
-                <a:cs typeface="Cabin"/>
+                <a:latin typeface="Arial" charset="0"/>
+                <a:ea typeface="Arial" charset="0"/>
+                <a:cs typeface="Arial" charset="0"/>
                 <a:sym typeface="Cabin"/>
               </a:rPr>
               <a:t>&lt;xs:element name="person"&gt;</a:t>
@@ -34415,13 +34415,13 @@
               <a:buNone/>
             </a:pPr>
             <a:r>
-              <a:rPr lang="en-US" sz="3000" b="0" i="0" u="none" strike="noStrike" cap="none">
+              <a:rPr lang="en-US" sz="3000" u="none" strike="noStrike" cap="none">
                 <a:solidFill>
                   <a:srgbClr val="00FF00"/>
                 </a:solidFill>
-                <a:latin typeface="Cabin"/>
-                <a:ea typeface="Cabin"/>
-                <a:cs typeface="Cabin"/>
+                <a:latin typeface="Arial" charset="0"/>
+                <a:ea typeface="Arial" charset="0"/>
+                <a:cs typeface="Arial" charset="0"/>
                 <a:sym typeface="Cabin"/>
               </a:rPr>
               <a:t>  &lt;xs:complexType&gt;</a:t>
@@ -34446,13 +34446,13 @@
               <a:buNone/>
             </a:pPr>
             <a:r>
-              <a:rPr lang="en-US" sz="3000" b="0" i="0" u="none" strike="noStrike" cap="none">
+              <a:rPr lang="en-US" sz="3000" u="none" strike="noStrike" cap="none">
                 <a:solidFill>
                   <a:srgbClr val="00FF00"/>
                 </a:solidFill>
-                <a:latin typeface="Cabin"/>
-                <a:ea typeface="Cabin"/>
-                <a:cs typeface="Cabin"/>
+                <a:latin typeface="Arial" charset="0"/>
+                <a:ea typeface="Arial" charset="0"/>
+                <a:cs typeface="Arial" charset="0"/>
                 <a:sym typeface="Cabin"/>
               </a:rPr>
               <a:t>    &lt;xs:sequence&gt;</a:t>
@@ -34477,13 +34477,13 @@
               <a:buNone/>
             </a:pPr>
             <a:r>
-              <a:rPr lang="en-US" sz="3000" b="0" i="0" u="none" strike="noStrike" cap="none">
+              <a:rPr lang="en-US" sz="3000" u="none" strike="noStrike" cap="none">
                 <a:solidFill>
                   <a:srgbClr val="00FFFF"/>
                 </a:solidFill>
-                <a:latin typeface="Cabin"/>
-                <a:ea typeface="Cabin"/>
-                <a:cs typeface="Cabin"/>
+                <a:latin typeface="Arial" charset="0"/>
+                <a:ea typeface="Arial" charset="0"/>
+                <a:cs typeface="Arial" charset="0"/>
                 <a:sym typeface="Cabin"/>
               </a:rPr>
               <a:t>      &lt;xs:element name="full_name" type="xs:string"  </a:t>
@@ -34508,13 +34508,13 @@
               <a:buNone/>
             </a:pPr>
             <a:r>
-              <a:rPr lang="en-US" sz="3000" b="0" i="0" u="none" strike="noStrike" cap="none">
+              <a:rPr lang="en-US" sz="3000" u="none" strike="noStrike" cap="none">
                 <a:solidFill>
                   <a:srgbClr val="00FFFF"/>
                 </a:solidFill>
-                <a:latin typeface="Cabin"/>
-                <a:ea typeface="Cabin"/>
-                <a:cs typeface="Cabin"/>
+                <a:latin typeface="Arial" charset="0"/>
+                <a:ea typeface="Arial" charset="0"/>
+                <a:cs typeface="Arial" charset="0"/>
                 <a:sym typeface="Cabin"/>
               </a:rPr>
               <a:t>          minOccurs="1" maxOccurs="1" /&gt;</a:t>
@@ -34539,25 +34539,25 @@
               <a:buNone/>
             </a:pPr>
             <a:r>
-              <a:rPr lang="en-US" sz="3000" b="0" i="0" u="none" strike="noStrike" cap="none">
+              <a:rPr lang="en-US" sz="3000" u="none" strike="noStrike" cap="none">
                 <a:solidFill>
                   <a:schemeClr val="lt1"/>
                 </a:solidFill>
-                <a:latin typeface="Cabin"/>
-                <a:ea typeface="Cabin"/>
-                <a:cs typeface="Cabin"/>
+                <a:latin typeface="Arial" charset="0"/>
+                <a:ea typeface="Arial" charset="0"/>
+                <a:cs typeface="Arial" charset="0"/>
                 <a:sym typeface="Cabin"/>
               </a:rPr>
               <a:t>      </a:t>
             </a:r>
             <a:r>
-              <a:rPr lang="en-US" sz="3000" b="0" i="0" u="none" strike="noStrike" cap="none">
+              <a:rPr lang="en-US" sz="3000" u="none" strike="noStrike" cap="none">
                 <a:solidFill>
                   <a:srgbClr val="FF7F00"/>
                 </a:solidFill>
-                <a:latin typeface="Cabin"/>
-                <a:ea typeface="Cabin"/>
-                <a:cs typeface="Cabin"/>
+                <a:latin typeface="Arial" charset="0"/>
+                <a:ea typeface="Arial" charset="0"/>
+                <a:cs typeface="Arial" charset="0"/>
                 <a:sym typeface="Cabin"/>
               </a:rPr>
               <a:t>&lt;xs:element name="child_name" type="xs:string" </a:t>
@@ -34582,13 +34582,13 @@
               <a:buNone/>
             </a:pPr>
             <a:r>
-              <a:rPr lang="en-US" sz="3000" b="0" i="0" u="none" strike="noStrike" cap="none">
+              <a:rPr lang="en-US" sz="3000" u="none" strike="noStrike" cap="none">
                 <a:solidFill>
                   <a:srgbClr val="FF7F00"/>
                 </a:solidFill>
-                <a:latin typeface="Cabin"/>
-                <a:ea typeface="Cabin"/>
-                <a:cs typeface="Cabin"/>
+                <a:latin typeface="Arial" charset="0"/>
+                <a:ea typeface="Arial" charset="0"/>
+                <a:cs typeface="Arial" charset="0"/>
                 <a:sym typeface="Cabin"/>
               </a:rPr>
               <a:t>            minOccurs="0" maxOccurs="10" /&gt;</a:t>
@@ -34613,13 +34613,13 @@
               <a:buNone/>
             </a:pPr>
             <a:r>
-              <a:rPr lang="en-US" sz="3000" b="0" i="0" u="none" strike="noStrike" cap="none">
+              <a:rPr lang="en-US" sz="3000" u="none" strike="noStrike" cap="none">
                 <a:solidFill>
                   <a:srgbClr val="00FF00"/>
                 </a:solidFill>
-                <a:latin typeface="Cabin"/>
-                <a:ea typeface="Cabin"/>
-                <a:cs typeface="Cabin"/>
+                <a:latin typeface="Arial" charset="0"/>
+                <a:ea typeface="Arial" charset="0"/>
+                <a:cs typeface="Arial" charset="0"/>
                 <a:sym typeface="Cabin"/>
               </a:rPr>
               <a:t>    &lt;/xs:sequence&gt;</a:t>
@@ -34644,13 +34644,13 @@
               <a:buNone/>
             </a:pPr>
             <a:r>
-              <a:rPr lang="en-US" sz="3000" b="0" i="0" u="none" strike="noStrike" cap="none">
+              <a:rPr lang="en-US" sz="3000" u="none" strike="noStrike" cap="none">
                 <a:solidFill>
                   <a:srgbClr val="00FF00"/>
                 </a:solidFill>
-                <a:latin typeface="Cabin"/>
-                <a:ea typeface="Cabin"/>
-                <a:cs typeface="Cabin"/>
+                <a:latin typeface="Arial" charset="0"/>
+                <a:ea typeface="Arial" charset="0"/>
+                <a:cs typeface="Arial" charset="0"/>
                 <a:sym typeface="Cabin"/>
               </a:rPr>
               <a:t>  &lt;/xs:complexType&gt;</a:t>
@@ -34675,13 +34675,13 @@
               <a:buNone/>
             </a:pPr>
             <a:r>
-              <a:rPr lang="en-US" sz="3000" b="0" i="0" u="none" strike="noStrike" cap="none">
+              <a:rPr lang="en-US" sz="3000" u="none" strike="noStrike" cap="none">
                 <a:solidFill>
                   <a:srgbClr val="00FF00"/>
                 </a:solidFill>
-                <a:latin typeface="Cabin"/>
-                <a:ea typeface="Cabin"/>
-                <a:cs typeface="Cabin"/>
+                <a:latin typeface="Arial" charset="0"/>
+                <a:ea typeface="Arial" charset="0"/>
+                <a:cs typeface="Arial" charset="0"/>
                 <a:sym typeface="Cabin"/>
               </a:rPr>
               <a:t>&lt;/xs:element&gt;</a:t>
@@ -34732,13 +34732,13 @@
               <a:buNone/>
             </a:pPr>
             <a:r>
-              <a:rPr lang="en-US" sz="3000" b="0" i="0" u="none" strike="noStrike" cap="none">
+              <a:rPr lang="en-US" sz="3000" u="none" strike="noStrike" cap="none">
                 <a:solidFill>
                   <a:srgbClr val="00FF00"/>
                 </a:solidFill>
-                <a:latin typeface="Cabin"/>
-                <a:ea typeface="Cabin"/>
-                <a:cs typeface="Cabin"/>
+                <a:latin typeface="Arial" charset="0"/>
+                <a:ea typeface="Arial" charset="0"/>
+                <a:cs typeface="Arial" charset="0"/>
                 <a:sym typeface="Cabin"/>
               </a:rPr>
               <a:t>&lt;person&gt;</a:t>
@@ -34763,13 +34763,13 @@
               <a:buNone/>
             </a:pPr>
             <a:r>
-              <a:rPr lang="en-US" sz="3000" b="0" i="0" u="none" strike="noStrike" cap="none">
+              <a:rPr lang="en-US" sz="3000" u="none" strike="noStrike" cap="none">
                 <a:solidFill>
                   <a:srgbClr val="00FFFF"/>
                 </a:solidFill>
-                <a:latin typeface="Cabin"/>
-                <a:ea typeface="Cabin"/>
-                <a:cs typeface="Cabin"/>
+                <a:latin typeface="Arial" charset="0"/>
+                <a:ea typeface="Arial" charset="0"/>
+                <a:cs typeface="Arial" charset="0"/>
                 <a:sym typeface="Cabin"/>
               </a:rPr>
               <a:t>  &lt;full_name&gt;Tove Refsnes&lt;/full_name&gt;</a:t>
@@ -34794,13 +34794,13 @@
               <a:buNone/>
             </a:pPr>
             <a:r>
-              <a:rPr lang="en-US" sz="3000" b="0" i="0" u="none" strike="noStrike" cap="none">
+              <a:rPr lang="en-US" sz="3000" u="none" strike="noStrike" cap="none">
                 <a:solidFill>
                   <a:srgbClr val="FF7F00"/>
                 </a:solidFill>
-                <a:latin typeface="Cabin"/>
-                <a:ea typeface="Cabin"/>
-                <a:cs typeface="Cabin"/>
+                <a:latin typeface="Arial" charset="0"/>
+                <a:ea typeface="Arial" charset="0"/>
+                <a:cs typeface="Arial" charset="0"/>
                 <a:sym typeface="Cabin"/>
               </a:rPr>
               <a:t>  &lt;child_name&gt;Hege&lt;/child_name&gt;</a:t>
@@ -34825,13 +34825,13 @@
               <a:buNone/>
             </a:pPr>
             <a:r>
-              <a:rPr lang="en-US" sz="3000" b="0" i="0" u="none" strike="noStrike" cap="none">
+              <a:rPr lang="en-US" sz="3000" u="none" strike="noStrike" cap="none">
                 <a:solidFill>
                   <a:srgbClr val="FF7F00"/>
                 </a:solidFill>
-                <a:latin typeface="Cabin"/>
-                <a:ea typeface="Cabin"/>
-                <a:cs typeface="Cabin"/>
+                <a:latin typeface="Arial" charset="0"/>
+                <a:ea typeface="Arial" charset="0"/>
+                <a:cs typeface="Arial" charset="0"/>
                 <a:sym typeface="Cabin"/>
               </a:rPr>
               <a:t>  &lt;child_name&gt;Stale&lt;/child_name&gt;</a:t>
@@ -34856,13 +34856,13 @@
               <a:buNone/>
             </a:pPr>
             <a:r>
-              <a:rPr lang="en-US" sz="3000" b="0" i="0" u="none" strike="noStrike" cap="none">
+              <a:rPr lang="en-US" sz="3000" u="none" strike="noStrike" cap="none">
                 <a:solidFill>
                   <a:srgbClr val="FF7F00"/>
                 </a:solidFill>
-                <a:latin typeface="Cabin"/>
-                <a:ea typeface="Cabin"/>
-                <a:cs typeface="Cabin"/>
+                <a:latin typeface="Arial" charset="0"/>
+                <a:ea typeface="Arial" charset="0"/>
+                <a:cs typeface="Arial" charset="0"/>
                 <a:sym typeface="Cabin"/>
               </a:rPr>
               <a:t>  &lt;child_name&gt;Jim&lt;/child_name&gt;</a:t>
@@ -34887,13 +34887,13 @@
               <a:buNone/>
             </a:pPr>
             <a:r>
-              <a:rPr lang="en-US" sz="3000" b="0" i="0" u="none" strike="noStrike" cap="none">
+              <a:rPr lang="en-US" sz="3000" u="none" strike="noStrike" cap="none">
                 <a:solidFill>
                   <a:srgbClr val="FF7F00"/>
                 </a:solidFill>
-                <a:latin typeface="Cabin"/>
-                <a:ea typeface="Cabin"/>
-                <a:cs typeface="Cabin"/>
+                <a:latin typeface="Arial" charset="0"/>
+                <a:ea typeface="Arial" charset="0"/>
+                <a:cs typeface="Arial" charset="0"/>
                 <a:sym typeface="Cabin"/>
               </a:rPr>
               <a:t>  &lt;child_name&gt;Borge&lt;/child_name&gt;</a:t>
@@ -34918,13 +34918,13 @@
               <a:buNone/>
             </a:pPr>
             <a:r>
-              <a:rPr lang="en-US" sz="3000" b="0" i="0" u="none" strike="noStrike" cap="none">
+              <a:rPr lang="en-US" sz="3000" u="none" strike="noStrike" cap="none">
                 <a:solidFill>
                   <a:srgbClr val="00FF00"/>
                 </a:solidFill>
-                <a:latin typeface="Cabin"/>
-                <a:ea typeface="Cabin"/>
-                <a:cs typeface="Cabin"/>
+                <a:latin typeface="Arial" charset="0"/>
+                <a:ea typeface="Arial" charset="0"/>
+                <a:cs typeface="Arial" charset="0"/>
                 <a:sym typeface="Cabin"/>
               </a:rPr>
               <a:t>&lt;/person&gt;</a:t>
@@ -35004,13 +35004,13 @@
               <a:buNone/>
             </a:pPr>
             <a:r>
-              <a:rPr lang="en-US" sz="7600" b="1" i="0" u="none" strike="noStrike" cap="none">
+              <a:rPr lang="en-US" sz="7600" u="none" strike="noStrike" cap="none">
                 <a:solidFill>
                   <a:srgbClr val="FFD966"/>
                 </a:solidFill>
-                <a:latin typeface="Cabin"/>
-                <a:ea typeface="Cabin"/>
-                <a:cs typeface="Cabin"/>
+                <a:latin typeface="Arial" charset="0"/>
+                <a:ea typeface="Arial" charset="0"/>
+                <a:cs typeface="Arial" charset="0"/>
                 <a:sym typeface="Cabin"/>
               </a:rPr>
               <a:t>XSD Data Types</a:t>
@@ -35061,13 +35061,13 @@
               <a:buNone/>
             </a:pPr>
             <a:r>
-              <a:rPr lang="en-US" sz="3000" b="0" i="0" u="sng" strike="noStrike" cap="none">
+              <a:rPr lang="en-US" sz="3000" u="sng" strike="noStrike" cap="none">
                 <a:solidFill>
                   <a:srgbClr val="FFFF00"/>
                 </a:solidFill>
-                <a:latin typeface="Cabin"/>
-                <a:ea typeface="Cabin"/>
-                <a:cs typeface="Cabin"/>
+                <a:latin typeface="Arial" charset="0"/>
+                <a:ea typeface="Arial" charset="0"/>
+                <a:cs typeface="Arial" charset="0"/>
                 <a:sym typeface="Cabin"/>
                 <a:hlinkClick r:id="rId3"/>
               </a:rPr>
@@ -35119,13 +35119,13 @@
               <a:buNone/>
             </a:pPr>
             <a:r>
-              <a:rPr lang="en-US" sz="3200" b="0" i="0" u="none" strike="noStrike" cap="none">
+              <a:rPr lang="en-US" sz="3200" u="none" strike="noStrike" cap="none">
                 <a:solidFill>
                   <a:srgbClr val="FF00FF"/>
                 </a:solidFill>
-                <a:latin typeface="Cabin"/>
-                <a:ea typeface="Cabin"/>
-                <a:cs typeface="Cabin"/>
+                <a:latin typeface="Arial" charset="0"/>
+                <a:ea typeface="Arial" charset="0"/>
+                <a:cs typeface="Arial" charset="0"/>
                 <a:sym typeface="Cabin"/>
               </a:rPr>
               <a:t>&lt;xs:element name="customer" type="xs:string"/&gt;</a:t>
@@ -35150,13 +35150,13 @@
               <a:buNone/>
             </a:pPr>
             <a:r>
-              <a:rPr lang="en-US" sz="3200" b="0" i="0" u="none" strike="noStrike" cap="none">
+              <a:rPr lang="en-US" sz="3200" u="none" strike="noStrike" cap="none">
                 <a:solidFill>
                   <a:srgbClr val="00FF00"/>
                 </a:solidFill>
-                <a:latin typeface="Cabin"/>
-                <a:ea typeface="Cabin"/>
-                <a:cs typeface="Cabin"/>
+                <a:latin typeface="Arial" charset="0"/>
+                <a:ea typeface="Arial" charset="0"/>
+                <a:cs typeface="Arial" charset="0"/>
                 <a:sym typeface="Cabin"/>
               </a:rPr>
               <a:t>&lt;xs:element name="start" type="xs:date"/&gt;</a:t>
@@ -35181,13 +35181,13 @@
               <a:buNone/>
             </a:pPr>
             <a:r>
-              <a:rPr lang="en-US" sz="3200" b="0" i="0" u="none" strike="noStrike" cap="none">
+              <a:rPr lang="en-US" sz="3200" u="none" strike="noStrike" cap="none">
                 <a:solidFill>
                   <a:srgbClr val="FF7F00"/>
                 </a:solidFill>
-                <a:latin typeface="Cabin"/>
-                <a:ea typeface="Cabin"/>
-                <a:cs typeface="Cabin"/>
+                <a:latin typeface="Arial" charset="0"/>
+                <a:ea typeface="Arial" charset="0"/>
+                <a:cs typeface="Arial" charset="0"/>
                 <a:sym typeface="Cabin"/>
               </a:rPr>
               <a:t>&lt;xs:element name="startdate" type="xs:dateTime"/&gt;</a:t>
@@ -35212,13 +35212,13 @@
               <a:buNone/>
             </a:pPr>
             <a:r>
-              <a:rPr lang="en-US" sz="3200" b="0" i="0" u="none" strike="noStrike" cap="none">
+              <a:rPr lang="en-US" sz="3200" u="none" strike="noStrike" cap="none">
                 <a:solidFill>
                   <a:srgbClr val="FFFF00"/>
                 </a:solidFill>
-                <a:latin typeface="Cabin"/>
-                <a:ea typeface="Cabin"/>
-                <a:cs typeface="Cabin"/>
+                <a:latin typeface="Arial" charset="0"/>
+                <a:ea typeface="Arial" charset="0"/>
+                <a:cs typeface="Arial" charset="0"/>
                 <a:sym typeface="Cabin"/>
               </a:rPr>
               <a:t>&lt;xs:element name="prize" type="xs:decimal"/&gt;</a:t>
@@ -35243,13 +35243,13 @@
               <a:buNone/>
             </a:pPr>
             <a:r>
-              <a:rPr lang="en-US" sz="3200" b="0" i="0" u="none" strike="noStrike" cap="none">
+              <a:rPr lang="en-US" sz="3200" u="none" strike="noStrike" cap="none">
                 <a:solidFill>
                   <a:srgbClr val="00FFFF"/>
                 </a:solidFill>
-                <a:latin typeface="Cabin"/>
-                <a:ea typeface="Cabin"/>
-                <a:cs typeface="Cabin"/>
+                <a:latin typeface="Arial" charset="0"/>
+                <a:ea typeface="Arial" charset="0"/>
+                <a:cs typeface="Arial" charset="0"/>
                 <a:sym typeface="Cabin"/>
               </a:rPr>
               <a:t>&lt;xs:element name="weeks" type="xs:integer"/&gt;</a:t>
@@ -35300,13 +35300,13 @@
               <a:buNone/>
             </a:pPr>
             <a:r>
-              <a:rPr lang="en-US" sz="3200" b="0" i="0" u="none" strike="noStrike" cap="none">
+              <a:rPr lang="en-US" sz="3200" u="none" strike="noStrike" cap="none">
                 <a:solidFill>
                   <a:srgbClr val="FF00FF"/>
                 </a:solidFill>
-                <a:latin typeface="Cabin"/>
-                <a:ea typeface="Cabin"/>
-                <a:cs typeface="Cabin"/>
+                <a:latin typeface="Arial" charset="0"/>
+                <a:ea typeface="Arial" charset="0"/>
+                <a:cs typeface="Arial" charset="0"/>
                 <a:sym typeface="Cabin"/>
               </a:rPr>
               <a:t>&lt;customer&gt;John Smith&lt;/customer&gt;</a:t>
@@ -35331,13 +35331,13 @@
               <a:buNone/>
             </a:pPr>
             <a:r>
-              <a:rPr lang="en-US" sz="3200" b="0" i="0" u="none" strike="noStrike" cap="none">
+              <a:rPr lang="en-US" sz="3200" u="none" strike="noStrike" cap="none">
                 <a:solidFill>
                   <a:srgbClr val="00FF00"/>
                 </a:solidFill>
-                <a:latin typeface="Cabin"/>
-                <a:ea typeface="Cabin"/>
-                <a:cs typeface="Cabin"/>
+                <a:latin typeface="Arial" charset="0"/>
+                <a:ea typeface="Arial" charset="0"/>
+                <a:cs typeface="Arial" charset="0"/>
                 <a:sym typeface="Cabin"/>
               </a:rPr>
               <a:t>&lt;start&gt;2002-09-24&lt;/start&gt;</a:t>
@@ -35362,37 +35362,37 @@
               <a:buNone/>
             </a:pPr>
             <a:r>
-              <a:rPr lang="en-US" sz="3200" b="0" i="0" u="none" strike="noStrike" cap="none">
+              <a:rPr lang="en-US" sz="3200" u="none" strike="noStrike" cap="none">
                 <a:solidFill>
                   <a:srgbClr val="FF7F00"/>
                 </a:solidFill>
-                <a:latin typeface="Cabin"/>
-                <a:ea typeface="Cabin"/>
-                <a:cs typeface="Cabin"/>
+                <a:latin typeface="Arial" charset="0"/>
+                <a:ea typeface="Arial" charset="0"/>
+                <a:cs typeface="Arial" charset="0"/>
                 <a:sym typeface="Cabin"/>
               </a:rPr>
               <a:t>&lt;startdate&gt;2002-05-30T09:30:10</a:t>
             </a:r>
             <a:r>
-              <a:rPr lang="en-US" sz="3200" b="0" i="0" u="none" strike="noStrike" cap="none">
+              <a:rPr lang="en-US" sz="3200" u="none" strike="noStrike" cap="none">
                 <a:solidFill>
                   <a:schemeClr val="lt1"/>
                 </a:solidFill>
-                <a:latin typeface="Cabin"/>
-                <a:ea typeface="Cabin"/>
-                <a:cs typeface="Cabin"/>
+                <a:latin typeface="Arial" charset="0"/>
+                <a:ea typeface="Arial" charset="0"/>
+                <a:cs typeface="Arial" charset="0"/>
                 <a:sym typeface="Cabin"/>
               </a:rPr>
               <a:t>Z</a:t>
             </a:r>
             <a:r>
-              <a:rPr lang="en-US" sz="3200" b="0" i="0" u="none" strike="noStrike" cap="none">
+              <a:rPr lang="en-US" sz="3200" u="none" strike="noStrike" cap="none">
                 <a:solidFill>
                   <a:srgbClr val="FF7F00"/>
                 </a:solidFill>
-                <a:latin typeface="Cabin"/>
-                <a:ea typeface="Cabin"/>
-                <a:cs typeface="Cabin"/>
+                <a:latin typeface="Arial" charset="0"/>
+                <a:ea typeface="Arial" charset="0"/>
+                <a:cs typeface="Arial" charset="0"/>
                 <a:sym typeface="Cabin"/>
               </a:rPr>
               <a:t>&lt;/startdate&gt;</a:t>
@@ -35417,13 +35417,13 @@
               <a:buNone/>
             </a:pPr>
             <a:r>
-              <a:rPr lang="en-US" sz="3200" b="0" i="0" u="none" strike="noStrike" cap="none">
+              <a:rPr lang="en-US" sz="3200" u="none" strike="noStrike" cap="none">
                 <a:solidFill>
                   <a:srgbClr val="FFFF00"/>
                 </a:solidFill>
-                <a:latin typeface="Cabin"/>
-                <a:ea typeface="Cabin"/>
-                <a:cs typeface="Cabin"/>
+                <a:latin typeface="Arial" charset="0"/>
+                <a:ea typeface="Arial" charset="0"/>
+                <a:cs typeface="Arial" charset="0"/>
                 <a:sym typeface="Cabin"/>
               </a:rPr>
               <a:t>&lt;prize&gt;999.50&lt;/prize&gt;</a:t>
@@ -35448,13 +35448,13 @@
               <a:buNone/>
             </a:pPr>
             <a:r>
-              <a:rPr lang="en-US" sz="3200" b="0" i="0" u="none" strike="noStrike" cap="none">
+              <a:rPr lang="en-US" sz="3200" u="none" strike="noStrike" cap="none">
                 <a:solidFill>
                   <a:srgbClr val="00FFFF"/>
                 </a:solidFill>
-                <a:latin typeface="Cabin"/>
-                <a:ea typeface="Cabin"/>
-                <a:cs typeface="Cabin"/>
+                <a:latin typeface="Arial" charset="0"/>
+                <a:ea typeface="Arial" charset="0"/>
+                <a:cs typeface="Arial" charset="0"/>
                 <a:sym typeface="Cabin"/>
               </a:rPr>
               <a:t>&lt;weeks&gt;30&lt;/weeks&gt;</a:t>
@@ -35520,13 +35520,13 @@
               <a:buNone/>
             </a:pPr>
             <a:r>
-              <a:rPr lang="en-US" sz="2700" b="0" i="0" u="none" strike="noStrike" cap="none">
+              <a:rPr lang="en-US" sz="2700" u="none" strike="noStrike" cap="none">
                 <a:solidFill>
                   <a:schemeClr val="lt1"/>
                 </a:solidFill>
-                <a:latin typeface="Cabin"/>
-                <a:ea typeface="Cabin"/>
-                <a:cs typeface="Cabin"/>
+                <a:latin typeface="Arial" charset="0"/>
+                <a:ea typeface="Arial" charset="0"/>
+                <a:cs typeface="Arial" charset="0"/>
                 <a:sym typeface="Cabin"/>
               </a:rPr>
               <a:t>It is common to represent time in UTC/GMT, given that servers are often scattered around the world.</a:t>
@@ -35606,13 +35606,13 @@
               <a:buNone/>
             </a:pPr>
             <a:r>
-              <a:rPr lang="en-US" sz="7600" b="1" i="0" u="none" strike="noStrike" cap="none">
+              <a:rPr lang="en-US" sz="7600" u="none" strike="noStrike" cap="none">
                 <a:solidFill>
                   <a:srgbClr val="FFD966"/>
                 </a:solidFill>
-                <a:latin typeface="Cabin"/>
-                <a:ea typeface="Cabin"/>
-                <a:cs typeface="Cabin"/>
+                <a:latin typeface="Arial" charset="0"/>
+                <a:ea typeface="Arial" charset="0"/>
+                <a:cs typeface="Arial" charset="0"/>
                 <a:sym typeface="Cabin"/>
               </a:rPr>
               <a:t>ISO 8601 Date/Time Format</a:t>
@@ -35663,49 +35663,49 @@
               <a:buNone/>
             </a:pPr>
             <a:r>
-              <a:rPr lang="en-US" sz="7200" b="0" i="0" u="none" strike="noStrike" cap="none">
+              <a:rPr lang="en-US" sz="7200" u="none" strike="noStrike" cap="none">
                 <a:solidFill>
                   <a:srgbClr val="FF00FF"/>
                 </a:solidFill>
-                <a:latin typeface="Cabin"/>
-                <a:ea typeface="Cabin"/>
-                <a:cs typeface="Cabin"/>
+                <a:latin typeface="Arial" charset="0"/>
+                <a:ea typeface="Arial" charset="0"/>
+                <a:cs typeface="Arial" charset="0"/>
                 <a:sym typeface="Cabin"/>
               </a:rPr>
               <a:t>2002-05-30</a:t>
             </a:r>
             <a:r>
-              <a:rPr lang="en-US" sz="7200" b="0" i="0" u="none" strike="noStrike" cap="none">
+              <a:rPr lang="en-US" sz="7200" u="none" strike="noStrike" cap="none">
                 <a:solidFill>
                   <a:srgbClr val="FF7F00"/>
                 </a:solidFill>
-                <a:latin typeface="Cabin"/>
-                <a:ea typeface="Cabin"/>
-                <a:cs typeface="Cabin"/>
+                <a:latin typeface="Arial" charset="0"/>
+                <a:ea typeface="Arial" charset="0"/>
+                <a:cs typeface="Arial" charset="0"/>
                 <a:sym typeface="Cabin"/>
               </a:rPr>
               <a:t>T</a:t>
             </a:r>
             <a:r>
-              <a:rPr lang="en-US" sz="7200" b="0" i="0" u="none" strike="noStrike" cap="none">
+              <a:rPr lang="en-US" sz="7200" u="none" strike="noStrike" cap="none">
                 <a:solidFill>
                   <a:srgbClr val="00FF00"/>
                 </a:solidFill>
-                <a:latin typeface="Cabin"/>
-                <a:ea typeface="Cabin"/>
-                <a:cs typeface="Cabin"/>
+                <a:latin typeface="Arial" charset="0"/>
+                <a:ea typeface="Arial" charset="0"/>
+                <a:cs typeface="Arial" charset="0"/>
                 <a:sym typeface="Cabin"/>
               </a:rPr>
               <a:t>09:30:10</a:t>
             </a:r>
             <a:r>
-              <a:rPr lang="en-US" sz="7200" b="0" i="0" u="none" strike="noStrike" cap="none">
+              <a:rPr lang="en-US" sz="7200" u="none" strike="noStrike" cap="none">
                 <a:solidFill>
                   <a:srgbClr val="FF7F00"/>
                 </a:solidFill>
-                <a:latin typeface="Cabin"/>
-                <a:ea typeface="Cabin"/>
-                <a:cs typeface="Cabin"/>
+                <a:latin typeface="Arial" charset="0"/>
+                <a:ea typeface="Arial" charset="0"/>
+                <a:cs typeface="Arial" charset="0"/>
                 <a:sym typeface="Cabin"/>
               </a:rPr>
               <a:t>Z</a:t>
@@ -35756,13 +35756,13 @@
               <a:buNone/>
             </a:pPr>
             <a:r>
-              <a:rPr lang="en-US" sz="3600" b="0" i="0" u="none" strike="noStrike" cap="none">
+              <a:rPr lang="en-US" sz="3600" u="none" strike="noStrike" cap="none">
                 <a:solidFill>
                   <a:srgbClr val="FF00FF"/>
                 </a:solidFill>
-                <a:latin typeface="Cabin"/>
-                <a:ea typeface="Cabin"/>
-                <a:cs typeface="Cabin"/>
+                <a:latin typeface="Arial" charset="0"/>
+                <a:ea typeface="Arial" charset="0"/>
+                <a:cs typeface="Arial" charset="0"/>
                 <a:sym typeface="Cabin"/>
               </a:rPr>
               <a:t>Year-month-day</a:t>
@@ -35813,13 +35813,13 @@
               <a:buNone/>
             </a:pPr>
             <a:r>
-              <a:rPr lang="en-US" sz="3600" b="0" i="0" u="none" strike="noStrike" cap="none">
+              <a:rPr lang="en-US" sz="3600" u="none" strike="noStrike" cap="none">
                 <a:solidFill>
                   <a:srgbClr val="00FF00"/>
                 </a:solidFill>
-                <a:latin typeface="Cabin"/>
-                <a:ea typeface="Cabin"/>
-                <a:cs typeface="Cabin"/>
+                <a:latin typeface="Arial" charset="0"/>
+                <a:ea typeface="Arial" charset="0"/>
+                <a:cs typeface="Arial" charset="0"/>
                 <a:sym typeface="Cabin"/>
               </a:rPr>
               <a:t>Time of day</a:t>
@@ -35870,13 +35870,13 @@
               <a:buNone/>
             </a:pPr>
             <a:r>
-              <a:rPr lang="en-US" sz="3600" b="0" i="0" u="none" strike="noStrike" cap="none">
+              <a:rPr lang="en-US" sz="3600" u="none" strike="noStrike" cap="none">
                 <a:solidFill>
                   <a:srgbClr val="FF7F00"/>
                 </a:solidFill>
-                <a:latin typeface="Cabin"/>
-                <a:ea typeface="Cabin"/>
-                <a:cs typeface="Cabin"/>
+                <a:latin typeface="Arial" charset="0"/>
+                <a:ea typeface="Arial" charset="0"/>
+                <a:cs typeface="Arial" charset="0"/>
                 <a:sym typeface="Cabin"/>
               </a:rPr>
               <a:t>Timezone - typically specified in UTC / GMT rather than local time zone.</a:t>
@@ -35927,13 +35927,13 @@
               <a:buNone/>
             </a:pPr>
             <a:r>
-              <a:rPr lang="en-US" sz="3000" b="0" i="0" u="sng" strike="noStrike" cap="none">
+              <a:rPr lang="en-US" sz="3000" u="sng" strike="noStrike" cap="none">
                 <a:solidFill>
                   <a:srgbClr val="FFFF00"/>
                 </a:solidFill>
-                <a:latin typeface="Cabin"/>
-                <a:ea typeface="Cabin"/>
-                <a:cs typeface="Cabin"/>
+                <a:latin typeface="Arial" charset="0"/>
+                <a:ea typeface="Arial" charset="0"/>
+                <a:cs typeface="Arial" charset="0"/>
                 <a:sym typeface="Cabin"/>
                 <a:hlinkClick r:id="rId3"/>
               </a:rPr>
@@ -35985,13 +35985,13 @@
               <a:buNone/>
             </a:pPr>
             <a:r>
-              <a:rPr lang="en-US" sz="3000" b="0" i="0" u="sng" strike="noStrike" cap="none">
+              <a:rPr lang="en-US" sz="3000" u="sng" strike="noStrike" cap="none">
                 <a:solidFill>
                   <a:srgbClr val="FFFF00"/>
                 </a:solidFill>
-                <a:latin typeface="Cabin"/>
-                <a:ea typeface="Cabin"/>
-                <a:cs typeface="Cabin"/>
+                <a:latin typeface="Arial" charset="0"/>
+                <a:ea typeface="Arial" charset="0"/>
+                <a:cs typeface="Arial" charset="0"/>
                 <a:sym typeface="Cabin"/>
                 <a:hlinkClick r:id="rId4"/>
               </a:rPr>
@@ -36276,13 +36276,13 @@
               <a:buNone/>
             </a:pPr>
             <a:r>
-              <a:rPr lang="en-US" sz="3000" b="0" i="0" u="sng" strike="noStrike" cap="none">
+              <a:rPr lang="en-US" sz="3000" u="sng" strike="noStrike" cap="none">
                 <a:solidFill>
                   <a:srgbClr val="FFFF00"/>
                 </a:solidFill>
-                <a:latin typeface="Cabin"/>
-                <a:ea typeface="Cabin"/>
-                <a:cs typeface="Cabin"/>
+                <a:latin typeface="Arial" charset="0"/>
+                <a:ea typeface="Arial" charset="0"/>
+                <a:cs typeface="Arial" charset="0"/>
                 <a:sym typeface="Cabin"/>
                 <a:hlinkClick r:id="rId3"/>
               </a:rPr>
@@ -37613,13 +37613,13 @@
               <a:buNone/>
             </a:pPr>
             <a:r>
-              <a:rPr lang="en-US" sz="7600" b="1" i="0" u="none" strike="noStrike" cap="none">
+              <a:rPr lang="en-US" sz="7600" u="none" strike="noStrike" cap="none">
                 <a:solidFill>
                   <a:srgbClr val="FFD966"/>
                 </a:solidFill>
-                <a:latin typeface="Cabin"/>
-                <a:ea typeface="Cabin"/>
-                <a:cs typeface="Cabin"/>
+                <a:latin typeface="Arial" charset="0"/>
+                <a:ea typeface="Arial" charset="0"/>
+                <a:cs typeface="Arial" charset="0"/>
                 <a:sym typeface="Cabin"/>
               </a:rPr>
               <a:t>Sending Data across the </a:t>
@@ -37637,13 +37637,13 @@
               <a:t>“</a:t>
             </a:r>
             <a:r>
-              <a:rPr lang="en-US" sz="7600" b="1" i="0" u="none" strike="noStrike" cap="none">
+              <a:rPr lang="en-US" sz="7600" u="none" strike="noStrike" cap="none">
                 <a:solidFill>
                   <a:srgbClr val="FFD966"/>
                 </a:solidFill>
-                <a:latin typeface="Cabin"/>
-                <a:ea typeface="Cabin"/>
-                <a:cs typeface="Cabin"/>
+                <a:latin typeface="Arial" charset="0"/>
+                <a:ea typeface="Arial" charset="0"/>
+                <a:cs typeface="Arial" charset="0"/>
                 <a:sym typeface="Cabin"/>
               </a:rPr>
               <a:t>Net</a:t>
@@ -37712,13 +37712,13 @@
               <a:buNone/>
             </a:pPr>
             <a:r>
-              <a:rPr lang="en-US" sz="4700" b="0" i="0" u="none" strike="noStrike" cap="none">
+              <a:rPr lang="en-US" sz="4700" u="none" strike="noStrike" cap="none">
                 <a:solidFill>
                   <a:schemeClr val="lt1"/>
                 </a:solidFill>
-                <a:latin typeface="Cabin"/>
-                <a:ea typeface="Cabin"/>
-                <a:cs typeface="Cabin"/>
+                <a:latin typeface="Arial" charset="0"/>
+                <a:ea typeface="Arial" charset="0"/>
+                <a:cs typeface="Arial" charset="0"/>
                 <a:sym typeface="Cabin"/>
               </a:rPr>
               <a:t>Python</a:t>
@@ -37743,13 +37743,13 @@
               <a:buNone/>
             </a:pPr>
             <a:r>
-              <a:rPr lang="en-US" sz="4700" b="0" i="0" u="none" strike="noStrike" cap="none">
+              <a:rPr lang="en-US" sz="4700" u="none" strike="noStrike" cap="none">
                 <a:solidFill>
                   <a:schemeClr val="lt1"/>
                 </a:solidFill>
-                <a:latin typeface="Cabin"/>
-                <a:ea typeface="Cabin"/>
-                <a:cs typeface="Cabin"/>
+                <a:latin typeface="Arial" charset="0"/>
+                <a:ea typeface="Arial" charset="0"/>
+                <a:cs typeface="Arial" charset="0"/>
                 <a:sym typeface="Cabin"/>
               </a:rPr>
               <a:t>Dictionary</a:t>
@@ -37806,13 +37806,13 @@
               <a:buNone/>
             </a:pPr>
             <a:r>
-              <a:rPr lang="en-US" sz="4700" b="0" i="0" u="none" strike="noStrike" cap="none">
+              <a:rPr lang="en-US" sz="4700" u="none" strike="noStrike" cap="none">
                 <a:solidFill>
                   <a:schemeClr val="lt1"/>
                 </a:solidFill>
-                <a:latin typeface="Cabin"/>
-                <a:ea typeface="Cabin"/>
-                <a:cs typeface="Cabin"/>
+                <a:latin typeface="Arial" charset="0"/>
+                <a:ea typeface="Arial" charset="0"/>
+                <a:cs typeface="Arial" charset="0"/>
                 <a:sym typeface="Cabin"/>
               </a:rPr>
               <a:t>Java</a:t>
@@ -37837,13 +37837,13 @@
               <a:buNone/>
             </a:pPr>
             <a:r>
-              <a:rPr lang="en-US" sz="4700" b="0" i="0" u="none" strike="noStrike" cap="none">
+              <a:rPr lang="en-US" sz="4700" u="none" strike="noStrike" cap="none">
                 <a:solidFill>
                   <a:schemeClr val="lt1"/>
                 </a:solidFill>
-                <a:latin typeface="Cabin"/>
-                <a:ea typeface="Cabin"/>
-                <a:cs typeface="Cabin"/>
+                <a:latin typeface="Arial" charset="0"/>
+                <a:ea typeface="Arial" charset="0"/>
+                <a:cs typeface="Arial" charset="0"/>
                 <a:sym typeface="Cabin"/>
               </a:rPr>
               <a:t>HashMap</a:t>
@@ -37972,13 +37972,13 @@
               <a:buNone/>
             </a:pPr>
             <a:r>
-              <a:rPr lang="en-US" sz="3600" b="0" i="0" u="none" strike="noStrike" cap="none">
+              <a:rPr lang="en-US" sz="3600" u="none" strike="noStrike" cap="none">
                 <a:solidFill>
                   <a:schemeClr val="lt1"/>
                 </a:solidFill>
-                <a:latin typeface="Cabin"/>
-                <a:ea typeface="Cabin"/>
-                <a:cs typeface="Cabin"/>
+                <a:latin typeface="Arial" charset="0"/>
+                <a:ea typeface="Arial" charset="0"/>
+                <a:cs typeface="Arial" charset="0"/>
                 <a:sym typeface="Cabin"/>
               </a:rPr>
               <a:t>a.k.a.  </a:t>
@@ -37996,13 +37996,13 @@
               <a:t>“</a:t>
             </a:r>
             <a:r>
-              <a:rPr lang="en-US" sz="3600" b="0" i="0" u="none" strike="noStrike" cap="none">
+              <a:rPr lang="en-US" sz="3600" u="none" strike="noStrike" cap="none">
                 <a:solidFill>
                   <a:schemeClr val="lt1"/>
                 </a:solidFill>
-                <a:latin typeface="Cabin"/>
-                <a:ea typeface="Cabin"/>
-                <a:cs typeface="Cabin"/>
+                <a:latin typeface="Arial" charset="0"/>
+                <a:ea typeface="Arial" charset="0"/>
+                <a:cs typeface="Arial" charset="0"/>
                 <a:sym typeface="Cabin"/>
               </a:rPr>
               <a:t>Wire Protocol</a:t>
@@ -38020,13 +38020,13 @@
               <a:t>”</a:t>
             </a:r>
             <a:r>
-              <a:rPr lang="en-US" sz="3600" b="0" i="0" u="none" strike="noStrike" cap="none">
+              <a:rPr lang="en-US" sz="3600" u="none" strike="noStrike" cap="none">
                 <a:solidFill>
                   <a:schemeClr val="lt1"/>
                 </a:solidFill>
-                <a:latin typeface="Cabin"/>
-                <a:ea typeface="Cabin"/>
-                <a:cs typeface="Cabin"/>
+                <a:latin typeface="Arial" charset="0"/>
+                <a:ea typeface="Arial" charset="0"/>
+                <a:cs typeface="Arial" charset="0"/>
                 <a:sym typeface="Cabin"/>
               </a:rPr>
               <a:t> - What we send on the </a:t>
@@ -38044,13 +38044,13 @@
               <a:t>“</a:t>
             </a:r>
             <a:r>
-              <a:rPr lang="en-US" sz="3600" b="0" i="0" u="none" strike="noStrike" cap="none">
+              <a:rPr lang="en-US" sz="3600" u="none" strike="noStrike" cap="none">
                 <a:solidFill>
                   <a:schemeClr val="lt1"/>
                 </a:solidFill>
-                <a:latin typeface="Cabin"/>
-                <a:ea typeface="Cabin"/>
-                <a:cs typeface="Cabin"/>
+                <a:latin typeface="Arial" charset="0"/>
+                <a:ea typeface="Arial" charset="0"/>
+                <a:cs typeface="Arial" charset="0"/>
                 <a:sym typeface="Cabin"/>
               </a:rPr>
               <a:t>wire</a:t>
@@ -38193,13 +38193,13 @@
               <a:buNone/>
             </a:pPr>
             <a:r>
-              <a:rPr lang="en-US" sz="7600" b="1" i="0" u="none" strike="noStrike" cap="none">
+              <a:rPr lang="en-US" sz="7600" u="none" strike="noStrike" cap="none">
                 <a:solidFill>
                   <a:srgbClr val="FFD966"/>
                 </a:solidFill>
-                <a:latin typeface="Cabin"/>
-                <a:ea typeface="Cabin"/>
-                <a:cs typeface="Cabin"/>
+                <a:latin typeface="Arial" charset="0"/>
+                <a:ea typeface="Arial" charset="0"/>
+                <a:cs typeface="Arial" charset="0"/>
                 <a:sym typeface="Cabin"/>
               </a:rPr>
               <a:t>JavaScript Object Notation</a:t>
@@ -38322,13 +38322,13 @@
               <a:buNone/>
             </a:pPr>
             <a:r>
-              <a:rPr lang="en-US" sz="7800" b="1" i="0" u="none" strike="noStrike" cap="none">
+              <a:rPr lang="en-US" sz="7800" u="none" strike="noStrike" cap="none">
                 <a:solidFill>
                   <a:srgbClr val="FFD966"/>
                 </a:solidFill>
-                <a:latin typeface="Cabin"/>
-                <a:ea typeface="Cabin"/>
-                <a:cs typeface="Cabin"/>
+                <a:latin typeface="Arial" charset="0"/>
+                <a:ea typeface="Arial" charset="0"/>
+                <a:cs typeface="Arial" charset="0"/>
                 <a:sym typeface="Cabin"/>
               </a:rPr>
               <a:t>JavaScript Object Notation</a:t>
@@ -38383,13 +38383,13 @@
               <a:buChar char="•"/>
             </a:pPr>
             <a:r>
-              <a:rPr lang="en-US" sz="3800" b="0" i="0" u="none" strike="noStrike" cap="none">
+              <a:rPr lang="en-US" sz="3800" u="none" strike="noStrike" cap="none">
                 <a:solidFill>
                   <a:schemeClr val="lt1"/>
                 </a:solidFill>
-                <a:latin typeface="Cabin"/>
-                <a:ea typeface="Cabin"/>
-                <a:cs typeface="Cabin"/>
+                <a:latin typeface="Arial" charset="0"/>
+                <a:ea typeface="Arial" charset="0"/>
+                <a:cs typeface="Arial" charset="0"/>
                 <a:sym typeface="Cabin"/>
               </a:rPr>
               <a:t>Douglas Crockford - </a:t>
@@ -38399,21 +38399,21 @@
                 <a:solidFill>
                   <a:schemeClr val="lt1"/>
                 </a:solidFill>
-                <a:latin typeface="Cabin"/>
-                <a:ea typeface="Cabin"/>
-                <a:cs typeface="Cabin"/>
+                <a:latin typeface="Arial" charset="0"/>
+                <a:ea typeface="Arial" charset="0"/>
+                <a:cs typeface="Arial" charset="0"/>
                 <a:sym typeface="Cabin"/>
               </a:rPr>
               <a:t>“</a:t>
             </a:r>
             <a:r>
-              <a:rPr lang="en-US" sz="3800" b="0" i="0" u="none" strike="noStrike" cap="none">
+              <a:rPr lang="en-US" sz="3800" u="none" strike="noStrike" cap="none">
                 <a:solidFill>
                   <a:schemeClr val="lt1"/>
                 </a:solidFill>
-                <a:latin typeface="Cabin"/>
-                <a:ea typeface="Cabin"/>
-                <a:cs typeface="Cabin"/>
+                <a:latin typeface="Arial" charset="0"/>
+                <a:ea typeface="Arial" charset="0"/>
+                <a:cs typeface="Arial" charset="0"/>
                 <a:sym typeface="Cabin"/>
               </a:rPr>
               <a:t>Discovered</a:t>
@@ -38423,21 +38423,21 @@
                 <a:solidFill>
                   <a:schemeClr val="lt1"/>
                 </a:solidFill>
-                <a:latin typeface="Cabin"/>
-                <a:ea typeface="Cabin"/>
-                <a:cs typeface="Cabin"/>
+                <a:latin typeface="Arial" charset="0"/>
+                <a:ea typeface="Arial" charset="0"/>
+                <a:cs typeface="Arial" charset="0"/>
                 <a:sym typeface="Cabin"/>
               </a:rPr>
               <a:t>”</a:t>
             </a:r>
             <a:r>
-              <a:rPr lang="en-US" sz="3800" b="0" i="0" u="none" strike="noStrike" cap="none">
+              <a:rPr lang="en-US" sz="3800" u="none" strike="noStrike" cap="none">
                 <a:solidFill>
                   <a:schemeClr val="lt1"/>
                 </a:solidFill>
-                <a:latin typeface="Cabin"/>
-                <a:ea typeface="Cabin"/>
-                <a:cs typeface="Cabin"/>
+                <a:latin typeface="Arial" charset="0"/>
+                <a:ea typeface="Arial" charset="0"/>
+                <a:cs typeface="Arial" charset="0"/>
                 <a:sym typeface="Cabin"/>
               </a:rPr>
               <a:t> JSON</a:t>
@@ -38462,13 +38462,13 @@
               <a:buChar char="•"/>
             </a:pPr>
             <a:r>
-              <a:rPr lang="en-US" sz="3800" b="0" i="0" u="none" strike="noStrike" cap="none">
+              <a:rPr lang="en-US" sz="3800" u="none" strike="noStrike" cap="none">
                 <a:solidFill>
                   <a:schemeClr val="lt1"/>
                 </a:solidFill>
-                <a:latin typeface="Cabin"/>
-                <a:ea typeface="Cabin"/>
-                <a:cs typeface="Cabin"/>
+                <a:latin typeface="Arial" charset="0"/>
+                <a:ea typeface="Arial" charset="0"/>
+                <a:cs typeface="Arial" charset="0"/>
                 <a:sym typeface="Cabin"/>
               </a:rPr>
               <a:t>Object literal notation in JavaScript</a:t>
@@ -38519,13 +38519,13 @@
               <a:buNone/>
             </a:pPr>
             <a:r>
-              <a:rPr lang="en-US" sz="3000" b="0" i="0" u="sng" strike="noStrike" cap="none">
+              <a:rPr lang="en-US" sz="3000" u="sng" strike="noStrike" cap="none">
                 <a:solidFill>
                   <a:srgbClr val="FFFF00"/>
                 </a:solidFill>
-                <a:latin typeface="Cabin"/>
-                <a:ea typeface="Cabin"/>
-                <a:cs typeface="Cabin"/>
+                <a:latin typeface="Arial" charset="0"/>
+                <a:ea typeface="Arial" charset="0"/>
+                <a:cs typeface="Arial" charset="0"/>
                 <a:sym typeface="Cabin"/>
                 <a:hlinkClick r:id="rId3"/>
               </a:rPr>
@@ -39273,13 +39273,13 @@
               <a:buNone/>
             </a:pPr>
             <a:r>
-              <a:rPr lang="en-US" sz="3600" b="0" i="0" u="none" strike="noStrike" cap="none">
+              <a:rPr lang="en-US" sz="3600" u="none" strike="noStrike" cap="none">
                 <a:solidFill>
                   <a:srgbClr val="FF00FF"/>
                 </a:solidFill>
-                <a:latin typeface="Cabin"/>
-                <a:ea typeface="Cabin"/>
-                <a:cs typeface="Cabin"/>
+                <a:latin typeface="Arial" charset="0"/>
+                <a:ea typeface="Arial" charset="0"/>
+                <a:cs typeface="Arial" charset="0"/>
                 <a:sym typeface="Cabin"/>
               </a:rPr>
               <a:t>JSON represents data as nested </a:t>
@@ -39289,21 +39289,21 @@
                 <a:solidFill>
                   <a:srgbClr val="FF00FF"/>
                 </a:solidFill>
-                <a:latin typeface="Cabin"/>
-                <a:ea typeface="Cabin"/>
-                <a:cs typeface="Cabin"/>
+                <a:latin typeface="Arial" charset="0"/>
+                <a:ea typeface="Arial" charset="0"/>
+                <a:cs typeface="Arial" charset="0"/>
                 <a:sym typeface="Cabin"/>
               </a:rPr>
               <a:t>“</a:t>
             </a:r>
             <a:r>
-              <a:rPr lang="en-US" sz="3600" b="0" i="0" u="none" strike="noStrike" cap="none">
+              <a:rPr lang="en-US" sz="3600" u="none" strike="noStrike" cap="none">
                 <a:solidFill>
                   <a:srgbClr val="FF00FF"/>
                 </a:solidFill>
-                <a:latin typeface="Cabin"/>
-                <a:ea typeface="Cabin"/>
-                <a:cs typeface="Cabin"/>
+                <a:latin typeface="Arial" charset="0"/>
+                <a:ea typeface="Arial" charset="0"/>
+                <a:cs typeface="Arial" charset="0"/>
                 <a:sym typeface="Cabin"/>
               </a:rPr>
               <a:t>lists</a:t>
@@ -39313,21 +39313,21 @@
                 <a:solidFill>
                   <a:srgbClr val="FF00FF"/>
                 </a:solidFill>
-                <a:latin typeface="Cabin"/>
-                <a:ea typeface="Cabin"/>
-                <a:cs typeface="Cabin"/>
+                <a:latin typeface="Arial" charset="0"/>
+                <a:ea typeface="Arial" charset="0"/>
+                <a:cs typeface="Arial" charset="0"/>
                 <a:sym typeface="Cabin"/>
               </a:rPr>
               <a:t>”</a:t>
             </a:r>
             <a:r>
-              <a:rPr lang="en-US" sz="3600" b="0" i="0" u="none" strike="noStrike" cap="none">
+              <a:rPr lang="en-US" sz="3600" u="none" strike="noStrike" cap="none">
                 <a:solidFill>
                   <a:srgbClr val="FF00FF"/>
                 </a:solidFill>
-                <a:latin typeface="Cabin"/>
-                <a:ea typeface="Cabin"/>
-                <a:cs typeface="Cabin"/>
+                <a:latin typeface="Arial" charset="0"/>
+                <a:ea typeface="Arial" charset="0"/>
+                <a:cs typeface="Arial" charset="0"/>
                 <a:sym typeface="Cabin"/>
               </a:rPr>
               <a:t> and </a:t>
@@ -39337,21 +39337,21 @@
                 <a:solidFill>
                   <a:srgbClr val="FF00FF"/>
                 </a:solidFill>
-                <a:latin typeface="Cabin"/>
-                <a:ea typeface="Cabin"/>
-                <a:cs typeface="Cabin"/>
+                <a:latin typeface="Arial" charset="0"/>
+                <a:ea typeface="Arial" charset="0"/>
+                <a:cs typeface="Arial" charset="0"/>
                 <a:sym typeface="Cabin"/>
               </a:rPr>
               <a:t>“</a:t>
             </a:r>
             <a:r>
-              <a:rPr lang="en-US" sz="3600" b="0" i="0" u="none" strike="noStrike" cap="none">
+              <a:rPr lang="en-US" sz="3600" u="none" strike="noStrike" cap="none">
                 <a:solidFill>
                   <a:srgbClr val="FF00FF"/>
                 </a:solidFill>
-                <a:latin typeface="Cabin"/>
-                <a:ea typeface="Cabin"/>
-                <a:cs typeface="Cabin"/>
+                <a:latin typeface="Arial" charset="0"/>
+                <a:ea typeface="Arial" charset="0"/>
+                <a:cs typeface="Arial" charset="0"/>
                 <a:sym typeface="Cabin"/>
               </a:rPr>
               <a:t>dictionaries</a:t>
@@ -39361,9 +39361,9 @@
                 <a:solidFill>
                   <a:srgbClr val="FF00FF"/>
                 </a:solidFill>
-                <a:latin typeface="Cabin"/>
-                <a:ea typeface="Cabin"/>
-                <a:cs typeface="Cabin"/>
+                <a:latin typeface="Arial" charset="0"/>
+                <a:ea typeface="Arial" charset="0"/>
+                <a:cs typeface="Arial" charset="0"/>
                 <a:sym typeface="Cabin"/>
               </a:rPr>
               <a:t>”</a:t>
@@ -40072,13 +40072,13 @@
               <a:buNone/>
             </a:pPr>
             <a:r>
-              <a:rPr lang="en-US" sz="3600" b="0" i="0" u="none" strike="noStrike" cap="none">
+              <a:rPr lang="en-US" sz="3600" u="none" strike="noStrike" cap="none">
                 <a:solidFill>
                   <a:srgbClr val="FF00FF"/>
                 </a:solidFill>
-                <a:latin typeface="Cabin"/>
-                <a:ea typeface="Cabin"/>
-                <a:cs typeface="Cabin"/>
+                <a:latin typeface="Arial" charset="0"/>
+                <a:ea typeface="Arial" charset="0"/>
+                <a:cs typeface="Arial" charset="0"/>
                 <a:sym typeface="Cabin"/>
               </a:rPr>
               <a:t>JSON represents data as nested </a:t>
@@ -40088,21 +40088,21 @@
                 <a:solidFill>
                   <a:srgbClr val="FF00FF"/>
                 </a:solidFill>
-                <a:latin typeface="Cabin"/>
-                <a:ea typeface="Cabin"/>
-                <a:cs typeface="Cabin"/>
+                <a:latin typeface="Arial" charset="0"/>
+                <a:ea typeface="Arial" charset="0"/>
+                <a:cs typeface="Arial" charset="0"/>
                 <a:sym typeface="Cabin"/>
               </a:rPr>
               <a:t>“</a:t>
             </a:r>
             <a:r>
-              <a:rPr lang="en-US" sz="3600" b="0" i="0" u="none" strike="noStrike" cap="none">
+              <a:rPr lang="en-US" sz="3600" u="none" strike="noStrike" cap="none">
                 <a:solidFill>
                   <a:srgbClr val="FF00FF"/>
                 </a:solidFill>
-                <a:latin typeface="Cabin"/>
-                <a:ea typeface="Cabin"/>
-                <a:cs typeface="Cabin"/>
+                <a:latin typeface="Arial" charset="0"/>
+                <a:ea typeface="Arial" charset="0"/>
+                <a:cs typeface="Arial" charset="0"/>
                 <a:sym typeface="Cabin"/>
               </a:rPr>
               <a:t>lists</a:t>
@@ -40112,21 +40112,21 @@
                 <a:solidFill>
                   <a:srgbClr val="FF00FF"/>
                 </a:solidFill>
-                <a:latin typeface="Cabin"/>
-                <a:ea typeface="Cabin"/>
-                <a:cs typeface="Cabin"/>
+                <a:latin typeface="Arial" charset="0"/>
+                <a:ea typeface="Arial" charset="0"/>
+                <a:cs typeface="Arial" charset="0"/>
                 <a:sym typeface="Cabin"/>
               </a:rPr>
               <a:t>”</a:t>
             </a:r>
             <a:r>
-              <a:rPr lang="en-US" sz="3600" b="0" i="0" u="none" strike="noStrike" cap="none">
+              <a:rPr lang="en-US" sz="3600" u="none" strike="noStrike" cap="none">
                 <a:solidFill>
                   <a:srgbClr val="FF00FF"/>
                 </a:solidFill>
-                <a:latin typeface="Cabin"/>
-                <a:ea typeface="Cabin"/>
-                <a:cs typeface="Cabin"/>
+                <a:latin typeface="Arial" charset="0"/>
+                <a:ea typeface="Arial" charset="0"/>
+                <a:cs typeface="Arial" charset="0"/>
                 <a:sym typeface="Cabin"/>
               </a:rPr>
               <a:t> and </a:t>
@@ -40136,21 +40136,21 @@
                 <a:solidFill>
                   <a:srgbClr val="FF00FF"/>
                 </a:solidFill>
-                <a:latin typeface="Cabin"/>
-                <a:ea typeface="Cabin"/>
-                <a:cs typeface="Cabin"/>
+                <a:latin typeface="Arial" charset="0"/>
+                <a:ea typeface="Arial" charset="0"/>
+                <a:cs typeface="Arial" charset="0"/>
                 <a:sym typeface="Cabin"/>
               </a:rPr>
               <a:t>“</a:t>
             </a:r>
             <a:r>
-              <a:rPr lang="en-US" sz="3600" b="0" i="0" u="none" strike="noStrike" cap="none">
+              <a:rPr lang="en-US" sz="3600" u="none" strike="noStrike" cap="none">
                 <a:solidFill>
                   <a:srgbClr val="FF00FF"/>
                 </a:solidFill>
-                <a:latin typeface="Cabin"/>
-                <a:ea typeface="Cabin"/>
-                <a:cs typeface="Cabin"/>
+                <a:latin typeface="Arial" charset="0"/>
+                <a:ea typeface="Arial" charset="0"/>
+                <a:cs typeface="Arial" charset="0"/>
                 <a:sym typeface="Cabin"/>
               </a:rPr>
               <a:t>dictionaries</a:t>
@@ -40160,9 +40160,9 @@
                 <a:solidFill>
                   <a:srgbClr val="FF00FF"/>
                 </a:solidFill>
-                <a:latin typeface="Cabin"/>
-                <a:ea typeface="Cabin"/>
-                <a:cs typeface="Cabin"/>
+                <a:latin typeface="Arial" charset="0"/>
+                <a:ea typeface="Arial" charset="0"/>
+                <a:cs typeface="Arial" charset="0"/>
                 <a:sym typeface="Cabin"/>
               </a:rPr>
               <a:t>”</a:t>
@@ -40242,36 +40242,36 @@
               <a:buNone/>
             </a:pPr>
             <a:r>
-              <a:rPr lang="en-US" sz="7600" b="0" i="0" u="none" strike="noStrike" cap="none">
+              <a:rPr lang="en-US" sz="7600" u="none" strike="noStrike" cap="none">
                 <a:solidFill>
                   <a:srgbClr val="FFFF00"/>
                 </a:solidFill>
-                <a:latin typeface="Cabin"/>
-                <a:ea typeface="Cabin"/>
-                <a:cs typeface="Cabin"/>
+                <a:latin typeface="Arial" charset="0"/>
+                <a:ea typeface="Arial" charset="0"/>
+                <a:cs typeface="Arial" charset="0"/>
                 <a:sym typeface="Cabin"/>
               </a:rPr>
               <a:t/>
             </a:r>
             <a:br>
-              <a:rPr lang="en-US" sz="7600" b="0" i="0" u="none" strike="noStrike" cap="none">
+              <a:rPr lang="en-US" sz="7600" u="none" strike="noStrike" cap="none">
                 <a:solidFill>
                   <a:srgbClr val="FFFF00"/>
                 </a:solidFill>
-                <a:latin typeface="Cabin"/>
-                <a:ea typeface="Cabin"/>
-                <a:cs typeface="Cabin"/>
+                <a:latin typeface="Arial" charset="0"/>
+                <a:ea typeface="Arial" charset="0"/>
+                <a:cs typeface="Arial" charset="0"/>
                 <a:sym typeface="Cabin"/>
               </a:rPr>
             </a:br>
             <a:r>
-              <a:rPr lang="en-US" sz="7600" b="1" i="0" u="none" strike="noStrike" cap="none">
+              <a:rPr lang="en-US" sz="7600" u="none" strike="noStrike" cap="none">
                 <a:solidFill>
                   <a:srgbClr val="FFD966"/>
                 </a:solidFill>
-                <a:latin typeface="Cabin"/>
-                <a:ea typeface="Cabin"/>
-                <a:cs typeface="Cabin"/>
+                <a:latin typeface="Arial" charset="0"/>
+                <a:ea typeface="Arial" charset="0"/>
+                <a:cs typeface="Arial" charset="0"/>
                 <a:sym typeface="Cabin"/>
               </a:rPr>
               <a:t>Service Oriented Approach</a:t>
@@ -40365,13 +40365,13 @@
               <a:buNone/>
             </a:pPr>
             <a:r>
-              <a:rPr lang="en-US" sz="3000" b="0" i="0" u="sng" strike="noStrike" cap="none">
+              <a:rPr lang="en-US" sz="3000" u="sng" strike="noStrike" cap="none">
                 <a:solidFill>
                   <a:srgbClr val="FFFF00"/>
                 </a:solidFill>
-                <a:latin typeface="Cabin"/>
-                <a:ea typeface="Cabin"/>
-                <a:cs typeface="Cabin"/>
+                <a:latin typeface="Arial" charset="0"/>
+                <a:ea typeface="Arial" charset="0"/>
+                <a:cs typeface="Arial" charset="0"/>
                 <a:sym typeface="Cabin"/>
                 <a:hlinkClick r:id="rId3"/>
               </a:rPr>
@@ -40452,13 +40452,13 @@
               <a:buNone/>
             </a:pPr>
             <a:r>
-              <a:rPr lang="en-US" sz="7600" b="1" i="0" u="none" strike="noStrike" cap="none">
+              <a:rPr lang="en-US" sz="7600" u="none" strike="noStrike" cap="none">
                 <a:solidFill>
                   <a:srgbClr val="FFD966"/>
                 </a:solidFill>
-                <a:latin typeface="Cabin"/>
-                <a:ea typeface="Cabin"/>
-                <a:cs typeface="Cabin"/>
+                <a:latin typeface="Arial" charset="0"/>
+                <a:ea typeface="Arial" charset="0"/>
+                <a:cs typeface="Arial" charset="0"/>
                 <a:sym typeface="Cabin"/>
               </a:rPr>
               <a:t>Service Oriented Approach</a:t>
@@ -40509,13 +40509,13 @@
               <a:buFont typeface="Cabin"/>
             </a:pPr>
             <a:r>
-              <a:rPr lang="en-US" sz="3600" b="0" i="0" u="none" strike="noStrike" cap="none">
+              <a:rPr lang="en-US" sz="3600" u="none" strike="noStrike" cap="none">
                 <a:solidFill>
                   <a:schemeClr val="lt1"/>
                 </a:solidFill>
-                <a:latin typeface="Cabin"/>
-                <a:ea typeface="Cabin"/>
-                <a:cs typeface="Cabin"/>
+                <a:latin typeface="Arial" charset="0"/>
+                <a:ea typeface="Arial" charset="0"/>
+                <a:cs typeface="Arial" charset="0"/>
                 <a:sym typeface="Cabin"/>
               </a:rPr>
               <a:t>Most non-trivial web applications use services</a:t>
@@ -40536,13 +40536,13 @@
               <a:buFont typeface="Cabin"/>
             </a:pPr>
             <a:r>
-              <a:rPr lang="en-US" sz="3600" b="0" i="0" u="none" strike="noStrike" cap="none">
+              <a:rPr lang="en-US" sz="3600" u="none" strike="noStrike" cap="none">
                 <a:solidFill>
                   <a:schemeClr val="lt1"/>
                 </a:solidFill>
-                <a:latin typeface="Cabin"/>
-                <a:ea typeface="Cabin"/>
-                <a:cs typeface="Cabin"/>
+                <a:latin typeface="Arial" charset="0"/>
+                <a:ea typeface="Arial" charset="0"/>
+                <a:cs typeface="Arial" charset="0"/>
                 <a:sym typeface="Cabin"/>
               </a:rPr>
               <a:t>They use services from other applications</a:t>
@@ -40563,13 +40563,13 @@
               <a:buFont typeface="Cabin"/>
             </a:pPr>
             <a:r>
-              <a:rPr lang="en-US" sz="3600" b="0" i="0" u="none" strike="noStrike" cap="none">
+              <a:rPr lang="en-US" sz="3600" u="none" strike="noStrike" cap="none">
                 <a:solidFill>
                   <a:schemeClr val="lt1"/>
                 </a:solidFill>
-                <a:latin typeface="Cabin"/>
-                <a:ea typeface="Cabin"/>
-                <a:cs typeface="Cabin"/>
+                <a:latin typeface="Arial" charset="0"/>
+                <a:ea typeface="Arial" charset="0"/>
+                <a:cs typeface="Arial" charset="0"/>
                 <a:sym typeface="Cabin"/>
               </a:rPr>
               <a:t>Credit Card Charge</a:t>
@@ -40590,13 +40590,13 @@
               <a:buFont typeface="Cabin"/>
             </a:pPr>
             <a:r>
-              <a:rPr lang="en-US" sz="3600" b="0" i="0" u="none" strike="noStrike" cap="none">
+              <a:rPr lang="en-US" sz="3600" u="none" strike="noStrike" cap="none">
                 <a:solidFill>
                   <a:schemeClr val="lt1"/>
                 </a:solidFill>
-                <a:latin typeface="Cabin"/>
-                <a:ea typeface="Cabin"/>
-                <a:cs typeface="Cabin"/>
+                <a:latin typeface="Arial" charset="0"/>
+                <a:ea typeface="Arial" charset="0"/>
+                <a:cs typeface="Arial" charset="0"/>
                 <a:sym typeface="Cabin"/>
               </a:rPr>
               <a:t>Hotel Reservation systems</a:t>
@@ -40617,13 +40617,13 @@
               <a:buFont typeface="Cabin"/>
             </a:pPr>
             <a:r>
-              <a:rPr lang="en-US" sz="3600" b="0" i="0" u="none" strike="noStrike" cap="none">
+              <a:rPr lang="en-US" sz="3600" u="none" strike="noStrike" cap="none">
                 <a:solidFill>
                   <a:schemeClr val="lt1"/>
                 </a:solidFill>
-                <a:latin typeface="Cabin"/>
-                <a:ea typeface="Cabin"/>
-                <a:cs typeface="Cabin"/>
+                <a:latin typeface="Arial" charset="0"/>
+                <a:ea typeface="Arial" charset="0"/>
+                <a:cs typeface="Arial" charset="0"/>
                 <a:sym typeface="Cabin"/>
               </a:rPr>
               <a:t>Services publish the </a:t>
@@ -40633,21 +40633,21 @@
                 <a:solidFill>
                   <a:schemeClr val="lt1"/>
                 </a:solidFill>
-                <a:latin typeface="Cabin"/>
-                <a:ea typeface="Cabin"/>
-                <a:cs typeface="Cabin"/>
+                <a:latin typeface="Arial" charset="0"/>
+                <a:ea typeface="Arial" charset="0"/>
+                <a:cs typeface="Arial" charset="0"/>
                 <a:sym typeface="Cabin"/>
               </a:rPr>
               <a:t>“</a:t>
             </a:r>
             <a:r>
-              <a:rPr lang="en-US" sz="3600" b="0" i="0" u="none" strike="noStrike" cap="none">
+              <a:rPr lang="en-US" sz="3600" u="none" strike="noStrike" cap="none">
                 <a:solidFill>
                   <a:schemeClr val="lt1"/>
                 </a:solidFill>
-                <a:latin typeface="Cabin"/>
-                <a:ea typeface="Cabin"/>
-                <a:cs typeface="Cabin"/>
+                <a:latin typeface="Arial" charset="0"/>
+                <a:ea typeface="Arial" charset="0"/>
+                <a:cs typeface="Arial" charset="0"/>
                 <a:sym typeface="Cabin"/>
               </a:rPr>
               <a:t>rules</a:t>
@@ -40657,45 +40657,45 @@
                 <a:solidFill>
                   <a:schemeClr val="lt1"/>
                 </a:solidFill>
-                <a:latin typeface="Cabin"/>
-                <a:ea typeface="Cabin"/>
-                <a:cs typeface="Cabin"/>
+                <a:latin typeface="Arial" charset="0"/>
+                <a:ea typeface="Arial" charset="0"/>
+                <a:cs typeface="Arial" charset="0"/>
                 <a:sym typeface="Cabin"/>
               </a:rPr>
               <a:t>”</a:t>
             </a:r>
             <a:r>
-              <a:rPr lang="en-US" sz="3600" b="0" i="0" u="none" strike="noStrike" cap="none">
+              <a:rPr lang="en-US" sz="3600" u="none" strike="noStrike" cap="none">
                 <a:solidFill>
                   <a:schemeClr val="lt1"/>
                 </a:solidFill>
-                <a:latin typeface="Cabin"/>
-                <a:ea typeface="Cabin"/>
-                <a:cs typeface="Cabin"/>
+                <a:latin typeface="Arial" charset="0"/>
+                <a:ea typeface="Arial" charset="0"/>
+                <a:cs typeface="Arial" charset="0"/>
                 <a:sym typeface="Cabin"/>
               </a:rPr>
               <a:t> applications must follow to make use of the service (</a:t>
             </a:r>
             <a:r>
-              <a:rPr lang="en-US" sz="3600" b="0" i="0" u="none" strike="noStrike" cap="none">
+              <a:rPr lang="en-US" sz="3600" u="none" strike="noStrike" cap="none">
                 <a:solidFill>
                   <a:srgbClr val="FF7F00"/>
                 </a:solidFill>
-                <a:latin typeface="Cabin"/>
-                <a:ea typeface="Cabin"/>
-                <a:cs typeface="Cabin"/>
+                <a:latin typeface="Arial" charset="0"/>
+                <a:ea typeface="Arial" charset="0"/>
+                <a:cs typeface="Arial" charset="0"/>
                 <a:sym typeface="Cabin"/>
               </a:rPr>
               <a:t>API</a:t>
             </a:r>
             <a:r>
-              <a:rPr lang="en-US" sz="3600" b="0" i="0" u="none" strike="noStrike" cap="none">
+              <a:rPr lang="en-US" sz="3600" u="none" strike="noStrike" cap="none">
                 <a:solidFill>
                   <a:schemeClr val="lt1"/>
                 </a:solidFill>
-                <a:latin typeface="Cabin"/>
-                <a:ea typeface="Cabin"/>
-                <a:cs typeface="Cabin"/>
+                <a:latin typeface="Arial" charset="0"/>
+                <a:ea typeface="Arial" charset="0"/>
+                <a:cs typeface="Arial" charset="0"/>
                 <a:sym typeface="Cabin"/>
               </a:rPr>
               <a:t>)</a:t>
@@ -40856,13 +40856,13 @@
               <a:buNone/>
             </a:pPr>
             <a:r>
-              <a:rPr lang="en-US" sz="2600" b="0" i="0" u="none" strike="noStrike" cap="none">
+              <a:rPr lang="en-US" sz="2600" u="none" strike="noStrike" cap="none">
                 <a:solidFill>
                   <a:schemeClr val="lt1"/>
                 </a:solidFill>
-                <a:latin typeface="Cabin"/>
-                <a:ea typeface="Cabin"/>
-                <a:cs typeface="Cabin"/>
+                <a:latin typeface="Arial" charset="0"/>
+                <a:ea typeface="Arial" charset="0"/>
+                <a:cs typeface="Arial" charset="0"/>
                 <a:sym typeface="Cabin"/>
               </a:rPr>
               <a:t>Application</a:t>
@@ -40991,13 +40991,13 @@
               <a:buNone/>
             </a:pPr>
             <a:r>
-              <a:rPr lang="en-US" sz="3600" b="0" i="0" u="none" strike="noStrike" cap="none">
+              <a:rPr lang="en-US" sz="3600" u="none" strike="noStrike" cap="none">
                 <a:solidFill>
                   <a:srgbClr val="FF7F00"/>
                 </a:solidFill>
-                <a:latin typeface="Cabin"/>
-                <a:ea typeface="Cabin"/>
-                <a:cs typeface="Cabin"/>
+                <a:latin typeface="Arial" charset="0"/>
+                <a:ea typeface="Arial" charset="0"/>
+                <a:cs typeface="Arial" charset="0"/>
                 <a:sym typeface="Cabin"/>
               </a:rPr>
               <a:t>APIs</a:t>
@@ -41048,13 +41048,13 @@
               <a:buNone/>
             </a:pPr>
             <a:r>
-              <a:rPr lang="en-US" sz="3600" b="0" i="0" u="none" strike="noStrike" cap="none">
+              <a:rPr lang="en-US" sz="3600" u="none" strike="noStrike" cap="none">
                 <a:solidFill>
                   <a:srgbClr val="3397B7"/>
                 </a:solidFill>
-                <a:latin typeface="Cabin"/>
-                <a:ea typeface="Cabin"/>
-                <a:cs typeface="Cabin"/>
+                <a:latin typeface="Arial" charset="0"/>
+                <a:ea typeface="Arial" charset="0"/>
+                <a:cs typeface="Arial" charset="0"/>
                 <a:sym typeface="Cabin"/>
               </a:rPr>
               <a:t>Service</a:t>
@@ -41105,13 +41105,13 @@
               <a:buNone/>
             </a:pPr>
             <a:r>
-              <a:rPr lang="en-US" sz="3600" b="0" i="0" u="none" strike="noStrike" cap="none">
+              <a:rPr lang="en-US" sz="3600" u="none" strike="noStrike" cap="none">
                 <a:solidFill>
                   <a:srgbClr val="3397B7"/>
                 </a:solidFill>
-                <a:latin typeface="Cabin"/>
-                <a:ea typeface="Cabin"/>
-                <a:cs typeface="Cabin"/>
+                <a:latin typeface="Arial" charset="0"/>
+                <a:ea typeface="Arial" charset="0"/>
+                <a:cs typeface="Arial" charset="0"/>
                 <a:sym typeface="Cabin"/>
               </a:rPr>
               <a:t>Service</a:t>
@@ -41191,13 +41191,13 @@
               <a:buNone/>
             </a:pPr>
             <a:r>
-              <a:rPr lang="en-US" sz="7600" b="1" i="0" u="none" strike="noStrike" cap="none">
+              <a:rPr lang="en-US" sz="7600" u="none" strike="noStrike" cap="none">
                 <a:solidFill>
                   <a:srgbClr val="FFD966"/>
                 </a:solidFill>
-                <a:latin typeface="Cabin"/>
-                <a:ea typeface="Cabin"/>
-                <a:cs typeface="Cabin"/>
+                <a:latin typeface="Arial" charset="0"/>
+                <a:ea typeface="Arial" charset="0"/>
+                <a:cs typeface="Arial" charset="0"/>
                 <a:sym typeface="Cabin"/>
               </a:rPr>
               <a:t>Multiple Systems</a:t>
@@ -41248,13 +41248,13 @@
               <a:buFont typeface="Cabin"/>
             </a:pPr>
             <a:r>
-              <a:rPr lang="en-US" sz="3600" b="0" i="0" u="none" strike="noStrike" cap="none">
+              <a:rPr lang="en-US" sz="3600" u="none" strike="noStrike" cap="none">
                 <a:solidFill>
                   <a:schemeClr val="lt1"/>
                 </a:solidFill>
-                <a:latin typeface="Cabin"/>
-                <a:ea typeface="Cabin"/>
-                <a:cs typeface="Cabin"/>
+                <a:latin typeface="Arial" charset="0"/>
+                <a:ea typeface="Arial" charset="0"/>
+                <a:cs typeface="Arial" charset="0"/>
                 <a:sym typeface="Cabin"/>
               </a:rPr>
               <a:t>Initially - two systems cooperate and split the problem</a:t>
@@ -41275,13 +41275,13 @@
               <a:buFont typeface="Cabin"/>
             </a:pPr>
             <a:r>
-              <a:rPr lang="en-US" sz="3600" b="0" i="0" u="none" strike="noStrike" cap="none">
+              <a:rPr lang="en-US" sz="3600" u="none" strike="noStrike" cap="none">
                 <a:solidFill>
                   <a:schemeClr val="lt1"/>
                 </a:solidFill>
-                <a:latin typeface="Cabin"/>
-                <a:ea typeface="Cabin"/>
-                <a:cs typeface="Cabin"/>
+                <a:latin typeface="Arial" charset="0"/>
+                <a:ea typeface="Arial" charset="0"/>
+                <a:cs typeface="Arial" charset="0"/>
                 <a:sym typeface="Cabin"/>
               </a:rPr>
               <a:t>As the data/service becomes useful - multiple applications want to use the information / application</a:t>
@@ -41359,13 +41359,13 @@
               <a:buNone/>
             </a:pPr>
             <a:r>
-              <a:rPr lang="en-US" sz="3000" b="0" i="0" u="sng" strike="noStrike" cap="none">
+              <a:rPr lang="en-US" sz="3000" u="sng" strike="noStrike" cap="none">
                 <a:solidFill>
                   <a:srgbClr val="FFFF00"/>
                 </a:solidFill>
-                <a:latin typeface="Cabin"/>
-                <a:ea typeface="Cabin"/>
-                <a:cs typeface="Cabin"/>
+                <a:latin typeface="Arial" charset="0"/>
+                <a:ea typeface="Arial" charset="0"/>
+                <a:cs typeface="Arial" charset="0"/>
                 <a:sym typeface="Cabin"/>
                 <a:hlinkClick r:id="rId4"/>
               </a:rPr>
@@ -41417,13 +41417,13 @@
               <a:buNone/>
             </a:pPr>
             <a:r>
-              <a:rPr lang="en-US" sz="3600" b="0" i="0" u="none" strike="noStrike" cap="none">
+              <a:rPr lang="en-US" sz="3600" u="none" strike="noStrike" cap="none">
                 <a:solidFill>
                   <a:schemeClr val="lt1"/>
                 </a:solidFill>
-                <a:latin typeface="Cabin"/>
-                <a:ea typeface="Cabin"/>
-                <a:cs typeface="Cabin"/>
+                <a:latin typeface="Arial" charset="0"/>
+                <a:ea typeface="Arial" charset="0"/>
+                <a:cs typeface="Arial" charset="0"/>
                 <a:sym typeface="Cabin"/>
               </a:rPr>
               <a:t>5:15</a:t>
@@ -41503,36 +41503,36 @@
               <a:buNone/>
             </a:pPr>
             <a:r>
-              <a:rPr lang="en-US" sz="7600" b="0" i="0" u="none" strike="noStrike" cap="none">
+              <a:rPr lang="en-US" sz="7600" u="none" strike="noStrike" cap="none">
                 <a:solidFill>
                   <a:srgbClr val="00FF00"/>
                 </a:solidFill>
-                <a:latin typeface="Cabin"/>
-                <a:ea typeface="Cabin"/>
-                <a:cs typeface="Cabin"/>
+                <a:latin typeface="Arial" charset="0"/>
+                <a:ea typeface="Arial" charset="0"/>
+                <a:cs typeface="Arial" charset="0"/>
                 <a:sym typeface="Cabin"/>
               </a:rPr>
               <a:t/>
             </a:r>
             <a:br>
-              <a:rPr lang="en-US" sz="7600" b="0" i="0" u="none" strike="noStrike" cap="none">
+              <a:rPr lang="en-US" sz="7600" u="none" strike="noStrike" cap="none">
                 <a:solidFill>
                   <a:srgbClr val="00FF00"/>
                 </a:solidFill>
-                <a:latin typeface="Cabin"/>
-                <a:ea typeface="Cabin"/>
-                <a:cs typeface="Cabin"/>
+                <a:latin typeface="Arial" charset="0"/>
+                <a:ea typeface="Arial" charset="0"/>
+                <a:cs typeface="Arial" charset="0"/>
                 <a:sym typeface="Cabin"/>
               </a:rPr>
             </a:br>
             <a:r>
-              <a:rPr lang="en-US" sz="7600" b="1" i="0" u="none" strike="noStrike" cap="none">
+              <a:rPr lang="en-US" sz="7600" u="none" strike="noStrike" cap="none">
                 <a:solidFill>
                   <a:srgbClr val="FFD966"/>
                 </a:solidFill>
-                <a:latin typeface="Cabin"/>
-                <a:ea typeface="Cabin"/>
-                <a:cs typeface="Cabin"/>
+                <a:latin typeface="Arial" charset="0"/>
+                <a:ea typeface="Arial" charset="0"/>
+                <a:cs typeface="Arial" charset="0"/>
                 <a:sym typeface="Cabin"/>
               </a:rPr>
               <a:t>Web Services</a:t>
@@ -41626,13 +41626,13 @@
               <a:buNone/>
             </a:pPr>
             <a:r>
-              <a:rPr lang="en-US" sz="3000" b="0" i="0" u="sng" strike="noStrike" cap="none">
+              <a:rPr lang="en-US" sz="3000" u="sng" strike="noStrike" cap="none">
                 <a:solidFill>
                   <a:srgbClr val="FFFF00"/>
                 </a:solidFill>
-                <a:latin typeface="Cabin"/>
-                <a:ea typeface="Cabin"/>
-                <a:cs typeface="Cabin"/>
+                <a:latin typeface="Arial" charset="0"/>
+                <a:ea typeface="Arial" charset="0"/>
+                <a:cs typeface="Arial" charset="0"/>
                 <a:sym typeface="Cabin"/>
                 <a:hlinkClick r:id="rId3"/>
               </a:rPr>
@@ -41713,13 +41713,13 @@
               <a:buNone/>
             </a:pPr>
             <a:r>
-              <a:rPr lang="en-US" sz="7600" b="1" i="0" u="none" strike="noStrike" cap="none">
+              <a:rPr lang="en-US" sz="7600" u="none" strike="noStrike" cap="none">
                 <a:solidFill>
                   <a:srgbClr val="FFD966"/>
                 </a:solidFill>
-                <a:latin typeface="Cabin"/>
-                <a:ea typeface="Cabin"/>
-                <a:cs typeface="Cabin"/>
+                <a:latin typeface="Arial" charset="0"/>
+                <a:ea typeface="Arial" charset="0"/>
+                <a:cs typeface="Arial" charset="0"/>
                 <a:sym typeface="Cabin"/>
               </a:rPr>
               <a:t>Agreeing on a </a:t>
@@ -41737,13 +41737,13 @@
               <a:t>“</a:t>
             </a:r>
             <a:r>
-              <a:rPr lang="en-US" sz="7600" b="1" i="0" u="none" strike="noStrike" cap="none">
+              <a:rPr lang="en-US" sz="7600" u="none" strike="noStrike" cap="none">
                 <a:solidFill>
                   <a:srgbClr val="FFD966"/>
                 </a:solidFill>
-                <a:latin typeface="Cabin"/>
-                <a:ea typeface="Cabin"/>
-                <a:cs typeface="Cabin"/>
+                <a:latin typeface="Arial" charset="0"/>
+                <a:ea typeface="Arial" charset="0"/>
+                <a:cs typeface="Arial" charset="0"/>
                 <a:sym typeface="Cabin"/>
               </a:rPr>
               <a:t>Wire Format</a:t>
@@ -41812,13 +41812,13 @@
               <a:buNone/>
             </a:pPr>
             <a:r>
-              <a:rPr lang="en-US" sz="4700" b="0" i="0" u="none" strike="noStrike" cap="none">
+              <a:rPr lang="en-US" sz="4700" u="none" strike="noStrike" cap="none">
                 <a:solidFill>
                   <a:schemeClr val="lt1"/>
                 </a:solidFill>
-                <a:latin typeface="Cabin"/>
-                <a:ea typeface="Cabin"/>
-                <a:cs typeface="Cabin"/>
+                <a:latin typeface="Arial" charset="0"/>
+                <a:ea typeface="Arial" charset="0"/>
+                <a:cs typeface="Arial" charset="0"/>
                 <a:sym typeface="Cabin"/>
               </a:rPr>
               <a:t>Python</a:t>
@@ -41843,13 +41843,13 @@
               <a:buNone/>
             </a:pPr>
             <a:r>
-              <a:rPr lang="en-US" sz="4700" b="0" i="0" u="none" strike="noStrike" cap="none">
+              <a:rPr lang="en-US" sz="4700" u="none" strike="noStrike" cap="none">
                 <a:solidFill>
                   <a:schemeClr val="lt1"/>
                 </a:solidFill>
-                <a:latin typeface="Cabin"/>
-                <a:ea typeface="Cabin"/>
-                <a:cs typeface="Cabin"/>
+                <a:latin typeface="Arial" charset="0"/>
+                <a:ea typeface="Arial" charset="0"/>
+                <a:cs typeface="Arial" charset="0"/>
                 <a:sym typeface="Cabin"/>
               </a:rPr>
               <a:t>Dictionary</a:t>
@@ -41906,13 +41906,13 @@
               <a:buNone/>
             </a:pPr>
             <a:r>
-              <a:rPr lang="en-US" sz="4700" b="0" i="0" u="none" strike="noStrike" cap="none">
+              <a:rPr lang="en-US" sz="4700" u="none" strike="noStrike" cap="none">
                 <a:solidFill>
                   <a:schemeClr val="lt1"/>
                 </a:solidFill>
-                <a:latin typeface="Cabin"/>
-                <a:ea typeface="Cabin"/>
-                <a:cs typeface="Cabin"/>
+                <a:latin typeface="Arial" charset="0"/>
+                <a:ea typeface="Arial" charset="0"/>
+                <a:cs typeface="Arial" charset="0"/>
                 <a:sym typeface="Cabin"/>
               </a:rPr>
               <a:t>Java</a:t>
@@ -41937,13 +41937,13 @@
               <a:buNone/>
             </a:pPr>
             <a:r>
-              <a:rPr lang="en-US" sz="4700" b="0" i="0" u="none" strike="noStrike" cap="none">
+              <a:rPr lang="en-US" sz="4700" u="none" strike="noStrike" cap="none">
                 <a:solidFill>
                   <a:schemeClr val="lt1"/>
                 </a:solidFill>
-                <a:latin typeface="Cabin"/>
-                <a:ea typeface="Cabin"/>
-                <a:cs typeface="Cabin"/>
+                <a:latin typeface="Arial" charset="0"/>
+                <a:ea typeface="Arial" charset="0"/>
+                <a:cs typeface="Arial" charset="0"/>
                 <a:sym typeface="Cabin"/>
               </a:rPr>
               <a:t>HashMap</a:t>
@@ -41994,13 +41994,13 @@
               <a:buNone/>
             </a:pPr>
             <a:r>
-              <a:rPr lang="en-US" sz="3600" b="0" i="0" u="none" strike="noStrike" cap="none">
+              <a:rPr lang="en-US" sz="3600" u="none" strike="noStrike" cap="none">
                 <a:solidFill>
                   <a:schemeClr val="lt1"/>
                 </a:solidFill>
-                <a:latin typeface="Cabin"/>
-                <a:ea typeface="Cabin"/>
-                <a:cs typeface="Cabin"/>
+                <a:latin typeface="Arial" charset="0"/>
+                <a:ea typeface="Arial" charset="0"/>
+                <a:cs typeface="Arial" charset="0"/>
                 <a:sym typeface="Cabin"/>
               </a:rPr>
               <a:t>Serialize</a:t>
@@ -42051,13 +42051,13 @@
               <a:buNone/>
             </a:pPr>
             <a:r>
-              <a:rPr lang="en-US" sz="3800" b="0" i="0" u="none" strike="noStrike" cap="none">
+              <a:rPr lang="en-US" sz="3800" u="none" strike="noStrike" cap="none">
                 <a:solidFill>
                   <a:srgbClr val="00FF00"/>
                 </a:solidFill>
-                <a:latin typeface="Cabin"/>
-                <a:ea typeface="Cabin"/>
-                <a:cs typeface="Cabin"/>
+                <a:latin typeface="Arial" charset="0"/>
+                <a:ea typeface="Arial" charset="0"/>
+                <a:cs typeface="Arial" charset="0"/>
                 <a:sym typeface="Cabin"/>
               </a:rPr>
               <a:t>&lt;person&gt;</a:t>
@@ -42082,13 +42082,13 @@
               <a:buNone/>
             </a:pPr>
             <a:r>
-              <a:rPr lang="en-US" sz="3800" b="0" i="0" u="none" strike="noStrike" cap="none">
+              <a:rPr lang="en-US" sz="3800" u="none" strike="noStrike" cap="none">
                 <a:solidFill>
                   <a:srgbClr val="00FF00"/>
                 </a:solidFill>
-                <a:latin typeface="Cabin"/>
-                <a:ea typeface="Cabin"/>
-                <a:cs typeface="Cabin"/>
+                <a:latin typeface="Arial" charset="0"/>
+                <a:ea typeface="Arial" charset="0"/>
+                <a:cs typeface="Arial" charset="0"/>
                 <a:sym typeface="Cabin"/>
               </a:rPr>
               <a:t>   &lt;name&gt;</a:t>
@@ -42113,13 +42113,13 @@
               <a:buNone/>
             </a:pPr>
             <a:r>
-              <a:rPr lang="en-US" sz="3800" b="0" i="0" u="none" strike="noStrike" cap="none">
+              <a:rPr lang="en-US" sz="3800" u="none" strike="noStrike" cap="none">
                 <a:solidFill>
                   <a:srgbClr val="00FF00"/>
                 </a:solidFill>
-                <a:latin typeface="Cabin"/>
-                <a:ea typeface="Cabin"/>
-                <a:cs typeface="Cabin"/>
+                <a:latin typeface="Arial" charset="0"/>
+                <a:ea typeface="Arial" charset="0"/>
+                <a:cs typeface="Arial" charset="0"/>
                 <a:sym typeface="Cabin"/>
               </a:rPr>
               <a:t>      Chuck</a:t>
@@ -42144,13 +42144,13 @@
               <a:buNone/>
             </a:pPr>
             <a:r>
-              <a:rPr lang="en-US" sz="3800" b="0" i="0" u="none" strike="noStrike" cap="none">
+              <a:rPr lang="en-US" sz="3800" u="none" strike="noStrike" cap="none">
                 <a:solidFill>
                   <a:srgbClr val="00FF00"/>
                 </a:solidFill>
-                <a:latin typeface="Cabin"/>
-                <a:ea typeface="Cabin"/>
-                <a:cs typeface="Cabin"/>
+                <a:latin typeface="Arial" charset="0"/>
+                <a:ea typeface="Arial" charset="0"/>
+                <a:cs typeface="Arial" charset="0"/>
                 <a:sym typeface="Cabin"/>
               </a:rPr>
               <a:t>   &lt;/name&gt;</a:t>
@@ -42175,13 +42175,13 @@
               <a:buNone/>
             </a:pPr>
             <a:r>
-              <a:rPr lang="en-US" sz="3800" b="0" i="0" u="none" strike="noStrike" cap="none">
+              <a:rPr lang="en-US" sz="3800" u="none" strike="noStrike" cap="none">
                 <a:solidFill>
                   <a:srgbClr val="00FF00"/>
                 </a:solidFill>
-                <a:latin typeface="Cabin"/>
-                <a:ea typeface="Cabin"/>
-                <a:cs typeface="Cabin"/>
+                <a:latin typeface="Arial" charset="0"/>
+                <a:ea typeface="Arial" charset="0"/>
+                <a:cs typeface="Arial" charset="0"/>
                 <a:sym typeface="Cabin"/>
               </a:rPr>
               <a:t>   &lt;phone&gt;</a:t>
@@ -42206,13 +42206,13 @@
               <a:buNone/>
             </a:pPr>
             <a:r>
-              <a:rPr lang="en-US" sz="3800" b="0" i="0" u="none" strike="noStrike" cap="none">
+              <a:rPr lang="en-US" sz="3800" u="none" strike="noStrike" cap="none">
                 <a:solidFill>
                   <a:srgbClr val="00FF00"/>
                 </a:solidFill>
-                <a:latin typeface="Cabin"/>
-                <a:ea typeface="Cabin"/>
-                <a:cs typeface="Cabin"/>
+                <a:latin typeface="Arial" charset="0"/>
+                <a:ea typeface="Arial" charset="0"/>
+                <a:cs typeface="Arial" charset="0"/>
                 <a:sym typeface="Cabin"/>
               </a:rPr>
               <a:t>      303 4456</a:t>
@@ -42237,13 +42237,13 @@
               <a:buNone/>
             </a:pPr>
             <a:r>
-              <a:rPr lang="en-US" sz="3800" b="0" i="0" u="none" strike="noStrike" cap="none">
+              <a:rPr lang="en-US" sz="3800" u="none" strike="noStrike" cap="none">
                 <a:solidFill>
                   <a:srgbClr val="00FF00"/>
                 </a:solidFill>
-                <a:latin typeface="Cabin"/>
-                <a:ea typeface="Cabin"/>
-                <a:cs typeface="Cabin"/>
+                <a:latin typeface="Arial" charset="0"/>
+                <a:ea typeface="Arial" charset="0"/>
+                <a:cs typeface="Arial" charset="0"/>
                 <a:sym typeface="Cabin"/>
               </a:rPr>
               <a:t>   &lt;/phone&gt;</a:t>
@@ -42268,13 +42268,13 @@
               <a:buNone/>
             </a:pPr>
             <a:r>
-              <a:rPr lang="en-US" sz="3800" b="0" i="0" u="none" strike="noStrike" cap="none">
+              <a:rPr lang="en-US" sz="3800" u="none" strike="noStrike" cap="none">
                 <a:solidFill>
                   <a:srgbClr val="00FF00"/>
                 </a:solidFill>
-                <a:latin typeface="Cabin"/>
-                <a:ea typeface="Cabin"/>
-                <a:cs typeface="Cabin"/>
+                <a:latin typeface="Arial" charset="0"/>
+                <a:ea typeface="Arial" charset="0"/>
+                <a:cs typeface="Arial" charset="0"/>
                 <a:sym typeface="Cabin"/>
               </a:rPr>
               <a:t>&lt;/person&gt;</a:t>
@@ -42325,13 +42325,13 @@
               <a:buNone/>
             </a:pPr>
             <a:r>
-              <a:rPr lang="en-US" sz="3600" b="0" i="0" u="none" strike="noStrike" cap="none">
+              <a:rPr lang="en-US" sz="3600" u="none" strike="noStrike" cap="none">
                 <a:solidFill>
                   <a:schemeClr val="lt1"/>
                 </a:solidFill>
-                <a:latin typeface="Cabin"/>
-                <a:ea typeface="Cabin"/>
-                <a:cs typeface="Cabin"/>
+                <a:latin typeface="Arial" charset="0"/>
+                <a:ea typeface="Arial" charset="0"/>
+                <a:cs typeface="Arial" charset="0"/>
                 <a:sym typeface="Cabin"/>
               </a:rPr>
               <a:t>De-Serialize</a:t>
@@ -42382,13 +42382,13 @@
               <a:buNone/>
             </a:pPr>
             <a:r>
-              <a:rPr lang="en-US" sz="3600" b="0" i="0" u="none" strike="noStrike" cap="none">
+              <a:rPr lang="en-US" sz="3600" u="none" strike="noStrike" cap="none">
                 <a:solidFill>
                   <a:schemeClr val="lt1"/>
                 </a:solidFill>
-                <a:latin typeface="Cabin"/>
-                <a:ea typeface="Cabin"/>
-                <a:cs typeface="Cabin"/>
+                <a:latin typeface="Arial" charset="0"/>
+                <a:ea typeface="Arial" charset="0"/>
+                <a:cs typeface="Arial" charset="0"/>
                 <a:sym typeface="Cabin"/>
               </a:rPr>
               <a:t>XML</a:t>
@@ -42570,13 +42570,13 @@
               <a:buNone/>
             </a:pPr>
             <a:r>
-              <a:rPr lang="en-US" sz="7600" b="1" i="0" u="none" strike="noStrike" cap="none">
+              <a:rPr lang="en-US" sz="7600" u="none" strike="noStrike" cap="none">
                 <a:solidFill>
                   <a:srgbClr val="FFD966"/>
                 </a:solidFill>
-                <a:latin typeface="Cabin"/>
-                <a:ea typeface="Cabin"/>
-                <a:cs typeface="Cabin"/>
+                <a:latin typeface="Arial" charset="0"/>
+                <a:ea typeface="Arial" charset="0"/>
+                <a:cs typeface="Arial" charset="0"/>
                 <a:sym typeface="Cabin"/>
               </a:rPr>
               <a:t>Application Program Interface</a:t>
@@ -42627,13 +42627,13 @@
               <a:buNone/>
             </a:pPr>
             <a:r>
-              <a:rPr lang="en-US" sz="3000" b="0" i="0" u="sng" strike="noStrike" cap="none">
+              <a:rPr lang="en-US" sz="3000" u="sng" strike="noStrike" cap="none">
                 <a:solidFill>
                   <a:srgbClr val="FFFF00"/>
                 </a:solidFill>
-                <a:latin typeface="Cabin"/>
-                <a:ea typeface="Cabin"/>
-                <a:cs typeface="Cabin"/>
+                <a:latin typeface="Arial" charset="0"/>
+                <a:ea typeface="Arial" charset="0"/>
+                <a:cs typeface="Arial" charset="0"/>
                 <a:sym typeface="Cabin"/>
                 <a:hlinkClick r:id="rId3"/>
               </a:rPr>
@@ -42685,13 +42685,13 @@
               <a:buNone/>
             </a:pPr>
             <a:r>
-              <a:rPr lang="en-US" sz="3600" b="0" i="0" u="none" strike="noStrike" cap="none">
+              <a:rPr lang="en-US" sz="3600" u="none" strike="noStrike" cap="none">
                 <a:solidFill>
                   <a:schemeClr val="lt1"/>
                 </a:solidFill>
-                <a:latin typeface="Cabin"/>
-                <a:ea typeface="Cabin"/>
-                <a:cs typeface="Cabin"/>
+                <a:latin typeface="Arial" charset="0"/>
+                <a:ea typeface="Arial" charset="0"/>
+                <a:cs typeface="Arial" charset="0"/>
                 <a:sym typeface="Cabin"/>
               </a:rPr>
               <a:t>Text</a:t>
@@ -42742,13 +42742,13 @@
               <a:buNone/>
             </a:pPr>
             <a:r>
-              <a:rPr lang="en-US" sz="3900" b="0" i="1" u="none" strike="noStrike" cap="none">
+              <a:rPr lang="en-US" sz="3900" u="none" strike="noStrike" cap="none">
                 <a:solidFill>
                   <a:srgbClr val="FFFFFF"/>
                 </a:solidFill>
-                <a:latin typeface="Cabin"/>
-                <a:ea typeface="Cabin"/>
-                <a:cs typeface="Cabin"/>
+                <a:latin typeface="Arial" charset="0"/>
+                <a:ea typeface="Arial" charset="0"/>
+                <a:cs typeface="Arial" charset="0"/>
                 <a:sym typeface="Cabin"/>
               </a:rPr>
               <a:t>The API itself is largely abstract in that it specifies an interface and controls the behavior of the objects specified in that interface. The software that provides the functionality described by an API is said to be an </a:t>
@@ -42766,13 +42766,13 @@
               <a:t>“</a:t>
             </a:r>
             <a:r>
-              <a:rPr lang="en-US" sz="3900" b="0" i="1" u="none" strike="noStrike" cap="none">
+              <a:rPr lang="en-US" sz="3900" u="none" strike="noStrike" cap="none">
                 <a:solidFill>
                   <a:srgbClr val="FFFFFF"/>
                 </a:solidFill>
-                <a:latin typeface="Cabin"/>
-                <a:ea typeface="Cabin"/>
-                <a:cs typeface="Cabin"/>
+                <a:latin typeface="Arial" charset="0"/>
+                <a:ea typeface="Arial" charset="0"/>
+                <a:cs typeface="Arial" charset="0"/>
                 <a:sym typeface="Cabin"/>
               </a:rPr>
               <a:t>implementation</a:t>
@@ -42790,13 +42790,13 @@
               <a:t>”</a:t>
             </a:r>
             <a:r>
-              <a:rPr lang="en-US" sz="3900" b="0" i="1" u="none" strike="noStrike" cap="none">
+              <a:rPr lang="en-US" sz="3900" u="none" strike="noStrike" cap="none">
                 <a:solidFill>
                   <a:srgbClr val="FFFFFF"/>
                 </a:solidFill>
-                <a:latin typeface="Cabin"/>
-                <a:ea typeface="Cabin"/>
-                <a:cs typeface="Cabin"/>
+                <a:latin typeface="Arial" charset="0"/>
+                <a:ea typeface="Arial" charset="0"/>
+                <a:cs typeface="Arial" charset="0"/>
                 <a:sym typeface="Cabin"/>
               </a:rPr>
               <a:t> of the API.   An API is typically defined in terms of the programming language used to build an application. </a:t>
@@ -42876,13 +42876,13 @@
               <a:buNone/>
             </a:pPr>
             <a:r>
-              <a:rPr lang="en-US" sz="7600" b="1" i="0" u="none" strike="noStrike" cap="none">
+              <a:rPr lang="en-US" sz="7600" u="none" strike="noStrike" cap="none">
                 <a:solidFill>
                   <a:srgbClr val="FFD966"/>
                 </a:solidFill>
-                <a:latin typeface="Cabin"/>
-                <a:ea typeface="Cabin"/>
-                <a:cs typeface="Cabin"/>
+                <a:latin typeface="Arial" charset="0"/>
+                <a:ea typeface="Arial" charset="0"/>
+                <a:cs typeface="Arial" charset="0"/>
                 <a:sym typeface="Cabin"/>
               </a:rPr>
               <a:t>Web Service Technologies</a:t>
@@ -42932,25 +42932,25 @@
               <a:buSzPct val="100000"/>
             </a:pPr>
             <a:r>
-              <a:rPr lang="en-US" sz="3600" b="0" i="0" u="none" strike="noStrike" cap="none">
+              <a:rPr lang="en-US" sz="3600" u="none" strike="noStrike" cap="none">
                 <a:solidFill>
                   <a:srgbClr val="FFFF00"/>
                 </a:solidFill>
-                <a:latin typeface="Cabin"/>
-                <a:ea typeface="Cabin"/>
-                <a:cs typeface="Cabin"/>
+                <a:latin typeface="Arial" charset="0"/>
+                <a:ea typeface="Arial" charset="0"/>
+                <a:cs typeface="Arial" charset="0"/>
                 <a:sym typeface="Cabin"/>
               </a:rPr>
               <a:t>SOAP</a:t>
             </a:r>
             <a:r>
-              <a:rPr lang="en-US" sz="3600" b="0" i="0" u="none" strike="noStrike" cap="none">
+              <a:rPr lang="en-US" sz="3600" u="none" strike="noStrike" cap="none">
                 <a:solidFill>
                   <a:schemeClr val="lt1"/>
                 </a:solidFill>
-                <a:latin typeface="Cabin"/>
-                <a:ea typeface="Cabin"/>
-                <a:cs typeface="Cabin"/>
+                <a:latin typeface="Arial" charset="0"/>
+                <a:ea typeface="Arial" charset="0"/>
+                <a:cs typeface="Arial" charset="0"/>
                 <a:sym typeface="Cabin"/>
               </a:rPr>
               <a:t> - Simple Object Access Protocol (software)</a:t>
@@ -42970,13 +42970,13 @@
               <a:buSzPct val="100000"/>
             </a:pPr>
             <a:r>
-              <a:rPr lang="en-US" sz="3600" b="0" i="0" u="none" strike="noStrike" cap="none">
+              <a:rPr lang="en-US" sz="3600" u="none" strike="noStrike" cap="none">
                 <a:solidFill>
                   <a:schemeClr val="lt1"/>
                 </a:solidFill>
-                <a:latin typeface="Cabin"/>
-                <a:ea typeface="Cabin"/>
-                <a:cs typeface="Cabin"/>
+                <a:latin typeface="Arial" charset="0"/>
+                <a:ea typeface="Arial" charset="0"/>
+                <a:cs typeface="Arial" charset="0"/>
                 <a:sym typeface="Cabin"/>
               </a:rPr>
               <a:t>Remote programs/code which we use over the network</a:t>
@@ -42996,13 +42996,13 @@
               <a:buSzPct val="100000"/>
             </a:pPr>
             <a:r>
-              <a:rPr lang="en-US" sz="3600" b="0" i="0" u="none" strike="noStrike" cap="none">
+              <a:rPr lang="en-US" sz="3600" u="none" strike="noStrike" cap="none">
                 <a:solidFill>
                   <a:schemeClr val="lt1"/>
                 </a:solidFill>
-                <a:latin typeface="Cabin"/>
-                <a:ea typeface="Cabin"/>
-                <a:cs typeface="Cabin"/>
+                <a:latin typeface="Arial" charset="0"/>
+                <a:ea typeface="Arial" charset="0"/>
+                <a:cs typeface="Arial" charset="0"/>
                 <a:sym typeface="Cabin"/>
               </a:rPr>
               <a:t>Note: Dr. Chuck does not like SOAP because it is overly complex</a:t>
@@ -43022,25 +43022,25 @@
               <a:buSzPct val="100000"/>
             </a:pPr>
             <a:r>
-              <a:rPr lang="en-US" sz="3600" b="0" i="0" u="none" strike="noStrike" cap="none">
+              <a:rPr lang="en-US" sz="3600" u="none" strike="noStrike" cap="none">
                 <a:solidFill>
                   <a:srgbClr val="FFFF00"/>
                 </a:solidFill>
-                <a:latin typeface="Cabin"/>
-                <a:ea typeface="Cabin"/>
-                <a:cs typeface="Cabin"/>
+                <a:latin typeface="Arial" charset="0"/>
+                <a:ea typeface="Arial" charset="0"/>
+                <a:cs typeface="Arial" charset="0"/>
                 <a:sym typeface="Cabin"/>
               </a:rPr>
               <a:t>REST</a:t>
             </a:r>
             <a:r>
-              <a:rPr lang="en-US" sz="3600" b="0" i="0" u="none" strike="noStrike" cap="none">
+              <a:rPr lang="en-US" sz="3600" u="none" strike="noStrike" cap="none">
                 <a:solidFill>
                   <a:schemeClr val="lt1"/>
                 </a:solidFill>
-                <a:latin typeface="Cabin"/>
-                <a:ea typeface="Cabin"/>
-                <a:cs typeface="Cabin"/>
+                <a:latin typeface="Arial" charset="0"/>
+                <a:ea typeface="Arial" charset="0"/>
+                <a:cs typeface="Arial" charset="0"/>
                 <a:sym typeface="Cabin"/>
               </a:rPr>
               <a:t> - Representational State Transfer (resource focused)</a:t>
@@ -43060,13 +43060,13 @@
               <a:buSzPct val="100000"/>
             </a:pPr>
             <a:r>
-              <a:rPr lang="en-US" sz="3600" b="0" i="0" u="none" strike="noStrike" cap="none">
+              <a:rPr lang="en-US" sz="3600" u="none" strike="noStrike" cap="none">
                 <a:solidFill>
                   <a:schemeClr val="lt1"/>
                 </a:solidFill>
-                <a:latin typeface="Cabin"/>
-                <a:ea typeface="Cabin"/>
-                <a:cs typeface="Cabin"/>
+                <a:latin typeface="Arial" charset="0"/>
+                <a:ea typeface="Arial" charset="0"/>
+                <a:cs typeface="Arial" charset="0"/>
                 <a:sym typeface="Cabin"/>
               </a:rPr>
               <a:t>Remote resources which we create, read, update and delete remotely</a:t>
@@ -43117,13 +43117,13 @@
               <a:buNone/>
             </a:pPr>
             <a:r>
-              <a:rPr lang="en-US" sz="3000" b="0" i="0" u="sng" strike="noStrike" cap="none">
+              <a:rPr lang="en-US" sz="3000" u="sng" strike="noStrike" cap="none">
                 <a:solidFill>
                   <a:srgbClr val="FFFF00"/>
                 </a:solidFill>
-                <a:latin typeface="Cabin"/>
-                <a:ea typeface="Cabin"/>
-                <a:cs typeface="Cabin"/>
+                <a:latin typeface="Arial" charset="0"/>
+                <a:ea typeface="Arial" charset="0"/>
+                <a:cs typeface="Arial" charset="0"/>
                 <a:sym typeface="Cabin"/>
                 <a:hlinkClick r:id="rId3"/>
               </a:rPr>
@@ -43175,13 +43175,13 @@
               <a:buNone/>
             </a:pPr>
             <a:r>
-              <a:rPr lang="en-US" sz="3000" b="0" i="0" u="sng" strike="noStrike" cap="none">
+              <a:rPr lang="en-US" sz="3000" u="sng" strike="noStrike" cap="none">
                 <a:solidFill>
                   <a:srgbClr val="FFFF00"/>
                 </a:solidFill>
-                <a:latin typeface="Cabin"/>
-                <a:ea typeface="Cabin"/>
-                <a:cs typeface="Cabin"/>
+                <a:latin typeface="Arial" charset="0"/>
+                <a:ea typeface="Arial" charset="0"/>
+                <a:cs typeface="Arial" charset="0"/>
                 <a:sym typeface="Cabin"/>
                 <a:hlinkClick r:id="rId4"/>
               </a:rPr>
@@ -43258,13 +43258,13 @@
               <a:buNone/>
             </a:pPr>
             <a:r>
-              <a:rPr lang="en-US" sz="3000" b="0" i="0" u="sng" strike="noStrike" cap="none">
+              <a:rPr lang="en-US" sz="3000" u="sng" strike="noStrike" cap="none">
                 <a:solidFill>
                   <a:srgbClr val="FFFF00"/>
                 </a:solidFill>
-                <a:latin typeface="Cabin"/>
-                <a:ea typeface="Cabin"/>
-                <a:cs typeface="Cabin"/>
+                <a:latin typeface="Arial" charset="0"/>
+                <a:ea typeface="Arial" charset="0"/>
+                <a:cs typeface="Arial" charset="0"/>
                 <a:sym typeface="Cabin"/>
                 <a:hlinkClick r:id="rId3"/>
               </a:rPr>
@@ -44293,13 +44293,13 @@
               <a:buNone/>
             </a:pPr>
             <a:r>
-              <a:rPr lang="en-US" sz="3600" b="0" i="0" u="none" strike="noStrike" cap="none">
+              <a:rPr lang="en-US" sz="3600" u="none" strike="noStrike" cap="none">
                 <a:solidFill>
                   <a:srgbClr val="FFFF00"/>
                 </a:solidFill>
-                <a:latin typeface="Cabin"/>
-                <a:ea typeface="Cabin"/>
-                <a:cs typeface="Cabin"/>
+                <a:latin typeface="Arial" charset="0"/>
+                <a:ea typeface="Arial" charset="0"/>
+                <a:cs typeface="Arial" charset="0"/>
                 <a:sym typeface="Cabin"/>
               </a:rPr>
               <a:t>geojson.py</a:t>
@@ -44350,13 +44350,13 @@
               <a:buNone/>
             </a:pPr>
             <a:r>
-              <a:rPr lang="en-US" sz="2600" b="0" i="0" u="none" strike="noStrike" cap="none">
+              <a:rPr lang="en-US" sz="2600" u="none" strike="noStrike" cap="none">
                 <a:solidFill>
                   <a:srgbClr val="FF00FF"/>
                 </a:solidFill>
-                <a:latin typeface="Cabin"/>
-                <a:ea typeface="Cabin"/>
-                <a:cs typeface="Cabin"/>
+                <a:latin typeface="Arial" charset="0"/>
+                <a:ea typeface="Arial" charset="0"/>
+                <a:cs typeface="Arial" charset="0"/>
                 <a:sym typeface="Cabin"/>
               </a:rPr>
               <a:t>http://maps.googleapis.com/maps/api/geocode/json?sensor=false&amp;address=Ann+Arbor%2C+MI</a:t>
@@ -45340,13 +45340,13 @@
               <a:buNone/>
             </a:pPr>
             <a:r>
-              <a:rPr lang="en-US" sz="3600" b="0" i="0" u="none" strike="noStrike" cap="none">
+              <a:rPr lang="en-US" sz="3600" u="none" strike="noStrike" cap="none">
                 <a:solidFill>
                   <a:srgbClr val="FFFF00"/>
                 </a:solidFill>
-                <a:latin typeface="Cabin"/>
-                <a:ea typeface="Cabin"/>
-                <a:cs typeface="Cabin"/>
+                <a:latin typeface="Arial" charset="0"/>
+                <a:ea typeface="Arial" charset="0"/>
+                <a:cs typeface="Arial" charset="0"/>
                 <a:sym typeface="Cabin"/>
               </a:rPr>
               <a:t>geojson.py</a:t>
@@ -45397,13 +45397,13 @@
               <a:buNone/>
             </a:pPr>
             <a:r>
-              <a:rPr lang="en-US" sz="2600" b="0" i="0" u="none" strike="noStrike" cap="none">
+              <a:rPr lang="en-US" sz="2600" u="none" strike="noStrike" cap="none">
                 <a:solidFill>
                   <a:srgbClr val="FF00FF"/>
                 </a:solidFill>
-                <a:latin typeface="Cabin"/>
-                <a:ea typeface="Cabin"/>
-                <a:cs typeface="Cabin"/>
+                <a:latin typeface="Arial" charset="0"/>
+                <a:ea typeface="Arial" charset="0"/>
+                <a:cs typeface="Arial" charset="0"/>
                 <a:sym typeface="Cabin"/>
               </a:rPr>
               <a:t>Enter location: Ann Arbor, MI</a:t>
@@ -45428,13 +45428,13 @@
               <a:buNone/>
             </a:pPr>
             <a:r>
-              <a:rPr lang="en-US" sz="2600" b="0" i="0" u="none" strike="noStrike" cap="none">
+              <a:rPr lang="en-US" sz="2600" u="none" strike="noStrike" cap="none">
                 <a:solidFill>
                   <a:srgbClr val="FF00FF"/>
                 </a:solidFill>
-                <a:latin typeface="Cabin"/>
-                <a:ea typeface="Cabin"/>
-                <a:cs typeface="Cabin"/>
+                <a:latin typeface="Arial" charset="0"/>
+                <a:ea typeface="Arial" charset="0"/>
+                <a:cs typeface="Arial" charset="0"/>
                 <a:sym typeface="Cabin"/>
               </a:rPr>
               <a:t>Retrieving http://maps.googleapis.com/...</a:t>
@@ -45459,13 +45459,13 @@
               <a:buNone/>
             </a:pPr>
             <a:r>
-              <a:rPr lang="en-US" sz="2600" b="0" i="0" u="none" strike="noStrike" cap="none">
+              <a:rPr lang="en-US" sz="2600" u="none" strike="noStrike" cap="none">
                 <a:solidFill>
                   <a:srgbClr val="FF00FF"/>
                 </a:solidFill>
-                <a:latin typeface="Cabin"/>
-                <a:ea typeface="Cabin"/>
-                <a:cs typeface="Cabin"/>
+                <a:latin typeface="Arial" charset="0"/>
+                <a:ea typeface="Arial" charset="0"/>
+                <a:cs typeface="Arial" charset="0"/>
                 <a:sym typeface="Cabin"/>
               </a:rPr>
               <a:t>Retrieved 1669 characters</a:t>
@@ -45490,13 +45490,13 @@
               <a:buNone/>
             </a:pPr>
             <a:r>
-              <a:rPr lang="en-US" sz="2600" b="0" i="0" u="none" strike="noStrike" cap="none">
+              <a:rPr lang="en-US" sz="2600" u="none" strike="noStrike" cap="none">
                 <a:solidFill>
                   <a:srgbClr val="FF00FF"/>
                 </a:solidFill>
-                <a:latin typeface="Cabin"/>
-                <a:ea typeface="Cabin"/>
-                <a:cs typeface="Cabin"/>
+                <a:latin typeface="Arial" charset="0"/>
+                <a:ea typeface="Arial" charset="0"/>
+                <a:cs typeface="Arial" charset="0"/>
                 <a:sym typeface="Cabin"/>
               </a:rPr>
               <a:t>lat 42.2808256 lng -83.7430378</a:t>
@@ -45521,13 +45521,13 @@
               <a:buNone/>
             </a:pPr>
             <a:r>
-              <a:rPr lang="en-US" sz="2600" b="0" i="0" u="none" strike="noStrike" cap="none">
+              <a:rPr lang="en-US" sz="2600" u="none" strike="noStrike" cap="none">
                 <a:solidFill>
                   <a:srgbClr val="FF00FF"/>
                 </a:solidFill>
-                <a:latin typeface="Cabin"/>
-                <a:ea typeface="Cabin"/>
-                <a:cs typeface="Cabin"/>
+                <a:latin typeface="Arial" charset="0"/>
+                <a:ea typeface="Arial" charset="0"/>
+                <a:cs typeface="Arial" charset="0"/>
                 <a:sym typeface="Cabin"/>
               </a:rPr>
               <a:t>Ann Arbor, MI, USA</a:t>
@@ -45552,13 +45552,13 @@
               <a:buNone/>
             </a:pPr>
             <a:r>
-              <a:rPr lang="en-US" sz="2600" b="0" i="0" u="none" strike="noStrike" cap="none">
+              <a:rPr lang="en-US" sz="2600" u="none" strike="noStrike" cap="none">
                 <a:solidFill>
                   <a:srgbClr val="FF00FF"/>
                 </a:solidFill>
-                <a:latin typeface="Cabin"/>
-                <a:ea typeface="Cabin"/>
-                <a:cs typeface="Cabin"/>
+                <a:latin typeface="Arial" charset="0"/>
+                <a:ea typeface="Arial" charset="0"/>
+                <a:cs typeface="Arial" charset="0"/>
                 <a:sym typeface="Cabin"/>
               </a:rPr>
               <a:t>Enter location:</a:t>
@@ -45638,13 +45638,13 @@
               <a:buNone/>
             </a:pPr>
             <a:r>
-              <a:rPr lang="en-US" sz="7600" b="1" i="0" u="none" strike="noStrike" cap="none">
+              <a:rPr lang="en-US" sz="7600" u="none" strike="noStrike" cap="none">
                 <a:solidFill>
                   <a:srgbClr val="FFD966"/>
                 </a:solidFill>
-                <a:latin typeface="Cabin"/>
-                <a:ea typeface="Cabin"/>
-                <a:cs typeface="Cabin"/>
+                <a:latin typeface="Arial" charset="0"/>
+                <a:ea typeface="Arial" charset="0"/>
+                <a:cs typeface="Arial" charset="0"/>
                 <a:sym typeface="Cabin"/>
               </a:rPr>
               <a:t>API Security and Rate Limiting</a:t>
@@ -45695,13 +45695,13 @@
               <a:buFont typeface="Cabin"/>
             </a:pPr>
             <a:r>
-              <a:rPr lang="en-US" sz="3600" b="0" i="0" u="none" strike="noStrike" cap="none">
+              <a:rPr lang="en-US" sz="3600" u="none" strike="noStrike" cap="none">
                 <a:solidFill>
                   <a:schemeClr val="lt1"/>
                 </a:solidFill>
-                <a:latin typeface="Cabin"/>
-                <a:ea typeface="Cabin"/>
-                <a:cs typeface="Cabin"/>
+                <a:latin typeface="Arial" charset="0"/>
+                <a:ea typeface="Arial" charset="0"/>
+                <a:cs typeface="Arial" charset="0"/>
                 <a:sym typeface="Cabin"/>
               </a:rPr>
               <a:t>The compute resources to run these APIs are not </a:t>
@@ -45711,21 +45711,21 @@
                 <a:solidFill>
                   <a:schemeClr val="lt1"/>
                 </a:solidFill>
-                <a:latin typeface="Cabin"/>
-                <a:ea typeface="Cabin"/>
-                <a:cs typeface="Cabin"/>
+                <a:latin typeface="Arial" charset="0"/>
+                <a:ea typeface="Arial" charset="0"/>
+                <a:cs typeface="Arial" charset="0"/>
                 <a:sym typeface="Cabin"/>
               </a:rPr>
               <a:t>“</a:t>
             </a:r>
             <a:r>
-              <a:rPr lang="en-US" sz="3600" b="0" i="0" u="none" strike="noStrike" cap="none">
+              <a:rPr lang="en-US" sz="3600" u="none" strike="noStrike" cap="none">
                 <a:solidFill>
                   <a:schemeClr val="lt1"/>
                 </a:solidFill>
-                <a:latin typeface="Cabin"/>
-                <a:ea typeface="Cabin"/>
-                <a:cs typeface="Cabin"/>
+                <a:latin typeface="Arial" charset="0"/>
+                <a:ea typeface="Arial" charset="0"/>
+                <a:cs typeface="Arial" charset="0"/>
                 <a:sym typeface="Cabin"/>
               </a:rPr>
               <a:t>free</a:t>
@@ -45735,9 +45735,9 @@
                 <a:solidFill>
                   <a:schemeClr val="lt1"/>
                 </a:solidFill>
-                <a:latin typeface="Cabin"/>
-                <a:ea typeface="Cabin"/>
-                <a:cs typeface="Cabin"/>
+                <a:latin typeface="Arial" charset="0"/>
+                <a:ea typeface="Arial" charset="0"/>
+                <a:cs typeface="Arial" charset="0"/>
                 <a:sym typeface="Cabin"/>
               </a:rPr>
               <a:t>”</a:t>
@@ -45758,13 +45758,13 @@
               <a:buFont typeface="Cabin"/>
             </a:pPr>
             <a:r>
-              <a:rPr lang="en-US" sz="3600" b="0" i="0" u="none" strike="noStrike" cap="none">
+              <a:rPr lang="en-US" sz="3600" u="none" strike="noStrike" cap="none">
                 <a:solidFill>
                   <a:schemeClr val="lt1"/>
                 </a:solidFill>
-                <a:latin typeface="Cabin"/>
-                <a:ea typeface="Cabin"/>
-                <a:cs typeface="Cabin"/>
+                <a:latin typeface="Arial" charset="0"/>
+                <a:ea typeface="Arial" charset="0"/>
+                <a:cs typeface="Arial" charset="0"/>
                 <a:sym typeface="Cabin"/>
               </a:rPr>
               <a:t>The data provided by these APIs is usually valuable</a:t>
@@ -45785,13 +45785,13 @@
               <a:buFont typeface="Cabin"/>
             </a:pPr>
             <a:r>
-              <a:rPr lang="en-US" sz="3600" b="0" i="0" u="none" strike="noStrike" cap="none">
+              <a:rPr lang="en-US" sz="3600" u="none" strike="noStrike" cap="none">
                 <a:solidFill>
                   <a:schemeClr val="lt1"/>
                 </a:solidFill>
-                <a:latin typeface="Cabin"/>
-                <a:ea typeface="Cabin"/>
-                <a:cs typeface="Cabin"/>
+                <a:latin typeface="Arial" charset="0"/>
+                <a:ea typeface="Arial" charset="0"/>
+                <a:cs typeface="Arial" charset="0"/>
                 <a:sym typeface="Cabin"/>
               </a:rPr>
               <a:t>The data providers might limit the number of requests per day, demand an API </a:t>
@@ -45801,21 +45801,21 @@
                 <a:solidFill>
                   <a:schemeClr val="lt1"/>
                 </a:solidFill>
-                <a:latin typeface="Cabin"/>
-                <a:ea typeface="Cabin"/>
-                <a:cs typeface="Cabin"/>
+                <a:latin typeface="Arial" charset="0"/>
+                <a:ea typeface="Arial" charset="0"/>
+                <a:cs typeface="Arial" charset="0"/>
                 <a:sym typeface="Cabin"/>
               </a:rPr>
               <a:t>“</a:t>
             </a:r>
             <a:r>
-              <a:rPr lang="en-US" sz="3600" b="0" i="0" u="none" strike="noStrike" cap="none">
+              <a:rPr lang="en-US" sz="3600" u="none" strike="noStrike" cap="none">
                 <a:solidFill>
                   <a:schemeClr val="lt1"/>
                 </a:solidFill>
-                <a:latin typeface="Cabin"/>
-                <a:ea typeface="Cabin"/>
-                <a:cs typeface="Cabin"/>
+                <a:latin typeface="Arial" charset="0"/>
+                <a:ea typeface="Arial" charset="0"/>
+                <a:cs typeface="Arial" charset="0"/>
                 <a:sym typeface="Cabin"/>
               </a:rPr>
               <a:t>key</a:t>
@@ -45825,21 +45825,21 @@
                 <a:solidFill>
                   <a:schemeClr val="lt1"/>
                 </a:solidFill>
-                <a:latin typeface="Cabin"/>
-                <a:ea typeface="Cabin"/>
-                <a:cs typeface="Cabin"/>
+                <a:latin typeface="Arial" charset="0"/>
+                <a:ea typeface="Arial" charset="0"/>
+                <a:cs typeface="Arial" charset="0"/>
                 <a:sym typeface="Cabin"/>
               </a:rPr>
               <a:t>”,</a:t>
             </a:r>
             <a:r>
-              <a:rPr lang="en-US" sz="3600" b="0" i="0" u="none" strike="noStrike" cap="none">
+              <a:rPr lang="en-US" sz="3600" u="none" strike="noStrike" cap="none">
                 <a:solidFill>
                   <a:schemeClr val="lt1"/>
                 </a:solidFill>
-                <a:latin typeface="Cabin"/>
-                <a:ea typeface="Cabin"/>
-                <a:cs typeface="Cabin"/>
+                <a:latin typeface="Arial" charset="0"/>
+                <a:ea typeface="Arial" charset="0"/>
+                <a:cs typeface="Arial" charset="0"/>
                 <a:sym typeface="Cabin"/>
               </a:rPr>
               <a:t> or even charge for usage</a:t>
@@ -45860,13 +45860,13 @@
               <a:buFont typeface="Cabin"/>
             </a:pPr>
             <a:r>
-              <a:rPr lang="en-US" sz="3600" b="0" i="0" u="none" strike="noStrike" cap="none">
+              <a:rPr lang="en-US" sz="3600" u="none" strike="noStrike" cap="none">
                 <a:solidFill>
                   <a:schemeClr val="lt1"/>
                 </a:solidFill>
-                <a:latin typeface="Cabin"/>
-                <a:ea typeface="Cabin"/>
-                <a:cs typeface="Cabin"/>
+                <a:latin typeface="Arial" charset="0"/>
+                <a:ea typeface="Arial" charset="0"/>
+                <a:cs typeface="Arial" charset="0"/>
                 <a:sym typeface="Cabin"/>
               </a:rPr>
               <a:t>They might change the rules as things progress...</a:t>
@@ -46154,13 +46154,13 @@
               <a:buNone/>
             </a:pPr>
             <a:r>
-              <a:rPr lang="en-US" sz="7600" b="1" i="0" u="none" strike="noStrike" cap="none">
+              <a:rPr lang="en-US" sz="7600" u="none" strike="noStrike" cap="none">
                 <a:solidFill>
                   <a:srgbClr val="FFD966"/>
                 </a:solidFill>
-                <a:latin typeface="Cabin"/>
-                <a:ea typeface="Cabin"/>
-                <a:cs typeface="Cabin"/>
+                <a:latin typeface="Arial" charset="0"/>
+                <a:ea typeface="Arial" charset="0"/>
+                <a:cs typeface="Arial" charset="0"/>
                 <a:sym typeface="Cabin"/>
               </a:rPr>
               <a:t>Agreeing on a </a:t>
@@ -46178,13 +46178,13 @@
               <a:t>“</a:t>
             </a:r>
             <a:r>
-              <a:rPr lang="en-US" sz="7600" b="1" i="0" u="none" strike="noStrike" cap="none">
+              <a:rPr lang="en-US" sz="7600" u="none" strike="noStrike" cap="none">
                 <a:solidFill>
                   <a:srgbClr val="FFD966"/>
                 </a:solidFill>
-                <a:latin typeface="Cabin"/>
-                <a:ea typeface="Cabin"/>
-                <a:cs typeface="Cabin"/>
+                <a:latin typeface="Arial" charset="0"/>
+                <a:ea typeface="Arial" charset="0"/>
+                <a:cs typeface="Arial" charset="0"/>
                 <a:sym typeface="Cabin"/>
               </a:rPr>
               <a:t>Wire Format</a:t>
@@ -46253,13 +46253,13 @@
               <a:buNone/>
             </a:pPr>
             <a:r>
-              <a:rPr lang="en-US" sz="4700" b="0" i="0" u="none" strike="noStrike" cap="none">
+              <a:rPr lang="en-US" sz="4700" u="none" strike="noStrike" cap="none">
                 <a:solidFill>
                   <a:schemeClr val="lt1"/>
                 </a:solidFill>
-                <a:latin typeface="Cabin"/>
-                <a:ea typeface="Cabin"/>
-                <a:cs typeface="Cabin"/>
+                <a:latin typeface="Arial" charset="0"/>
+                <a:ea typeface="Arial" charset="0"/>
+                <a:cs typeface="Arial" charset="0"/>
                 <a:sym typeface="Cabin"/>
               </a:rPr>
               <a:t>Python</a:t>
@@ -46284,13 +46284,13 @@
               <a:buNone/>
             </a:pPr>
             <a:r>
-              <a:rPr lang="en-US" sz="4700" b="0" i="0" u="none" strike="noStrike" cap="none">
+              <a:rPr lang="en-US" sz="4700" u="none" strike="noStrike" cap="none">
                 <a:solidFill>
                   <a:schemeClr val="lt1"/>
                 </a:solidFill>
-                <a:latin typeface="Cabin"/>
-                <a:ea typeface="Cabin"/>
-                <a:cs typeface="Cabin"/>
+                <a:latin typeface="Arial" charset="0"/>
+                <a:ea typeface="Arial" charset="0"/>
+                <a:cs typeface="Arial" charset="0"/>
                 <a:sym typeface="Cabin"/>
               </a:rPr>
               <a:t>Dictionary</a:t>
@@ -46347,13 +46347,13 @@
               <a:buNone/>
             </a:pPr>
             <a:r>
-              <a:rPr lang="en-US" sz="4700" b="0" i="0" u="none" strike="noStrike" cap="none">
+              <a:rPr lang="en-US" sz="4700" u="none" strike="noStrike" cap="none">
                 <a:solidFill>
                   <a:schemeClr val="lt1"/>
                 </a:solidFill>
-                <a:latin typeface="Cabin"/>
-                <a:ea typeface="Cabin"/>
-                <a:cs typeface="Cabin"/>
+                <a:latin typeface="Arial" charset="0"/>
+                <a:ea typeface="Arial" charset="0"/>
+                <a:cs typeface="Arial" charset="0"/>
                 <a:sym typeface="Cabin"/>
               </a:rPr>
               <a:t>Java</a:t>
@@ -46378,13 +46378,13 @@
               <a:buNone/>
             </a:pPr>
             <a:r>
-              <a:rPr lang="en-US" sz="4700" b="0" i="0" u="none" strike="noStrike" cap="none">
+              <a:rPr lang="en-US" sz="4700" u="none" strike="noStrike" cap="none">
                 <a:solidFill>
                   <a:schemeClr val="lt1"/>
                 </a:solidFill>
-                <a:latin typeface="Cabin"/>
-                <a:ea typeface="Cabin"/>
-                <a:cs typeface="Cabin"/>
+                <a:latin typeface="Arial" charset="0"/>
+                <a:ea typeface="Arial" charset="0"/>
+                <a:cs typeface="Arial" charset="0"/>
                 <a:sym typeface="Cabin"/>
               </a:rPr>
               <a:t>HashMap</a:t>
@@ -46435,13 +46435,13 @@
               <a:buNone/>
             </a:pPr>
             <a:r>
-              <a:rPr lang="en-US" sz="3600" b="0" i="0" u="none" strike="noStrike" cap="none">
+              <a:rPr lang="en-US" sz="3600" u="none" strike="noStrike" cap="none">
                 <a:solidFill>
                   <a:schemeClr val="lt1"/>
                 </a:solidFill>
-                <a:latin typeface="Cabin"/>
-                <a:ea typeface="Cabin"/>
-                <a:cs typeface="Cabin"/>
+                <a:latin typeface="Arial" charset="0"/>
+                <a:ea typeface="Arial" charset="0"/>
+                <a:cs typeface="Arial" charset="0"/>
                 <a:sym typeface="Cabin"/>
               </a:rPr>
               <a:t>Serialize</a:t>
@@ -46492,13 +46492,13 @@
               <a:buNone/>
             </a:pPr>
             <a:r>
-              <a:rPr lang="en-US" sz="4000" b="0" i="0" u="none" strike="noStrike" cap="none">
+              <a:rPr lang="en-US" sz="4000" u="none" strike="noStrike" cap="none">
                 <a:solidFill>
                   <a:srgbClr val="00FF00"/>
                 </a:solidFill>
-                <a:latin typeface="Cabin"/>
-                <a:ea typeface="Cabin"/>
-                <a:cs typeface="Cabin"/>
+                <a:latin typeface="Arial" charset="0"/>
+                <a:ea typeface="Arial" charset="0"/>
+                <a:cs typeface="Arial" charset="0"/>
                 <a:sym typeface="Cabin"/>
               </a:rPr>
               <a:t>{</a:t>
@@ -46523,13 +46523,13 @@
               <a:buNone/>
             </a:pPr>
             <a:r>
-              <a:rPr lang="en-US" sz="4000" b="0" i="0" u="none" strike="noStrike" cap="none">
+              <a:rPr lang="en-US" sz="4000" u="none" strike="noStrike" cap="none">
                 <a:solidFill>
                   <a:srgbClr val="00FF00"/>
                 </a:solidFill>
-                <a:latin typeface="Cabin"/>
-                <a:ea typeface="Cabin"/>
-                <a:cs typeface="Cabin"/>
+                <a:latin typeface="Arial" charset="0"/>
+                <a:ea typeface="Arial" charset="0"/>
+                <a:cs typeface="Arial" charset="0"/>
                 <a:sym typeface="Cabin"/>
               </a:rPr>
               <a:t>  "name" :  </a:t>
@@ -46554,13 +46554,13 @@
               <a:buNone/>
             </a:pPr>
             <a:r>
-              <a:rPr lang="en-US" sz="4000" b="0" i="0" u="none" strike="noStrike" cap="none">
+              <a:rPr lang="en-US" sz="4000" u="none" strike="noStrike" cap="none">
                 <a:solidFill>
                   <a:srgbClr val="00FF00"/>
                 </a:solidFill>
-                <a:latin typeface="Cabin"/>
-                <a:ea typeface="Cabin"/>
-                <a:cs typeface="Cabin"/>
+                <a:latin typeface="Arial" charset="0"/>
+                <a:ea typeface="Arial" charset="0"/>
+                <a:cs typeface="Arial" charset="0"/>
                 <a:sym typeface="Cabin"/>
               </a:rPr>
               <a:t>    "Chuck",</a:t>
@@ -46585,13 +46585,13 @@
               <a:buNone/>
             </a:pPr>
             <a:r>
-              <a:rPr lang="en-US" sz="4000" b="0" i="0" u="none" strike="noStrike" cap="none">
+              <a:rPr lang="en-US" sz="4000" u="none" strike="noStrike" cap="none">
                 <a:solidFill>
                   <a:srgbClr val="00FF00"/>
                 </a:solidFill>
-                <a:latin typeface="Cabin"/>
-                <a:ea typeface="Cabin"/>
-                <a:cs typeface="Cabin"/>
+                <a:latin typeface="Arial" charset="0"/>
+                <a:ea typeface="Arial" charset="0"/>
+                <a:cs typeface="Arial" charset="0"/>
                 <a:sym typeface="Cabin"/>
               </a:rPr>
               <a:t>  "phone" : </a:t>
@@ -46616,13 +46616,13 @@
               <a:buNone/>
             </a:pPr>
             <a:r>
-              <a:rPr lang="en-US" sz="4000" b="0" i="0" u="none" strike="noStrike" cap="none">
+              <a:rPr lang="en-US" sz="4000" u="none" strike="noStrike" cap="none">
                 <a:solidFill>
                   <a:srgbClr val="00FF00"/>
                 </a:solidFill>
-                <a:latin typeface="Cabin"/>
-                <a:ea typeface="Cabin"/>
-                <a:cs typeface="Cabin"/>
+                <a:latin typeface="Arial" charset="0"/>
+                <a:ea typeface="Arial" charset="0"/>
+                <a:cs typeface="Arial" charset="0"/>
                 <a:sym typeface="Cabin"/>
               </a:rPr>
               <a:t>     "303-4456"</a:t>
@@ -46647,13 +46647,13 @@
               <a:buNone/>
             </a:pPr>
             <a:r>
-              <a:rPr lang="en-US" sz="4000" b="0" i="0" u="none" strike="noStrike" cap="none">
+              <a:rPr lang="en-US" sz="4000" u="none" strike="noStrike" cap="none">
                 <a:solidFill>
                   <a:srgbClr val="00FF00"/>
                 </a:solidFill>
-                <a:latin typeface="Cabin"/>
-                <a:ea typeface="Cabin"/>
-                <a:cs typeface="Cabin"/>
+                <a:latin typeface="Arial" charset="0"/>
+                <a:ea typeface="Arial" charset="0"/>
+                <a:cs typeface="Arial" charset="0"/>
                 <a:sym typeface="Cabin"/>
               </a:rPr>
               <a:t>}</a:t>
@@ -46704,13 +46704,13 @@
               <a:buNone/>
             </a:pPr>
             <a:r>
-              <a:rPr lang="en-US" sz="3600" b="0" i="0" u="none" strike="noStrike" cap="none">
+              <a:rPr lang="en-US" sz="3600" u="none" strike="noStrike" cap="none">
                 <a:solidFill>
                   <a:schemeClr val="lt1"/>
                 </a:solidFill>
-                <a:latin typeface="Cabin"/>
-                <a:ea typeface="Cabin"/>
-                <a:cs typeface="Cabin"/>
+                <a:latin typeface="Arial" charset="0"/>
+                <a:ea typeface="Arial" charset="0"/>
+                <a:cs typeface="Arial" charset="0"/>
                 <a:sym typeface="Cabin"/>
               </a:rPr>
               <a:t>De-Serialize</a:t>
@@ -46761,13 +46761,13 @@
               <a:buNone/>
             </a:pPr>
             <a:r>
-              <a:rPr lang="en-US" sz="3600" b="0" i="0" u="none" strike="noStrike" cap="none">
+              <a:rPr lang="en-US" sz="3600" u="none" strike="noStrike" cap="none">
                 <a:solidFill>
                   <a:schemeClr val="lt1"/>
                 </a:solidFill>
-                <a:latin typeface="Cabin"/>
-                <a:ea typeface="Cabin"/>
-                <a:cs typeface="Cabin"/>
+                <a:latin typeface="Arial" charset="0"/>
+                <a:ea typeface="Arial" charset="0"/>
+                <a:cs typeface="Arial" charset="0"/>
                 <a:sym typeface="Cabin"/>
               </a:rPr>
               <a:t>JSON</a:t>
@@ -49781,13 +49781,13 @@
               <a:buNone/>
             </a:pPr>
             <a:r>
-              <a:rPr lang="en-US" sz="7600" b="1" i="0" u="none" strike="noStrike" cap="none">
+              <a:rPr lang="en-US" sz="7600" u="none" strike="noStrike" cap="none">
                 <a:solidFill>
                   <a:srgbClr val="FFD966"/>
                 </a:solidFill>
-                <a:latin typeface="Cabin"/>
-                <a:ea typeface="Cabin"/>
-                <a:cs typeface="Cabin"/>
+                <a:latin typeface="Arial" charset="0"/>
+                <a:ea typeface="Arial" charset="0"/>
+                <a:cs typeface="Arial" charset="0"/>
                 <a:sym typeface="Cabin"/>
               </a:rPr>
               <a:t>Summary</a:t>
@@ -49838,13 +49838,13 @@
               <a:buFont typeface="Cabin"/>
             </a:pPr>
             <a:r>
-              <a:rPr lang="en-US" sz="3600" b="0" i="0" u="none" strike="noStrike" cap="none">
+              <a:rPr lang="en-US" sz="3600" u="none" strike="noStrike" cap="none">
                 <a:solidFill>
                   <a:schemeClr val="lt1"/>
                 </a:solidFill>
-                <a:latin typeface="Cabin"/>
-                <a:ea typeface="Cabin"/>
-                <a:cs typeface="Cabin"/>
+                <a:latin typeface="Arial" charset="0"/>
+                <a:ea typeface="Arial" charset="0"/>
+                <a:cs typeface="Arial" charset="0"/>
                 <a:sym typeface="Cabin"/>
               </a:rPr>
               <a:t>Service Oriented Architecture - allows an application to be broken into parts and distributed across a network </a:t>
@@ -49865,13 +49865,13 @@
               <a:buFont typeface="Cabin"/>
             </a:pPr>
             <a:r>
-              <a:rPr lang="en-US" sz="3600" b="0" i="0" u="none" strike="noStrike" cap="none">
+              <a:rPr lang="en-US" sz="3600" u="none" strike="noStrike" cap="none">
                 <a:solidFill>
                   <a:schemeClr val="lt1"/>
                 </a:solidFill>
-                <a:latin typeface="Cabin"/>
-                <a:ea typeface="Cabin"/>
-                <a:cs typeface="Cabin"/>
+                <a:latin typeface="Arial" charset="0"/>
+                <a:ea typeface="Arial" charset="0"/>
+                <a:cs typeface="Arial" charset="0"/>
                 <a:sym typeface="Cabin"/>
               </a:rPr>
               <a:t>An Application Program Interface (API) is a contract for interaction</a:t>
@@ -49892,13 +49892,13 @@
               <a:buFont typeface="Cabin"/>
             </a:pPr>
             <a:r>
-              <a:rPr lang="en-US" sz="3600" b="0" i="0" u="none" strike="noStrike" cap="none">
+              <a:rPr lang="en-US" sz="3600" u="none" strike="noStrike" cap="none">
                 <a:solidFill>
                   <a:schemeClr val="lt1"/>
                 </a:solidFill>
-                <a:latin typeface="Cabin"/>
-                <a:ea typeface="Cabin"/>
-                <a:cs typeface="Cabin"/>
+                <a:latin typeface="Arial" charset="0"/>
+                <a:ea typeface="Arial" charset="0"/>
+                <a:cs typeface="Arial" charset="0"/>
                 <a:sym typeface="Cabin"/>
               </a:rPr>
               <a:t>Web Services provide infrastructure for applications cooperating (an API) over a network - SOAP and REST are two styles of web services</a:t>
@@ -49919,13 +49919,13 @@
               <a:buFont typeface="Cabin"/>
             </a:pPr>
             <a:r>
-              <a:rPr lang="en-US" sz="3600" b="0" i="0" u="none" strike="noStrike" cap="none">
+              <a:rPr lang="en-US" sz="3600" u="none" strike="noStrike" cap="none">
                 <a:solidFill>
                   <a:schemeClr val="lt1"/>
                 </a:solidFill>
-                <a:latin typeface="Cabin"/>
-                <a:ea typeface="Cabin"/>
-                <a:cs typeface="Cabin"/>
+                <a:latin typeface="Arial" charset="0"/>
+                <a:ea typeface="Arial" charset="0"/>
+                <a:cs typeface="Arial" charset="0"/>
                 <a:sym typeface="Cabin"/>
               </a:rPr>
               <a:t>XML and JSON are serialization formats</a:t>
@@ -50345,13 +50345,13 @@
               <a:buNone/>
             </a:pPr>
             <a:r>
-              <a:rPr lang="en-US" sz="7600" b="1" i="0" u="none" strike="noStrike" cap="none">
+              <a:rPr lang="en-US" sz="7600" u="none" strike="noStrike" cap="none">
                 <a:solidFill>
                   <a:srgbClr val="FFD966"/>
                 </a:solidFill>
-                <a:latin typeface="Cabin"/>
-                <a:ea typeface="Cabin"/>
-                <a:cs typeface="Cabin"/>
+                <a:latin typeface="Arial" charset="0"/>
+                <a:ea typeface="Arial" charset="0"/>
+                <a:cs typeface="Arial" charset="0"/>
                 <a:sym typeface="Cabin"/>
               </a:rPr>
               <a:t>XML </a:t>
@@ -50369,13 +50369,13 @@
               <a:t>“</a:t>
             </a:r>
             <a:r>
-              <a:rPr lang="en-US" sz="7600" b="1" i="0" u="none" strike="noStrike" cap="none">
+              <a:rPr lang="en-US" sz="7600" u="none" strike="noStrike" cap="none">
                 <a:solidFill>
                   <a:srgbClr val="FFD966"/>
                 </a:solidFill>
-                <a:latin typeface="Cabin"/>
-                <a:ea typeface="Cabin"/>
-                <a:cs typeface="Cabin"/>
+                <a:latin typeface="Arial" charset="0"/>
+                <a:ea typeface="Arial" charset="0"/>
+                <a:cs typeface="Arial" charset="0"/>
                 <a:sym typeface="Cabin"/>
               </a:rPr>
               <a:t>Elements</a:t>
@@ -50393,13 +50393,13 @@
               <a:t>”</a:t>
             </a:r>
             <a:r>
-              <a:rPr lang="en-US" sz="7600" b="1" i="0" u="none" strike="noStrike" cap="none">
+              <a:rPr lang="en-US" sz="7600" u="none" strike="noStrike" cap="none">
                 <a:solidFill>
                   <a:srgbClr val="FFD966"/>
                 </a:solidFill>
-                <a:latin typeface="Cabin"/>
-                <a:ea typeface="Cabin"/>
-                <a:cs typeface="Cabin"/>
+                <a:latin typeface="Arial" charset="0"/>
+                <a:ea typeface="Arial" charset="0"/>
+                <a:cs typeface="Arial" charset="0"/>
                 <a:sym typeface="Cabin"/>
               </a:rPr>
               <a:t> (or Nodes)</a:t>
@@ -50454,13 +50454,13 @@
               <a:buChar char="•"/>
             </a:pPr>
             <a:r>
-              <a:rPr lang="en-US" sz="3600" b="0" i="0" u="none" strike="noStrike" cap="none">
+              <a:rPr lang="en-US" sz="3600" u="none" strike="noStrike" cap="none">
                 <a:solidFill>
                   <a:srgbClr val="FFFF00"/>
                 </a:solidFill>
-                <a:latin typeface="Cabin"/>
-                <a:ea typeface="Cabin"/>
-                <a:cs typeface="Cabin"/>
+                <a:latin typeface="Arial" charset="0"/>
+                <a:ea typeface="Arial" charset="0"/>
+                <a:cs typeface="Arial" charset="0"/>
                 <a:sym typeface="Cabin"/>
               </a:rPr>
               <a:t>Simple Element</a:t>
@@ -50485,13 +50485,13 @@
               <a:buChar char="•"/>
             </a:pPr>
             <a:r>
-              <a:rPr lang="en-US" sz="3600" b="0" i="0" u="none" strike="noStrike" cap="none">
+              <a:rPr lang="en-US" sz="3600" u="none" strike="noStrike" cap="none">
                 <a:solidFill>
                   <a:srgbClr val="FF00FF"/>
                 </a:solidFill>
-                <a:latin typeface="Cabin"/>
-                <a:ea typeface="Cabin"/>
-                <a:cs typeface="Cabin"/>
+                <a:latin typeface="Arial" charset="0"/>
+                <a:ea typeface="Arial" charset="0"/>
+                <a:cs typeface="Arial" charset="0"/>
                 <a:sym typeface="Cabin"/>
               </a:rPr>
               <a:t>Complex Element</a:t>
@@ -50542,13 +50542,13 @@
               <a:buNone/>
             </a:pPr>
             <a:r>
-              <a:rPr lang="en-US" sz="4000" b="0" i="0" u="none" strike="noStrike" cap="none">
+              <a:rPr lang="en-US" sz="4000" u="none" strike="noStrike" cap="none">
                 <a:solidFill>
                   <a:srgbClr val="00FF00"/>
                 </a:solidFill>
-                <a:latin typeface="Cabin"/>
-                <a:ea typeface="Cabin"/>
-                <a:cs typeface="Cabin"/>
+                <a:latin typeface="Arial" charset="0"/>
+                <a:ea typeface="Arial" charset="0"/>
+                <a:cs typeface="Arial" charset="0"/>
                 <a:sym typeface="Cabin"/>
               </a:rPr>
               <a:t>&lt;people&gt;</a:t>
@@ -50573,13 +50573,13 @@
               <a:buNone/>
             </a:pPr>
             <a:r>
-              <a:rPr lang="en-US" sz="4000" b="0" i="0" u="none" strike="noStrike" cap="none">
+              <a:rPr lang="en-US" sz="4000" u="none" strike="noStrike" cap="none">
                 <a:solidFill>
                   <a:srgbClr val="00FF00"/>
                 </a:solidFill>
-                <a:latin typeface="Cabin"/>
-                <a:ea typeface="Cabin"/>
-                <a:cs typeface="Cabin"/>
+                <a:latin typeface="Arial" charset="0"/>
+                <a:ea typeface="Arial" charset="0"/>
+                <a:cs typeface="Arial" charset="0"/>
                 <a:sym typeface="Cabin"/>
               </a:rPr>
               <a:t>    &lt;person&gt;</a:t>
@@ -50604,25 +50604,25 @@
               <a:buNone/>
             </a:pPr>
             <a:r>
-              <a:rPr lang="en-US" sz="4000" b="0" i="0" u="none" strike="noStrike" cap="none">
+              <a:rPr lang="en-US" sz="4000" u="none" strike="noStrike" cap="none">
                 <a:solidFill>
                   <a:srgbClr val="00FF00"/>
                 </a:solidFill>
-                <a:latin typeface="Cabin"/>
-                <a:ea typeface="Cabin"/>
-                <a:cs typeface="Cabin"/>
+                <a:latin typeface="Arial" charset="0"/>
+                <a:ea typeface="Arial" charset="0"/>
+                <a:cs typeface="Arial" charset="0"/>
                 <a:sym typeface="Cabin"/>
               </a:rPr>
               <a:t>       </a:t>
             </a:r>
             <a:r>
-              <a:rPr lang="en-US" sz="4000" b="0" i="0" u="none" strike="noStrike" cap="none">
+              <a:rPr lang="en-US" sz="4000" u="none" strike="noStrike" cap="none">
                 <a:solidFill>
                   <a:srgbClr val="FFFF00"/>
                 </a:solidFill>
-                <a:latin typeface="Cabin"/>
-                <a:ea typeface="Cabin"/>
-                <a:cs typeface="Cabin"/>
+                <a:latin typeface="Arial" charset="0"/>
+                <a:ea typeface="Arial" charset="0"/>
+                <a:cs typeface="Arial" charset="0"/>
                 <a:sym typeface="Cabin"/>
               </a:rPr>
               <a:t>&lt;name&gt;Chuck&lt;/name&gt;</a:t>
@@ -50647,13 +50647,13 @@
               <a:buNone/>
             </a:pPr>
             <a:r>
-              <a:rPr lang="en-US" sz="4000" b="0" i="0" u="none" strike="noStrike" cap="none">
+              <a:rPr lang="en-US" sz="4000" u="none" strike="noStrike" cap="none">
                 <a:solidFill>
                   <a:srgbClr val="FFFF00"/>
                 </a:solidFill>
-                <a:latin typeface="Cabin"/>
-                <a:ea typeface="Cabin"/>
-                <a:cs typeface="Cabin"/>
+                <a:latin typeface="Arial" charset="0"/>
+                <a:ea typeface="Arial" charset="0"/>
+                <a:cs typeface="Arial" charset="0"/>
                 <a:sym typeface="Cabin"/>
               </a:rPr>
               <a:t>       &lt;phone&gt;303 4456&lt;/phone&gt;</a:t>
@@ -50678,13 +50678,13 @@
               <a:buNone/>
             </a:pPr>
             <a:r>
-              <a:rPr lang="en-US" sz="4000" b="0" i="0" u="none" strike="noStrike" cap="none">
+              <a:rPr lang="en-US" sz="4000" u="none" strike="noStrike" cap="none">
                 <a:solidFill>
                   <a:srgbClr val="00FF00"/>
                 </a:solidFill>
-                <a:latin typeface="Cabin"/>
-                <a:ea typeface="Cabin"/>
-                <a:cs typeface="Cabin"/>
+                <a:latin typeface="Arial" charset="0"/>
+                <a:ea typeface="Arial" charset="0"/>
+                <a:cs typeface="Arial" charset="0"/>
                 <a:sym typeface="Cabin"/>
               </a:rPr>
               <a:t>    &lt;/person&gt;</a:t>
@@ -50709,13 +50709,13 @@
               <a:buNone/>
             </a:pPr>
             <a:r>
-              <a:rPr lang="en-US" sz="4000" b="0" i="0" u="none" strike="noStrike" cap="none">
+              <a:rPr lang="en-US" sz="4000" u="none" strike="noStrike" cap="none">
                 <a:solidFill>
                   <a:srgbClr val="FF00FF"/>
                 </a:solidFill>
-                <a:latin typeface="Cabin"/>
-                <a:ea typeface="Cabin"/>
-                <a:cs typeface="Cabin"/>
+                <a:latin typeface="Arial" charset="0"/>
+                <a:ea typeface="Arial" charset="0"/>
+                <a:cs typeface="Arial" charset="0"/>
                 <a:sym typeface="Cabin"/>
               </a:rPr>
               <a:t>    &lt;person&gt;</a:t>
@@ -50740,13 +50740,13 @@
               <a:buNone/>
             </a:pPr>
             <a:r>
-              <a:rPr lang="en-US" sz="4000" b="0" i="0" u="none" strike="noStrike" cap="none">
+              <a:rPr lang="en-US" sz="4000" u="none" strike="noStrike" cap="none">
                 <a:solidFill>
                   <a:srgbClr val="FF00FF"/>
                 </a:solidFill>
-                <a:latin typeface="Cabin"/>
-                <a:ea typeface="Cabin"/>
-                <a:cs typeface="Cabin"/>
+                <a:latin typeface="Arial" charset="0"/>
+                <a:ea typeface="Arial" charset="0"/>
+                <a:cs typeface="Arial" charset="0"/>
                 <a:sym typeface="Cabin"/>
               </a:rPr>
               <a:t>       &lt;name&gt;Noah&lt;/name&gt;</a:t>
@@ -50771,13 +50771,13 @@
               <a:buNone/>
             </a:pPr>
             <a:r>
-              <a:rPr lang="en-US" sz="4000" b="0" i="0" u="none" strike="noStrike" cap="none">
+              <a:rPr lang="en-US" sz="4000" u="none" strike="noStrike" cap="none">
                 <a:solidFill>
                   <a:srgbClr val="FF00FF"/>
                 </a:solidFill>
-                <a:latin typeface="Cabin"/>
-                <a:ea typeface="Cabin"/>
-                <a:cs typeface="Cabin"/>
+                <a:latin typeface="Arial" charset="0"/>
+                <a:ea typeface="Arial" charset="0"/>
+                <a:cs typeface="Arial" charset="0"/>
                 <a:sym typeface="Cabin"/>
               </a:rPr>
               <a:t>       &lt;phone&gt;622 7421&lt;/phone&gt;</a:t>
@@ -50802,13 +50802,13 @@
               <a:buNone/>
             </a:pPr>
             <a:r>
-              <a:rPr lang="en-US" sz="4000" b="0" i="0" u="none" strike="noStrike" cap="none">
+              <a:rPr lang="en-US" sz="4000" u="none" strike="noStrike" cap="none">
                 <a:solidFill>
                   <a:srgbClr val="FF00FF"/>
                 </a:solidFill>
-                <a:latin typeface="Cabin"/>
-                <a:ea typeface="Cabin"/>
-                <a:cs typeface="Cabin"/>
+                <a:latin typeface="Arial" charset="0"/>
+                <a:ea typeface="Arial" charset="0"/>
+                <a:cs typeface="Arial" charset="0"/>
                 <a:sym typeface="Cabin"/>
               </a:rPr>
               <a:t>    &lt;/person&gt;</a:t>
@@ -50833,13 +50833,13 @@
               <a:buNone/>
             </a:pPr>
             <a:r>
-              <a:rPr lang="en-US" sz="4000" b="0" i="0" u="none" strike="noStrike" cap="none">
+              <a:rPr lang="en-US" sz="4000" u="none" strike="noStrike" cap="none">
                 <a:solidFill>
                   <a:srgbClr val="00FF00"/>
                 </a:solidFill>
-                <a:latin typeface="Cabin"/>
-                <a:ea typeface="Cabin"/>
-                <a:cs typeface="Cabin"/>
+                <a:latin typeface="Arial" charset="0"/>
+                <a:ea typeface="Arial" charset="0"/>
+                <a:cs typeface="Arial" charset="0"/>
                 <a:sym typeface="Cabin"/>
               </a:rPr>
               <a:t>&lt;/people&gt;</a:t>
@@ -50919,13 +50919,13 @@
               <a:buNone/>
             </a:pPr>
             <a:r>
-              <a:rPr lang="en-US" sz="7600" b="1" i="0" u="none" strike="noStrike" cap="none">
+              <a:rPr lang="en-US" sz="7600" u="none" strike="noStrike" cap="none">
                 <a:solidFill>
                   <a:srgbClr val="FFD966"/>
                 </a:solidFill>
-                <a:latin typeface="Cabin"/>
-                <a:ea typeface="Cabin"/>
-                <a:cs typeface="Cabin"/>
+                <a:latin typeface="Arial" charset="0"/>
+                <a:ea typeface="Arial" charset="0"/>
+                <a:cs typeface="Arial" charset="0"/>
                 <a:sym typeface="Cabin"/>
               </a:rPr>
               <a:t>XML</a:t>
@@ -50980,13 +50980,13 @@
               <a:buNone/>
             </a:pPr>
             <a:r>
-              <a:rPr lang="en-US" sz="3200" b="0" i="0" u="none" strike="noStrike" cap="none">
+              <a:rPr lang="en-US" sz="3200" u="none" strike="noStrike" cap="none">
                 <a:solidFill>
                   <a:schemeClr val="lt1"/>
                 </a:solidFill>
-                <a:latin typeface="Cabin"/>
-                <a:ea typeface="Cabin"/>
-                <a:cs typeface="Cabin"/>
+                <a:latin typeface="Arial" charset="0"/>
+                <a:ea typeface="Arial" charset="0"/>
+                <a:cs typeface="Arial" charset="0"/>
                 <a:sym typeface="Cabin"/>
               </a:rPr>
               <a:t>Marking up data to send across the network...</a:t>
@@ -51037,13 +51037,13 @@
               <a:buNone/>
             </a:pPr>
             <a:r>
-              <a:rPr lang="en-US" sz="3000" b="0" i="0" u="sng" strike="noStrike" cap="none">
+              <a:rPr lang="en-US" sz="3000" u="sng" strike="noStrike" cap="none">
                 <a:solidFill>
                   <a:srgbClr val="FFFF00"/>
                 </a:solidFill>
-                <a:latin typeface="Cabin"/>
-                <a:ea typeface="Cabin"/>
-                <a:cs typeface="Cabin"/>
+                <a:latin typeface="Arial" charset="0"/>
+                <a:ea typeface="Arial" charset="0"/>
+                <a:cs typeface="Arial" charset="0"/>
                 <a:sym typeface="Cabin"/>
                 <a:hlinkClick r:id="rId3"/>
               </a:rPr>
@@ -51124,13 +51124,13 @@
               <a:buNone/>
             </a:pPr>
             <a:r>
-              <a:rPr lang="en-US" sz="7600" b="1" i="0" u="none" strike="noStrike" cap="none">
+              <a:rPr lang="en-US" sz="7600" u="none" strike="noStrike" cap="none">
                 <a:solidFill>
                   <a:srgbClr val="FFD966"/>
                 </a:solidFill>
-                <a:latin typeface="Cabin"/>
-                <a:ea typeface="Cabin"/>
-                <a:cs typeface="Cabin"/>
+                <a:latin typeface="Arial" charset="0"/>
+                <a:ea typeface="Arial" charset="0"/>
+                <a:cs typeface="Arial" charset="0"/>
                 <a:sym typeface="Cabin"/>
               </a:rPr>
               <a:t>eXtensible Markup Language</a:t>
@@ -51181,25 +51181,25 @@
               <a:buFont typeface="Cabin"/>
             </a:pPr>
             <a:r>
-              <a:rPr lang="en-US" sz="3600" b="0" i="0" u="none" strike="noStrike" cap="none">
+              <a:rPr lang="en-US" sz="3600" u="none" strike="noStrike" cap="none">
                 <a:solidFill>
                   <a:schemeClr val="lt1"/>
                 </a:solidFill>
-                <a:latin typeface="Cabin"/>
-                <a:ea typeface="Cabin"/>
-                <a:cs typeface="Cabin"/>
+                <a:latin typeface="Arial" charset="0"/>
+                <a:ea typeface="Arial" charset="0"/>
+                <a:cs typeface="Arial" charset="0"/>
                 <a:sym typeface="Cabin"/>
               </a:rPr>
               <a:t>Primary purpose is to help information systems </a:t>
             </a:r>
             <a:r>
-              <a:rPr lang="en-US" sz="3600" b="0" i="0" u="none" strike="noStrike" cap="none">
+              <a:rPr lang="en-US" sz="3600" u="none" strike="noStrike" cap="none">
                 <a:solidFill>
                   <a:srgbClr val="00FF00"/>
                 </a:solidFill>
-                <a:latin typeface="Cabin"/>
-                <a:ea typeface="Cabin"/>
-                <a:cs typeface="Cabin"/>
+                <a:latin typeface="Arial" charset="0"/>
+                <a:ea typeface="Arial" charset="0"/>
+                <a:cs typeface="Arial" charset="0"/>
                 <a:sym typeface="Cabin"/>
               </a:rPr>
               <a:t>share structured data</a:t>
@@ -51220,13 +51220,13 @@
               <a:buFont typeface="Cabin"/>
             </a:pPr>
             <a:r>
-              <a:rPr lang="en-US" sz="3600" b="0" i="0" u="none" strike="noStrike" cap="none">
+              <a:rPr lang="en-US" sz="3600" u="none" strike="noStrike" cap="none">
                 <a:solidFill>
                   <a:schemeClr val="lt1"/>
                 </a:solidFill>
-                <a:latin typeface="Cabin"/>
-                <a:ea typeface="Cabin"/>
-                <a:cs typeface="Cabin"/>
+                <a:latin typeface="Arial" charset="0"/>
+                <a:ea typeface="Arial" charset="0"/>
+                <a:cs typeface="Arial" charset="0"/>
                 <a:sym typeface="Cabin"/>
               </a:rPr>
               <a:t>It started as a simplified subset of the Standard Generalized Markup Language (SGML), and is designed to be relatively human-legible</a:t>
@@ -51277,13 +51277,13 @@
               <a:buNone/>
             </a:pPr>
             <a:r>
-              <a:rPr lang="en-US" sz="3000" b="0" i="0" u="sng" strike="noStrike" cap="none">
+              <a:rPr lang="en-US" sz="3000" u="sng" strike="noStrike" cap="none">
                 <a:solidFill>
                   <a:srgbClr val="FFFF00"/>
                 </a:solidFill>
-                <a:latin typeface="Cabin"/>
-                <a:ea typeface="Cabin"/>
-                <a:cs typeface="Cabin"/>
+                <a:latin typeface="Arial" charset="0"/>
+                <a:ea typeface="Arial" charset="0"/>
+                <a:cs typeface="Arial" charset="0"/>
                 <a:sym typeface="Cabin"/>
                 <a:hlinkClick r:id="rId3"/>
               </a:rPr>
@@ -51364,13 +51364,13 @@
               <a:buNone/>
             </a:pPr>
             <a:r>
-              <a:rPr lang="en-US" sz="7600" b="1" i="0" u="none" strike="noStrike" cap="none">
+              <a:rPr lang="en-US" sz="7600" u="none" strike="noStrike" cap="none">
                 <a:solidFill>
                   <a:srgbClr val="FFD966"/>
                 </a:solidFill>
-                <a:latin typeface="Cabin"/>
-                <a:ea typeface="Cabin"/>
-                <a:cs typeface="Cabin"/>
+                <a:latin typeface="Arial" charset="0"/>
+                <a:ea typeface="Arial" charset="0"/>
+                <a:cs typeface="Arial" charset="0"/>
                 <a:sym typeface="Cabin"/>
               </a:rPr>
               <a:t>XML Basics</a:t>
@@ -51425,13 +51425,13 @@
               <a:buChar char="•"/>
             </a:pPr>
             <a:r>
-              <a:rPr lang="en-US" sz="3600" b="0" i="0" u="none" strike="noStrike" cap="none">
+              <a:rPr lang="en-US" sz="3600" u="none" strike="noStrike" cap="none">
                 <a:solidFill>
                   <a:srgbClr val="00FF00"/>
                 </a:solidFill>
-                <a:latin typeface="Cabin"/>
-                <a:ea typeface="Cabin"/>
-                <a:cs typeface="Cabin"/>
+                <a:latin typeface="Arial" charset="0"/>
+                <a:ea typeface="Arial" charset="0"/>
+                <a:cs typeface="Arial" charset="0"/>
                 <a:sym typeface="Cabin"/>
               </a:rPr>
               <a:t>Start Tag</a:t>
@@ -51456,13 +51456,13 @@
               <a:buChar char="•"/>
             </a:pPr>
             <a:r>
-              <a:rPr lang="en-US" sz="3600" b="0" i="0" u="none" strike="noStrike" cap="none">
+              <a:rPr lang="en-US" sz="3600" u="none" strike="noStrike" cap="none">
                 <a:solidFill>
                   <a:srgbClr val="FFFF00"/>
                 </a:solidFill>
-                <a:latin typeface="Cabin"/>
-                <a:ea typeface="Cabin"/>
-                <a:cs typeface="Cabin"/>
+                <a:latin typeface="Arial" charset="0"/>
+                <a:ea typeface="Arial" charset="0"/>
+                <a:cs typeface="Arial" charset="0"/>
                 <a:sym typeface="Cabin"/>
               </a:rPr>
               <a:t>End Tag</a:t>
@@ -51487,13 +51487,13 @@
               <a:buChar char="•"/>
             </a:pPr>
             <a:r>
-              <a:rPr lang="en-US" sz="3600" b="0" i="0" u="none" strike="noStrike" cap="none">
+              <a:rPr lang="en-US" sz="3600" u="none" strike="noStrike" cap="none">
                 <a:solidFill>
                   <a:schemeClr val="lt1"/>
                 </a:solidFill>
-                <a:latin typeface="Cabin"/>
-                <a:ea typeface="Cabin"/>
-                <a:cs typeface="Cabin"/>
+                <a:latin typeface="Arial" charset="0"/>
+                <a:ea typeface="Arial" charset="0"/>
+                <a:cs typeface="Arial" charset="0"/>
                 <a:sym typeface="Cabin"/>
               </a:rPr>
               <a:t>Text Content</a:t>
@@ -51518,13 +51518,13 @@
               <a:buChar char="•"/>
             </a:pPr>
             <a:r>
-              <a:rPr lang="en-US" sz="3600" b="0" i="0" u="none" strike="noStrike" cap="none">
+              <a:rPr lang="en-US" sz="3600" u="none" strike="noStrike" cap="none">
                 <a:solidFill>
                   <a:srgbClr val="FF7F00"/>
                 </a:solidFill>
-                <a:latin typeface="Cabin"/>
-                <a:ea typeface="Cabin"/>
-                <a:cs typeface="Cabin"/>
+                <a:latin typeface="Arial" charset="0"/>
+                <a:ea typeface="Arial" charset="0"/>
+                <a:cs typeface="Arial" charset="0"/>
                 <a:sym typeface="Cabin"/>
               </a:rPr>
               <a:t>Attribute</a:t>
@@ -51549,13 +51549,13 @@
               <a:buChar char="•"/>
             </a:pPr>
             <a:r>
-              <a:rPr lang="en-US" sz="3600" b="0" i="0" u="none" strike="noStrike" cap="none">
+              <a:rPr lang="en-US" sz="3600" u="none" strike="noStrike" cap="none">
                 <a:solidFill>
                   <a:srgbClr val="FF00FF"/>
                 </a:solidFill>
-                <a:latin typeface="Cabin"/>
-                <a:ea typeface="Cabin"/>
-                <a:cs typeface="Cabin"/>
+                <a:latin typeface="Arial" charset="0"/>
+                <a:ea typeface="Arial" charset="0"/>
+                <a:cs typeface="Arial" charset="0"/>
                 <a:sym typeface="Cabin"/>
               </a:rPr>
               <a:t>Self Closing Tag</a:t>
@@ -51606,13 +51606,13 @@
               <a:buNone/>
             </a:pPr>
             <a:r>
-              <a:rPr lang="en-US" sz="4500" b="0" i="0" u="none" strike="noStrike" cap="none">
+              <a:rPr lang="en-US" sz="4500" u="none" strike="noStrike" cap="none">
                 <a:solidFill>
                   <a:srgbClr val="00FF00"/>
                 </a:solidFill>
-                <a:latin typeface="Cabin"/>
-                <a:ea typeface="Cabin"/>
-                <a:cs typeface="Cabin"/>
+                <a:latin typeface="Arial" charset="0"/>
+                <a:ea typeface="Arial" charset="0"/>
+                <a:cs typeface="Arial" charset="0"/>
                 <a:sym typeface="Cabin"/>
               </a:rPr>
               <a:t>&lt;person&gt;</a:t>
@@ -51637,49 +51637,49 @@
               <a:buNone/>
             </a:pPr>
             <a:r>
-              <a:rPr lang="en-US" sz="4500" b="0" i="0" u="none" strike="noStrike" cap="none">
+              <a:rPr lang="en-US" sz="4500" u="none" strike="noStrike" cap="none">
                 <a:solidFill>
                   <a:schemeClr val="lt1"/>
                 </a:solidFill>
-                <a:latin typeface="Cabin"/>
-                <a:ea typeface="Cabin"/>
-                <a:cs typeface="Cabin"/>
+                <a:latin typeface="Arial" charset="0"/>
+                <a:ea typeface="Arial" charset="0"/>
+                <a:cs typeface="Arial" charset="0"/>
                 <a:sym typeface="Cabin"/>
               </a:rPr>
               <a:t>  </a:t>
             </a:r>
             <a:r>
-              <a:rPr lang="en-US" sz="4500" b="0" i="0" u="none" strike="noStrike" cap="none">
+              <a:rPr lang="en-US" sz="4500" u="none" strike="noStrike" cap="none">
                 <a:solidFill>
                   <a:srgbClr val="00FF00"/>
                 </a:solidFill>
-                <a:latin typeface="Cabin"/>
-                <a:ea typeface="Cabin"/>
-                <a:cs typeface="Cabin"/>
+                <a:latin typeface="Arial" charset="0"/>
+                <a:ea typeface="Arial" charset="0"/>
+                <a:cs typeface="Arial" charset="0"/>
                 <a:sym typeface="Cabin"/>
               </a:rPr>
               <a:t>&lt;name&gt;</a:t>
             </a:r>
             <a:r>
-              <a:rPr lang="en-US" sz="4500" b="0" i="0" u="none" strike="noStrike" cap="none">
+              <a:rPr lang="en-US" sz="4500" u="none" strike="noStrike" cap="none">
                 <a:solidFill>
                   <a:schemeClr val="lt1"/>
                 </a:solidFill>
-                <a:latin typeface="Cabin"/>
-                <a:ea typeface="Cabin"/>
-                <a:cs typeface="Cabin"/>
+                <a:latin typeface="Arial" charset="0"/>
+                <a:ea typeface="Arial" charset="0"/>
+                <a:cs typeface="Arial" charset="0"/>
                 <a:sym typeface="Cabin"/>
               </a:rPr>
               <a:t>Chuck</a:t>
             </a:r>
             <a:r>
-              <a:rPr lang="en-US" sz="4500" b="0" i="0" u="none" strike="noStrike" cap="none">
+              <a:rPr lang="en-US" sz="4500" u="none" strike="noStrike" cap="none">
                 <a:solidFill>
                   <a:srgbClr val="FFFF00"/>
                 </a:solidFill>
-                <a:latin typeface="Cabin"/>
-                <a:ea typeface="Cabin"/>
-                <a:cs typeface="Cabin"/>
+                <a:latin typeface="Arial" charset="0"/>
+                <a:ea typeface="Arial" charset="0"/>
+                <a:cs typeface="Arial" charset="0"/>
                 <a:sym typeface="Cabin"/>
               </a:rPr>
               <a:t>&lt;/name&gt;</a:t>
@@ -51704,37 +51704,37 @@
               <a:buNone/>
             </a:pPr>
             <a:r>
-              <a:rPr lang="en-US" sz="4500" b="0" i="0" u="none" strike="noStrike" cap="none">
+              <a:rPr lang="en-US" sz="4500" u="none" strike="noStrike" cap="none">
                 <a:solidFill>
                   <a:schemeClr val="lt1"/>
                 </a:solidFill>
-                <a:latin typeface="Cabin"/>
-                <a:ea typeface="Cabin"/>
-                <a:cs typeface="Cabin"/>
+                <a:latin typeface="Arial" charset="0"/>
+                <a:ea typeface="Arial" charset="0"/>
+                <a:cs typeface="Arial" charset="0"/>
                 <a:sym typeface="Cabin"/>
               </a:rPr>
               <a:t>  </a:t>
             </a:r>
             <a:r>
-              <a:rPr lang="en-US" sz="4500" b="0" i="0" u="none" strike="noStrike" cap="none">
+              <a:rPr lang="en-US" sz="4500" u="none" strike="noStrike" cap="none">
                 <a:solidFill>
                   <a:srgbClr val="00FF00"/>
                 </a:solidFill>
-                <a:latin typeface="Cabin"/>
-                <a:ea typeface="Cabin"/>
-                <a:cs typeface="Cabin"/>
+                <a:latin typeface="Arial" charset="0"/>
+                <a:ea typeface="Arial" charset="0"/>
+                <a:cs typeface="Arial" charset="0"/>
                 <a:sym typeface="Cabin"/>
               </a:rPr>
               <a:t>&lt;phone </a:t>
             </a:r>
             <a:r>
-              <a:rPr lang="en-US" sz="4500" b="0" i="0" u="none" strike="noStrike" cap="none">
+              <a:rPr lang="en-US" sz="4500" u="none" strike="noStrike" cap="none">
                 <a:solidFill>
                   <a:srgbClr val="FF7F00"/>
                 </a:solidFill>
-                <a:latin typeface="Cabin"/>
-                <a:ea typeface="Cabin"/>
-                <a:cs typeface="Cabin"/>
+                <a:latin typeface="Arial" charset="0"/>
+                <a:ea typeface="Arial" charset="0"/>
+                <a:cs typeface="Arial" charset="0"/>
                 <a:sym typeface="Cabin"/>
               </a:rPr>
               <a:t>type=</a:t>
@@ -51748,13 +51748,13 @@
               <a:t>"</a:t>
             </a:r>
             <a:r>
-              <a:rPr lang="en-US" sz="4500" b="0" i="0" u="none" strike="noStrike" cap="none">
+              <a:rPr lang="en-US" sz="4500" u="none" strike="noStrike" cap="none">
                 <a:solidFill>
                   <a:srgbClr val="FF7F00"/>
                 </a:solidFill>
-                <a:latin typeface="Cabin"/>
-                <a:ea typeface="Cabin"/>
-                <a:cs typeface="Cabin"/>
+                <a:latin typeface="Arial" charset="0"/>
+                <a:ea typeface="Arial" charset="0"/>
+                <a:cs typeface="Arial" charset="0"/>
                 <a:sym typeface="Cabin"/>
               </a:rPr>
               <a:t>intl</a:t>
@@ -51768,13 +51768,13 @@
               <a:t>"</a:t>
             </a:r>
             <a:r>
-              <a:rPr lang="en-US" sz="4500" b="0" i="0" u="none" strike="noStrike" cap="none">
+              <a:rPr lang="en-US" sz="4500" u="none" strike="noStrike" cap="none">
                 <a:solidFill>
                   <a:srgbClr val="00FF00"/>
                 </a:solidFill>
-                <a:latin typeface="Cabin"/>
-                <a:ea typeface="Cabin"/>
-                <a:cs typeface="Cabin"/>
+                <a:latin typeface="Arial" charset="0"/>
+                <a:ea typeface="Arial" charset="0"/>
+                <a:cs typeface="Arial" charset="0"/>
                 <a:sym typeface="Cabin"/>
               </a:rPr>
               <a:t>&gt;</a:t>
@@ -51799,13 +51799,13 @@
               <a:buNone/>
             </a:pPr>
             <a:r>
-              <a:rPr lang="en-US" sz="4500" b="0" i="0" u="none" strike="noStrike" cap="none">
+              <a:rPr lang="en-US" sz="4500" u="none" strike="noStrike" cap="none">
                 <a:solidFill>
                   <a:schemeClr val="lt1"/>
                 </a:solidFill>
-                <a:latin typeface="Cabin"/>
-                <a:ea typeface="Cabin"/>
-                <a:cs typeface="Cabin"/>
+                <a:latin typeface="Arial" charset="0"/>
+                <a:ea typeface="Arial" charset="0"/>
+                <a:cs typeface="Arial" charset="0"/>
                 <a:sym typeface="Cabin"/>
               </a:rPr>
               <a:t>     +1 734 303 4456</a:t>
@@ -51830,25 +51830,25 @@
               <a:buNone/>
             </a:pPr>
             <a:r>
-              <a:rPr lang="en-US" sz="4500" b="0" i="0" u="none" strike="noStrike" cap="none">
+              <a:rPr lang="en-US" sz="4500" u="none" strike="noStrike" cap="none">
                 <a:solidFill>
                   <a:schemeClr val="lt1"/>
                 </a:solidFill>
-                <a:latin typeface="Cabin"/>
-                <a:ea typeface="Cabin"/>
-                <a:cs typeface="Cabin"/>
+                <a:latin typeface="Arial" charset="0"/>
+                <a:ea typeface="Arial" charset="0"/>
+                <a:cs typeface="Arial" charset="0"/>
                 <a:sym typeface="Cabin"/>
               </a:rPr>
               <a:t>   </a:t>
             </a:r>
             <a:r>
-              <a:rPr lang="en-US" sz="4500" b="0" i="0" u="none" strike="noStrike" cap="none">
+              <a:rPr lang="en-US" sz="4500" u="none" strike="noStrike" cap="none">
                 <a:solidFill>
                   <a:srgbClr val="FFFF00"/>
                 </a:solidFill>
-                <a:latin typeface="Cabin"/>
-                <a:ea typeface="Cabin"/>
-                <a:cs typeface="Cabin"/>
+                <a:latin typeface="Arial" charset="0"/>
+                <a:ea typeface="Arial" charset="0"/>
+                <a:cs typeface="Arial" charset="0"/>
                 <a:sym typeface="Cabin"/>
               </a:rPr>
               <a:t>&lt;/phone&gt;</a:t>
@@ -51873,49 +51873,49 @@
               <a:buNone/>
             </a:pPr>
             <a:r>
-              <a:rPr lang="en-US" sz="4500" b="0" i="0" u="none" strike="noStrike" cap="none">
+              <a:rPr lang="en-US" sz="4500" u="none" strike="noStrike" cap="none">
                 <a:solidFill>
                   <a:schemeClr val="lt1"/>
                 </a:solidFill>
-                <a:latin typeface="Cabin"/>
-                <a:ea typeface="Cabin"/>
-                <a:cs typeface="Cabin"/>
+                <a:latin typeface="Arial" charset="0"/>
+                <a:ea typeface="Arial" charset="0"/>
+                <a:cs typeface="Arial" charset="0"/>
                 <a:sym typeface="Cabin"/>
               </a:rPr>
               <a:t>   </a:t>
             </a:r>
             <a:r>
-              <a:rPr lang="en-US" sz="4500" b="0" i="0" u="none" strike="noStrike" cap="none">
+              <a:rPr lang="en-US" sz="4500" u="none" strike="noStrike" cap="none">
                 <a:solidFill>
                   <a:srgbClr val="FF00FF"/>
                 </a:solidFill>
-                <a:latin typeface="Cabin"/>
-                <a:ea typeface="Cabin"/>
-                <a:cs typeface="Cabin"/>
+                <a:latin typeface="Arial" charset="0"/>
+                <a:ea typeface="Arial" charset="0"/>
+                <a:cs typeface="Arial" charset="0"/>
                 <a:sym typeface="Cabin"/>
               </a:rPr>
               <a:t>&lt;email</a:t>
             </a:r>
             <a:r>
-              <a:rPr lang="en-US" sz="4500" b="0" i="0" u="none" strike="noStrike" cap="none">
+              <a:rPr lang="en-US" sz="4500" u="none" strike="noStrike" cap="none">
                 <a:solidFill>
                   <a:schemeClr val="lt1"/>
                 </a:solidFill>
-                <a:latin typeface="Cabin"/>
-                <a:ea typeface="Cabin"/>
-                <a:cs typeface="Cabin"/>
+                <a:latin typeface="Arial" charset="0"/>
+                <a:ea typeface="Arial" charset="0"/>
+                <a:cs typeface="Arial" charset="0"/>
                 <a:sym typeface="Cabin"/>
               </a:rPr>
               <a:t> </a:t>
             </a:r>
             <a:r>
-              <a:rPr lang="en-US" sz="4500" b="0" i="0" u="none" strike="noStrike" cap="none">
+              <a:rPr lang="en-US" sz="4500" u="none" strike="noStrike" cap="none">
                 <a:solidFill>
                   <a:srgbClr val="FF7F00"/>
                 </a:solidFill>
-                <a:latin typeface="Cabin"/>
-                <a:ea typeface="Cabin"/>
-                <a:cs typeface="Cabin"/>
+                <a:latin typeface="Arial" charset="0"/>
+                <a:ea typeface="Arial" charset="0"/>
+                <a:cs typeface="Arial" charset="0"/>
                 <a:sym typeface="Cabin"/>
               </a:rPr>
               <a:t>hide=</a:t>
@@ -51929,13 +51929,13 @@
               <a:t>"</a:t>
             </a:r>
             <a:r>
-              <a:rPr lang="en-US" sz="4500" b="0" i="0" u="none" strike="noStrike" cap="none">
+              <a:rPr lang="en-US" sz="4500" u="none" strike="noStrike" cap="none">
                 <a:solidFill>
                   <a:srgbClr val="FF7F00"/>
                 </a:solidFill>
-                <a:latin typeface="Cabin"/>
-                <a:ea typeface="Cabin"/>
-                <a:cs typeface="Cabin"/>
+                <a:latin typeface="Arial" charset="0"/>
+                <a:ea typeface="Arial" charset="0"/>
+                <a:cs typeface="Arial" charset="0"/>
                 <a:sym typeface="Cabin"/>
               </a:rPr>
               <a:t>yes</a:t>
@@ -51949,25 +51949,25 @@
               <a:t>"</a:t>
             </a:r>
             <a:r>
-              <a:rPr lang="en-US" sz="4500" b="0" i="0" u="none" strike="noStrike" cap="none">
+              <a:rPr lang="en-US" sz="4500" u="none" strike="noStrike" cap="none">
                 <a:solidFill>
                   <a:schemeClr val="lt1"/>
                 </a:solidFill>
-                <a:latin typeface="Cabin"/>
-                <a:ea typeface="Cabin"/>
-                <a:cs typeface="Cabin"/>
+                <a:latin typeface="Arial" charset="0"/>
+                <a:ea typeface="Arial" charset="0"/>
+                <a:cs typeface="Arial" charset="0"/>
                 <a:sym typeface="Cabin"/>
               </a:rPr>
               <a:t> </a:t>
             </a:r>
             <a:r>
-              <a:rPr lang="en-US" sz="4500" b="0" i="0" u="none" strike="noStrike" cap="none">
+              <a:rPr lang="en-US" sz="4500" u="none" strike="noStrike" cap="none">
                 <a:solidFill>
                   <a:srgbClr val="FF00FF"/>
                 </a:solidFill>
-                <a:latin typeface="Cabin"/>
-                <a:ea typeface="Cabin"/>
-                <a:cs typeface="Cabin"/>
+                <a:latin typeface="Arial" charset="0"/>
+                <a:ea typeface="Arial" charset="0"/>
+                <a:cs typeface="Arial" charset="0"/>
                 <a:sym typeface="Cabin"/>
               </a:rPr>
               <a:t>/&gt;</a:t>
@@ -51992,13 +51992,13 @@
               <a:buNone/>
             </a:pPr>
             <a:r>
-              <a:rPr lang="en-US" sz="4500" b="0" i="0" u="none" strike="noStrike" cap="none">
+              <a:rPr lang="en-US" sz="4500" u="none" strike="noStrike" cap="none">
                 <a:solidFill>
                   <a:srgbClr val="FFFF00"/>
                 </a:solidFill>
-                <a:latin typeface="Cabin"/>
-                <a:ea typeface="Cabin"/>
-                <a:cs typeface="Cabin"/>
+                <a:latin typeface="Arial" charset="0"/>
+                <a:ea typeface="Arial" charset="0"/>
+                <a:cs typeface="Arial" charset="0"/>
                 <a:sym typeface="Cabin"/>
               </a:rPr>
               <a:t>&lt;/person&gt;</a:t>

--- a/lectures3/Pythonlearn-13-WebServices.pptx
+++ b/lectures3/Pythonlearn-13-WebServices.pptx
@@ -8725,6 +8725,13 @@
   <p:clrMapOvr>
     <a:masterClrMapping/>
   </p:clrMapOvr>
+  <p:timing>
+    <p:tnLst>
+      <p:par>
+        <p:cTn id="1" dur="indefinite" restart="never" nodeType="tmRoot"/>
+      </p:par>
+    </p:tnLst>
+  </p:timing>
 </p:sld>
 </file>
 
@@ -9310,7 +9317,31 @@
                 <a:cs typeface="Arial" charset="0"/>
                 <a:sym typeface="Cabin"/>
               </a:rPr>
-              <a:t>   &lt;email hide=</a:t>
+              <a:t>  </a:t>
+            </a:r>
+            <a:r>
+              <a:rPr lang="en-US" sz="3200" u="none" strike="noStrike" cap="none" dirty="0" smtClean="0">
+                <a:solidFill>
+                  <a:srgbClr val="FFFF00"/>
+                </a:solidFill>
+                <a:latin typeface="Arial" charset="0"/>
+                <a:ea typeface="Arial" charset="0"/>
+                <a:cs typeface="Arial" charset="0"/>
+                <a:sym typeface="Cabin"/>
+              </a:rPr>
+              <a:t>&lt;</a:t>
+            </a:r>
+            <a:r>
+              <a:rPr lang="en-US" sz="3200" u="none" strike="noStrike" cap="none" dirty="0">
+                <a:solidFill>
+                  <a:srgbClr val="FFFF00"/>
+                </a:solidFill>
+                <a:latin typeface="Arial" charset="0"/>
+                <a:ea typeface="Arial" charset="0"/>
+                <a:cs typeface="Arial" charset="0"/>
+                <a:sym typeface="Cabin"/>
+              </a:rPr>
+              <a:t>email hide=</a:t>
             </a:r>
             <a:r>
               <a:rPr lang="en-US" sz="3200" dirty="0">
@@ -9448,6 +9479,13 @@
   <p:clrMapOvr>
     <a:masterClrMapping/>
   </p:clrMapOvr>
+  <p:timing>
+    <p:tnLst>
+      <p:par>
+        <p:cTn id="1" dur="indefinite" restart="never" nodeType="tmRoot"/>
+      </p:par>
+    </p:tnLst>
+  </p:timing>
 </p:sld>
 </file>
 
@@ -9615,6 +9653,13 @@
   <p:clrMapOvr>
     <a:masterClrMapping/>
   </p:clrMapOvr>
+  <p:timing>
+    <p:tnLst>
+      <p:par>
+        <p:cTn id="1" dur="indefinite" restart="never" nodeType="tmRoot"/>
+      </p:par>
+    </p:tnLst>
+  </p:timing>
 </p:sld>
 </file>
 
@@ -9935,6 +9980,13 @@
   <p:clrMapOvr>
     <a:masterClrMapping/>
   </p:clrMapOvr>
+  <p:timing>
+    <p:tnLst>
+      <p:par>
+        <p:cTn id="1" dur="indefinite" restart="never" nodeType="tmRoot"/>
+      </p:par>
+    </p:tnLst>
+  </p:timing>
 </p:sld>
 </file>
 
@@ -10095,7 +10147,31 @@
                 <a:cs typeface="Arial" charset="0"/>
                 <a:sym typeface="Cabin"/>
               </a:rPr>
-              <a:t>  &lt;b&gt;</a:t>
+              <a:t> </a:t>
+            </a:r>
+            <a:r>
+              <a:rPr lang="en-US" sz="3200" u="none" strike="noStrike" cap="none" dirty="0" smtClean="0">
+                <a:solidFill>
+                  <a:srgbClr val="FF7F00"/>
+                </a:solidFill>
+                <a:latin typeface="Arial" charset="0"/>
+                <a:ea typeface="Arial" charset="0"/>
+                <a:cs typeface="Arial" charset="0"/>
+                <a:sym typeface="Cabin"/>
+              </a:rPr>
+              <a:t>  </a:t>
+            </a:r>
+            <a:r>
+              <a:rPr lang="en-US" sz="3200" u="none" strike="noStrike" cap="none" dirty="0">
+                <a:solidFill>
+                  <a:srgbClr val="FF7F00"/>
+                </a:solidFill>
+                <a:latin typeface="Arial" charset="0"/>
+                <a:ea typeface="Arial" charset="0"/>
+                <a:cs typeface="Arial" charset="0"/>
+                <a:sym typeface="Cabin"/>
+              </a:rPr>
+              <a:t>&lt;b&gt;</a:t>
             </a:r>
             <a:r>
               <a:rPr lang="en-US" sz="3200" u="none" strike="noStrike" cap="none" dirty="0">
@@ -10150,7 +10226,31 @@
                 <a:cs typeface="Arial" charset="0"/>
                 <a:sym typeface="Cabin"/>
               </a:rPr>
-              <a:t>    &lt;c&gt;</a:t>
+              <a:t>   </a:t>
+            </a:r>
+            <a:r>
+              <a:rPr lang="en-US" sz="3200" u="none" strike="noStrike" cap="none" dirty="0" smtClean="0">
+                <a:solidFill>
+                  <a:srgbClr val="FF7F00"/>
+                </a:solidFill>
+                <a:latin typeface="Arial" charset="0"/>
+                <a:ea typeface="Arial" charset="0"/>
+                <a:cs typeface="Arial" charset="0"/>
+                <a:sym typeface="Cabin"/>
+              </a:rPr>
+              <a:t>&lt;</a:t>
+            </a:r>
+            <a:r>
+              <a:rPr lang="en-US" sz="3200" u="none" strike="noStrike" cap="none" dirty="0">
+                <a:solidFill>
+                  <a:srgbClr val="FF7F00"/>
+                </a:solidFill>
+                <a:latin typeface="Arial" charset="0"/>
+                <a:ea typeface="Arial" charset="0"/>
+                <a:cs typeface="Arial" charset="0"/>
+                <a:sym typeface="Cabin"/>
+              </a:rPr>
+              <a:t>c&gt;</a:t>
             </a:r>
           </a:p>
           <a:p>
@@ -10291,7 +10391,31 @@
                 <a:cs typeface="Arial" charset="0"/>
                 <a:sym typeface="Cabin"/>
               </a:rPr>
-              <a:t>    &lt;/c&gt;</a:t>
+              <a:t>   </a:t>
+            </a:r>
+            <a:r>
+              <a:rPr lang="en-US" sz="3200" u="none" strike="noStrike" cap="none" dirty="0" smtClean="0">
+                <a:solidFill>
+                  <a:srgbClr val="FF7F00"/>
+                </a:solidFill>
+                <a:latin typeface="Arial" charset="0"/>
+                <a:ea typeface="Arial" charset="0"/>
+                <a:cs typeface="Arial" charset="0"/>
+                <a:sym typeface="Cabin"/>
+              </a:rPr>
+              <a:t>&lt;/</a:t>
+            </a:r>
+            <a:r>
+              <a:rPr lang="en-US" sz="3200" u="none" strike="noStrike" cap="none" dirty="0">
+                <a:solidFill>
+                  <a:srgbClr val="FF7F00"/>
+                </a:solidFill>
+                <a:latin typeface="Arial" charset="0"/>
+                <a:ea typeface="Arial" charset="0"/>
+                <a:cs typeface="Arial" charset="0"/>
+                <a:sym typeface="Cabin"/>
+              </a:rPr>
+              <a:t>c&gt;</a:t>
             </a:r>
           </a:p>
           <a:p>
@@ -11115,6 +11239,13 @@
   <p:clrMapOvr>
     <a:masterClrMapping/>
   </p:clrMapOvr>
+  <p:timing>
+    <p:tnLst>
+      <p:par>
+        <p:cTn id="1" dur="indefinite" restart="never" nodeType="tmRoot"/>
+      </p:par>
+    </p:tnLst>
+  </p:timing>
 </p:sld>
 </file>
 
@@ -12595,6 +12726,13 @@
   <p:clrMapOvr>
     <a:masterClrMapping/>
   </p:clrMapOvr>
+  <p:timing>
+    <p:tnLst>
+      <p:par>
+        <p:cTn id="1" dur="indefinite" restart="never" nodeType="tmRoot"/>
+      </p:par>
+    </p:tnLst>
+  </p:timing>
 </p:sld>
 </file>
 
@@ -14021,6 +14159,13 @@
   <p:clrMapOvr>
     <a:masterClrMapping/>
   </p:clrMapOvr>
+  <p:timing>
+    <p:tnLst>
+      <p:par>
+        <p:cTn id="1" dur="indefinite" restart="never" nodeType="tmRoot"/>
+      </p:par>
+    </p:tnLst>
+  </p:timing>
 </p:sld>
 </file>
 
@@ -14324,6 +14469,13 @@
   <p:clrMapOvr>
     <a:masterClrMapping/>
   </p:clrMapOvr>
+  <p:timing>
+    <p:tnLst>
+      <p:par>
+        <p:cTn id="1" dur="indefinite" restart="never" nodeType="tmRoot"/>
+      </p:par>
+    </p:tnLst>
+  </p:timing>
 </p:sld>
 </file>
 
@@ -14778,6 +14930,13 @@
   <p:clrMapOvr>
     <a:masterClrMapping/>
   </p:clrMapOvr>
+  <p:timing>
+    <p:tnLst>
+      <p:par>
+        <p:cTn id="1" dur="indefinite" restart="never" nodeType="tmRoot"/>
+      </p:par>
+    </p:tnLst>
+  </p:timing>
 </p:sld>
 </file>
 
@@ -15135,6 +15294,13 @@
   <p:clrMapOvr>
     <a:masterClrMapping/>
   </p:clrMapOvr>
+  <p:timing>
+    <p:tnLst>
+      <p:par>
+        <p:cTn id="1" dur="indefinite" restart="never" nodeType="tmRoot"/>
+      </p:par>
+    </p:tnLst>
+  </p:timing>
 </p:sld>
 </file>
 
@@ -15964,6 +16130,13 @@
   <p:clrMapOvr>
     <a:masterClrMapping/>
   </p:clrMapOvr>
+  <p:timing>
+    <p:tnLst>
+      <p:par>
+        <p:cTn id="1" dur="indefinite" restart="never" nodeType="tmRoot"/>
+      </p:par>
+    </p:tnLst>
+  </p:timing>
 </p:sld>
 </file>
 
@@ -16153,6 +16326,13 @@
   <p:clrMapOvr>
     <a:masterClrMapping/>
   </p:clrMapOvr>
+  <p:timing>
+    <p:tnLst>
+      <p:par>
+        <p:cTn id="1" dur="indefinite" restart="never" nodeType="tmRoot"/>
+      </p:par>
+    </p:tnLst>
+  </p:timing>
 </p:sld>
 </file>
 
@@ -16649,6 +16829,13 @@
   <p:clrMapOvr>
     <a:masterClrMapping/>
   </p:clrMapOvr>
+  <p:timing>
+    <p:tnLst>
+      <p:par>
+        <p:cTn id="1" dur="indefinite" restart="never" nodeType="tmRoot"/>
+      </p:par>
+    </p:tnLst>
+  </p:timing>
 </p:sld>
 </file>
 
@@ -17070,6 +17257,13 @@
   <p:clrMapOvr>
     <a:masterClrMapping/>
   </p:clrMapOvr>
+  <p:timing>
+    <p:tnLst>
+      <p:par>
+        <p:cTn id="1" dur="indefinite" restart="never" nodeType="tmRoot"/>
+      </p:par>
+    </p:tnLst>
+  </p:timing>
 </p:sld>
 </file>
 
@@ -17852,6 +18046,13 @@
   <p:clrMapOvr>
     <a:masterClrMapping/>
   </p:clrMapOvr>
+  <p:timing>
+    <p:tnLst>
+      <p:par>
+        <p:cTn id="1" dur="indefinite" restart="never" nodeType="tmRoot"/>
+      </p:par>
+    </p:tnLst>
+  </p:timing>
 </p:sld>
 </file>
 
@@ -19282,6 +19483,13 @@
   <p:clrMapOvr>
     <a:masterClrMapping/>
   </p:clrMapOvr>
+  <p:timing>
+    <p:tnLst>
+      <p:par>
+        <p:cTn id="1" dur="indefinite" restart="never" nodeType="tmRoot"/>
+      </p:par>
+    </p:tnLst>
+  </p:timing>
 </p:sld>
 </file>
 
@@ -19897,6 +20105,13 @@
   <p:clrMapOvr>
     <a:masterClrMapping/>
   </p:clrMapOvr>
+  <p:timing>
+    <p:tnLst>
+      <p:par>
+        <p:cTn id="1" dur="indefinite" restart="never" nodeType="tmRoot"/>
+      </p:par>
+    </p:tnLst>
+  </p:timing>
 </p:sld>
 </file>
 
@@ -20437,6 +20652,13 @@
   <p:clrMapOvr>
     <a:masterClrMapping/>
   </p:clrMapOvr>
+  <p:timing>
+    <p:tnLst>
+      <p:par>
+        <p:cTn id="1" dur="indefinite" restart="never" nodeType="tmRoot"/>
+      </p:par>
+    </p:tnLst>
+  </p:timing>
 </p:sld>
 </file>
 
@@ -20567,6 +20789,13 @@
   <p:clrMapOvr>
     <a:masterClrMapping/>
   </p:clrMapOvr>
+  <p:timing>
+    <p:tnLst>
+      <p:par>
+        <p:cTn id="1" dur="indefinite" restart="never" nodeType="tmRoot"/>
+      </p:par>
+    </p:tnLst>
+  </p:timing>
 </p:sld>
 </file>
 
@@ -20677,6 +20906,13 @@
   <p:clrMapOvr>
     <a:masterClrMapping/>
   </p:clrMapOvr>
+  <p:timing>
+    <p:tnLst>
+      <p:par>
+        <p:cTn id="1" dur="indefinite" restart="never" nodeType="tmRoot"/>
+      </p:par>
+    </p:tnLst>
+  </p:timing>
 </p:sld>
 </file>
 
@@ -21347,6 +21583,13 @@
   <p:clrMapOvr>
     <a:masterClrMapping/>
   </p:clrMapOvr>
+  <p:timing>
+    <p:tnLst>
+      <p:par>
+        <p:cTn id="1" dur="indefinite" restart="never" nodeType="tmRoot"/>
+      </p:par>
+    </p:tnLst>
+  </p:timing>
 </p:sld>
 </file>
 
@@ -22482,6 +22725,13 @@
   <p:clrMapOvr>
     <a:masterClrMapping/>
   </p:clrMapOvr>
+  <p:timing>
+    <p:tnLst>
+      <p:par>
+        <p:cTn id="1" dur="indefinite" restart="never" nodeType="tmRoot"/>
+      </p:par>
+    </p:tnLst>
+  </p:timing>
 </p:sld>
 </file>
 
@@ -23058,6 +23308,13 @@
   <p:clrMapOvr>
     <a:masterClrMapping/>
   </p:clrMapOvr>
+  <p:timing>
+    <p:tnLst>
+      <p:par>
+        <p:cTn id="1" dur="indefinite" restart="never" nodeType="tmRoot"/>
+      </p:par>
+    </p:tnLst>
+  </p:timing>
 </p:sld>
 </file>
 
@@ -23137,7 +23394,7 @@
       </p:sp>
       <p:sp>
         <p:nvSpPr>
-          <p:cNvPr id="7" name="Text Placeholder 6"/>
+          <p:cNvPr id="2" name="Text Placeholder 1"/>
           <p:cNvSpPr>
             <a:spLocks noGrp="1"/>
           </p:cNvSpPr>
@@ -23159,6 +23416,13 @@
   <p:clrMapOvr>
     <a:masterClrMapping/>
   </p:clrMapOvr>
+  <p:timing>
+    <p:tnLst>
+      <p:par>
+        <p:cTn id="1" dur="indefinite" restart="never" nodeType="tmRoot"/>
+      </p:par>
+    </p:tnLst>
+  </p:timing>
 </p:sld>
 </file>
 
@@ -23490,6 +23754,13 @@
   <p:clrMapOvr>
     <a:masterClrMapping/>
   </p:clrMapOvr>
+  <p:timing>
+    <p:tnLst>
+      <p:par>
+        <p:cTn id="1" dur="indefinite" restart="never" nodeType="tmRoot"/>
+      </p:par>
+    </p:tnLst>
+  </p:timing>
 </p:sld>
 </file>
 
@@ -23542,6 +23813,13 @@
   <p:clrMapOvr>
     <a:masterClrMapping/>
   </p:clrMapOvr>
+  <p:timing>
+    <p:tnLst>
+      <p:par>
+        <p:cTn id="1" dur="indefinite" restart="never" nodeType="tmRoot"/>
+      </p:par>
+    </p:tnLst>
+  </p:timing>
 </p:sld>
 </file>
 
@@ -23594,6 +23872,13 @@
   <p:clrMapOvr>
     <a:masterClrMapping/>
   </p:clrMapOvr>
+  <p:timing>
+    <p:tnLst>
+      <p:par>
+        <p:cTn id="1" dur="indefinite" restart="never" nodeType="tmRoot"/>
+      </p:par>
+    </p:tnLst>
+  </p:timing>
 </p:sld>
 </file>
 
@@ -24483,6 +24768,13 @@
   <p:clrMapOvr>
     <a:masterClrMapping/>
   </p:clrMapOvr>
+  <p:timing>
+    <p:tnLst>
+      <p:par>
+        <p:cTn id="1" dur="indefinite" restart="never" nodeType="tmRoot"/>
+      </p:par>
+    </p:tnLst>
+  </p:timing>
 </p:sld>
 </file>
 
@@ -25486,6 +25778,13 @@
   <p:clrMapOvr>
     <a:masterClrMapping/>
   </p:clrMapOvr>
+  <p:timing>
+    <p:tnLst>
+      <p:par>
+        <p:cTn id="1" dur="indefinite" restart="never" nodeType="tmRoot"/>
+      </p:par>
+    </p:tnLst>
+  </p:timing>
 </p:sld>
 </file>
 
@@ -25668,6 +25967,13 @@
   <p:clrMapOvr>
     <a:masterClrMapping/>
   </p:clrMapOvr>
+  <p:timing>
+    <p:tnLst>
+      <p:par>
+        <p:cTn id="1" dur="indefinite" restart="never" nodeType="tmRoot"/>
+      </p:par>
+    </p:tnLst>
+  </p:timing>
 </p:sld>
 </file>
 
@@ -26403,6 +26709,13 @@
   <p:clrMapOvr>
     <a:masterClrMapping/>
   </p:clrMapOvr>
+  <p:timing>
+    <p:tnLst>
+      <p:par>
+        <p:cTn id="1" dur="indefinite" restart="never" nodeType="tmRoot"/>
+      </p:par>
+    </p:tnLst>
+  </p:timing>
 </p:sld>
 </file>
 
@@ -26724,6 +27037,13 @@
   <p:clrMapOvr>
     <a:masterClrMapping/>
   </p:clrMapOvr>
+  <p:timing>
+    <p:tnLst>
+      <p:par>
+        <p:cTn id="1" dur="indefinite" restart="never" nodeType="tmRoot"/>
+      </p:par>
+    </p:tnLst>
+  </p:timing>
 </p:sld>
 </file>
 
@@ -26906,6 +27226,13 @@
   <p:clrMapOvr>
     <a:masterClrMapping/>
   </p:clrMapOvr>
+  <p:timing>
+    <p:tnLst>
+      <p:par>
+        <p:cTn id="1" dur="indefinite" restart="never" nodeType="tmRoot"/>
+      </p:par>
+    </p:tnLst>
+  </p:timing>
 </p:sld>
 </file>
 
@@ -27759,6 +28086,13 @@
   <p:clrMapOvr>
     <a:masterClrMapping/>
   </p:clrMapOvr>
+  <p:timing>
+    <p:tnLst>
+      <p:par>
+        <p:cTn id="1" dur="indefinite" restart="never" nodeType="tmRoot"/>
+      </p:par>
+    </p:tnLst>
+  </p:timing>
 </p:sld>
 </file>
 
@@ -28074,6 +28408,13 @@
   <p:clrMapOvr>
     <a:masterClrMapping/>
   </p:clrMapOvr>
+  <p:timing>
+    <p:tnLst>
+      <p:par>
+        <p:cTn id="1" dur="indefinite" restart="never" nodeType="tmRoot"/>
+      </p:par>
+    </p:tnLst>
+  </p:timing>
 </p:sld>
 </file>
 
@@ -28184,6 +28525,13 @@
   <p:clrMapOvr>
     <a:masterClrMapping/>
   </p:clrMapOvr>
+  <p:timing>
+    <p:tnLst>
+      <p:par>
+        <p:cTn id="1" dur="indefinite" restart="never" nodeType="tmRoot"/>
+      </p:par>
+    </p:tnLst>
+  </p:timing>
 </p:sld>
 </file>
 
@@ -29506,6 +29854,13 @@
   <p:clrMapOvr>
     <a:masterClrMapping/>
   </p:clrMapOvr>
+  <p:timing>
+    <p:tnLst>
+      <p:par>
+        <p:cTn id="1" dur="indefinite" restart="never" nodeType="tmRoot"/>
+      </p:par>
+    </p:tnLst>
+  </p:timing>
 </p:sld>
 </file>
 
@@ -31606,6 +31961,13 @@
   <p:clrMapOvr>
     <a:masterClrMapping/>
   </p:clrMapOvr>
+  <p:timing>
+    <p:tnLst>
+      <p:par>
+        <p:cTn id="1" dur="indefinite" restart="never" nodeType="tmRoot"/>
+      </p:par>
+    </p:tnLst>
+  </p:timing>
 </p:sld>
 </file>
 
@@ -31658,6 +32020,13 @@
   <p:clrMapOvr>
     <a:masterClrMapping/>
   </p:clrMapOvr>
+  <p:timing>
+    <p:tnLst>
+      <p:par>
+        <p:cTn id="1" dur="indefinite" restart="never" nodeType="tmRoot"/>
+      </p:par>
+    </p:tnLst>
+  </p:timing>
 </p:sld>
 </file>
 
@@ -31710,6 +32079,13 @@
   <p:clrMapOvr>
     <a:masterClrMapping/>
   </p:clrMapOvr>
+  <p:timing>
+    <p:tnLst>
+      <p:par>
+        <p:cTn id="1" dur="indefinite" restart="never" nodeType="tmRoot"/>
+      </p:par>
+    </p:tnLst>
+  </p:timing>
 </p:sld>
 </file>
 
@@ -31762,6 +32138,13 @@
   <p:clrMapOvr>
     <a:masterClrMapping/>
   </p:clrMapOvr>
+  <p:timing>
+    <p:tnLst>
+      <p:par>
+        <p:cTn id="1" dur="indefinite" restart="never" nodeType="tmRoot"/>
+      </p:par>
+    </p:tnLst>
+  </p:timing>
 </p:sld>
 </file>
 
@@ -32767,6 +33150,13 @@
   <p:clrMapOvr>
     <a:masterClrMapping/>
   </p:clrMapOvr>
+  <p:timing>
+    <p:tnLst>
+      <p:par>
+        <p:cTn id="1" dur="indefinite" restart="never" nodeType="tmRoot"/>
+      </p:par>
+    </p:tnLst>
+  </p:timing>
 </p:sld>
 </file>
 
@@ -33558,6 +33948,13 @@
   <p:clrMapOvr>
     <a:masterClrMapping/>
   </p:clrMapOvr>
+  <p:timing>
+    <p:tnLst>
+      <p:par>
+        <p:cTn id="1" dur="indefinite" restart="never" nodeType="tmRoot"/>
+      </p:par>
+    </p:tnLst>
+  </p:timing>
 </p:sld>
 </file>
 
@@ -34982,6 +35379,13 @@
   <p:clrMapOvr>
     <a:masterClrMapping/>
   </p:clrMapOvr>
+  <p:timing>
+    <p:tnLst>
+      <p:par>
+        <p:cTn id="1" dur="indefinite" restart="never" nodeType="tmRoot"/>
+      </p:par>
+    </p:tnLst>
+  </p:timing>
 </p:sld>
 </file>
 
@@ -35034,6 +35438,13 @@
   <p:clrMapOvr>
     <a:masterClrMapping/>
   </p:clrMapOvr>
+  <p:timing>
+    <p:tnLst>
+      <p:par>
+        <p:cTn id="1" dur="indefinite" restart="never" nodeType="tmRoot"/>
+      </p:par>
+    </p:tnLst>
+  </p:timing>
 </p:sld>
 </file>
 
@@ -37273,6 +37684,13 @@
   <p:clrMapOvr>
     <a:masterClrMapping/>
   </p:clrMapOvr>
+  <p:timing>
+    <p:tnLst>
+      <p:par>
+        <p:cTn id="1" dur="indefinite" restart="never" nodeType="tmRoot"/>
+      </p:par>
+    </p:tnLst>
+  </p:timing>
 </p:sld>
 </file>
 
@@ -37837,6 +38255,13 @@
   <p:clrMapOvr>
     <a:masterClrMapping/>
   </p:clrMapOvr>
+  <p:timing>
+    <p:tnLst>
+      <p:par>
+        <p:cTn id="1" dur="indefinite" restart="never" nodeType="tmRoot"/>
+      </p:par>
+    </p:tnLst>
+  </p:timing>
 </p:sld>
 </file>
 
@@ -38082,6 +38507,13 @@
   <p:clrMapOvr>
     <a:masterClrMapping/>
   </p:clrMapOvr>
+  <p:timing>
+    <p:tnLst>
+      <p:par>
+        <p:cTn id="1" dur="indefinite" restart="never" nodeType="tmRoot"/>
+      </p:par>
+    </p:tnLst>
+  </p:timing>
 </p:sld>
 </file>
 
@@ -38788,6 +39220,13 @@
   <p:clrMapOvr>
     <a:masterClrMapping/>
   </p:clrMapOvr>
+  <p:timing>
+    <p:tnLst>
+      <p:par>
+        <p:cTn id="1" dur="indefinite" restart="never" nodeType="tmRoot"/>
+      </p:par>
+    </p:tnLst>
+  </p:timing>
 </p:sld>
 </file>
 

--- a/lectures3/Pythonlearn-13-WebServices.pptx
+++ b/lectures3/Pythonlearn-13-WebServices.pptx
@@ -25278,7 +25278,7 @@
               <a:buNone/>
             </a:pPr>
             <a:r>
-              <a:rPr lang="en-US" sz="2600" b="1" i="0" u="none" strike="noStrike" cap="none" dirty="0">
+              <a:rPr lang="en-US" sz="2600" b="1" i="0" u="none" strike="noStrike" cap="none" dirty="0" smtClean="0">
                 <a:solidFill>
                   <a:schemeClr val="lt1"/>
                 </a:solidFill>
@@ -25287,10 +25287,10 @@
                 <a:cs typeface="Courier New"/>
                 <a:sym typeface="Courier New"/>
               </a:rPr>
-              <a:t>print 'User count:', </a:t>
-            </a:r>
-            <a:r>
-              <a:rPr lang="en-US" sz="2600" b="1" i="0" u="none" strike="noStrike" cap="none" dirty="0" err="1">
+              <a:t>print('User </a:t>
+            </a:r>
+            <a:r>
+              <a:rPr lang="en-US" sz="2600" b="1" i="0" u="none" strike="noStrike" cap="none" dirty="0">
                 <a:solidFill>
                   <a:schemeClr val="lt1"/>
                 </a:solidFill>
@@ -25299,10 +25299,10 @@
                 <a:cs typeface="Courier New"/>
                 <a:sym typeface="Courier New"/>
               </a:rPr>
-              <a:t>len</a:t>
-            </a:r>
-            <a:r>
-              <a:rPr lang="en-US" sz="2600" b="1" i="0" u="none" strike="noStrike" cap="none" dirty="0">
+              <a:t>count:', </a:t>
+            </a:r>
+            <a:r>
+              <a:rPr lang="en-US" sz="2600" b="1" i="0" u="none" strike="noStrike" cap="none" dirty="0" err="1">
                 <a:solidFill>
                   <a:schemeClr val="lt1"/>
                 </a:solidFill>
@@ -25311,8 +25311,41 @@
                 <a:cs typeface="Courier New"/>
                 <a:sym typeface="Courier New"/>
               </a:rPr>
-              <a:t>(info)</a:t>
-            </a:r>
+              <a:t>len</a:t>
+            </a:r>
+            <a:r>
+              <a:rPr lang="en-US" sz="2600" b="1" i="0" u="none" strike="noStrike" cap="none">
+                <a:solidFill>
+                  <a:schemeClr val="lt1"/>
+                </a:solidFill>
+                <a:latin typeface="Courier New"/>
+                <a:ea typeface="Courier New"/>
+                <a:cs typeface="Courier New"/>
+                <a:sym typeface="Courier New"/>
+              </a:rPr>
+              <a:t>(info</a:t>
+            </a:r>
+            <a:r>
+              <a:rPr lang="en-US" sz="2600" b="1" i="0" u="none" strike="noStrike" cap="none" smtClean="0">
+                <a:solidFill>
+                  <a:schemeClr val="lt1"/>
+                </a:solidFill>
+                <a:latin typeface="Courier New"/>
+                <a:ea typeface="Courier New"/>
+                <a:cs typeface="Courier New"/>
+                <a:sym typeface="Courier New"/>
+              </a:rPr>
+              <a:t>))</a:t>
+            </a:r>
+            <a:endParaRPr lang="en-US" sz="2600" b="1" i="0" u="none" strike="noStrike" cap="none" dirty="0">
+              <a:solidFill>
+                <a:schemeClr val="lt1"/>
+              </a:solidFill>
+              <a:latin typeface="Courier New"/>
+              <a:ea typeface="Courier New"/>
+              <a:cs typeface="Courier New"/>
+              <a:sym typeface="Courier New"/>
+            </a:endParaRPr>
           </a:p>
           <a:p>
             <a:pPr marL="0" marR="0" lvl="0" indent="0" algn="l" rtl="0">

--- a/lectures3/Pythonlearn-13-WebServices.pptx
+++ b/lectures3/Pythonlearn-13-WebServices.pptx
@@ -592,13 +592,26 @@
               <a:buNone/>
             </a:pPr>
             <a:r>
-              <a:rPr lang="en-US">
+              <a:rPr lang="en-US" dirty="0">
                 <a:solidFill>
                   <a:schemeClr val="dk2"/>
                 </a:solidFill>
               </a:rPr>
-              <a:t>Note from Chuck.  If you are using these materials, you can remove the UM logo and replace it with your own, but please retain the CC-BY logo on the first page as well as retain the entire last page.</a:t>
-            </a:r>
+              <a:t>Note from Chuck.  If you are using these materials, you can remove the UM logo and replace it with your own, but please retain the CC-BY logo on the first page as well as </a:t>
+            </a:r>
+            <a:r>
+              <a:rPr lang="en-US" dirty="0" smtClean="0">
+                <a:solidFill>
+                  <a:schemeClr val="dk2"/>
+                </a:solidFill>
+              </a:rPr>
+              <a:t>the acknowledgement page(s) at the end.</a:t>
+            </a:r>
+            <a:endParaRPr lang="en-US" dirty="0">
+              <a:solidFill>
+                <a:schemeClr val="dk2"/>
+              </a:solidFill>
+            </a:endParaRPr>
           </a:p>
         </p:txBody>
       </p:sp>

--- a/lectures3/Pythonlearn-13-WebServices.pptx
+++ b/lectures3/Pythonlearn-13-WebServices.pptx
@@ -29292,29 +29292,32 @@
       </p:sp>
       <p:pic>
         <p:nvPicPr>
-          <p:cNvPr id="597" name="Shape 597"/>
-          <p:cNvPicPr preferRelativeResize="0"/>
+          <p:cNvPr id="2" name="Picture 1"/>
+          <p:cNvPicPr>
+            <a:picLocks noChangeAspect="1"/>
+          </p:cNvPicPr>
           <p:nvPr/>
         </p:nvPicPr>
-        <p:blipFill rotWithShape="1">
+        <p:blipFill>
           <a:blip r:embed="rId4">
-            <a:alphaModFix/>
+            <a:extLst>
+              <a:ext uri="{28A0092B-C50C-407E-A947-70E740481C1C}">
+                <a14:useLocalDpi xmlns:a14="http://schemas.microsoft.com/office/drawing/2010/main" val="0"/>
+              </a:ext>
+            </a:extLst>
           </a:blip>
-          <a:srcRect/>
-          <a:stretch/>
+          <a:stretch>
+            <a:fillRect/>
+          </a:stretch>
         </p:blipFill>
         <p:spPr>
           <a:xfrm>
-            <a:off x="2846716" y="791625"/>
-            <a:ext cx="10829566" cy="7552275"/>
+            <a:off x="1962274" y="522156"/>
+            <a:ext cx="12278659" cy="8076067"/>
           </a:xfrm>
           <a:prstGeom prst="rect">
             <a:avLst/>
           </a:prstGeom>
-          <a:noFill/>
-          <a:ln>
-            <a:noFill/>
-          </a:ln>
         </p:spPr>
       </p:pic>
     </p:spTree>

--- a/lectures3/Pythonlearn-13-WebServices.pptx
+++ b/lectures3/Pythonlearn-13-WebServices.pptx
@@ -8627,6 +8627,14 @@
   <p:clrMapOvr>
     <a:masterClrMapping/>
   </p:clrMapOvr>
+  <mc:AlternateContent xmlns:mc="http://schemas.openxmlformats.org/markup-compatibility/2006">
+    <mc:Choice xmlns:p14="http://schemas.microsoft.com/office/powerpoint/2010/main" Requires="p14">
+      <p:transition spd="slow" p14:dur="2000" advClick="0"/>
+    </mc:Choice>
+    <mc:Fallback>
+      <p:transition spd="slow" advClick="0"/>
+    </mc:Fallback>
+  </mc:AlternateContent>
   <p:timing>
     <p:tnLst>
       <p:par>
@@ -10515,65 +10523,6 @@
             </a:ln>
           </p:spPr>
         </p:cxnSp>
-        <p:sp>
-          <p:nvSpPr>
-            <p:cNvPr id="312" name="Shape 312"/>
-            <p:cNvSpPr/>
-            <p:nvPr/>
-          </p:nvSpPr>
-          <p:spPr>
-            <a:xfrm>
-              <a:off x="1790700" y="0"/>
-              <a:ext cx="863599" cy="863599"/>
-            </a:xfrm>
-            <a:prstGeom prst="ellipse">
-              <a:avLst/>
-            </a:prstGeom>
-            <a:solidFill>
-              <a:srgbClr val="FF7F00"/>
-            </a:solidFill>
-            <a:ln>
-              <a:noFill/>
-            </a:ln>
-          </p:spPr>
-          <p:txBody>
-            <a:bodyPr lIns="0" tIns="0" rIns="0" bIns="0" anchor="ctr" anchorCtr="0">
-              <a:noAutofit/>
-            </a:bodyPr>
-            <a:lstStyle/>
-            <a:p>
-              <a:pPr marL="0" marR="0" lvl="0" indent="0" algn="ctr" rtl="0">
-                <a:lnSpc>
-                  <a:spcPct val="100000"/>
-                </a:lnSpc>
-                <a:spcBef>
-                  <a:spcPts val="0"/>
-                </a:spcBef>
-                <a:spcAft>
-                  <a:spcPts val="0"/>
-                </a:spcAft>
-                <a:buClr>
-                  <a:schemeClr val="lt1"/>
-                </a:buClr>
-                <a:buSzPct val="25000"/>
-                <a:buFont typeface="Cabin"/>
-                <a:buNone/>
-              </a:pPr>
-              <a:r>
-                <a:rPr lang="en-US" sz="4900" u="none" strike="noStrike" cap="none">
-                  <a:solidFill>
-                    <a:schemeClr val="lt1"/>
-                  </a:solidFill>
-                  <a:latin typeface="Arial" charset="0"/>
-                  <a:ea typeface="Arial" charset="0"/>
-                  <a:cs typeface="Arial" charset="0"/>
-                  <a:sym typeface="Cabin"/>
-                </a:rPr>
-                <a:t>a</a:t>
-              </a:r>
-            </a:p>
-          </p:txBody>
-        </p:sp>
         <p:sp>
           <p:nvSpPr>
             <p:cNvPr id="313" name="Shape 313"/>
@@ -11091,6 +11040,65 @@
             </a:ln>
           </p:spPr>
         </p:cxnSp>
+        <p:sp>
+          <p:nvSpPr>
+            <p:cNvPr id="312" name="Shape 312"/>
+            <p:cNvSpPr/>
+            <p:nvPr/>
+          </p:nvSpPr>
+          <p:spPr>
+            <a:xfrm>
+              <a:off x="1790700" y="0"/>
+              <a:ext cx="863599" cy="863599"/>
+            </a:xfrm>
+            <a:prstGeom prst="ellipse">
+              <a:avLst/>
+            </a:prstGeom>
+            <a:solidFill>
+              <a:srgbClr val="FF7F00"/>
+            </a:solidFill>
+            <a:ln>
+              <a:noFill/>
+            </a:ln>
+          </p:spPr>
+          <p:txBody>
+            <a:bodyPr lIns="0" tIns="0" rIns="0" bIns="0" anchor="ctr" anchorCtr="0">
+              <a:noAutofit/>
+            </a:bodyPr>
+            <a:lstStyle/>
+            <a:p>
+              <a:pPr marL="0" marR="0" lvl="0" indent="0" algn="ctr" rtl="0">
+                <a:lnSpc>
+                  <a:spcPct val="100000"/>
+                </a:lnSpc>
+                <a:spcBef>
+                  <a:spcPts val="0"/>
+                </a:spcBef>
+                <a:spcAft>
+                  <a:spcPts val="0"/>
+                </a:spcAft>
+                <a:buClr>
+                  <a:schemeClr val="lt1"/>
+                </a:buClr>
+                <a:buSzPct val="25000"/>
+                <a:buFont typeface="Cabin"/>
+                <a:buNone/>
+              </a:pPr>
+              <a:r>
+                <a:rPr lang="en-US" sz="4900" u="none" strike="noStrike" cap="none">
+                  <a:solidFill>
+                    <a:schemeClr val="lt1"/>
+                  </a:solidFill>
+                  <a:latin typeface="Arial" charset="0"/>
+                  <a:ea typeface="Arial" charset="0"/>
+                  <a:cs typeface="Arial" charset="0"/>
+                  <a:sym typeface="Cabin"/>
+                </a:rPr>
+                <a:t>a</a:t>
+              </a:r>
+            </a:p>
+          </p:txBody>
+        </p:sp>
       </p:grpSp>
       <p:sp>
         <p:nvSpPr>
@@ -13109,7 +13117,7 @@
         </p:nvGrpSpPr>
         <p:grpSpPr>
           <a:xfrm>
-            <a:off x="10058400" y="698500"/>
+            <a:off x="10058400" y="1635200"/>
             <a:ext cx="5143499" cy="5524499"/>
             <a:chOff x="0" y="0"/>
             <a:chExt cx="5143499" cy="5524499"/>
